--- a/1조 ppt 발표.pptx
+++ b/1조 ppt 발표.pptx
@@ -5,22 +5,21 @@
     <p:sldMasterId id="2147483744" r:id="rId1"/>
   </p:sldMasterIdLst>
   <p:sldIdLst>
-    <p:sldId id="270" r:id="rId2"/>
-    <p:sldId id="256" r:id="rId3"/>
-    <p:sldId id="266" r:id="rId4"/>
-    <p:sldId id="267" r:id="rId5"/>
-    <p:sldId id="257" r:id="rId6"/>
-    <p:sldId id="258" r:id="rId7"/>
-    <p:sldId id="260" r:id="rId8"/>
-    <p:sldId id="263" r:id="rId9"/>
-    <p:sldId id="272" r:id="rId10"/>
-    <p:sldId id="271" r:id="rId11"/>
-    <p:sldId id="273" r:id="rId12"/>
-    <p:sldId id="274" r:id="rId13"/>
-    <p:sldId id="269" r:id="rId14"/>
-    <p:sldId id="262" r:id="rId15"/>
-    <p:sldId id="275" r:id="rId16"/>
-    <p:sldId id="265" r:id="rId17"/>
+    <p:sldId id="256" r:id="rId2"/>
+    <p:sldId id="266" r:id="rId3"/>
+    <p:sldId id="267" r:id="rId4"/>
+    <p:sldId id="257" r:id="rId5"/>
+    <p:sldId id="258" r:id="rId6"/>
+    <p:sldId id="260" r:id="rId7"/>
+    <p:sldId id="263" r:id="rId8"/>
+    <p:sldId id="272" r:id="rId9"/>
+    <p:sldId id="271" r:id="rId10"/>
+    <p:sldId id="273" r:id="rId11"/>
+    <p:sldId id="274" r:id="rId12"/>
+    <p:sldId id="269" r:id="rId13"/>
+    <p:sldId id="262" r:id="rId14"/>
+    <p:sldId id="275" r:id="rId15"/>
+    <p:sldId id="265" r:id="rId16"/>
   </p:sldIdLst>
   <p:sldSz cx="12192000" cy="6858000"/>
   <p:notesSz cx="6858000" cy="9144000"/>
@@ -1138,6 +1137,14 @@
         </dgm:presLayoutVars>
       </dgm:prSet>
       <dgm:spPr/>
+      <dgm:t>
+        <a:bodyPr/>
+        <a:lstStyle/>
+        <a:p>
+          <a:pPr latinLnBrk="1"/>
+          <a:endParaRPr lang="ko-KR" altLang="en-US"/>
+        </a:p>
+      </dgm:t>
     </dgm:pt>
     <dgm:pt modelId="{B00DB301-D844-4B50-8334-1F20A8A99FCA}" type="pres">
       <dgm:prSet presAssocID="{92F3045A-6222-43BF-BA36-FD33495FC403}" presName="spacerL" presStyleCnt="0"/>
@@ -1146,6 +1153,14 @@
     <dgm:pt modelId="{C4C5C913-E574-4E3E-85B6-3B8A643BFE1A}" type="pres">
       <dgm:prSet presAssocID="{92F3045A-6222-43BF-BA36-FD33495FC403}" presName="sibTrans" presStyleLbl="sibTrans2D1" presStyleIdx="0" presStyleCnt="2"/>
       <dgm:spPr/>
+      <dgm:t>
+        <a:bodyPr/>
+        <a:lstStyle/>
+        <a:p>
+          <a:pPr latinLnBrk="1"/>
+          <a:endParaRPr lang="ko-KR" altLang="en-US"/>
+        </a:p>
+      </dgm:t>
     </dgm:pt>
     <dgm:pt modelId="{51B85BC6-884B-489B-A747-9C612DF455A4}" type="pres">
       <dgm:prSet presAssocID="{92F3045A-6222-43BF-BA36-FD33495FC403}" presName="spacerR" presStyleCnt="0"/>
@@ -1158,6 +1173,14 @@
         </dgm:presLayoutVars>
       </dgm:prSet>
       <dgm:spPr/>
+      <dgm:t>
+        <a:bodyPr/>
+        <a:lstStyle/>
+        <a:p>
+          <a:pPr latinLnBrk="1"/>
+          <a:endParaRPr lang="ko-KR" altLang="en-US"/>
+        </a:p>
+      </dgm:t>
     </dgm:pt>
     <dgm:pt modelId="{7A4A2CFF-8D6A-427A-A9FC-C2C40D80D910}" type="pres">
       <dgm:prSet presAssocID="{1B9B5C28-FCFE-431F-8F93-72E214279DB1}" presName="spacerL" presStyleCnt="0"/>
@@ -1166,6 +1189,14 @@
     <dgm:pt modelId="{3B96BA8E-194A-48A2-A591-834643722238}" type="pres">
       <dgm:prSet presAssocID="{1B9B5C28-FCFE-431F-8F93-72E214279DB1}" presName="sibTrans" presStyleLbl="sibTrans2D1" presStyleIdx="1" presStyleCnt="2"/>
       <dgm:spPr/>
+      <dgm:t>
+        <a:bodyPr/>
+        <a:lstStyle/>
+        <a:p>
+          <a:pPr latinLnBrk="1"/>
+          <a:endParaRPr lang="ko-KR" altLang="en-US"/>
+        </a:p>
+      </dgm:t>
     </dgm:pt>
     <dgm:pt modelId="{B5A7E853-C958-446C-AB54-A4E304FF517C}" type="pres">
       <dgm:prSet presAssocID="{1B9B5C28-FCFE-431F-8F93-72E214279DB1}" presName="spacerR" presStyleCnt="0"/>
@@ -1178,18 +1209,26 @@
         </dgm:presLayoutVars>
       </dgm:prSet>
       <dgm:spPr/>
+      <dgm:t>
+        <a:bodyPr/>
+        <a:lstStyle/>
+        <a:p>
+          <a:pPr latinLnBrk="1"/>
+          <a:endParaRPr lang="ko-KR" altLang="en-US"/>
+        </a:p>
+      </dgm:t>
     </dgm:pt>
   </dgm:ptLst>
   <dgm:cxnLst>
+    <dgm:cxn modelId="{054C6471-9E01-49DA-A413-3DFFFF98018B}" srcId="{7E9CFCD0-25B8-40AA-AC85-C5B8C5381894}" destId="{8EBB361D-797B-4B78-A17B-2A6921158311}" srcOrd="1" destOrd="0" parTransId="{68A7E8BE-79B5-4E01-94EC-249C61CFCF39}" sibTransId="{1B9B5C28-FCFE-431F-8F93-72E214279DB1}"/>
+    <dgm:cxn modelId="{24C4B1A8-BA59-4D74-87D9-169198A2DD6A}" type="presOf" srcId="{DF489075-45F2-4E02-9D97-602F38FA4FF8}" destId="{595BDEF5-D64B-4958-BF95-909FC76EFA93}" srcOrd="0" destOrd="0" presId="urn:microsoft.com/office/officeart/2005/8/layout/equation1"/>
+    <dgm:cxn modelId="{537642F8-4845-47B6-B420-4312D8D87C9C}" type="presOf" srcId="{8EBB361D-797B-4B78-A17B-2A6921158311}" destId="{D4F53991-8A13-48DB-B061-3D8648DB994B}" srcOrd="0" destOrd="0" presId="urn:microsoft.com/office/officeart/2005/8/layout/equation1"/>
+    <dgm:cxn modelId="{3D23CF00-22A1-4F38-913D-9026BE2237AE}" type="presOf" srcId="{7E9CFCD0-25B8-40AA-AC85-C5B8C5381894}" destId="{2EBA1C85-3260-423F-901C-D85453512030}" srcOrd="0" destOrd="0" presId="urn:microsoft.com/office/officeart/2005/8/layout/equation1"/>
     <dgm:cxn modelId="{929F80F2-11B5-4736-B4D0-0BD2630E97BC}" srcId="{7E9CFCD0-25B8-40AA-AC85-C5B8C5381894}" destId="{A16A7D9B-0A96-40BA-AB3B-A312594DEB54}" srcOrd="0" destOrd="0" parTransId="{D0B69B42-C3CB-4F7D-86BB-0B21DF573DCD}" sibTransId="{92F3045A-6222-43BF-BA36-FD33495FC403}"/>
     <dgm:cxn modelId="{80C0685D-DAEB-4A13-96FA-FCC0D4F1AA7F}" srcId="{7E9CFCD0-25B8-40AA-AC85-C5B8C5381894}" destId="{DF489075-45F2-4E02-9D97-602F38FA4FF8}" srcOrd="2" destOrd="0" parTransId="{8E44E5C8-92FC-48CA-A204-F0E010B7C540}" sibTransId="{67BD6EB9-6A31-472C-AAFE-54F7CDB356D8}"/>
-    <dgm:cxn modelId="{24C4B1A8-BA59-4D74-87D9-169198A2DD6A}" type="presOf" srcId="{DF489075-45F2-4E02-9D97-602F38FA4FF8}" destId="{595BDEF5-D64B-4958-BF95-909FC76EFA93}" srcOrd="0" destOrd="0" presId="urn:microsoft.com/office/officeart/2005/8/layout/equation1"/>
-    <dgm:cxn modelId="{537642F8-4845-47B6-B420-4312D8D87C9C}" type="presOf" srcId="{8EBB361D-797B-4B78-A17B-2A6921158311}" destId="{D4F53991-8A13-48DB-B061-3D8648DB994B}" srcOrd="0" destOrd="0" presId="urn:microsoft.com/office/officeart/2005/8/layout/equation1"/>
+    <dgm:cxn modelId="{1CB0DDC4-887D-4B33-B136-3CAB64D94C67}" type="presOf" srcId="{92F3045A-6222-43BF-BA36-FD33495FC403}" destId="{C4C5C913-E574-4E3E-85B6-3B8A643BFE1A}" srcOrd="0" destOrd="0" presId="urn:microsoft.com/office/officeart/2005/8/layout/equation1"/>
     <dgm:cxn modelId="{302CB425-5F96-4E62-98C8-2BA34703BBF2}" type="presOf" srcId="{A16A7D9B-0A96-40BA-AB3B-A312594DEB54}" destId="{9096CD8C-E8CC-49B2-816A-DE2DB1F008CF}" srcOrd="0" destOrd="0" presId="urn:microsoft.com/office/officeart/2005/8/layout/equation1"/>
     <dgm:cxn modelId="{1A246656-99E9-473A-BFAE-CFBD57A0BC2F}" type="presOf" srcId="{1B9B5C28-FCFE-431F-8F93-72E214279DB1}" destId="{3B96BA8E-194A-48A2-A591-834643722238}" srcOrd="0" destOrd="0" presId="urn:microsoft.com/office/officeart/2005/8/layout/equation1"/>
-    <dgm:cxn modelId="{3D23CF00-22A1-4F38-913D-9026BE2237AE}" type="presOf" srcId="{7E9CFCD0-25B8-40AA-AC85-C5B8C5381894}" destId="{2EBA1C85-3260-423F-901C-D85453512030}" srcOrd="0" destOrd="0" presId="urn:microsoft.com/office/officeart/2005/8/layout/equation1"/>
-    <dgm:cxn modelId="{054C6471-9E01-49DA-A413-3DFFFF98018B}" srcId="{7E9CFCD0-25B8-40AA-AC85-C5B8C5381894}" destId="{8EBB361D-797B-4B78-A17B-2A6921158311}" srcOrd="1" destOrd="0" parTransId="{68A7E8BE-79B5-4E01-94EC-249C61CFCF39}" sibTransId="{1B9B5C28-FCFE-431F-8F93-72E214279DB1}"/>
-    <dgm:cxn modelId="{1CB0DDC4-887D-4B33-B136-3CAB64D94C67}" type="presOf" srcId="{92F3045A-6222-43BF-BA36-FD33495FC403}" destId="{C4C5C913-E574-4E3E-85B6-3B8A643BFE1A}" srcOrd="0" destOrd="0" presId="urn:microsoft.com/office/officeart/2005/8/layout/equation1"/>
     <dgm:cxn modelId="{8F489970-C517-4E5D-AE8C-DEE2C4FAC649}" type="presParOf" srcId="{2EBA1C85-3260-423F-901C-D85453512030}" destId="{9096CD8C-E8CC-49B2-816A-DE2DB1F008CF}" srcOrd="0" destOrd="0" presId="urn:microsoft.com/office/officeart/2005/8/layout/equation1"/>
     <dgm:cxn modelId="{D9EBAC49-412A-4B43-9611-05EFD180FF38}" type="presParOf" srcId="{2EBA1C85-3260-423F-901C-D85453512030}" destId="{B00DB301-D844-4B50-8334-1F20A8A99FCA}" srcOrd="1" destOrd="0" presId="urn:microsoft.com/office/officeart/2005/8/layout/equation1"/>
     <dgm:cxn modelId="{274EC36F-0687-43E5-B102-BA011064E50E}" type="presParOf" srcId="{2EBA1C85-3260-423F-901C-D85453512030}" destId="{C4C5C913-E574-4E3E-85B6-3B8A643BFE1A}" srcOrd="2" destOrd="0" presId="urn:microsoft.com/office/officeart/2005/8/layout/equation1"/>
@@ -5716,12 +5755,12 @@
         <a:gradFill flip="none" rotWithShape="1">
           <a:gsLst>
             <a:gs pos="0">
-              <a:srgbClr val="D1C4E9"/>
-            </a:gs>
-            <a:gs pos="25000">
               <a:srgbClr val="673AB7"/>
             </a:gs>
-            <a:gs pos="25000">
+            <a:gs pos="50000">
+              <a:srgbClr val="673AB7"/>
+            </a:gs>
+            <a:gs pos="50000">
               <a:srgbClr val="FAFAFA"/>
             </a:gs>
             <a:gs pos="100000">
@@ -5748,94 +5787,292 @@
           <a:chExt cx="0" cy="0"/>
         </a:xfrm>
       </p:grpSpPr>
-      <p:pic>
-        <p:nvPicPr>
-          <p:cNvPr id="4" name="그림 3"/>
-          <p:cNvPicPr>
-            <a:picLocks noChangeAspect="1"/>
-          </p:cNvPicPr>
-          <p:nvPr/>
-        </p:nvPicPr>
-        <p:blipFill>
-          <a:blip r:embed="rId2"/>
-          <a:stretch>
-            <a:fillRect/>
-          </a:stretch>
-        </p:blipFill>
+      <p:sp>
+        <p:nvSpPr>
+          <p:cNvPr id="2" name="제목 1"/>
+          <p:cNvSpPr>
+            <a:spLocks noGrp="1"/>
+          </p:cNvSpPr>
+          <p:nvPr>
+            <p:ph type="ctrTitle"/>
+          </p:nvPr>
+        </p:nvSpPr>
         <p:spPr>
           <a:xfrm>
-            <a:off x="380538" y="1480369"/>
-            <a:ext cx="5000625" cy="4152900"/>
+            <a:off x="5208493" y="3618271"/>
+            <a:ext cx="7386918" cy="3006647"/>
           </a:xfrm>
-          <a:prstGeom prst="rect">
-            <a:avLst/>
-          </a:prstGeom>
         </p:spPr>
-      </p:pic>
-      <p:pic>
-        <p:nvPicPr>
-          <p:cNvPr id="2" name="그림 1"/>
-          <p:cNvPicPr>
-            <a:picLocks noChangeAspect="1"/>
-          </p:cNvPicPr>
-          <p:nvPr/>
-        </p:nvPicPr>
-        <p:blipFill>
-          <a:blip r:embed="rId3"/>
-          <a:stretch>
-            <a:fillRect/>
-          </a:stretch>
-        </p:blipFill>
-        <p:spPr>
-          <a:xfrm>
-            <a:off x="5381163" y="3220987"/>
-            <a:ext cx="8201025" cy="2343150"/>
-          </a:xfrm>
-          <a:prstGeom prst="rect">
-            <a:avLst/>
-          </a:prstGeom>
-        </p:spPr>
-      </p:pic>
-    </p:spTree>
-    <p:extLst>
-      <p:ext uri="{BB962C8B-B14F-4D97-AF65-F5344CB8AC3E}">
-        <p14:creationId xmlns:p14="http://schemas.microsoft.com/office/powerpoint/2010/main" val="4248837144"/>
-      </p:ext>
-    </p:extLst>
-  </p:cSld>
-  <p:clrMapOvr>
-    <a:masterClrMapping/>
-  </p:clrMapOvr>
-  <p:timing>
-    <p:tnLst>
-      <p:par>
-        <p:cTn id="1" dur="indefinite" restart="never" nodeType="tmRoot"/>
-      </p:par>
-    </p:tnLst>
-  </p:timing>
-</p:sld>
-</file>
-
-<file path=ppt/slides/slide10.xml><?xml version="1.0" encoding="utf-8"?>
-<p:sld xmlns:a="http://schemas.openxmlformats.org/drawingml/2006/main" xmlns:r="http://schemas.openxmlformats.org/officeDocument/2006/relationships" xmlns:p="http://schemas.openxmlformats.org/presentationml/2006/main">
-  <p:cSld>
-    <p:spTree>
-      <p:nvGrpSpPr>
-        <p:cNvPr id="1" name=""/>
-        <p:cNvGrpSpPr/>
-        <p:nvPr/>
-      </p:nvGrpSpPr>
-      <p:grpSpPr>
-        <a:xfrm>
-          <a:off x="0" y="0"/>
-          <a:ext cx="0" cy="0"/>
-          <a:chOff x="0" y="0"/>
-          <a:chExt cx="0" cy="0"/>
-        </a:xfrm>
-      </p:grpSpPr>
+        <p:txBody>
+          <a:bodyPr>
+            <a:noAutofit/>
+          </a:bodyPr>
+          <a:lstStyle/>
+          <a:p>
+            <a:pPr algn="l"/>
+            <a:r>
+              <a:rPr lang="ko-KR" altLang="en-US" sz="2900" b="1" dirty="0" smtClean="0">
+                <a:solidFill>
+                  <a:srgbClr val="4E4E4E"/>
+                </a:solidFill>
+                <a:latin typeface="나눔고딕" panose="020D0604000000000000" pitchFamily="50" charset="-127"/>
+                <a:ea typeface="나눔고딕" panose="020D0604000000000000" pitchFamily="50" charset="-127"/>
+              </a:rPr>
+              <a:t>멘토</a:t>
+            </a:r>
+            <a:r>
+              <a:rPr lang="en-US" altLang="ko-KR" sz="2900" dirty="0" smtClean="0">
+                <a:latin typeface="나눔고딕" panose="020D0604000000000000" pitchFamily="50" charset="-127"/>
+                <a:ea typeface="나눔고딕" panose="020D0604000000000000" pitchFamily="50" charset="-127"/>
+              </a:rPr>
+              <a:t/>
+            </a:r>
+            <a:br>
+              <a:rPr lang="en-US" altLang="ko-KR" sz="2900" dirty="0" smtClean="0">
+                <a:latin typeface="나눔고딕" panose="020D0604000000000000" pitchFamily="50" charset="-127"/>
+                <a:ea typeface="나눔고딕" panose="020D0604000000000000" pitchFamily="50" charset="-127"/>
+              </a:rPr>
+            </a:br>
+            <a:r>
+              <a:rPr lang="ko-KR" altLang="en-US" sz="2900" dirty="0" smtClean="0">
+                <a:solidFill>
+                  <a:srgbClr val="8F8F8F"/>
+                </a:solidFill>
+                <a:latin typeface="나눔고딕" panose="020D0604000000000000" pitchFamily="50" charset="-127"/>
+                <a:ea typeface="나눔고딕" panose="020D0604000000000000" pitchFamily="50" charset="-127"/>
+              </a:rPr>
+              <a:t>이규원</a:t>
+            </a:r>
+            <a:r>
+              <a:rPr lang="en-US" altLang="ko-KR" sz="2900" dirty="0" smtClean="0">
+                <a:solidFill>
+                  <a:srgbClr val="8F8F8F"/>
+                </a:solidFill>
+                <a:latin typeface="나눔고딕" panose="020D0604000000000000" pitchFamily="50" charset="-127"/>
+                <a:ea typeface="나눔고딕" panose="020D0604000000000000" pitchFamily="50" charset="-127"/>
+              </a:rPr>
+              <a:t>(EQ1)</a:t>
+            </a:r>
+            <a:r>
+              <a:rPr lang="en-US" altLang="ko-KR" sz="2900" dirty="0" smtClean="0">
+                <a:latin typeface="나눔고딕" panose="020D0604000000000000" pitchFamily="50" charset="-127"/>
+                <a:ea typeface="나눔고딕" panose="020D0604000000000000" pitchFamily="50" charset="-127"/>
+              </a:rPr>
+              <a:t/>
+            </a:r>
+            <a:br>
+              <a:rPr lang="en-US" altLang="ko-KR" sz="2900" dirty="0" smtClean="0">
+                <a:latin typeface="나눔고딕" panose="020D0604000000000000" pitchFamily="50" charset="-127"/>
+                <a:ea typeface="나눔고딕" panose="020D0604000000000000" pitchFamily="50" charset="-127"/>
+              </a:rPr>
+            </a:br>
+            <a:r>
+              <a:rPr lang="en-US" altLang="ko-KR" sz="2900" dirty="0" smtClean="0">
+                <a:latin typeface="나눔고딕" panose="020D0604000000000000" pitchFamily="50" charset="-127"/>
+                <a:ea typeface="나눔고딕" panose="020D0604000000000000" pitchFamily="50" charset="-127"/>
+              </a:rPr>
+              <a:t/>
+            </a:r>
+            <a:br>
+              <a:rPr lang="en-US" altLang="ko-KR" sz="2900" dirty="0" smtClean="0">
+                <a:latin typeface="나눔고딕" panose="020D0604000000000000" pitchFamily="50" charset="-127"/>
+                <a:ea typeface="나눔고딕" panose="020D0604000000000000" pitchFamily="50" charset="-127"/>
+              </a:rPr>
+            </a:br>
+            <a:r>
+              <a:rPr lang="ko-KR" altLang="en-US" sz="2900" b="1" dirty="0" smtClean="0">
+                <a:solidFill>
+                  <a:srgbClr val="4E4E4E"/>
+                </a:solidFill>
+                <a:latin typeface="나눔고딕" panose="020D0604000000000000" pitchFamily="50" charset="-127"/>
+                <a:ea typeface="나눔고딕" panose="020D0604000000000000" pitchFamily="50" charset="-127"/>
+              </a:rPr>
+              <a:t>팀원</a:t>
+            </a:r>
+            <a:r>
+              <a:rPr lang="en-US" altLang="ko-KR" sz="2900" dirty="0" smtClean="0">
+                <a:latin typeface="나눔고딕" panose="020D0604000000000000" pitchFamily="50" charset="-127"/>
+                <a:ea typeface="나눔고딕" panose="020D0604000000000000" pitchFamily="50" charset="-127"/>
+              </a:rPr>
+              <a:t/>
+            </a:r>
+            <a:br>
+              <a:rPr lang="en-US" altLang="ko-KR" sz="2900" dirty="0" smtClean="0">
+                <a:latin typeface="나눔고딕" panose="020D0604000000000000" pitchFamily="50" charset="-127"/>
+                <a:ea typeface="나눔고딕" panose="020D0604000000000000" pitchFamily="50" charset="-127"/>
+              </a:rPr>
+            </a:br>
+            <a:r>
+              <a:rPr lang="ko-KR" altLang="en-US" sz="2900" dirty="0" smtClean="0">
+                <a:solidFill>
+                  <a:srgbClr val="8F8F8F"/>
+                </a:solidFill>
+                <a:latin typeface="나눔고딕" panose="020D0604000000000000" pitchFamily="50" charset="-127"/>
+                <a:ea typeface="나눔고딕" panose="020D0604000000000000" pitchFamily="50" charset="-127"/>
+              </a:rPr>
+              <a:t>김태윤</a:t>
+            </a:r>
+            <a:r>
+              <a:rPr lang="en-US" altLang="ko-KR" sz="2900" dirty="0" smtClean="0">
+                <a:solidFill>
+                  <a:srgbClr val="8F8F8F"/>
+                </a:solidFill>
+                <a:latin typeface="나눔고딕" panose="020D0604000000000000" pitchFamily="50" charset="-127"/>
+                <a:ea typeface="나눔고딕" panose="020D0604000000000000" pitchFamily="50" charset="-127"/>
+              </a:rPr>
+              <a:t>(</a:t>
+            </a:r>
+            <a:r>
+              <a:rPr lang="ko-KR" altLang="en-US" sz="2900" dirty="0" err="1" smtClean="0">
+                <a:solidFill>
+                  <a:srgbClr val="8F8F8F"/>
+                </a:solidFill>
+                <a:latin typeface="나눔고딕" panose="020D0604000000000000" pitchFamily="50" charset="-127"/>
+                <a:ea typeface="나눔고딕" panose="020D0604000000000000" pitchFamily="50" charset="-127"/>
+              </a:rPr>
+              <a:t>가나다라마</a:t>
+            </a:r>
+            <a:r>
+              <a:rPr lang="en-US" altLang="ko-KR" sz="2900" dirty="0" smtClean="0">
+                <a:solidFill>
+                  <a:srgbClr val="8F8F8F"/>
+                </a:solidFill>
+                <a:latin typeface="나눔고딕" panose="020D0604000000000000" pitchFamily="50" charset="-127"/>
+                <a:ea typeface="나눔고딕" panose="020D0604000000000000" pitchFamily="50" charset="-127"/>
+              </a:rPr>
+              <a:t>)	</a:t>
+            </a:r>
+            <a:r>
+              <a:rPr lang="ko-KR" altLang="en-US" sz="2900" dirty="0" smtClean="0">
+                <a:solidFill>
+                  <a:srgbClr val="8F8F8F"/>
+                </a:solidFill>
+                <a:latin typeface="나눔고딕" panose="020D0604000000000000" pitchFamily="50" charset="-127"/>
+                <a:ea typeface="나눔고딕" panose="020D0604000000000000" pitchFamily="50" charset="-127"/>
+              </a:rPr>
+              <a:t>김희찬</a:t>
+            </a:r>
+            <a:r>
+              <a:rPr lang="en-US" altLang="ko-KR" sz="2900" dirty="0" smtClean="0">
+                <a:solidFill>
+                  <a:srgbClr val="8F8F8F"/>
+                </a:solidFill>
+                <a:latin typeface="나눔고딕" panose="020D0604000000000000" pitchFamily="50" charset="-127"/>
+                <a:ea typeface="나눔고딕" panose="020D0604000000000000" pitchFamily="50" charset="-127"/>
+              </a:rPr>
+              <a:t>(MAZEBOY)</a:t>
+            </a:r>
+            <a:br>
+              <a:rPr lang="en-US" altLang="ko-KR" sz="2900" dirty="0" smtClean="0">
+                <a:solidFill>
+                  <a:srgbClr val="8F8F8F"/>
+                </a:solidFill>
+                <a:latin typeface="나눔고딕" panose="020D0604000000000000" pitchFamily="50" charset="-127"/>
+                <a:ea typeface="나눔고딕" panose="020D0604000000000000" pitchFamily="50" charset="-127"/>
+              </a:rPr>
+            </a:br>
+            <a:r>
+              <a:rPr lang="ko-KR" altLang="en-US" sz="2900" dirty="0" err="1" smtClean="0">
+                <a:solidFill>
+                  <a:srgbClr val="8F8F8F"/>
+                </a:solidFill>
+                <a:latin typeface="나눔고딕" panose="020D0604000000000000" pitchFamily="50" charset="-127"/>
+                <a:ea typeface="나눔고딕" panose="020D0604000000000000" pitchFamily="50" charset="-127"/>
+              </a:rPr>
+              <a:t>오경준</a:t>
+            </a:r>
+            <a:r>
+              <a:rPr lang="en-US" altLang="ko-KR" sz="2900" dirty="0" smtClean="0">
+                <a:solidFill>
+                  <a:srgbClr val="8F8F8F"/>
+                </a:solidFill>
+                <a:latin typeface="나눔고딕" panose="020D0604000000000000" pitchFamily="50" charset="-127"/>
+                <a:ea typeface="나눔고딕" panose="020D0604000000000000" pitchFamily="50" charset="-127"/>
+              </a:rPr>
+              <a:t>(RYAN)		</a:t>
+            </a:r>
+            <a:r>
+              <a:rPr lang="ko-KR" altLang="en-US" sz="2900" dirty="0" smtClean="0">
+                <a:solidFill>
+                  <a:srgbClr val="8F8F8F"/>
+                </a:solidFill>
+                <a:latin typeface="나눔고딕" panose="020D0604000000000000" pitchFamily="50" charset="-127"/>
+                <a:ea typeface="나눔고딕" panose="020D0604000000000000" pitchFamily="50" charset="-127"/>
+              </a:rPr>
+              <a:t>이윤성</a:t>
+            </a:r>
+            <a:r>
+              <a:rPr lang="en-US" altLang="ko-KR" sz="2900" dirty="0" smtClean="0">
+                <a:solidFill>
+                  <a:srgbClr val="8F8F8F"/>
+                </a:solidFill>
+                <a:latin typeface="나눔고딕" panose="020D0604000000000000" pitchFamily="50" charset="-127"/>
+                <a:ea typeface="나눔고딕" panose="020D0604000000000000" pitchFamily="50" charset="-127"/>
+              </a:rPr>
+              <a:t>(WDP)</a:t>
+            </a:r>
+            <a:br>
+              <a:rPr lang="en-US" altLang="ko-KR" sz="2900" dirty="0" smtClean="0">
+                <a:solidFill>
+                  <a:srgbClr val="8F8F8F"/>
+                </a:solidFill>
+                <a:latin typeface="나눔고딕" panose="020D0604000000000000" pitchFamily="50" charset="-127"/>
+                <a:ea typeface="나눔고딕" panose="020D0604000000000000" pitchFamily="50" charset="-127"/>
+              </a:rPr>
+            </a:br>
+            <a:r>
+              <a:rPr lang="ko-KR" altLang="en-US" sz="2900" dirty="0" err="1" smtClean="0">
+                <a:solidFill>
+                  <a:srgbClr val="8F8F8F"/>
+                </a:solidFill>
+                <a:latin typeface="나눔고딕" panose="020D0604000000000000" pitchFamily="50" charset="-127"/>
+                <a:ea typeface="나눔고딕" panose="020D0604000000000000" pitchFamily="50" charset="-127"/>
+              </a:rPr>
+              <a:t>최제모</a:t>
+            </a:r>
+            <a:r>
+              <a:rPr lang="en-US" altLang="ko-KR" sz="2900" dirty="0" smtClean="0">
+                <a:solidFill>
+                  <a:srgbClr val="8F8F8F"/>
+                </a:solidFill>
+                <a:latin typeface="나눔고딕" panose="020D0604000000000000" pitchFamily="50" charset="-127"/>
+                <a:ea typeface="나눔고딕" panose="020D0604000000000000" pitchFamily="50" charset="-127"/>
+              </a:rPr>
+              <a:t>(JM)			</a:t>
+            </a:r>
+            <a:r>
+              <a:rPr lang="ko-KR" altLang="en-US" sz="2900" dirty="0" smtClean="0">
+                <a:solidFill>
+                  <a:srgbClr val="8F8F8F"/>
+                </a:solidFill>
+                <a:latin typeface="나눔고딕" panose="020D0604000000000000" pitchFamily="50" charset="-127"/>
+                <a:ea typeface="나눔고딕" panose="020D0604000000000000" pitchFamily="50" charset="-127"/>
+              </a:rPr>
+              <a:t>한승주</a:t>
+            </a:r>
+            <a:r>
+              <a:rPr lang="en-US" altLang="ko-KR" sz="2900" dirty="0" smtClean="0">
+                <a:solidFill>
+                  <a:srgbClr val="8F8F8F"/>
+                </a:solidFill>
+                <a:latin typeface="나눔고딕" panose="020D0604000000000000" pitchFamily="50" charset="-127"/>
+                <a:ea typeface="나눔고딕" panose="020D0604000000000000" pitchFamily="50" charset="-127"/>
+              </a:rPr>
+              <a:t>(MADA)</a:t>
+            </a:r>
+            <a:endParaRPr lang="ko-KR" altLang="en-US" sz="2800" dirty="0">
+              <a:solidFill>
+                <a:srgbClr val="8F8F8F"/>
+              </a:solidFill>
+              <a:latin typeface="나눔고딕" panose="020D0604000000000000" pitchFamily="50" charset="-127"/>
+              <a:ea typeface="나눔고딕" panose="020D0604000000000000" pitchFamily="50" charset="-127"/>
+            </a:endParaRPr>
+          </a:p>
+        </p:txBody>
+      </p:sp>
       <p:sp>
         <p:nvSpPr>
-          <p:cNvPr id="5" name="제목 1"/>
+          <p:cNvPr id="4" name="제목 1"/>
           <p:cNvSpPr txBox="1">
             <a:spLocks/>
           </p:cNvSpPr>
@@ -5843,50 +6080,108 @@
         </p:nvSpPr>
         <p:spPr>
           <a:xfrm>
-            <a:off x="380146" y="0"/>
-            <a:ext cx="9894564" cy="1752599"/>
+            <a:off x="84000" y="0"/>
+            <a:ext cx="6881965" cy="2411505"/>
           </a:xfrm>
           <a:prstGeom prst="rect">
             <a:avLst/>
           </a:prstGeom>
+          <a:effectLst/>
         </p:spPr>
         <p:txBody>
-          <a:bodyPr vert="horz" lIns="91440" tIns="45720" rIns="91440" bIns="45720" rtlCol="0" anchor="ctr">
-            <a:normAutofit/>
+          <a:bodyPr vert="horz" lIns="91440" tIns="45720" rIns="91440" bIns="45720" rtlCol="0" anchor="b">
+            <a:noAutofit/>
           </a:bodyPr>
           <a:lstStyle>
-            <a:lvl1pPr algn="l" defTabSz="914400" rtl="0" eaLnBrk="1" latinLnBrk="1" hangingPunct="1">
-              <a:lnSpc>
-                <a:spcPct val="90000"/>
-              </a:lnSpc>
+            <a:lvl1pPr algn="r" defTabSz="457200" rtl="0" eaLnBrk="1" latinLnBrk="1" hangingPunct="1">
               <a:spcBef>
                 <a:spcPct val="0"/>
               </a:spcBef>
               <a:buNone/>
-              <a:defRPr sz="4400" kern="1200">
+              <a:defRPr sz="6000" kern="1200" cap="none">
+                <a:ln w="3175" cmpd="sng">
+                  <a:noFill/>
+                </a:ln>
                 <a:solidFill>
                   <a:schemeClr val="tx1"/>
                 </a:solidFill>
+                <a:effectLst/>
                 <a:latin typeface="+mj-lt"/>
                 <a:ea typeface="+mj-ea"/>
                 <a:cs typeface="+mj-cs"/>
               </a:defRPr>
             </a:lvl1pPr>
+            <a:lvl2pPr eaLnBrk="1" latinLnBrk="1" hangingPunct="1">
+              <a:defRPr>
+                <a:solidFill>
+                  <a:schemeClr val="tx2"/>
+                </a:solidFill>
+              </a:defRPr>
+            </a:lvl2pPr>
+            <a:lvl3pPr eaLnBrk="1" latinLnBrk="1" hangingPunct="1">
+              <a:defRPr>
+                <a:solidFill>
+                  <a:schemeClr val="tx2"/>
+                </a:solidFill>
+              </a:defRPr>
+            </a:lvl3pPr>
+            <a:lvl4pPr eaLnBrk="1" latinLnBrk="1" hangingPunct="1">
+              <a:defRPr>
+                <a:solidFill>
+                  <a:schemeClr val="tx2"/>
+                </a:solidFill>
+              </a:defRPr>
+            </a:lvl4pPr>
+            <a:lvl5pPr eaLnBrk="1" latinLnBrk="1" hangingPunct="1">
+              <a:defRPr>
+                <a:solidFill>
+                  <a:schemeClr val="tx2"/>
+                </a:solidFill>
+              </a:defRPr>
+            </a:lvl5pPr>
+            <a:lvl6pPr eaLnBrk="1" latinLnBrk="1" hangingPunct="1">
+              <a:defRPr>
+                <a:solidFill>
+                  <a:schemeClr val="tx2"/>
+                </a:solidFill>
+              </a:defRPr>
+            </a:lvl6pPr>
+            <a:lvl7pPr eaLnBrk="1" latinLnBrk="1" hangingPunct="1">
+              <a:defRPr>
+                <a:solidFill>
+                  <a:schemeClr val="tx2"/>
+                </a:solidFill>
+              </a:defRPr>
+            </a:lvl7pPr>
+            <a:lvl8pPr eaLnBrk="1" latinLnBrk="1" hangingPunct="1">
+              <a:defRPr>
+                <a:solidFill>
+                  <a:schemeClr val="tx2"/>
+                </a:solidFill>
+              </a:defRPr>
+            </a:lvl8pPr>
+            <a:lvl9pPr eaLnBrk="1" latinLnBrk="1" hangingPunct="1">
+              <a:defRPr>
+                <a:solidFill>
+                  <a:schemeClr val="tx2"/>
+                </a:solidFill>
+              </a:defRPr>
+            </a:lvl9pPr>
           </a:lstStyle>
           <a:p>
             <a:r>
-              <a:rPr lang="ko-KR" altLang="en-US" sz="8000" b="1" dirty="0" smtClean="0">
-                <a:solidFill>
-                  <a:srgbClr val="FAFAFA"/>
-                </a:solidFill>
-                <a:latin typeface="나눔고딕" panose="020D0604000000000000" pitchFamily="50" charset="-127"/>
-                <a:ea typeface="나눔고딕" panose="020D0604000000000000" pitchFamily="50" charset="-127"/>
-              </a:rPr>
-              <a:t>플레이 방법</a:t>
-            </a:r>
-            <a:endParaRPr lang="ko-KR" altLang="en-US" sz="8000" b="1" dirty="0">
+              <a:rPr lang="ko-KR" altLang="en-US" sz="12500" b="1" dirty="0" smtClean="0">
+                <a:solidFill>
+                  <a:schemeClr val="bg1"/>
+                </a:solidFill>
+                <a:latin typeface="나눔고딕" panose="020D0604000000000000" pitchFamily="50" charset="-127"/>
+                <a:ea typeface="나눔고딕" panose="020D0604000000000000" pitchFamily="50" charset="-127"/>
+              </a:rPr>
+              <a:t>장사의 길</a:t>
+            </a:r>
+            <a:endParaRPr lang="ko-KR" altLang="en-US" sz="12500" b="1" dirty="0">
               <a:solidFill>
-                <a:srgbClr val="FAFAFA"/>
+                <a:schemeClr val="bg1"/>
               </a:solidFill>
               <a:latin typeface="나눔고딕" panose="020D0604000000000000" pitchFamily="50" charset="-127"/>
               <a:ea typeface="나눔고딕" panose="020D0604000000000000" pitchFamily="50" charset="-127"/>
@@ -5896,426 +6191,14 @@
       </p:sp>
       <p:sp>
         <p:nvSpPr>
-          <p:cNvPr id="7" name="내용 개체 틀 2"/>
-          <p:cNvSpPr>
-            <a:spLocks noGrp="1"/>
-          </p:cNvSpPr>
-          <p:nvPr>
-            <p:ph idx="1"/>
-          </p:nvPr>
-        </p:nvSpPr>
-        <p:spPr>
-          <a:xfrm>
-            <a:off x="1304687" y="2091689"/>
-            <a:ext cx="9664063" cy="4653240"/>
-          </a:xfrm>
-        </p:spPr>
-        <p:txBody>
-          <a:bodyPr>
-            <a:normAutofit fontScale="92500" lnSpcReduction="20000"/>
-          </a:bodyPr>
-          <a:lstStyle/>
-          <a:p>
-            <a:pPr marL="0" indent="0">
-              <a:buNone/>
-            </a:pPr>
-            <a:r>
-              <a:rPr lang="ko-KR" altLang="en-US" b="1" dirty="0" smtClean="0">
-                <a:solidFill>
-                  <a:srgbClr val="4E4E4E"/>
-                </a:solidFill>
-                <a:latin typeface="나눔고딕" panose="020D0604000000000000" pitchFamily="50" charset="-127"/>
-                <a:ea typeface="나눔고딕" panose="020D0604000000000000" pitchFamily="50" charset="-127"/>
-              </a:rPr>
-              <a:t>주요 소식</a:t>
-            </a:r>
-            <a:endParaRPr lang="en-US" altLang="ko-KR" dirty="0" smtClean="0">
-              <a:solidFill>
-                <a:srgbClr val="4E4E4E"/>
-              </a:solidFill>
-              <a:latin typeface="나눔고딕" panose="020D0604000000000000" pitchFamily="50" charset="-127"/>
-              <a:ea typeface="나눔고딕" panose="020D0604000000000000" pitchFamily="50" charset="-127"/>
-            </a:endParaRPr>
-          </a:p>
-          <a:p>
-            <a:pPr marL="0" indent="0">
-              <a:buNone/>
-            </a:pPr>
-            <a:r>
-              <a:rPr lang="ko-KR" altLang="en-US" dirty="0" smtClean="0">
-                <a:solidFill>
-                  <a:srgbClr val="8F8F8F"/>
-                </a:solidFill>
-                <a:latin typeface="나눔고딕" panose="020D0604000000000000" pitchFamily="50" charset="-127"/>
-                <a:ea typeface="나눔고딕" panose="020D0604000000000000" pitchFamily="50" charset="-127"/>
-              </a:rPr>
-              <a:t>현재 발생하고 있는 </a:t>
-            </a:r>
-            <a:r>
-              <a:rPr lang="ko-KR" altLang="en-US" b="1" dirty="0" smtClean="0">
-                <a:solidFill>
-                  <a:srgbClr val="FFFF00"/>
-                </a:solidFill>
-                <a:effectLst>
-                  <a:outerShdw blurRad="38100" dist="38100" dir="2700000" algn="tl">
-                    <a:srgbClr val="000000">
-                      <a:alpha val="43137"/>
-                    </a:srgbClr>
-                  </a:outerShdw>
-                </a:effectLst>
-                <a:latin typeface="나눔고딕" panose="020D0604000000000000" pitchFamily="50" charset="-127"/>
-                <a:ea typeface="나눔고딕" panose="020D0604000000000000" pitchFamily="50" charset="-127"/>
-              </a:rPr>
-              <a:t>각종 소식</a:t>
-            </a:r>
-            <a:r>
-              <a:rPr lang="ko-KR" altLang="en-US" dirty="0" smtClean="0">
-                <a:solidFill>
-                  <a:srgbClr val="8F8F8F"/>
-                </a:solidFill>
-                <a:latin typeface="나눔고딕" panose="020D0604000000000000" pitchFamily="50" charset="-127"/>
-                <a:ea typeface="나눔고딕" panose="020D0604000000000000" pitchFamily="50" charset="-127"/>
-              </a:rPr>
-              <a:t>을 들을 수 있습니다</a:t>
-            </a:r>
-            <a:r>
-              <a:rPr lang="en-US" altLang="ko-KR" dirty="0" smtClean="0">
-                <a:solidFill>
-                  <a:srgbClr val="8F8F8F"/>
-                </a:solidFill>
-                <a:latin typeface="나눔고딕" panose="020D0604000000000000" pitchFamily="50" charset="-127"/>
-                <a:ea typeface="나눔고딕" panose="020D0604000000000000" pitchFamily="50" charset="-127"/>
-              </a:rPr>
-              <a:t>.</a:t>
-            </a:r>
-          </a:p>
-          <a:p>
-            <a:pPr marL="0" indent="0">
-              <a:buNone/>
-            </a:pPr>
-            <a:r>
-              <a:rPr lang="ko-KR" altLang="en-US" dirty="0" smtClean="0">
-                <a:solidFill>
-                  <a:srgbClr val="8F8F8F"/>
-                </a:solidFill>
-                <a:latin typeface="나눔고딕" panose="020D0604000000000000" pitchFamily="50" charset="-127"/>
-                <a:ea typeface="나눔고딕" panose="020D0604000000000000" pitchFamily="50" charset="-127"/>
-              </a:rPr>
-              <a:t>이전에 발생한 이벤트의 목록도 볼 수 있습니다</a:t>
-            </a:r>
-            <a:r>
-              <a:rPr lang="en-US" altLang="ko-KR" dirty="0" smtClean="0">
-                <a:solidFill>
-                  <a:srgbClr val="8F8F8F"/>
-                </a:solidFill>
-                <a:latin typeface="나눔고딕" panose="020D0604000000000000" pitchFamily="50" charset="-127"/>
-                <a:ea typeface="나눔고딕" panose="020D0604000000000000" pitchFamily="50" charset="-127"/>
-              </a:rPr>
-              <a:t>.</a:t>
-            </a:r>
-            <a:endParaRPr lang="en-US" altLang="ko-KR" dirty="0" smtClean="0">
-              <a:solidFill>
-                <a:srgbClr val="8F8F8F"/>
-              </a:solidFill>
-              <a:latin typeface="나눔고딕" panose="020D0604000000000000" pitchFamily="50" charset="-127"/>
-              <a:ea typeface="나눔고딕" panose="020D0604000000000000" pitchFamily="50" charset="-127"/>
-            </a:endParaRPr>
-          </a:p>
-          <a:p>
-            <a:pPr marL="0" indent="0">
-              <a:buNone/>
-            </a:pPr>
-            <a:endParaRPr lang="en-US" altLang="ko-KR" dirty="0" smtClean="0">
-              <a:solidFill>
-                <a:srgbClr val="4E4E4E"/>
-              </a:solidFill>
-              <a:latin typeface="나눔고딕" panose="020D0604000000000000" pitchFamily="50" charset="-127"/>
-              <a:ea typeface="나눔고딕" panose="020D0604000000000000" pitchFamily="50" charset="-127"/>
-            </a:endParaRPr>
-          </a:p>
-          <a:p>
-            <a:pPr marL="0" indent="0">
-              <a:buNone/>
-            </a:pPr>
-            <a:r>
-              <a:rPr lang="ko-KR" altLang="en-US" b="1" dirty="0" smtClean="0">
-                <a:solidFill>
-                  <a:srgbClr val="4E4E4E"/>
-                </a:solidFill>
-                <a:latin typeface="나눔고딕" panose="020D0604000000000000" pitchFamily="50" charset="-127"/>
-                <a:ea typeface="나눔고딕" panose="020D0604000000000000" pitchFamily="50" charset="-127"/>
-              </a:rPr>
-              <a:t>식단표</a:t>
-            </a:r>
-            <a:endParaRPr lang="en-US" altLang="ko-KR" dirty="0">
-              <a:solidFill>
-                <a:srgbClr val="4E4E4E"/>
-              </a:solidFill>
-              <a:latin typeface="나눔고딕" panose="020D0604000000000000" pitchFamily="50" charset="-127"/>
-              <a:ea typeface="나눔고딕" panose="020D0604000000000000" pitchFamily="50" charset="-127"/>
-            </a:endParaRPr>
-          </a:p>
-          <a:p>
-            <a:pPr marL="0" indent="0">
-              <a:buNone/>
-            </a:pPr>
-            <a:r>
-              <a:rPr lang="ko-KR" altLang="en-US" dirty="0" smtClean="0">
-                <a:solidFill>
-                  <a:srgbClr val="8F8F8F"/>
-                </a:solidFill>
-                <a:latin typeface="나눔고딕" panose="020D0604000000000000" pitchFamily="50" charset="-127"/>
-                <a:ea typeface="나눔고딕" panose="020D0604000000000000" pitchFamily="50" charset="-127"/>
-              </a:rPr>
-              <a:t>회사 직원을 위해 </a:t>
-            </a:r>
-            <a:r>
-              <a:rPr lang="ko-KR" altLang="en-US" b="1" dirty="0" smtClean="0">
-                <a:solidFill>
-                  <a:srgbClr val="FFFF00"/>
-                </a:solidFill>
-                <a:effectLst>
-                  <a:outerShdw blurRad="38100" dist="38100" dir="2700000" algn="tl">
-                    <a:srgbClr val="000000">
-                      <a:alpha val="43137"/>
-                    </a:srgbClr>
-                  </a:outerShdw>
-                </a:effectLst>
-                <a:latin typeface="나눔고딕" panose="020D0604000000000000" pitchFamily="50" charset="-127"/>
-                <a:ea typeface="나눔고딕" panose="020D0604000000000000" pitchFamily="50" charset="-127"/>
-              </a:rPr>
-              <a:t>복지를 개선</a:t>
-            </a:r>
-            <a:r>
-              <a:rPr lang="ko-KR" altLang="en-US" dirty="0" smtClean="0">
-                <a:solidFill>
-                  <a:srgbClr val="8F8F8F"/>
-                </a:solidFill>
-                <a:latin typeface="나눔고딕" panose="020D0604000000000000" pitchFamily="50" charset="-127"/>
-                <a:ea typeface="나눔고딕" panose="020D0604000000000000" pitchFamily="50" charset="-127"/>
-              </a:rPr>
-              <a:t>하거나</a:t>
-            </a:r>
-            <a:endParaRPr lang="en-US" altLang="ko-KR" dirty="0" smtClean="0">
-              <a:solidFill>
-                <a:srgbClr val="8F8F8F"/>
-              </a:solidFill>
-              <a:latin typeface="나눔고딕" panose="020D0604000000000000" pitchFamily="50" charset="-127"/>
-              <a:ea typeface="나눔고딕" panose="020D0604000000000000" pitchFamily="50" charset="-127"/>
-            </a:endParaRPr>
-          </a:p>
-          <a:p>
-            <a:pPr marL="0" indent="0">
-              <a:buNone/>
-            </a:pPr>
-            <a:r>
-              <a:rPr lang="ko-KR" altLang="en-US" dirty="0" smtClean="0">
-                <a:solidFill>
-                  <a:srgbClr val="8F8F8F"/>
-                </a:solidFill>
-                <a:latin typeface="나눔고딕" panose="020D0604000000000000" pitchFamily="50" charset="-127"/>
-                <a:ea typeface="나눔고딕" panose="020D0604000000000000" pitchFamily="50" charset="-127"/>
-              </a:rPr>
-              <a:t>회사 인식 개선을 위해 기부를 할 수 있습니다</a:t>
-            </a:r>
-            <a:r>
-              <a:rPr lang="en-US" altLang="ko-KR" dirty="0" smtClean="0">
-                <a:solidFill>
-                  <a:srgbClr val="8F8F8F"/>
-                </a:solidFill>
-                <a:latin typeface="나눔고딕" panose="020D0604000000000000" pitchFamily="50" charset="-127"/>
-                <a:ea typeface="나눔고딕" panose="020D0604000000000000" pitchFamily="50" charset="-127"/>
-              </a:rPr>
-              <a:t>.</a:t>
-            </a:r>
-            <a:endParaRPr lang="en-US" altLang="ko-KR" dirty="0" smtClean="0">
-              <a:solidFill>
-                <a:srgbClr val="8F8F8F"/>
-              </a:solidFill>
-              <a:latin typeface="나눔고딕" panose="020D0604000000000000" pitchFamily="50" charset="-127"/>
-              <a:ea typeface="나눔고딕" panose="020D0604000000000000" pitchFamily="50" charset="-127"/>
-            </a:endParaRPr>
-          </a:p>
-          <a:p>
-            <a:pPr marL="0" indent="0">
-              <a:buNone/>
-            </a:pPr>
-            <a:endParaRPr lang="en-US" altLang="ko-KR" dirty="0">
-              <a:solidFill>
-                <a:srgbClr val="4E4E4E"/>
-              </a:solidFill>
-              <a:latin typeface="나눔고딕" panose="020D0604000000000000" pitchFamily="50" charset="-127"/>
-              <a:ea typeface="나눔고딕" panose="020D0604000000000000" pitchFamily="50" charset="-127"/>
-            </a:endParaRPr>
-          </a:p>
-          <a:p>
-            <a:pPr marL="0" indent="0">
-              <a:buNone/>
-            </a:pPr>
-            <a:r>
-              <a:rPr lang="ko-KR" altLang="en-US" b="1" dirty="0" smtClean="0">
-                <a:solidFill>
-                  <a:srgbClr val="4E4E4E"/>
-                </a:solidFill>
-                <a:latin typeface="나눔고딕" panose="020D0604000000000000" pitchFamily="50" charset="-127"/>
-                <a:ea typeface="나눔고딕" panose="020D0604000000000000" pitchFamily="50" charset="-127"/>
-              </a:rPr>
-              <a:t>회사 </a:t>
-            </a:r>
-            <a:r>
-              <a:rPr lang="ko-KR" altLang="en-US" b="1" dirty="0" err="1" smtClean="0">
-                <a:solidFill>
-                  <a:srgbClr val="4E4E4E"/>
-                </a:solidFill>
-                <a:latin typeface="나눔고딕" panose="020D0604000000000000" pitchFamily="50" charset="-127"/>
-                <a:ea typeface="나눔고딕" panose="020D0604000000000000" pitchFamily="50" charset="-127"/>
-              </a:rPr>
-              <a:t>현황판</a:t>
-            </a:r>
-            <a:endParaRPr lang="en-US" altLang="ko-KR" dirty="0">
-              <a:solidFill>
-                <a:srgbClr val="4E4E4E"/>
-              </a:solidFill>
-              <a:latin typeface="나눔고딕" panose="020D0604000000000000" pitchFamily="50" charset="-127"/>
-              <a:ea typeface="나눔고딕" panose="020D0604000000000000" pitchFamily="50" charset="-127"/>
-            </a:endParaRPr>
-          </a:p>
-          <a:p>
-            <a:pPr marL="0" indent="0">
-              <a:buNone/>
-            </a:pPr>
-            <a:r>
-              <a:rPr lang="ko-KR" altLang="en-US" dirty="0" smtClean="0">
-                <a:solidFill>
-                  <a:srgbClr val="8F8F8F"/>
-                </a:solidFill>
-                <a:latin typeface="나눔고딕" panose="020D0604000000000000" pitchFamily="50" charset="-127"/>
-                <a:ea typeface="나눔고딕" panose="020D0604000000000000" pitchFamily="50" charset="-127"/>
-              </a:rPr>
-              <a:t>현재 회사 전체의 </a:t>
-            </a:r>
-            <a:r>
-              <a:rPr lang="ko-KR" altLang="en-US" b="1" dirty="0" smtClean="0">
-                <a:solidFill>
-                  <a:srgbClr val="FFFF00"/>
-                </a:solidFill>
-                <a:effectLst>
-                  <a:outerShdw blurRad="38100" dist="38100" dir="2700000" algn="tl">
-                    <a:srgbClr val="000000">
-                      <a:alpha val="43137"/>
-                    </a:srgbClr>
-                  </a:outerShdw>
-                </a:effectLst>
-                <a:latin typeface="나눔고딕" panose="020D0604000000000000" pitchFamily="50" charset="-127"/>
-                <a:ea typeface="나눔고딕" panose="020D0604000000000000" pitchFamily="50" charset="-127"/>
-              </a:rPr>
-              <a:t>현황</a:t>
-            </a:r>
-            <a:r>
-              <a:rPr lang="ko-KR" altLang="en-US" dirty="0" smtClean="0">
-                <a:solidFill>
-                  <a:srgbClr val="8F8F8F"/>
-                </a:solidFill>
-                <a:latin typeface="나눔고딕" panose="020D0604000000000000" pitchFamily="50" charset="-127"/>
-                <a:ea typeface="나눔고딕" panose="020D0604000000000000" pitchFamily="50" charset="-127"/>
-              </a:rPr>
-              <a:t>을 보여줍니다</a:t>
-            </a:r>
-            <a:r>
-              <a:rPr lang="en-US" altLang="ko-KR" dirty="0" smtClean="0">
-                <a:solidFill>
-                  <a:srgbClr val="8F8F8F"/>
-                </a:solidFill>
-                <a:latin typeface="나눔고딕" panose="020D0604000000000000" pitchFamily="50" charset="-127"/>
-                <a:ea typeface="나눔고딕" panose="020D0604000000000000" pitchFamily="50" charset="-127"/>
-              </a:rPr>
-              <a:t>.</a:t>
-            </a:r>
-          </a:p>
-          <a:p>
-            <a:pPr marL="0" indent="0">
-              <a:buNone/>
-            </a:pPr>
-            <a:r>
-              <a:rPr lang="ko-KR" altLang="en-US" dirty="0" smtClean="0">
-                <a:solidFill>
-                  <a:srgbClr val="8F8F8F"/>
-                </a:solidFill>
-                <a:latin typeface="나눔고딕" panose="020D0604000000000000" pitchFamily="50" charset="-127"/>
-                <a:ea typeface="나눔고딕" panose="020D0604000000000000" pitchFamily="50" charset="-127"/>
-              </a:rPr>
-              <a:t>총 지출</a:t>
-            </a:r>
-            <a:r>
-              <a:rPr lang="en-US" altLang="ko-KR" dirty="0" smtClean="0">
-                <a:solidFill>
-                  <a:srgbClr val="8F8F8F"/>
-                </a:solidFill>
-                <a:latin typeface="나눔고딕" panose="020D0604000000000000" pitchFamily="50" charset="-127"/>
-                <a:ea typeface="나눔고딕" panose="020D0604000000000000" pitchFamily="50" charset="-127"/>
-              </a:rPr>
-              <a:t>, </a:t>
-            </a:r>
-            <a:r>
-              <a:rPr lang="ko-KR" altLang="en-US" dirty="0" smtClean="0">
-                <a:solidFill>
-                  <a:srgbClr val="8F8F8F"/>
-                </a:solidFill>
-                <a:latin typeface="나눔고딕" panose="020D0604000000000000" pitchFamily="50" charset="-127"/>
-                <a:ea typeface="나눔고딕" panose="020D0604000000000000" pitchFamily="50" charset="-127"/>
-              </a:rPr>
-              <a:t>수익</a:t>
-            </a:r>
-            <a:r>
-              <a:rPr lang="en-US" altLang="ko-KR" dirty="0" smtClean="0">
-                <a:solidFill>
-                  <a:srgbClr val="8F8F8F"/>
-                </a:solidFill>
-                <a:latin typeface="나눔고딕" panose="020D0604000000000000" pitchFamily="50" charset="-127"/>
-                <a:ea typeface="나눔고딕" panose="020D0604000000000000" pitchFamily="50" charset="-127"/>
-              </a:rPr>
-              <a:t>, </a:t>
-            </a:r>
-            <a:r>
-              <a:rPr lang="ko-KR" altLang="en-US" dirty="0" smtClean="0">
-                <a:solidFill>
-                  <a:srgbClr val="8F8F8F"/>
-                </a:solidFill>
-                <a:latin typeface="나눔고딕" panose="020D0604000000000000" pitchFamily="50" charset="-127"/>
-                <a:ea typeface="나눔고딕" panose="020D0604000000000000" pitchFamily="50" charset="-127"/>
-              </a:rPr>
-              <a:t>직원 수 등을 볼 수 있습니다</a:t>
-            </a:r>
-            <a:r>
-              <a:rPr lang="en-US" altLang="ko-KR" dirty="0" smtClean="0">
-                <a:solidFill>
-                  <a:srgbClr val="8F8F8F"/>
-                </a:solidFill>
-                <a:latin typeface="나눔고딕" panose="020D0604000000000000" pitchFamily="50" charset="-127"/>
-                <a:ea typeface="나눔고딕" panose="020D0604000000000000" pitchFamily="50" charset="-127"/>
-              </a:rPr>
-              <a:t>.</a:t>
-            </a:r>
-            <a:endParaRPr lang="ko-KR" altLang="en-US" dirty="0">
-              <a:solidFill>
-                <a:srgbClr val="8F8F8F"/>
-              </a:solidFill>
-              <a:latin typeface="나눔고딕" panose="020D0604000000000000" pitchFamily="50" charset="-127"/>
-              <a:ea typeface="나눔고딕" panose="020D0604000000000000" pitchFamily="50" charset="-127"/>
-            </a:endParaRPr>
-          </a:p>
-        </p:txBody>
-      </p:sp>
-      <p:sp>
-        <p:nvSpPr>
-          <p:cNvPr id="8" name="자유형 7"/>
+          <p:cNvPr id="6" name="자유형 5"/>
           <p:cNvSpPr/>
           <p:nvPr/>
         </p:nvSpPr>
         <p:spPr>
           <a:xfrm rot="5400000">
-            <a:off x="791010" y="1989682"/>
-            <a:ext cx="288000" cy="460800"/>
+            <a:off x="4643539" y="3696592"/>
+            <a:ext cx="360000" cy="576000"/>
           </a:xfrm>
           <a:custGeom>
             <a:avLst/>
@@ -6408,14 +6291,14 @@
       </p:sp>
       <p:sp>
         <p:nvSpPr>
-          <p:cNvPr id="9" name="자유형 8"/>
+          <p:cNvPr id="7" name="자유형 6"/>
           <p:cNvSpPr/>
           <p:nvPr/>
         </p:nvSpPr>
         <p:spPr>
           <a:xfrm rot="5400000">
-            <a:off x="791010" y="3587423"/>
-            <a:ext cx="288000" cy="460800"/>
+            <a:off x="4643539" y="4895472"/>
+            <a:ext cx="360000" cy="576000"/>
           </a:xfrm>
           <a:custGeom>
             <a:avLst/>
@@ -6508,114 +6391,14 @@
       </p:sp>
       <p:sp>
         <p:nvSpPr>
-          <p:cNvPr id="10" name="자유형 9"/>
-          <p:cNvSpPr/>
-          <p:nvPr/>
-        </p:nvSpPr>
-        <p:spPr>
-          <a:xfrm rot="5400000">
-            <a:off x="791010" y="5204829"/>
-            <a:ext cx="288000" cy="460800"/>
-          </a:xfrm>
-          <a:custGeom>
-            <a:avLst/>
-            <a:gdLst>
-              <a:gd name="connsiteX0" fmla="*/ 0 w 360000"/>
-              <a:gd name="connsiteY0" fmla="*/ 576000 h 576000"/>
-              <a:gd name="connsiteX1" fmla="*/ 0 w 360000"/>
-              <a:gd name="connsiteY1" fmla="*/ 216000 h 576000"/>
-              <a:gd name="connsiteX2" fmla="*/ 180000 w 360000"/>
-              <a:gd name="connsiteY2" fmla="*/ 0 h 576000"/>
-              <a:gd name="connsiteX3" fmla="*/ 360000 w 360000"/>
-              <a:gd name="connsiteY3" fmla="*/ 216000 h 576000"/>
-              <a:gd name="connsiteX4" fmla="*/ 360000 w 360000"/>
-              <a:gd name="connsiteY4" fmla="*/ 576000 h 576000"/>
-            </a:gdLst>
-            <a:ahLst/>
-            <a:cxnLst>
-              <a:cxn ang="0">
-                <a:pos x="connsiteX0" y="connsiteY0"/>
-              </a:cxn>
-              <a:cxn ang="0">
-                <a:pos x="connsiteX1" y="connsiteY1"/>
-              </a:cxn>
-              <a:cxn ang="0">
-                <a:pos x="connsiteX2" y="connsiteY2"/>
-              </a:cxn>
-              <a:cxn ang="0">
-                <a:pos x="connsiteX3" y="connsiteY3"/>
-              </a:cxn>
-              <a:cxn ang="0">
-                <a:pos x="connsiteX4" y="connsiteY4"/>
-              </a:cxn>
-            </a:cxnLst>
-            <a:rect l="l" t="t" r="r" b="b"/>
-            <a:pathLst>
-              <a:path w="360000" h="576000">
-                <a:moveTo>
-                  <a:pt x="0" y="576000"/>
-                </a:moveTo>
-                <a:lnTo>
-                  <a:pt x="0" y="216000"/>
-                </a:lnTo>
-                <a:lnTo>
-                  <a:pt x="180000" y="0"/>
-                </a:lnTo>
-                <a:lnTo>
-                  <a:pt x="360000" y="216000"/>
-                </a:lnTo>
-                <a:lnTo>
-                  <a:pt x="360000" y="576000"/>
-                </a:lnTo>
-                <a:close/>
-              </a:path>
-            </a:pathLst>
-          </a:custGeom>
-          <a:solidFill>
-            <a:srgbClr val="727272"/>
-          </a:solidFill>
-          <a:ln w="88900" cap="rnd">
-            <a:solidFill>
-              <a:srgbClr val="727272"/>
-            </a:solidFill>
-            <a:round/>
-          </a:ln>
-        </p:spPr>
-        <p:style>
-          <a:lnRef idx="2">
-            <a:schemeClr val="accent1">
-              <a:shade val="50000"/>
-            </a:schemeClr>
-          </a:lnRef>
-          <a:fillRef idx="1">
-            <a:schemeClr val="accent1"/>
-          </a:fillRef>
-          <a:effectRef idx="0">
-            <a:schemeClr val="accent1"/>
-          </a:effectRef>
-          <a:fontRef idx="minor">
-            <a:schemeClr val="lt1"/>
-          </a:fontRef>
-        </p:style>
-        <p:txBody>
-          <a:bodyPr rtlCol="0" anchor="ctr"/>
-          <a:lstStyle/>
-          <a:p>
-            <a:pPr algn="ctr"/>
-            <a:endParaRPr lang="ko-KR" altLang="en-US"/>
-          </a:p>
-        </p:txBody>
-      </p:sp>
-      <p:sp>
-        <p:nvSpPr>
-          <p:cNvPr id="11" name="직사각형 10"/>
+          <p:cNvPr id="8" name="직사각형 7"/>
           <p:cNvSpPr/>
           <p:nvPr/>
         </p:nvSpPr>
         <p:spPr>
           <a:xfrm>
-            <a:off x="8603226" y="1354886"/>
-            <a:ext cx="2934527" cy="721196"/>
+            <a:off x="9448800" y="2926080"/>
+            <a:ext cx="2092960" cy="878512"/>
           </a:xfrm>
           <a:prstGeom prst="rect">
             <a:avLst/>
@@ -6656,113 +6439,37 @@
           <a:p>
             <a:pPr algn="ctr"/>
             <a:r>
-              <a:rPr lang="ko-KR" altLang="en-US" sz="3600" b="1" dirty="0" smtClean="0">
-                <a:latin typeface="나눔고딕" panose="020D0604000000000000" pitchFamily="50" charset="-127"/>
-                <a:ea typeface="나눔고딕" panose="020D0604000000000000" pitchFamily="50" charset="-127"/>
-              </a:rPr>
-              <a:t>편의 기능</a:t>
-            </a:r>
-            <a:endParaRPr lang="ko-KR" altLang="en-US" sz="3600" b="1" dirty="0">
+              <a:rPr lang="en-US" altLang="ko-KR" sz="4400" b="1" dirty="0" smtClean="0">
+                <a:latin typeface="나눔고딕" panose="020D0604000000000000" pitchFamily="50" charset="-127"/>
+                <a:ea typeface="나눔고딕" panose="020D0604000000000000" pitchFamily="50" charset="-127"/>
+              </a:rPr>
+              <a:t>1</a:t>
+            </a:r>
+            <a:r>
+              <a:rPr lang="ko-KR" altLang="en-US" sz="4400" b="1" dirty="0" smtClean="0">
+                <a:latin typeface="나눔고딕" panose="020D0604000000000000" pitchFamily="50" charset="-127"/>
+                <a:ea typeface="나눔고딕" panose="020D0604000000000000" pitchFamily="50" charset="-127"/>
+              </a:rPr>
+              <a:t>조</a:t>
+            </a:r>
+            <a:r>
+              <a:rPr lang="en-US" altLang="ko-KR" sz="4400" b="1" dirty="0" smtClean="0">
+                <a:latin typeface="나눔고딕" panose="020D0604000000000000" pitchFamily="50" charset="-127"/>
+                <a:ea typeface="나눔고딕" panose="020D0604000000000000" pitchFamily="50" charset="-127"/>
+              </a:rPr>
+              <a:t>ZS</a:t>
+            </a:r>
+            <a:endParaRPr lang="ko-KR" altLang="en-US" sz="4400" b="1" dirty="0">
               <a:latin typeface="나눔고딕" panose="020D0604000000000000" pitchFamily="50" charset="-127"/>
               <a:ea typeface="나눔고딕" panose="020D0604000000000000" pitchFamily="50" charset="-127"/>
             </a:endParaRPr>
           </a:p>
         </p:txBody>
       </p:sp>
-      <p:pic>
-        <p:nvPicPr>
-          <p:cNvPr id="2" name="그림 1"/>
-          <p:cNvPicPr>
-            <a:picLocks noChangeAspect="1"/>
-          </p:cNvPicPr>
-          <p:nvPr/>
-        </p:nvPicPr>
-        <p:blipFill>
-          <a:blip r:embed="rId2">
-            <a:extLst>
-              <a:ext uri="{28A0092B-C50C-407E-A947-70E740481C1C}">
-                <a14:useLocalDpi xmlns:a14="http://schemas.microsoft.com/office/drawing/2010/main" val="0"/>
-              </a:ext>
-            </a:extLst>
-          </a:blip>
-          <a:stretch>
-            <a:fillRect/>
-          </a:stretch>
-        </p:blipFill>
-        <p:spPr>
-          <a:xfrm>
-            <a:off x="8680253" y="1700980"/>
-            <a:ext cx="2857500" cy="2857500"/>
-          </a:xfrm>
-          <a:prstGeom prst="rect">
-            <a:avLst/>
-          </a:prstGeom>
-        </p:spPr>
-      </p:pic>
-      <p:pic>
-        <p:nvPicPr>
-          <p:cNvPr id="3" name="그림 2"/>
-          <p:cNvPicPr>
-            <a:picLocks noChangeAspect="1"/>
-          </p:cNvPicPr>
-          <p:nvPr/>
-        </p:nvPicPr>
-        <p:blipFill>
-          <a:blip r:embed="rId3">
-            <a:extLst>
-              <a:ext uri="{28A0092B-C50C-407E-A947-70E740481C1C}">
-                <a14:useLocalDpi xmlns:a14="http://schemas.microsoft.com/office/drawing/2010/main" val="0"/>
-              </a:ext>
-            </a:extLst>
-          </a:blip>
-          <a:stretch>
-            <a:fillRect/>
-          </a:stretch>
-        </p:blipFill>
-        <p:spPr>
-          <a:xfrm>
-            <a:off x="8680253" y="3194255"/>
-            <a:ext cx="2857500" cy="2857500"/>
-          </a:xfrm>
-          <a:prstGeom prst="rect">
-            <a:avLst/>
-          </a:prstGeom>
-        </p:spPr>
-      </p:pic>
-      <p:pic>
-        <p:nvPicPr>
-          <p:cNvPr id="4" name="그림 3"/>
-          <p:cNvPicPr>
-            <a:picLocks noChangeAspect="1"/>
-          </p:cNvPicPr>
-          <p:nvPr/>
-        </p:nvPicPr>
-        <p:blipFill>
-          <a:blip r:embed="rId4">
-            <a:extLst>
-              <a:ext uri="{28A0092B-C50C-407E-A947-70E740481C1C}">
-                <a14:useLocalDpi xmlns:a14="http://schemas.microsoft.com/office/drawing/2010/main" val="0"/>
-              </a:ext>
-            </a:extLst>
-          </a:blip>
-          <a:stretch>
-            <a:fillRect/>
-          </a:stretch>
-        </p:blipFill>
-        <p:spPr>
-          <a:xfrm>
-            <a:off x="8680253" y="4687529"/>
-            <a:ext cx="2857500" cy="2857500"/>
-          </a:xfrm>
-          <a:prstGeom prst="rect">
-            <a:avLst/>
-          </a:prstGeom>
-        </p:spPr>
-      </p:pic>
     </p:spTree>
     <p:extLst>
       <p:ext uri="{BB962C8B-B14F-4D97-AF65-F5344CB8AC3E}">
-        <p14:creationId xmlns:p14="http://schemas.microsoft.com/office/powerpoint/2010/main" val="2824671968"/>
+        <p14:creationId xmlns:p14="http://schemas.microsoft.com/office/powerpoint/2010/main" val="2408184314"/>
       </p:ext>
     </p:extLst>
   </p:cSld>
@@ -6772,1255 +6479,14 @@
   <p:timing>
     <p:tnLst>
       <p:par>
-        <p:cTn id="1" dur="indefinite" restart="never" nodeType="tmRoot">
-          <p:childTnLst>
-            <p:seq concurrent="1" nextAc="seek">
-              <p:cTn id="2" dur="indefinite" nodeType="mainSeq">
-                <p:childTnLst>
-                  <p:par>
-                    <p:cTn id="3" fill="hold">
-                      <p:stCondLst>
-                        <p:cond delay="indefinite"/>
-                      </p:stCondLst>
-                      <p:childTnLst>
-                        <p:par>
-                          <p:cTn id="4" fill="hold">
-                            <p:stCondLst>
-                              <p:cond delay="0"/>
-                            </p:stCondLst>
-                            <p:childTnLst>
-                              <p:par>
-                                <p:cTn id="5" presetID="6" presetClass="entr" presetSubtype="16" fill="hold" grpId="0" nodeType="clickEffect">
-                                  <p:stCondLst>
-                                    <p:cond delay="0"/>
-                                  </p:stCondLst>
-                                  <p:childTnLst>
-                                    <p:set>
-                                      <p:cBhvr>
-                                        <p:cTn id="6" dur="1" fill="hold">
-                                          <p:stCondLst>
-                                            <p:cond delay="0"/>
-                                          </p:stCondLst>
-                                        </p:cTn>
-                                        <p:tgtEl>
-                                          <p:spTgt spid="5"/>
-                                        </p:tgtEl>
-                                        <p:attrNameLst>
-                                          <p:attrName>style.visibility</p:attrName>
-                                        </p:attrNameLst>
-                                      </p:cBhvr>
-                                      <p:to>
-                                        <p:strVal val="visible"/>
-                                      </p:to>
-                                    </p:set>
-                                    <p:animEffect transition="in" filter="circle(in)">
-                                      <p:cBhvr>
-                                        <p:cTn id="7" dur="500"/>
-                                        <p:tgtEl>
-                                          <p:spTgt spid="5"/>
-                                        </p:tgtEl>
-                                      </p:cBhvr>
-                                    </p:animEffect>
-                                  </p:childTnLst>
-                                </p:cTn>
-                              </p:par>
-                            </p:childTnLst>
-                          </p:cTn>
-                        </p:par>
-                      </p:childTnLst>
-                    </p:cTn>
-                  </p:par>
-                  <p:par>
-                    <p:cTn id="8" fill="hold">
-                      <p:stCondLst>
-                        <p:cond delay="indefinite"/>
-                      </p:stCondLst>
-                      <p:childTnLst>
-                        <p:par>
-                          <p:cTn id="9" fill="hold">
-                            <p:stCondLst>
-                              <p:cond delay="0"/>
-                            </p:stCondLst>
-                            <p:childTnLst>
-                              <p:par>
-                                <p:cTn id="10" presetID="42" presetClass="entr" presetSubtype="0" fill="hold" grpId="0" nodeType="clickEffect">
-                                  <p:stCondLst>
-                                    <p:cond delay="0"/>
-                                  </p:stCondLst>
-                                  <p:childTnLst>
-                                    <p:set>
-                                      <p:cBhvr>
-                                        <p:cTn id="11" dur="1" fill="hold">
-                                          <p:stCondLst>
-                                            <p:cond delay="0"/>
-                                          </p:stCondLst>
-                                        </p:cTn>
-                                        <p:tgtEl>
-                                          <p:spTgt spid="11"/>
-                                        </p:tgtEl>
-                                        <p:attrNameLst>
-                                          <p:attrName>style.visibility</p:attrName>
-                                        </p:attrNameLst>
-                                      </p:cBhvr>
-                                      <p:to>
-                                        <p:strVal val="visible"/>
-                                      </p:to>
-                                    </p:set>
-                                    <p:animEffect transition="in" filter="fade">
-                                      <p:cBhvr>
-                                        <p:cTn id="12" dur="750"/>
-                                        <p:tgtEl>
-                                          <p:spTgt spid="11"/>
-                                        </p:tgtEl>
-                                      </p:cBhvr>
-                                    </p:animEffect>
-                                    <p:anim calcmode="lin" valueType="num">
-                                      <p:cBhvr>
-                                        <p:cTn id="13" dur="750" fill="hold"/>
-                                        <p:tgtEl>
-                                          <p:spTgt spid="11"/>
-                                        </p:tgtEl>
-                                        <p:attrNameLst>
-                                          <p:attrName>ppt_x</p:attrName>
-                                        </p:attrNameLst>
-                                      </p:cBhvr>
-                                      <p:tavLst>
-                                        <p:tav tm="0">
-                                          <p:val>
-                                            <p:strVal val="#ppt_x"/>
-                                          </p:val>
-                                        </p:tav>
-                                        <p:tav tm="100000">
-                                          <p:val>
-                                            <p:strVal val="#ppt_x"/>
-                                          </p:val>
-                                        </p:tav>
-                                      </p:tavLst>
-                                    </p:anim>
-                                    <p:anim calcmode="lin" valueType="num">
-                                      <p:cBhvr>
-                                        <p:cTn id="14" dur="750" fill="hold"/>
-                                        <p:tgtEl>
-                                          <p:spTgt spid="11"/>
-                                        </p:tgtEl>
-                                        <p:attrNameLst>
-                                          <p:attrName>ppt_y</p:attrName>
-                                        </p:attrNameLst>
-                                      </p:cBhvr>
-                                      <p:tavLst>
-                                        <p:tav tm="0">
-                                          <p:val>
-                                            <p:strVal val="#ppt_y+.1"/>
-                                          </p:val>
-                                        </p:tav>
-                                        <p:tav tm="100000">
-                                          <p:val>
-                                            <p:strVal val="#ppt_y"/>
-                                          </p:val>
-                                        </p:tav>
-                                      </p:tavLst>
-                                    </p:anim>
-                                  </p:childTnLst>
-                                </p:cTn>
-                              </p:par>
-                              <p:par>
-                                <p:cTn id="15" presetID="45" presetClass="entr" presetSubtype="0" fill="hold" nodeType="withEffect">
-                                  <p:stCondLst>
-                                    <p:cond delay="0"/>
-                                  </p:stCondLst>
-                                  <p:childTnLst>
-                                    <p:set>
-                                      <p:cBhvr>
-                                        <p:cTn id="16" dur="1" fill="hold">
-                                          <p:stCondLst>
-                                            <p:cond delay="0"/>
-                                          </p:stCondLst>
-                                        </p:cTn>
-                                        <p:tgtEl>
-                                          <p:spTgt spid="3"/>
-                                        </p:tgtEl>
-                                        <p:attrNameLst>
-                                          <p:attrName>style.visibility</p:attrName>
-                                        </p:attrNameLst>
-                                      </p:cBhvr>
-                                      <p:to>
-                                        <p:strVal val="visible"/>
-                                      </p:to>
-                                    </p:set>
-                                    <p:animEffect transition="in" filter="fade">
-                                      <p:cBhvr>
-                                        <p:cTn id="17" dur="750"/>
-                                        <p:tgtEl>
-                                          <p:spTgt spid="3"/>
-                                        </p:tgtEl>
-                                      </p:cBhvr>
-                                    </p:animEffect>
-                                    <p:anim calcmode="lin" valueType="num">
-                                      <p:cBhvr>
-                                        <p:cTn id="18" dur="750" fill="hold"/>
-                                        <p:tgtEl>
-                                          <p:spTgt spid="3"/>
-                                        </p:tgtEl>
-                                        <p:attrNameLst>
-                                          <p:attrName>ppt_w</p:attrName>
-                                        </p:attrNameLst>
-                                      </p:cBhvr>
-                                      <p:tavLst>
-                                        <p:tav tm="0" fmla="#ppt_w*sin(2.5*pi*$)">
-                                          <p:val>
-                                            <p:fltVal val="0"/>
-                                          </p:val>
-                                        </p:tav>
-                                        <p:tav tm="100000">
-                                          <p:val>
-                                            <p:fltVal val="1"/>
-                                          </p:val>
-                                        </p:tav>
-                                      </p:tavLst>
-                                    </p:anim>
-                                    <p:anim calcmode="lin" valueType="num">
-                                      <p:cBhvr>
-                                        <p:cTn id="19" dur="750" fill="hold"/>
-                                        <p:tgtEl>
-                                          <p:spTgt spid="3"/>
-                                        </p:tgtEl>
-                                        <p:attrNameLst>
-                                          <p:attrName>ppt_h</p:attrName>
-                                        </p:attrNameLst>
-                                      </p:cBhvr>
-                                      <p:tavLst>
-                                        <p:tav tm="0">
-                                          <p:val>
-                                            <p:strVal val="#ppt_h"/>
-                                          </p:val>
-                                        </p:tav>
-                                        <p:tav tm="100000">
-                                          <p:val>
-                                            <p:strVal val="#ppt_h"/>
-                                          </p:val>
-                                        </p:tav>
-                                      </p:tavLst>
-                                    </p:anim>
-                                  </p:childTnLst>
-                                </p:cTn>
-                              </p:par>
-                              <p:par>
-                                <p:cTn id="20" presetID="45" presetClass="entr" presetSubtype="0" fill="hold" nodeType="withEffect">
-                                  <p:stCondLst>
-                                    <p:cond delay="0"/>
-                                  </p:stCondLst>
-                                  <p:childTnLst>
-                                    <p:set>
-                                      <p:cBhvr>
-                                        <p:cTn id="21" dur="1" fill="hold">
-                                          <p:stCondLst>
-                                            <p:cond delay="0"/>
-                                          </p:stCondLst>
-                                        </p:cTn>
-                                        <p:tgtEl>
-                                          <p:spTgt spid="2"/>
-                                        </p:tgtEl>
-                                        <p:attrNameLst>
-                                          <p:attrName>style.visibility</p:attrName>
-                                        </p:attrNameLst>
-                                      </p:cBhvr>
-                                      <p:to>
-                                        <p:strVal val="visible"/>
-                                      </p:to>
-                                    </p:set>
-                                    <p:animEffect transition="in" filter="fade">
-                                      <p:cBhvr>
-                                        <p:cTn id="22" dur="750"/>
-                                        <p:tgtEl>
-                                          <p:spTgt spid="2"/>
-                                        </p:tgtEl>
-                                      </p:cBhvr>
-                                    </p:animEffect>
-                                    <p:anim calcmode="lin" valueType="num">
-                                      <p:cBhvr>
-                                        <p:cTn id="23" dur="750" fill="hold"/>
-                                        <p:tgtEl>
-                                          <p:spTgt spid="2"/>
-                                        </p:tgtEl>
-                                        <p:attrNameLst>
-                                          <p:attrName>ppt_w</p:attrName>
-                                        </p:attrNameLst>
-                                      </p:cBhvr>
-                                      <p:tavLst>
-                                        <p:tav tm="0" fmla="#ppt_w*sin(2.5*pi*$)">
-                                          <p:val>
-                                            <p:fltVal val="0"/>
-                                          </p:val>
-                                        </p:tav>
-                                        <p:tav tm="100000">
-                                          <p:val>
-                                            <p:fltVal val="1"/>
-                                          </p:val>
-                                        </p:tav>
-                                      </p:tavLst>
-                                    </p:anim>
-                                    <p:anim calcmode="lin" valueType="num">
-                                      <p:cBhvr>
-                                        <p:cTn id="24" dur="750" fill="hold"/>
-                                        <p:tgtEl>
-                                          <p:spTgt spid="2"/>
-                                        </p:tgtEl>
-                                        <p:attrNameLst>
-                                          <p:attrName>ppt_h</p:attrName>
-                                        </p:attrNameLst>
-                                      </p:cBhvr>
-                                      <p:tavLst>
-                                        <p:tav tm="0">
-                                          <p:val>
-                                            <p:strVal val="#ppt_h"/>
-                                          </p:val>
-                                        </p:tav>
-                                        <p:tav tm="100000">
-                                          <p:val>
-                                            <p:strVal val="#ppt_h"/>
-                                          </p:val>
-                                        </p:tav>
-                                      </p:tavLst>
-                                    </p:anim>
-                                  </p:childTnLst>
-                                </p:cTn>
-                              </p:par>
-                              <p:par>
-                                <p:cTn id="25" presetID="45" presetClass="entr" presetSubtype="0" fill="hold" nodeType="withEffect">
-                                  <p:stCondLst>
-                                    <p:cond delay="0"/>
-                                  </p:stCondLst>
-                                  <p:childTnLst>
-                                    <p:set>
-                                      <p:cBhvr>
-                                        <p:cTn id="26" dur="1" fill="hold">
-                                          <p:stCondLst>
-                                            <p:cond delay="0"/>
-                                          </p:stCondLst>
-                                        </p:cTn>
-                                        <p:tgtEl>
-                                          <p:spTgt spid="4"/>
-                                        </p:tgtEl>
-                                        <p:attrNameLst>
-                                          <p:attrName>style.visibility</p:attrName>
-                                        </p:attrNameLst>
-                                      </p:cBhvr>
-                                      <p:to>
-                                        <p:strVal val="visible"/>
-                                      </p:to>
-                                    </p:set>
-                                    <p:animEffect transition="in" filter="fade">
-                                      <p:cBhvr>
-                                        <p:cTn id="27" dur="750"/>
-                                        <p:tgtEl>
-                                          <p:spTgt spid="4"/>
-                                        </p:tgtEl>
-                                      </p:cBhvr>
-                                    </p:animEffect>
-                                    <p:anim calcmode="lin" valueType="num">
-                                      <p:cBhvr>
-                                        <p:cTn id="28" dur="750" fill="hold"/>
-                                        <p:tgtEl>
-                                          <p:spTgt spid="4"/>
-                                        </p:tgtEl>
-                                        <p:attrNameLst>
-                                          <p:attrName>ppt_w</p:attrName>
-                                        </p:attrNameLst>
-                                      </p:cBhvr>
-                                      <p:tavLst>
-                                        <p:tav tm="0" fmla="#ppt_w*sin(2.5*pi*$)">
-                                          <p:val>
-                                            <p:fltVal val="0"/>
-                                          </p:val>
-                                        </p:tav>
-                                        <p:tav tm="100000">
-                                          <p:val>
-                                            <p:fltVal val="1"/>
-                                          </p:val>
-                                        </p:tav>
-                                      </p:tavLst>
-                                    </p:anim>
-                                    <p:anim calcmode="lin" valueType="num">
-                                      <p:cBhvr>
-                                        <p:cTn id="29" dur="750" fill="hold"/>
-                                        <p:tgtEl>
-                                          <p:spTgt spid="4"/>
-                                        </p:tgtEl>
-                                        <p:attrNameLst>
-                                          <p:attrName>ppt_h</p:attrName>
-                                        </p:attrNameLst>
-                                      </p:cBhvr>
-                                      <p:tavLst>
-                                        <p:tav tm="0">
-                                          <p:val>
-                                            <p:strVal val="#ppt_h"/>
-                                          </p:val>
-                                        </p:tav>
-                                        <p:tav tm="100000">
-                                          <p:val>
-                                            <p:strVal val="#ppt_h"/>
-                                          </p:val>
-                                        </p:tav>
-                                      </p:tavLst>
-                                    </p:anim>
-                                  </p:childTnLst>
-                                </p:cTn>
-                              </p:par>
-                            </p:childTnLst>
-                          </p:cTn>
-                        </p:par>
-                      </p:childTnLst>
-                    </p:cTn>
-                  </p:par>
-                  <p:par>
-                    <p:cTn id="30" fill="hold">
-                      <p:stCondLst>
-                        <p:cond delay="indefinite"/>
-                      </p:stCondLst>
-                      <p:childTnLst>
-                        <p:par>
-                          <p:cTn id="31" fill="hold">
-                            <p:stCondLst>
-                              <p:cond delay="0"/>
-                            </p:stCondLst>
-                            <p:childTnLst>
-                              <p:par>
-                                <p:cTn id="32" presetID="2" presetClass="entr" presetSubtype="2" fill="hold" nodeType="clickEffect">
-                                  <p:stCondLst>
-                                    <p:cond delay="0"/>
-                                  </p:stCondLst>
-                                  <p:childTnLst>
-                                    <p:set>
-                                      <p:cBhvr>
-                                        <p:cTn id="33" dur="1" fill="hold">
-                                          <p:stCondLst>
-                                            <p:cond delay="0"/>
-                                          </p:stCondLst>
-                                        </p:cTn>
-                                        <p:tgtEl>
-                                          <p:spTgt spid="7">
-                                            <p:txEl>
-                                              <p:pRg st="0" end="0"/>
-                                            </p:txEl>
-                                          </p:spTgt>
-                                        </p:tgtEl>
-                                        <p:attrNameLst>
-                                          <p:attrName>style.visibility</p:attrName>
-                                        </p:attrNameLst>
-                                      </p:cBhvr>
-                                      <p:to>
-                                        <p:strVal val="visible"/>
-                                      </p:to>
-                                    </p:set>
-                                    <p:anim calcmode="lin" valueType="num">
-                                      <p:cBhvr additive="base">
-                                        <p:cTn id="34" dur="500" fill="hold"/>
-                                        <p:tgtEl>
-                                          <p:spTgt spid="7">
-                                            <p:txEl>
-                                              <p:pRg st="0" end="0"/>
-                                            </p:txEl>
-                                          </p:spTgt>
-                                        </p:tgtEl>
-                                        <p:attrNameLst>
-                                          <p:attrName>ppt_x</p:attrName>
-                                        </p:attrNameLst>
-                                      </p:cBhvr>
-                                      <p:tavLst>
-                                        <p:tav tm="0">
-                                          <p:val>
-                                            <p:strVal val="1+#ppt_w/2"/>
-                                          </p:val>
-                                        </p:tav>
-                                        <p:tav tm="100000">
-                                          <p:val>
-                                            <p:strVal val="#ppt_x"/>
-                                          </p:val>
-                                        </p:tav>
-                                      </p:tavLst>
-                                    </p:anim>
-                                    <p:anim calcmode="lin" valueType="num">
-                                      <p:cBhvr additive="base">
-                                        <p:cTn id="35" dur="500" fill="hold"/>
-                                        <p:tgtEl>
-                                          <p:spTgt spid="7">
-                                            <p:txEl>
-                                              <p:pRg st="0" end="0"/>
-                                            </p:txEl>
-                                          </p:spTgt>
-                                        </p:tgtEl>
-                                        <p:attrNameLst>
-                                          <p:attrName>ppt_y</p:attrName>
-                                        </p:attrNameLst>
-                                      </p:cBhvr>
-                                      <p:tavLst>
-                                        <p:tav tm="0">
-                                          <p:val>
-                                            <p:strVal val="#ppt_y"/>
-                                          </p:val>
-                                        </p:tav>
-                                        <p:tav tm="100000">
-                                          <p:val>
-                                            <p:strVal val="#ppt_y"/>
-                                          </p:val>
-                                        </p:tav>
-                                      </p:tavLst>
-                                    </p:anim>
-                                  </p:childTnLst>
-                                </p:cTn>
-                              </p:par>
-                              <p:par>
-                                <p:cTn id="36" presetID="2" presetClass="entr" presetSubtype="2" fill="hold" nodeType="withEffect">
-                                  <p:stCondLst>
-                                    <p:cond delay="0"/>
-                                  </p:stCondLst>
-                                  <p:childTnLst>
-                                    <p:set>
-                                      <p:cBhvr>
-                                        <p:cTn id="37" dur="1" fill="hold">
-                                          <p:stCondLst>
-                                            <p:cond delay="0"/>
-                                          </p:stCondLst>
-                                        </p:cTn>
-                                        <p:tgtEl>
-                                          <p:spTgt spid="7">
-                                            <p:txEl>
-                                              <p:pRg st="1" end="1"/>
-                                            </p:txEl>
-                                          </p:spTgt>
-                                        </p:tgtEl>
-                                        <p:attrNameLst>
-                                          <p:attrName>style.visibility</p:attrName>
-                                        </p:attrNameLst>
-                                      </p:cBhvr>
-                                      <p:to>
-                                        <p:strVal val="visible"/>
-                                      </p:to>
-                                    </p:set>
-                                    <p:anim calcmode="lin" valueType="num">
-                                      <p:cBhvr additive="base">
-                                        <p:cTn id="38" dur="500" fill="hold"/>
-                                        <p:tgtEl>
-                                          <p:spTgt spid="7">
-                                            <p:txEl>
-                                              <p:pRg st="1" end="1"/>
-                                            </p:txEl>
-                                          </p:spTgt>
-                                        </p:tgtEl>
-                                        <p:attrNameLst>
-                                          <p:attrName>ppt_x</p:attrName>
-                                        </p:attrNameLst>
-                                      </p:cBhvr>
-                                      <p:tavLst>
-                                        <p:tav tm="0">
-                                          <p:val>
-                                            <p:strVal val="1+#ppt_w/2"/>
-                                          </p:val>
-                                        </p:tav>
-                                        <p:tav tm="100000">
-                                          <p:val>
-                                            <p:strVal val="#ppt_x"/>
-                                          </p:val>
-                                        </p:tav>
-                                      </p:tavLst>
-                                    </p:anim>
-                                    <p:anim calcmode="lin" valueType="num">
-                                      <p:cBhvr additive="base">
-                                        <p:cTn id="39" dur="500" fill="hold"/>
-                                        <p:tgtEl>
-                                          <p:spTgt spid="7">
-                                            <p:txEl>
-                                              <p:pRg st="1" end="1"/>
-                                            </p:txEl>
-                                          </p:spTgt>
-                                        </p:tgtEl>
-                                        <p:attrNameLst>
-                                          <p:attrName>ppt_y</p:attrName>
-                                        </p:attrNameLst>
-                                      </p:cBhvr>
-                                      <p:tavLst>
-                                        <p:tav tm="0">
-                                          <p:val>
-                                            <p:strVal val="#ppt_y"/>
-                                          </p:val>
-                                        </p:tav>
-                                        <p:tav tm="100000">
-                                          <p:val>
-                                            <p:strVal val="#ppt_y"/>
-                                          </p:val>
-                                        </p:tav>
-                                      </p:tavLst>
-                                    </p:anim>
-                                  </p:childTnLst>
-                                </p:cTn>
-                              </p:par>
-                              <p:par>
-                                <p:cTn id="40" presetID="2" presetClass="entr" presetSubtype="2" fill="hold" nodeType="withEffect">
-                                  <p:stCondLst>
-                                    <p:cond delay="0"/>
-                                  </p:stCondLst>
-                                  <p:childTnLst>
-                                    <p:set>
-                                      <p:cBhvr>
-                                        <p:cTn id="41" dur="1" fill="hold">
-                                          <p:stCondLst>
-                                            <p:cond delay="0"/>
-                                          </p:stCondLst>
-                                        </p:cTn>
-                                        <p:tgtEl>
-                                          <p:spTgt spid="7">
-                                            <p:txEl>
-                                              <p:pRg st="2" end="2"/>
-                                            </p:txEl>
-                                          </p:spTgt>
-                                        </p:tgtEl>
-                                        <p:attrNameLst>
-                                          <p:attrName>style.visibility</p:attrName>
-                                        </p:attrNameLst>
-                                      </p:cBhvr>
-                                      <p:to>
-                                        <p:strVal val="visible"/>
-                                      </p:to>
-                                    </p:set>
-                                    <p:anim calcmode="lin" valueType="num">
-                                      <p:cBhvr additive="base">
-                                        <p:cTn id="42" dur="500" fill="hold"/>
-                                        <p:tgtEl>
-                                          <p:spTgt spid="7">
-                                            <p:txEl>
-                                              <p:pRg st="2" end="2"/>
-                                            </p:txEl>
-                                          </p:spTgt>
-                                        </p:tgtEl>
-                                        <p:attrNameLst>
-                                          <p:attrName>ppt_x</p:attrName>
-                                        </p:attrNameLst>
-                                      </p:cBhvr>
-                                      <p:tavLst>
-                                        <p:tav tm="0">
-                                          <p:val>
-                                            <p:strVal val="1+#ppt_w/2"/>
-                                          </p:val>
-                                        </p:tav>
-                                        <p:tav tm="100000">
-                                          <p:val>
-                                            <p:strVal val="#ppt_x"/>
-                                          </p:val>
-                                        </p:tav>
-                                      </p:tavLst>
-                                    </p:anim>
-                                    <p:anim calcmode="lin" valueType="num">
-                                      <p:cBhvr additive="base">
-                                        <p:cTn id="43" dur="500" fill="hold"/>
-                                        <p:tgtEl>
-                                          <p:spTgt spid="7">
-                                            <p:txEl>
-                                              <p:pRg st="2" end="2"/>
-                                            </p:txEl>
-                                          </p:spTgt>
-                                        </p:tgtEl>
-                                        <p:attrNameLst>
-                                          <p:attrName>ppt_y</p:attrName>
-                                        </p:attrNameLst>
-                                      </p:cBhvr>
-                                      <p:tavLst>
-                                        <p:tav tm="0">
-                                          <p:val>
-                                            <p:strVal val="#ppt_y"/>
-                                          </p:val>
-                                        </p:tav>
-                                        <p:tav tm="100000">
-                                          <p:val>
-                                            <p:strVal val="#ppt_y"/>
-                                          </p:val>
-                                        </p:tav>
-                                      </p:tavLst>
-                                    </p:anim>
-                                  </p:childTnLst>
-                                </p:cTn>
-                              </p:par>
-                            </p:childTnLst>
-                          </p:cTn>
-                        </p:par>
-                      </p:childTnLst>
-                    </p:cTn>
-                  </p:par>
-                  <p:par>
-                    <p:cTn id="44" fill="hold">
-                      <p:stCondLst>
-                        <p:cond delay="indefinite"/>
-                      </p:stCondLst>
-                      <p:childTnLst>
-                        <p:par>
-                          <p:cTn id="45" fill="hold">
-                            <p:stCondLst>
-                              <p:cond delay="0"/>
-                            </p:stCondLst>
-                            <p:childTnLst>
-                              <p:par>
-                                <p:cTn id="46" presetID="2" presetClass="entr" presetSubtype="2" fill="hold" nodeType="clickEffect">
-                                  <p:stCondLst>
-                                    <p:cond delay="0"/>
-                                  </p:stCondLst>
-                                  <p:childTnLst>
-                                    <p:set>
-                                      <p:cBhvr>
-                                        <p:cTn id="47" dur="1" fill="hold">
-                                          <p:stCondLst>
-                                            <p:cond delay="0"/>
-                                          </p:stCondLst>
-                                        </p:cTn>
-                                        <p:tgtEl>
-                                          <p:spTgt spid="7">
-                                            <p:txEl>
-                                              <p:pRg st="4" end="4"/>
-                                            </p:txEl>
-                                          </p:spTgt>
-                                        </p:tgtEl>
-                                        <p:attrNameLst>
-                                          <p:attrName>style.visibility</p:attrName>
-                                        </p:attrNameLst>
-                                      </p:cBhvr>
-                                      <p:to>
-                                        <p:strVal val="visible"/>
-                                      </p:to>
-                                    </p:set>
-                                    <p:anim calcmode="lin" valueType="num">
-                                      <p:cBhvr additive="base">
-                                        <p:cTn id="48" dur="500" fill="hold"/>
-                                        <p:tgtEl>
-                                          <p:spTgt spid="7">
-                                            <p:txEl>
-                                              <p:pRg st="4" end="4"/>
-                                            </p:txEl>
-                                          </p:spTgt>
-                                        </p:tgtEl>
-                                        <p:attrNameLst>
-                                          <p:attrName>ppt_x</p:attrName>
-                                        </p:attrNameLst>
-                                      </p:cBhvr>
-                                      <p:tavLst>
-                                        <p:tav tm="0">
-                                          <p:val>
-                                            <p:strVal val="1+#ppt_w/2"/>
-                                          </p:val>
-                                        </p:tav>
-                                        <p:tav tm="100000">
-                                          <p:val>
-                                            <p:strVal val="#ppt_x"/>
-                                          </p:val>
-                                        </p:tav>
-                                      </p:tavLst>
-                                    </p:anim>
-                                    <p:anim calcmode="lin" valueType="num">
-                                      <p:cBhvr additive="base">
-                                        <p:cTn id="49" dur="500" fill="hold"/>
-                                        <p:tgtEl>
-                                          <p:spTgt spid="7">
-                                            <p:txEl>
-                                              <p:pRg st="4" end="4"/>
-                                            </p:txEl>
-                                          </p:spTgt>
-                                        </p:tgtEl>
-                                        <p:attrNameLst>
-                                          <p:attrName>ppt_y</p:attrName>
-                                        </p:attrNameLst>
-                                      </p:cBhvr>
-                                      <p:tavLst>
-                                        <p:tav tm="0">
-                                          <p:val>
-                                            <p:strVal val="#ppt_y"/>
-                                          </p:val>
-                                        </p:tav>
-                                        <p:tav tm="100000">
-                                          <p:val>
-                                            <p:strVal val="#ppt_y"/>
-                                          </p:val>
-                                        </p:tav>
-                                      </p:tavLst>
-                                    </p:anim>
-                                  </p:childTnLst>
-                                </p:cTn>
-                              </p:par>
-                              <p:par>
-                                <p:cTn id="50" presetID="2" presetClass="entr" presetSubtype="2" fill="hold" nodeType="withEffect">
-                                  <p:stCondLst>
-                                    <p:cond delay="0"/>
-                                  </p:stCondLst>
-                                  <p:childTnLst>
-                                    <p:set>
-                                      <p:cBhvr>
-                                        <p:cTn id="51" dur="1" fill="hold">
-                                          <p:stCondLst>
-                                            <p:cond delay="0"/>
-                                          </p:stCondLst>
-                                        </p:cTn>
-                                        <p:tgtEl>
-                                          <p:spTgt spid="7">
-                                            <p:txEl>
-                                              <p:pRg st="5" end="5"/>
-                                            </p:txEl>
-                                          </p:spTgt>
-                                        </p:tgtEl>
-                                        <p:attrNameLst>
-                                          <p:attrName>style.visibility</p:attrName>
-                                        </p:attrNameLst>
-                                      </p:cBhvr>
-                                      <p:to>
-                                        <p:strVal val="visible"/>
-                                      </p:to>
-                                    </p:set>
-                                    <p:anim calcmode="lin" valueType="num">
-                                      <p:cBhvr additive="base">
-                                        <p:cTn id="52" dur="500" fill="hold"/>
-                                        <p:tgtEl>
-                                          <p:spTgt spid="7">
-                                            <p:txEl>
-                                              <p:pRg st="5" end="5"/>
-                                            </p:txEl>
-                                          </p:spTgt>
-                                        </p:tgtEl>
-                                        <p:attrNameLst>
-                                          <p:attrName>ppt_x</p:attrName>
-                                        </p:attrNameLst>
-                                      </p:cBhvr>
-                                      <p:tavLst>
-                                        <p:tav tm="0">
-                                          <p:val>
-                                            <p:strVal val="1+#ppt_w/2"/>
-                                          </p:val>
-                                        </p:tav>
-                                        <p:tav tm="100000">
-                                          <p:val>
-                                            <p:strVal val="#ppt_x"/>
-                                          </p:val>
-                                        </p:tav>
-                                      </p:tavLst>
-                                    </p:anim>
-                                    <p:anim calcmode="lin" valueType="num">
-                                      <p:cBhvr additive="base">
-                                        <p:cTn id="53" dur="500" fill="hold"/>
-                                        <p:tgtEl>
-                                          <p:spTgt spid="7">
-                                            <p:txEl>
-                                              <p:pRg st="5" end="5"/>
-                                            </p:txEl>
-                                          </p:spTgt>
-                                        </p:tgtEl>
-                                        <p:attrNameLst>
-                                          <p:attrName>ppt_y</p:attrName>
-                                        </p:attrNameLst>
-                                      </p:cBhvr>
-                                      <p:tavLst>
-                                        <p:tav tm="0">
-                                          <p:val>
-                                            <p:strVal val="#ppt_y"/>
-                                          </p:val>
-                                        </p:tav>
-                                        <p:tav tm="100000">
-                                          <p:val>
-                                            <p:strVal val="#ppt_y"/>
-                                          </p:val>
-                                        </p:tav>
-                                      </p:tavLst>
-                                    </p:anim>
-                                  </p:childTnLst>
-                                </p:cTn>
-                              </p:par>
-                              <p:par>
-                                <p:cTn id="54" presetID="2" presetClass="entr" presetSubtype="2" fill="hold" nodeType="withEffect">
-                                  <p:stCondLst>
-                                    <p:cond delay="0"/>
-                                  </p:stCondLst>
-                                  <p:childTnLst>
-                                    <p:set>
-                                      <p:cBhvr>
-                                        <p:cTn id="55" dur="1" fill="hold">
-                                          <p:stCondLst>
-                                            <p:cond delay="0"/>
-                                          </p:stCondLst>
-                                        </p:cTn>
-                                        <p:tgtEl>
-                                          <p:spTgt spid="7">
-                                            <p:txEl>
-                                              <p:pRg st="6" end="6"/>
-                                            </p:txEl>
-                                          </p:spTgt>
-                                        </p:tgtEl>
-                                        <p:attrNameLst>
-                                          <p:attrName>style.visibility</p:attrName>
-                                        </p:attrNameLst>
-                                      </p:cBhvr>
-                                      <p:to>
-                                        <p:strVal val="visible"/>
-                                      </p:to>
-                                    </p:set>
-                                    <p:anim calcmode="lin" valueType="num">
-                                      <p:cBhvr additive="base">
-                                        <p:cTn id="56" dur="500" fill="hold"/>
-                                        <p:tgtEl>
-                                          <p:spTgt spid="7">
-                                            <p:txEl>
-                                              <p:pRg st="6" end="6"/>
-                                            </p:txEl>
-                                          </p:spTgt>
-                                        </p:tgtEl>
-                                        <p:attrNameLst>
-                                          <p:attrName>ppt_x</p:attrName>
-                                        </p:attrNameLst>
-                                      </p:cBhvr>
-                                      <p:tavLst>
-                                        <p:tav tm="0">
-                                          <p:val>
-                                            <p:strVal val="1+#ppt_w/2"/>
-                                          </p:val>
-                                        </p:tav>
-                                        <p:tav tm="100000">
-                                          <p:val>
-                                            <p:strVal val="#ppt_x"/>
-                                          </p:val>
-                                        </p:tav>
-                                      </p:tavLst>
-                                    </p:anim>
-                                    <p:anim calcmode="lin" valueType="num">
-                                      <p:cBhvr additive="base">
-                                        <p:cTn id="57" dur="500" fill="hold"/>
-                                        <p:tgtEl>
-                                          <p:spTgt spid="7">
-                                            <p:txEl>
-                                              <p:pRg st="6" end="6"/>
-                                            </p:txEl>
-                                          </p:spTgt>
-                                        </p:tgtEl>
-                                        <p:attrNameLst>
-                                          <p:attrName>ppt_y</p:attrName>
-                                        </p:attrNameLst>
-                                      </p:cBhvr>
-                                      <p:tavLst>
-                                        <p:tav tm="0">
-                                          <p:val>
-                                            <p:strVal val="#ppt_y"/>
-                                          </p:val>
-                                        </p:tav>
-                                        <p:tav tm="100000">
-                                          <p:val>
-                                            <p:strVal val="#ppt_y"/>
-                                          </p:val>
-                                        </p:tav>
-                                      </p:tavLst>
-                                    </p:anim>
-                                  </p:childTnLst>
-                                </p:cTn>
-                              </p:par>
-                            </p:childTnLst>
-                          </p:cTn>
-                        </p:par>
-                      </p:childTnLst>
-                    </p:cTn>
-                  </p:par>
-                  <p:par>
-                    <p:cTn id="58" fill="hold">
-                      <p:stCondLst>
-                        <p:cond delay="indefinite"/>
-                      </p:stCondLst>
-                      <p:childTnLst>
-                        <p:par>
-                          <p:cTn id="59" fill="hold">
-                            <p:stCondLst>
-                              <p:cond delay="0"/>
-                            </p:stCondLst>
-                            <p:childTnLst>
-                              <p:par>
-                                <p:cTn id="60" presetID="2" presetClass="entr" presetSubtype="2" fill="hold" nodeType="clickEffect">
-                                  <p:stCondLst>
-                                    <p:cond delay="0"/>
-                                  </p:stCondLst>
-                                  <p:childTnLst>
-                                    <p:set>
-                                      <p:cBhvr>
-                                        <p:cTn id="61" dur="1" fill="hold">
-                                          <p:stCondLst>
-                                            <p:cond delay="0"/>
-                                          </p:stCondLst>
-                                        </p:cTn>
-                                        <p:tgtEl>
-                                          <p:spTgt spid="7">
-                                            <p:txEl>
-                                              <p:pRg st="8" end="8"/>
-                                            </p:txEl>
-                                          </p:spTgt>
-                                        </p:tgtEl>
-                                        <p:attrNameLst>
-                                          <p:attrName>style.visibility</p:attrName>
-                                        </p:attrNameLst>
-                                      </p:cBhvr>
-                                      <p:to>
-                                        <p:strVal val="visible"/>
-                                      </p:to>
-                                    </p:set>
-                                    <p:anim calcmode="lin" valueType="num">
-                                      <p:cBhvr additive="base">
-                                        <p:cTn id="62" dur="500" fill="hold"/>
-                                        <p:tgtEl>
-                                          <p:spTgt spid="7">
-                                            <p:txEl>
-                                              <p:pRg st="8" end="8"/>
-                                            </p:txEl>
-                                          </p:spTgt>
-                                        </p:tgtEl>
-                                        <p:attrNameLst>
-                                          <p:attrName>ppt_x</p:attrName>
-                                        </p:attrNameLst>
-                                      </p:cBhvr>
-                                      <p:tavLst>
-                                        <p:tav tm="0">
-                                          <p:val>
-                                            <p:strVal val="1+#ppt_w/2"/>
-                                          </p:val>
-                                        </p:tav>
-                                        <p:tav tm="100000">
-                                          <p:val>
-                                            <p:strVal val="#ppt_x"/>
-                                          </p:val>
-                                        </p:tav>
-                                      </p:tavLst>
-                                    </p:anim>
-                                    <p:anim calcmode="lin" valueType="num">
-                                      <p:cBhvr additive="base">
-                                        <p:cTn id="63" dur="500" fill="hold"/>
-                                        <p:tgtEl>
-                                          <p:spTgt spid="7">
-                                            <p:txEl>
-                                              <p:pRg st="8" end="8"/>
-                                            </p:txEl>
-                                          </p:spTgt>
-                                        </p:tgtEl>
-                                        <p:attrNameLst>
-                                          <p:attrName>ppt_y</p:attrName>
-                                        </p:attrNameLst>
-                                      </p:cBhvr>
-                                      <p:tavLst>
-                                        <p:tav tm="0">
-                                          <p:val>
-                                            <p:strVal val="#ppt_y"/>
-                                          </p:val>
-                                        </p:tav>
-                                        <p:tav tm="100000">
-                                          <p:val>
-                                            <p:strVal val="#ppt_y"/>
-                                          </p:val>
-                                        </p:tav>
-                                      </p:tavLst>
-                                    </p:anim>
-                                  </p:childTnLst>
-                                </p:cTn>
-                              </p:par>
-                              <p:par>
-                                <p:cTn id="64" presetID="2" presetClass="entr" presetSubtype="2" fill="hold" nodeType="withEffect">
-                                  <p:stCondLst>
-                                    <p:cond delay="0"/>
-                                  </p:stCondLst>
-                                  <p:childTnLst>
-                                    <p:set>
-                                      <p:cBhvr>
-                                        <p:cTn id="65" dur="1" fill="hold">
-                                          <p:stCondLst>
-                                            <p:cond delay="0"/>
-                                          </p:stCondLst>
-                                        </p:cTn>
-                                        <p:tgtEl>
-                                          <p:spTgt spid="7">
-                                            <p:txEl>
-                                              <p:pRg st="9" end="9"/>
-                                            </p:txEl>
-                                          </p:spTgt>
-                                        </p:tgtEl>
-                                        <p:attrNameLst>
-                                          <p:attrName>style.visibility</p:attrName>
-                                        </p:attrNameLst>
-                                      </p:cBhvr>
-                                      <p:to>
-                                        <p:strVal val="visible"/>
-                                      </p:to>
-                                    </p:set>
-                                    <p:anim calcmode="lin" valueType="num">
-                                      <p:cBhvr additive="base">
-                                        <p:cTn id="66" dur="500" fill="hold"/>
-                                        <p:tgtEl>
-                                          <p:spTgt spid="7">
-                                            <p:txEl>
-                                              <p:pRg st="9" end="9"/>
-                                            </p:txEl>
-                                          </p:spTgt>
-                                        </p:tgtEl>
-                                        <p:attrNameLst>
-                                          <p:attrName>ppt_x</p:attrName>
-                                        </p:attrNameLst>
-                                      </p:cBhvr>
-                                      <p:tavLst>
-                                        <p:tav tm="0">
-                                          <p:val>
-                                            <p:strVal val="1+#ppt_w/2"/>
-                                          </p:val>
-                                        </p:tav>
-                                        <p:tav tm="100000">
-                                          <p:val>
-                                            <p:strVal val="#ppt_x"/>
-                                          </p:val>
-                                        </p:tav>
-                                      </p:tavLst>
-                                    </p:anim>
-                                    <p:anim calcmode="lin" valueType="num">
-                                      <p:cBhvr additive="base">
-                                        <p:cTn id="67" dur="500" fill="hold"/>
-                                        <p:tgtEl>
-                                          <p:spTgt spid="7">
-                                            <p:txEl>
-                                              <p:pRg st="9" end="9"/>
-                                            </p:txEl>
-                                          </p:spTgt>
-                                        </p:tgtEl>
-                                        <p:attrNameLst>
-                                          <p:attrName>ppt_y</p:attrName>
-                                        </p:attrNameLst>
-                                      </p:cBhvr>
-                                      <p:tavLst>
-                                        <p:tav tm="0">
-                                          <p:val>
-                                            <p:strVal val="#ppt_y"/>
-                                          </p:val>
-                                        </p:tav>
-                                        <p:tav tm="100000">
-                                          <p:val>
-                                            <p:strVal val="#ppt_y"/>
-                                          </p:val>
-                                        </p:tav>
-                                      </p:tavLst>
-                                    </p:anim>
-                                  </p:childTnLst>
-                                </p:cTn>
-                              </p:par>
-                              <p:par>
-                                <p:cTn id="68" presetID="2" presetClass="entr" presetSubtype="2" fill="hold" nodeType="withEffect">
-                                  <p:stCondLst>
-                                    <p:cond delay="0"/>
-                                  </p:stCondLst>
-                                  <p:childTnLst>
-                                    <p:set>
-                                      <p:cBhvr>
-                                        <p:cTn id="69" dur="1" fill="hold">
-                                          <p:stCondLst>
-                                            <p:cond delay="0"/>
-                                          </p:stCondLst>
-                                        </p:cTn>
-                                        <p:tgtEl>
-                                          <p:spTgt spid="7">
-                                            <p:txEl>
-                                              <p:pRg st="10" end="10"/>
-                                            </p:txEl>
-                                          </p:spTgt>
-                                        </p:tgtEl>
-                                        <p:attrNameLst>
-                                          <p:attrName>style.visibility</p:attrName>
-                                        </p:attrNameLst>
-                                      </p:cBhvr>
-                                      <p:to>
-                                        <p:strVal val="visible"/>
-                                      </p:to>
-                                    </p:set>
-                                    <p:anim calcmode="lin" valueType="num">
-                                      <p:cBhvr additive="base">
-                                        <p:cTn id="70" dur="500" fill="hold"/>
-                                        <p:tgtEl>
-                                          <p:spTgt spid="7">
-                                            <p:txEl>
-                                              <p:pRg st="10" end="10"/>
-                                            </p:txEl>
-                                          </p:spTgt>
-                                        </p:tgtEl>
-                                        <p:attrNameLst>
-                                          <p:attrName>ppt_x</p:attrName>
-                                        </p:attrNameLst>
-                                      </p:cBhvr>
-                                      <p:tavLst>
-                                        <p:tav tm="0">
-                                          <p:val>
-                                            <p:strVal val="1+#ppt_w/2"/>
-                                          </p:val>
-                                        </p:tav>
-                                        <p:tav tm="100000">
-                                          <p:val>
-                                            <p:strVal val="#ppt_x"/>
-                                          </p:val>
-                                        </p:tav>
-                                      </p:tavLst>
-                                    </p:anim>
-                                    <p:anim calcmode="lin" valueType="num">
-                                      <p:cBhvr additive="base">
-                                        <p:cTn id="71" dur="500" fill="hold"/>
-                                        <p:tgtEl>
-                                          <p:spTgt spid="7">
-                                            <p:txEl>
-                                              <p:pRg st="10" end="10"/>
-                                            </p:txEl>
-                                          </p:spTgt>
-                                        </p:tgtEl>
-                                        <p:attrNameLst>
-                                          <p:attrName>ppt_y</p:attrName>
-                                        </p:attrNameLst>
-                                      </p:cBhvr>
-                                      <p:tavLst>
-                                        <p:tav tm="0">
-                                          <p:val>
-                                            <p:strVal val="#ppt_y"/>
-                                          </p:val>
-                                        </p:tav>
-                                        <p:tav tm="100000">
-                                          <p:val>
-                                            <p:strVal val="#ppt_y"/>
-                                          </p:val>
-                                        </p:tav>
-                                      </p:tavLst>
-                                    </p:anim>
-                                  </p:childTnLst>
-                                </p:cTn>
-                              </p:par>
-                            </p:childTnLst>
-                          </p:cTn>
-                        </p:par>
-                      </p:childTnLst>
-                    </p:cTn>
-                  </p:par>
-                </p:childTnLst>
-              </p:cTn>
-              <p:prevCondLst>
-                <p:cond evt="onPrev" delay="0">
-                  <p:tgtEl>
-                    <p:sldTgt/>
-                  </p:tgtEl>
-                </p:cond>
-              </p:prevCondLst>
-              <p:nextCondLst>
-                <p:cond evt="onNext" delay="0">
-                  <p:tgtEl>
-                    <p:sldTgt/>
-                  </p:tgtEl>
-                </p:cond>
-              </p:nextCondLst>
-            </p:seq>
-          </p:childTnLst>
-        </p:cTn>
+        <p:cTn id="1" dur="indefinite" restart="never" nodeType="tmRoot"/>
       </p:par>
     </p:tnLst>
-    <p:bldLst>
-      <p:bldP spid="5" grpId="0"/>
-      <p:bldP spid="11" grpId="0" animBg="1"/>
-    </p:bldLst>
   </p:timing>
 </p:sld>
 </file>
 
-<file path=ppt/slides/slide11.xml><?xml version="1.0" encoding="utf-8"?>
+<file path=ppt/slides/slide10.xml><?xml version="1.0" encoding="utf-8"?>
 <p:sld xmlns:a="http://schemas.openxmlformats.org/drawingml/2006/main" xmlns:r="http://schemas.openxmlformats.org/officeDocument/2006/relationships" xmlns:p="http://schemas.openxmlformats.org/presentationml/2006/main">
   <p:cSld>
     <p:spTree>
@@ -8227,13 +6693,6 @@
               </a:rPr>
               <a:t>.</a:t>
             </a:r>
-            <a:endParaRPr lang="en-US" altLang="ko-KR" dirty="0" smtClean="0">
-              <a:solidFill>
-                <a:srgbClr val="8F8F8F"/>
-              </a:solidFill>
-              <a:latin typeface="나눔고딕" panose="020D0604000000000000" pitchFamily="50" charset="-127"/>
-              <a:ea typeface="나눔고딕" panose="020D0604000000000000" pitchFamily="50" charset="-127"/>
-            </a:endParaRPr>
           </a:p>
           <a:p>
             <a:pPr marL="0" indent="0">
@@ -8649,14 +7108,7 @@
                 <a:latin typeface="나눔고딕" panose="020D0604000000000000" pitchFamily="50" charset="-127"/>
                 <a:ea typeface="나눔고딕" panose="020D0604000000000000" pitchFamily="50" charset="-127"/>
               </a:rPr>
-              <a:t>특수</a:t>
-            </a:r>
-            <a:r>
-              <a:rPr lang="ko-KR" altLang="en-US" sz="3600" b="1" dirty="0" smtClean="0">
-                <a:latin typeface="나눔고딕" panose="020D0604000000000000" pitchFamily="50" charset="-127"/>
-                <a:ea typeface="나눔고딕" panose="020D0604000000000000" pitchFamily="50" charset="-127"/>
-              </a:rPr>
-              <a:t> 기능</a:t>
+              <a:t>특수 기능</a:t>
             </a:r>
             <a:endParaRPr lang="ko-KR" altLang="en-US" sz="3600" b="1" dirty="0">
               <a:latin typeface="나눔고딕" panose="020D0604000000000000" pitchFamily="50" charset="-127"/>
@@ -9650,7 +8102,7 @@
 </p:sld>
 </file>
 
-<file path=ppt/slides/slide12.xml><?xml version="1.0" encoding="utf-8"?>
+<file path=ppt/slides/slide11.xml><?xml version="1.0" encoding="utf-8"?>
 <p:sld xmlns:a="http://schemas.openxmlformats.org/drawingml/2006/main" xmlns:r="http://schemas.openxmlformats.org/officeDocument/2006/relationships" xmlns:p="http://schemas.openxmlformats.org/presentationml/2006/main">
   <p:cSld>
     <p:spTree>
@@ -11548,6 +10000,203 @@
 </p:sld>
 </file>
 
+<file path=ppt/slides/slide12.xml><?xml version="1.0" encoding="utf-8"?>
+<p:sld xmlns:a="http://schemas.openxmlformats.org/drawingml/2006/main" xmlns:r="http://schemas.openxmlformats.org/officeDocument/2006/relationships" xmlns:p="http://schemas.openxmlformats.org/presentationml/2006/main">
+  <p:cSld>
+    <p:spTree>
+      <p:nvGrpSpPr>
+        <p:cNvPr id="1" name=""/>
+        <p:cNvGrpSpPr/>
+        <p:nvPr/>
+      </p:nvGrpSpPr>
+      <p:grpSpPr>
+        <a:xfrm>
+          <a:off x="0" y="0"/>
+          <a:ext cx="0" cy="0"/>
+          <a:chOff x="0" y="0"/>
+          <a:chExt cx="0" cy="0"/>
+        </a:xfrm>
+      </p:grpSpPr>
+      <p:sp>
+        <p:nvSpPr>
+          <p:cNvPr id="4" name="제목 1"/>
+          <p:cNvSpPr txBox="1">
+            <a:spLocks/>
+          </p:cNvSpPr>
+          <p:nvPr/>
+        </p:nvSpPr>
+        <p:spPr>
+          <a:xfrm>
+            <a:off x="380146" y="0"/>
+            <a:ext cx="9894564" cy="1752599"/>
+          </a:xfrm>
+          <a:prstGeom prst="rect">
+            <a:avLst/>
+          </a:prstGeom>
+        </p:spPr>
+        <p:txBody>
+          <a:bodyPr vert="horz" lIns="91440" tIns="45720" rIns="91440" bIns="45720" rtlCol="0" anchor="ctr">
+            <a:normAutofit/>
+          </a:bodyPr>
+          <a:lstStyle>
+            <a:lvl1pPr algn="l" defTabSz="914400" rtl="0" eaLnBrk="1" latinLnBrk="1" hangingPunct="1">
+              <a:lnSpc>
+                <a:spcPct val="90000"/>
+              </a:lnSpc>
+              <a:spcBef>
+                <a:spcPct val="0"/>
+              </a:spcBef>
+              <a:buNone/>
+              <a:defRPr sz="4400" kern="1200">
+                <a:solidFill>
+                  <a:schemeClr val="tx1"/>
+                </a:solidFill>
+                <a:latin typeface="+mj-lt"/>
+                <a:ea typeface="+mj-ea"/>
+                <a:cs typeface="+mj-cs"/>
+              </a:defRPr>
+            </a:lvl1pPr>
+          </a:lstStyle>
+          <a:p>
+            <a:r>
+              <a:rPr lang="ko-KR" altLang="en-US" sz="8000" b="1" smtClean="0">
+                <a:solidFill>
+                  <a:srgbClr val="FAFAFA"/>
+                </a:solidFill>
+                <a:latin typeface="나눔고딕" panose="020D0604000000000000" pitchFamily="50" charset="-127"/>
+                <a:ea typeface="나눔고딕" panose="020D0604000000000000" pitchFamily="50" charset="-127"/>
+              </a:rPr>
+              <a:t>플레이</a:t>
+            </a:r>
+            <a:r>
+              <a:rPr lang="en-US" altLang="ko-KR" sz="8000" b="1" dirty="0">
+                <a:solidFill>
+                  <a:srgbClr val="FAFAFA"/>
+                </a:solidFill>
+                <a:latin typeface="나눔고딕" panose="020D0604000000000000" pitchFamily="50" charset="-127"/>
+                <a:ea typeface="나눔고딕" panose="020D0604000000000000" pitchFamily="50" charset="-127"/>
+              </a:rPr>
+              <a:t> </a:t>
+            </a:r>
+            <a:r>
+              <a:rPr lang="ko-KR" altLang="en-US" sz="8000" b="1" dirty="0" smtClean="0">
+                <a:solidFill>
+                  <a:srgbClr val="FAFAFA"/>
+                </a:solidFill>
+                <a:latin typeface="나눔고딕" panose="020D0604000000000000" pitchFamily="50" charset="-127"/>
+                <a:ea typeface="나눔고딕" panose="020D0604000000000000" pitchFamily="50" charset="-127"/>
+              </a:rPr>
+              <a:t>영상</a:t>
+            </a:r>
+            <a:endParaRPr lang="ko-KR" altLang="en-US" sz="8000" b="1" dirty="0">
+              <a:solidFill>
+                <a:srgbClr val="FAFAFA"/>
+              </a:solidFill>
+              <a:latin typeface="나눔고딕" panose="020D0604000000000000" pitchFamily="50" charset="-127"/>
+              <a:ea typeface="나눔고딕" panose="020D0604000000000000" pitchFamily="50" charset="-127"/>
+            </a:endParaRPr>
+          </a:p>
+        </p:txBody>
+      </p:sp>
+    </p:spTree>
+    <p:extLst>
+      <p:ext uri="{BB962C8B-B14F-4D97-AF65-F5344CB8AC3E}">
+        <p14:creationId xmlns:p14="http://schemas.microsoft.com/office/powerpoint/2010/main" val="782377019"/>
+      </p:ext>
+    </p:extLst>
+  </p:cSld>
+  <p:clrMapOvr>
+    <a:masterClrMapping/>
+  </p:clrMapOvr>
+  <p:timing>
+    <p:tnLst>
+      <p:par>
+        <p:cTn id="1" dur="indefinite" restart="never" nodeType="tmRoot">
+          <p:childTnLst>
+            <p:seq concurrent="1" nextAc="seek">
+              <p:cTn id="2" dur="indefinite" nodeType="mainSeq">
+                <p:childTnLst>
+                  <p:par>
+                    <p:cTn id="3" fill="hold">
+                      <p:stCondLst>
+                        <p:cond delay="indefinite"/>
+                      </p:stCondLst>
+                      <p:childTnLst>
+                        <p:par>
+                          <p:cTn id="4" fill="hold">
+                            <p:stCondLst>
+                              <p:cond delay="0"/>
+                            </p:stCondLst>
+                            <p:childTnLst>
+                              <p:par>
+                                <p:cTn id="5" presetID="6" presetClass="entr" presetSubtype="16" fill="hold" grpId="0" nodeType="clickEffect">
+                                  <p:stCondLst>
+                                    <p:cond delay="0"/>
+                                  </p:stCondLst>
+                                  <p:childTnLst>
+                                    <p:set>
+                                      <p:cBhvr>
+                                        <p:cTn id="6" dur="1" fill="hold">
+                                          <p:stCondLst>
+                                            <p:cond delay="0"/>
+                                          </p:stCondLst>
+                                        </p:cTn>
+                                        <p:tgtEl>
+                                          <p:spTgt spid="4"/>
+                                        </p:tgtEl>
+                                        <p:attrNameLst>
+                                          <p:attrName>style.visibility</p:attrName>
+                                        </p:attrNameLst>
+                                      </p:cBhvr>
+                                      <p:to>
+                                        <p:strVal val="visible"/>
+                                      </p:to>
+                                    </p:set>
+                                    <p:animEffect transition="in" filter="circle(in)">
+                                      <p:cBhvr>
+                                        <p:cTn id="7" dur="500"/>
+                                        <p:tgtEl>
+                                          <p:spTgt spid="4"/>
+                                        </p:tgtEl>
+                                      </p:cBhvr>
+                                    </p:animEffect>
+                                  </p:childTnLst>
+                                </p:cTn>
+                              </p:par>
+                            </p:childTnLst>
+                          </p:cTn>
+                        </p:par>
+                      </p:childTnLst>
+                    </p:cTn>
+                  </p:par>
+                </p:childTnLst>
+              </p:cTn>
+              <p:prevCondLst>
+                <p:cond evt="onPrev" delay="0">
+                  <p:tgtEl>
+                    <p:sldTgt/>
+                  </p:tgtEl>
+                </p:cond>
+              </p:prevCondLst>
+              <p:nextCondLst>
+                <p:cond evt="onNext" delay="0">
+                  <p:tgtEl>
+                    <p:sldTgt/>
+                  </p:tgtEl>
+                </p:cond>
+              </p:nextCondLst>
+            </p:seq>
+          </p:childTnLst>
+        </p:cTn>
+      </p:par>
+    </p:tnLst>
+    <p:bldLst>
+      <p:bldP spid="4" grpId="0"/>
+    </p:bldLst>
+  </p:timing>
+</p:sld>
+</file>
+
 <file path=ppt/slides/slide13.xml><?xml version="1.0" encoding="utf-8"?>
 <p:sld xmlns:a="http://schemas.openxmlformats.org/drawingml/2006/main" xmlns:r="http://schemas.openxmlformats.org/officeDocument/2006/relationships" xmlns:p="http://schemas.openxmlformats.org/presentationml/2006/main">
   <p:cSld>
@@ -11607,34 +10256,14 @@
           </a:lstStyle>
           <a:p>
             <a:r>
-              <a:rPr lang="ko-KR" altLang="en-US" sz="8000" b="1" smtClean="0">
+              <a:rPr lang="ko-KR" altLang="en-US" sz="8000" b="1" dirty="0" err="1" smtClean="0">
                 <a:solidFill>
                   <a:srgbClr val="FAFAFA"/>
                 </a:solidFill>
                 <a:latin typeface="나눔고딕" panose="020D0604000000000000" pitchFamily="50" charset="-127"/>
                 <a:ea typeface="나눔고딕" panose="020D0604000000000000" pitchFamily="50" charset="-127"/>
               </a:rPr>
-              <a:t>플레이</a:t>
-            </a:r>
-            <a:r>
-              <a:rPr lang="en-US" altLang="ko-KR" sz="8000" b="1" dirty="0">
-                <a:solidFill>
-                  <a:srgbClr val="FAFAFA"/>
-                </a:solidFill>
-                <a:latin typeface="나눔고딕" panose="020D0604000000000000" pitchFamily="50" charset="-127"/>
-                <a:ea typeface="나눔고딕" panose="020D0604000000000000" pitchFamily="50" charset="-127"/>
-              </a:rPr>
-              <a:t> </a:t>
-            </a:r>
-            <a:r>
-              <a:rPr lang="ko-KR" altLang="en-US" sz="8000" b="1" dirty="0" smtClean="0">
-                <a:solidFill>
-                  <a:srgbClr val="FAFAFA"/>
-                </a:solidFill>
-                <a:latin typeface="나눔고딕" panose="020D0604000000000000" pitchFamily="50" charset="-127"/>
-                <a:ea typeface="나눔고딕" panose="020D0604000000000000" pitchFamily="50" charset="-127"/>
-              </a:rPr>
-              <a:t>영상</a:t>
+              <a:t>느낀점</a:t>
             </a:r>
             <a:endParaRPr lang="ko-KR" altLang="en-US" sz="8000" b="1" dirty="0">
               <a:solidFill>
@@ -11646,10 +10275,299 @@
           </a:p>
         </p:txBody>
       </p:sp>
+      <p:sp>
+        <p:nvSpPr>
+          <p:cNvPr id="5" name="제목 1"/>
+          <p:cNvSpPr txBox="1">
+            <a:spLocks/>
+          </p:cNvSpPr>
+          <p:nvPr/>
+        </p:nvSpPr>
+        <p:spPr>
+          <a:xfrm>
+            <a:off x="573932" y="1896475"/>
+            <a:ext cx="11089532" cy="4679423"/>
+          </a:xfrm>
+          <a:prstGeom prst="rect">
+            <a:avLst/>
+          </a:prstGeom>
+        </p:spPr>
+        <p:txBody>
+          <a:bodyPr vert="horz" lIns="91440" tIns="45720" rIns="91440" bIns="45720" rtlCol="0" anchor="ctr">
+            <a:noAutofit/>
+          </a:bodyPr>
+          <a:lstStyle>
+            <a:lvl1pPr algn="l" defTabSz="914400" rtl="0" eaLnBrk="1" latinLnBrk="1" hangingPunct="1">
+              <a:lnSpc>
+                <a:spcPct val="90000"/>
+              </a:lnSpc>
+              <a:spcBef>
+                <a:spcPct val="0"/>
+              </a:spcBef>
+              <a:buNone/>
+              <a:defRPr sz="4400" kern="1200">
+                <a:solidFill>
+                  <a:schemeClr val="tx1"/>
+                </a:solidFill>
+                <a:latin typeface="+mj-lt"/>
+                <a:ea typeface="+mj-ea"/>
+                <a:cs typeface="+mj-cs"/>
+              </a:defRPr>
+            </a:lvl1pPr>
+          </a:lstStyle>
+          <a:p>
+            <a:r>
+              <a:rPr lang="ko-KR" altLang="en-US" sz="2900" b="1" dirty="0" smtClean="0">
+                <a:solidFill>
+                  <a:srgbClr val="4E4E4E"/>
+                </a:solidFill>
+                <a:latin typeface="나눔고딕" panose="020D0604000000000000" pitchFamily="50" charset="-127"/>
+                <a:ea typeface="나눔고딕" panose="020D0604000000000000" pitchFamily="50" charset="-127"/>
+              </a:rPr>
+              <a:t>이규원</a:t>
+            </a:r>
+            <a:r>
+              <a:rPr lang="en-US" altLang="ko-KR" sz="2900" b="1" dirty="0" smtClean="0">
+                <a:solidFill>
+                  <a:srgbClr val="4E4E4E"/>
+                </a:solidFill>
+                <a:latin typeface="나눔고딕" panose="020D0604000000000000" pitchFamily="50" charset="-127"/>
+                <a:ea typeface="나눔고딕" panose="020D0604000000000000" pitchFamily="50" charset="-127"/>
+              </a:rPr>
+              <a:t>(EQ1) – </a:t>
+            </a:r>
+            <a:r>
+              <a:rPr lang="ko-KR" altLang="en-US" sz="2900" b="1" dirty="0" smtClean="0">
+                <a:solidFill>
+                  <a:srgbClr val="4E4E4E"/>
+                </a:solidFill>
+                <a:latin typeface="나눔고딕" panose="020D0604000000000000" pitchFamily="50" charset="-127"/>
+                <a:ea typeface="나눔고딕" panose="020D0604000000000000" pitchFamily="50" charset="-127"/>
+              </a:rPr>
+              <a:t>멘토</a:t>
+            </a:r>
+            <a:r>
+              <a:rPr lang="en-US" altLang="ko-KR" sz="2900" dirty="0" smtClean="0">
+                <a:latin typeface="나눔고딕" panose="020D0604000000000000" pitchFamily="50" charset="-127"/>
+                <a:ea typeface="나눔고딕" panose="020D0604000000000000" pitchFamily="50" charset="-127"/>
+              </a:rPr>
+              <a:t/>
+            </a:r>
+            <a:br>
+              <a:rPr lang="en-US" altLang="ko-KR" sz="2900" dirty="0" smtClean="0">
+                <a:latin typeface="나눔고딕" panose="020D0604000000000000" pitchFamily="50" charset="-127"/>
+                <a:ea typeface="나눔고딕" panose="020D0604000000000000" pitchFamily="50" charset="-127"/>
+              </a:rPr>
+            </a:br>
+            <a:r>
+              <a:rPr lang="ko-KR" altLang="en-US" sz="2900" dirty="0" smtClean="0">
+                <a:solidFill>
+                  <a:srgbClr val="8F8F8F"/>
+                </a:solidFill>
+                <a:latin typeface="나눔고딕" panose="020D0604000000000000" pitchFamily="50" charset="-127"/>
+                <a:ea typeface="나눔고딕" panose="020D0604000000000000" pitchFamily="50" charset="-127"/>
+              </a:rPr>
+              <a:t>아이들의 아이디어가 신선해서 </a:t>
+            </a:r>
+            <a:r>
+              <a:rPr lang="ko-KR" altLang="en-US" sz="2900" dirty="0" err="1" smtClean="0">
+                <a:solidFill>
+                  <a:srgbClr val="8F8F8F"/>
+                </a:solidFill>
+                <a:latin typeface="나눔고딕" panose="020D0604000000000000" pitchFamily="50" charset="-127"/>
+                <a:ea typeface="나눔고딕" panose="020D0604000000000000" pitchFamily="50" charset="-127"/>
+              </a:rPr>
+              <a:t>재밌었고</a:t>
+            </a:r>
+            <a:r>
+              <a:rPr lang="ko-KR" altLang="en-US" sz="2900" dirty="0" smtClean="0">
+                <a:solidFill>
+                  <a:srgbClr val="8F8F8F"/>
+                </a:solidFill>
+                <a:latin typeface="나눔고딕" panose="020D0604000000000000" pitchFamily="50" charset="-127"/>
+                <a:ea typeface="나눔고딕" panose="020D0604000000000000" pitchFamily="50" charset="-127"/>
+              </a:rPr>
+              <a:t> 잘 따라와줘서 같이 개발하는 보람이 있었습니다</a:t>
+            </a:r>
+            <a:r>
+              <a:rPr lang="en-US" altLang="ko-KR" sz="2900" dirty="0" smtClean="0">
+                <a:solidFill>
+                  <a:srgbClr val="8F8F8F"/>
+                </a:solidFill>
+                <a:latin typeface="나눔고딕" panose="020D0604000000000000" pitchFamily="50" charset="-127"/>
+                <a:ea typeface="나눔고딕" panose="020D0604000000000000" pitchFamily="50" charset="-127"/>
+              </a:rPr>
+              <a:t>.</a:t>
+            </a:r>
+          </a:p>
+          <a:p>
+            <a:endParaRPr lang="en-US" altLang="ko-KR" sz="2900" dirty="0" smtClean="0">
+              <a:solidFill>
+                <a:srgbClr val="8F8F8F"/>
+              </a:solidFill>
+              <a:latin typeface="나눔고딕" panose="020D0604000000000000" pitchFamily="50" charset="-127"/>
+              <a:ea typeface="나눔고딕" panose="020D0604000000000000" pitchFamily="50" charset="-127"/>
+            </a:endParaRPr>
+          </a:p>
+          <a:p>
+            <a:r>
+              <a:rPr lang="ko-KR" altLang="en-US" sz="2900" b="1" dirty="0" smtClean="0">
+                <a:solidFill>
+                  <a:srgbClr val="4E4E4E"/>
+                </a:solidFill>
+                <a:latin typeface="나눔고딕" panose="020D0604000000000000" pitchFamily="50" charset="-127"/>
+                <a:ea typeface="나눔고딕" panose="020D0604000000000000" pitchFamily="50" charset="-127"/>
+              </a:rPr>
+              <a:t>김태윤</a:t>
+            </a:r>
+            <a:r>
+              <a:rPr lang="en-US" altLang="ko-KR" sz="2900" b="1" dirty="0" smtClean="0">
+                <a:solidFill>
+                  <a:srgbClr val="4E4E4E"/>
+                </a:solidFill>
+                <a:latin typeface="나눔고딕" panose="020D0604000000000000" pitchFamily="50" charset="-127"/>
+                <a:ea typeface="나눔고딕" panose="020D0604000000000000" pitchFamily="50" charset="-127"/>
+              </a:rPr>
+              <a:t>(</a:t>
+            </a:r>
+            <a:r>
+              <a:rPr lang="ko-KR" altLang="en-US" sz="2900" b="1" dirty="0" err="1" smtClean="0">
+                <a:solidFill>
+                  <a:srgbClr val="4E4E4E"/>
+                </a:solidFill>
+                <a:latin typeface="나눔고딕" panose="020D0604000000000000" pitchFamily="50" charset="-127"/>
+                <a:ea typeface="나눔고딕" panose="020D0604000000000000" pitchFamily="50" charset="-127"/>
+              </a:rPr>
+              <a:t>가나다라마</a:t>
+            </a:r>
+            <a:r>
+              <a:rPr lang="en-US" altLang="ko-KR" sz="2900" b="1" dirty="0" smtClean="0">
+                <a:solidFill>
+                  <a:srgbClr val="4E4E4E"/>
+                </a:solidFill>
+                <a:latin typeface="나눔고딕" panose="020D0604000000000000" pitchFamily="50" charset="-127"/>
+                <a:ea typeface="나눔고딕" panose="020D0604000000000000" pitchFamily="50" charset="-127"/>
+              </a:rPr>
+              <a:t>) – </a:t>
+            </a:r>
+            <a:r>
+              <a:rPr lang="ko-KR" altLang="en-US" sz="2900" b="1" dirty="0" smtClean="0">
+                <a:solidFill>
+                  <a:srgbClr val="4E4E4E"/>
+                </a:solidFill>
+                <a:latin typeface="나눔고딕" panose="020D0604000000000000" pitchFamily="50" charset="-127"/>
+                <a:ea typeface="나눔고딕" panose="020D0604000000000000" pitchFamily="50" charset="-127"/>
+              </a:rPr>
+              <a:t>프로그래머</a:t>
+            </a:r>
+            <a:r>
+              <a:rPr lang="en-US" altLang="ko-KR" sz="2900" dirty="0" smtClean="0">
+                <a:latin typeface="나눔고딕" panose="020D0604000000000000" pitchFamily="50" charset="-127"/>
+                <a:ea typeface="나눔고딕" panose="020D0604000000000000" pitchFamily="50" charset="-127"/>
+              </a:rPr>
+              <a:t/>
+            </a:r>
+            <a:br>
+              <a:rPr lang="en-US" altLang="ko-KR" sz="2900" dirty="0" smtClean="0">
+                <a:latin typeface="나눔고딕" panose="020D0604000000000000" pitchFamily="50" charset="-127"/>
+                <a:ea typeface="나눔고딕" panose="020D0604000000000000" pitchFamily="50" charset="-127"/>
+              </a:rPr>
+            </a:br>
+            <a:r>
+              <a:rPr lang="ko-KR" altLang="en-US" sz="2900" dirty="0" smtClean="0">
+                <a:solidFill>
+                  <a:srgbClr val="8F8F8F"/>
+                </a:solidFill>
+                <a:latin typeface="나눔고딕" panose="020D0604000000000000" pitchFamily="50" charset="-127"/>
+                <a:ea typeface="나눔고딕" panose="020D0604000000000000" pitchFamily="50" charset="-127"/>
+              </a:rPr>
+              <a:t>아</a:t>
+            </a:r>
+            <a:endParaRPr lang="en-US" altLang="ko-KR" sz="2900" dirty="0" smtClean="0">
+              <a:solidFill>
+                <a:srgbClr val="8F8F8F"/>
+              </a:solidFill>
+              <a:latin typeface="나눔고딕" panose="020D0604000000000000" pitchFamily="50" charset="-127"/>
+              <a:ea typeface="나눔고딕" panose="020D0604000000000000" pitchFamily="50" charset="-127"/>
+            </a:endParaRPr>
+          </a:p>
+          <a:p>
+            <a:endParaRPr lang="en-US" altLang="ko-KR" sz="2900" dirty="0" smtClean="0">
+              <a:solidFill>
+                <a:srgbClr val="8F8F8F"/>
+              </a:solidFill>
+              <a:latin typeface="나눔고딕" panose="020D0604000000000000" pitchFamily="50" charset="-127"/>
+              <a:ea typeface="나눔고딕" panose="020D0604000000000000" pitchFamily="50" charset="-127"/>
+            </a:endParaRPr>
+          </a:p>
+          <a:p>
+            <a:r>
+              <a:rPr lang="ko-KR" altLang="en-US" sz="2900" b="1" dirty="0" smtClean="0">
+                <a:solidFill>
+                  <a:srgbClr val="4E4E4E"/>
+                </a:solidFill>
+                <a:latin typeface="나눔고딕" panose="020D0604000000000000" pitchFamily="50" charset="-127"/>
+                <a:ea typeface="나눔고딕" panose="020D0604000000000000" pitchFamily="50" charset="-127"/>
+              </a:rPr>
+              <a:t>김희찬</a:t>
+            </a:r>
+            <a:r>
+              <a:rPr lang="en-US" altLang="ko-KR" sz="2900" b="1" dirty="0" smtClean="0">
+                <a:solidFill>
+                  <a:srgbClr val="4E4E4E"/>
+                </a:solidFill>
+                <a:latin typeface="나눔고딕" panose="020D0604000000000000" pitchFamily="50" charset="-127"/>
+                <a:ea typeface="나눔고딕" panose="020D0604000000000000" pitchFamily="50" charset="-127"/>
+              </a:rPr>
+              <a:t>(MAZEBOY) – </a:t>
+            </a:r>
+            <a:r>
+              <a:rPr lang="ko-KR" altLang="en-US" sz="2900" b="1" dirty="0" smtClean="0">
+                <a:solidFill>
+                  <a:srgbClr val="4E4E4E"/>
+                </a:solidFill>
+                <a:latin typeface="나눔고딕" panose="020D0604000000000000" pitchFamily="50" charset="-127"/>
+                <a:ea typeface="나눔고딕" panose="020D0604000000000000" pitchFamily="50" charset="-127"/>
+              </a:rPr>
+              <a:t>아트</a:t>
+            </a:r>
+            <a:r>
+              <a:rPr lang="en-US" altLang="ko-KR" sz="2900" dirty="0" smtClean="0">
+                <a:latin typeface="나눔고딕" panose="020D0604000000000000" pitchFamily="50" charset="-127"/>
+                <a:ea typeface="나눔고딕" panose="020D0604000000000000" pitchFamily="50" charset="-127"/>
+              </a:rPr>
+              <a:t/>
+            </a:r>
+            <a:br>
+              <a:rPr lang="en-US" altLang="ko-KR" sz="2900" dirty="0" smtClean="0">
+                <a:latin typeface="나눔고딕" panose="020D0604000000000000" pitchFamily="50" charset="-127"/>
+                <a:ea typeface="나눔고딕" panose="020D0604000000000000" pitchFamily="50" charset="-127"/>
+              </a:rPr>
+            </a:br>
+            <a:r>
+              <a:rPr lang="ko-KR" altLang="en-US" sz="2900" dirty="0" smtClean="0">
+                <a:solidFill>
+                  <a:srgbClr val="8F8F8F"/>
+                </a:solidFill>
+                <a:latin typeface="나눔고딕" panose="020D0604000000000000" pitchFamily="50" charset="-127"/>
+                <a:ea typeface="나눔고딕" panose="020D0604000000000000" pitchFamily="50" charset="-127"/>
+              </a:rPr>
+              <a:t>아</a:t>
+            </a:r>
+            <a:endParaRPr lang="ko-KR" altLang="en-US" sz="2800" dirty="0">
+              <a:solidFill>
+                <a:srgbClr val="8F8F8F"/>
+              </a:solidFill>
+              <a:latin typeface="나눔고딕" panose="020D0604000000000000" pitchFamily="50" charset="-127"/>
+              <a:ea typeface="나눔고딕" panose="020D0604000000000000" pitchFamily="50" charset="-127"/>
+            </a:endParaRPr>
+          </a:p>
+        </p:txBody>
+      </p:sp>
     </p:spTree>
     <p:extLst>
       <p:ext uri="{BB962C8B-B14F-4D97-AF65-F5344CB8AC3E}">
-        <p14:creationId xmlns:p14="http://schemas.microsoft.com/office/powerpoint/2010/main" val="782377019"/>
+        <p14:creationId xmlns:p14="http://schemas.microsoft.com/office/powerpoint/2010/main" val="2857041562"/>
       </p:ext>
     </p:extLst>
   </p:cSld>
@@ -11865,6 +10783,26 @@
           </a:lstStyle>
           <a:p>
             <a:r>
+              <a:rPr lang="ko-KR" altLang="en-US" sz="2900" b="1" dirty="0" err="1" smtClean="0">
+                <a:solidFill>
+                  <a:srgbClr val="4E4E4E"/>
+                </a:solidFill>
+                <a:latin typeface="나눔고딕" panose="020D0604000000000000" pitchFamily="50" charset="-127"/>
+                <a:ea typeface="나눔고딕" panose="020D0604000000000000" pitchFamily="50" charset="-127"/>
+              </a:rPr>
+              <a:t>오경준</a:t>
+            </a:r>
+            <a:r>
+              <a:rPr lang="en-US" altLang="ko-KR" sz="2900" b="1" dirty="0" smtClean="0">
+                <a:solidFill>
+                  <a:srgbClr val="4E4E4E"/>
+                </a:solidFill>
+                <a:latin typeface="나눔고딕" panose="020D0604000000000000" pitchFamily="50" charset="-127"/>
+                <a:ea typeface="나눔고딕" panose="020D0604000000000000" pitchFamily="50" charset="-127"/>
+              </a:rPr>
+              <a:t>(RYAN) – </a:t>
+            </a:r>
+            <a:r>
               <a:rPr lang="ko-KR" altLang="en-US" sz="2900" b="1" dirty="0" smtClean="0">
                 <a:solidFill>
                   <a:srgbClr val="4E4E4E"/>
@@ -11872,27 +10810,7 @@
                 <a:latin typeface="나눔고딕" panose="020D0604000000000000" pitchFamily="50" charset="-127"/>
                 <a:ea typeface="나눔고딕" panose="020D0604000000000000" pitchFamily="50" charset="-127"/>
               </a:rPr>
-              <a:t>이규원</a:t>
-            </a:r>
-            <a:r>
-              <a:rPr lang="en-US" altLang="ko-KR" sz="2900" b="1" dirty="0" smtClean="0">
-                <a:solidFill>
-                  <a:srgbClr val="4E4E4E"/>
-                </a:solidFill>
-                <a:latin typeface="나눔고딕" panose="020D0604000000000000" pitchFamily="50" charset="-127"/>
-                <a:ea typeface="나눔고딕" panose="020D0604000000000000" pitchFamily="50" charset="-127"/>
-              </a:rPr>
-              <a:t>(EQ1) – </a:t>
-            </a:r>
-            <a:r>
-              <a:rPr lang="ko-KR" altLang="en-US" sz="2900" b="1" dirty="0" smtClean="0">
-                <a:solidFill>
-                  <a:srgbClr val="4E4E4E"/>
-                </a:solidFill>
-                <a:latin typeface="나눔고딕" panose="020D0604000000000000" pitchFamily="50" charset="-127"/>
-                <a:ea typeface="나눔고딕" panose="020D0604000000000000" pitchFamily="50" charset="-127"/>
-              </a:rPr>
-              <a:t>멘토</a:t>
+              <a:t>아트</a:t>
             </a:r>
             <a:r>
               <a:rPr lang="en-US" altLang="ko-KR" sz="2900" dirty="0" smtClean="0">
@@ -11915,40 +10833,8 @@
                 <a:latin typeface="나눔고딕" panose="020D0604000000000000" pitchFamily="50" charset="-127"/>
                 <a:ea typeface="나눔고딕" panose="020D0604000000000000" pitchFamily="50" charset="-127"/>
               </a:rPr>
-              <a:t>아이들의 아이디어가 신선해서 </a:t>
-            </a:r>
-            <a:r>
-              <a:rPr lang="ko-KR" altLang="en-US" sz="2900" dirty="0" err="1" smtClean="0">
-                <a:solidFill>
-                  <a:srgbClr val="8F8F8F"/>
-                </a:solidFill>
-                <a:latin typeface="나눔고딕" panose="020D0604000000000000" pitchFamily="50" charset="-127"/>
-                <a:ea typeface="나눔고딕" panose="020D0604000000000000" pitchFamily="50" charset="-127"/>
-              </a:rPr>
-              <a:t>재밌었고</a:t>
-            </a:r>
-            <a:r>
-              <a:rPr lang="ko-KR" altLang="en-US" sz="2900" dirty="0" smtClean="0">
-                <a:solidFill>
-                  <a:srgbClr val="8F8F8F"/>
-                </a:solidFill>
-                <a:latin typeface="나눔고딕" panose="020D0604000000000000" pitchFamily="50" charset="-127"/>
-                <a:ea typeface="나눔고딕" panose="020D0604000000000000" pitchFamily="50" charset="-127"/>
-              </a:rPr>
-              <a:t> 잘 따라와줘서 같이 개발하는 보람이 있었습니다</a:t>
-            </a:r>
-            <a:r>
-              <a:rPr lang="en-US" altLang="ko-KR" sz="2900" dirty="0" smtClean="0">
-                <a:solidFill>
-                  <a:srgbClr val="8F8F8F"/>
-                </a:solidFill>
-                <a:latin typeface="나눔고딕" panose="020D0604000000000000" pitchFamily="50" charset="-127"/>
-                <a:ea typeface="나눔고딕" panose="020D0604000000000000" pitchFamily="50" charset="-127"/>
-              </a:rPr>
-              <a:t>.</a:t>
-            </a:r>
-          </a:p>
-          <a:p>
+              <a:t>아</a:t>
+            </a:r>
             <a:endParaRPr lang="en-US" altLang="ko-KR" sz="2900" dirty="0" smtClean="0">
               <a:solidFill>
                 <a:srgbClr val="8F8F8F"/>
@@ -11958,79 +10844,6 @@
             </a:endParaRPr>
           </a:p>
           <a:p>
-            <a:r>
-              <a:rPr lang="ko-KR" altLang="en-US" sz="2900" b="1" dirty="0" smtClean="0">
-                <a:solidFill>
-                  <a:srgbClr val="4E4E4E"/>
-                </a:solidFill>
-                <a:latin typeface="나눔고딕" panose="020D0604000000000000" pitchFamily="50" charset="-127"/>
-                <a:ea typeface="나눔고딕" panose="020D0604000000000000" pitchFamily="50" charset="-127"/>
-              </a:rPr>
-              <a:t>김태윤</a:t>
-            </a:r>
-            <a:r>
-              <a:rPr lang="en-US" altLang="ko-KR" sz="2900" b="1" dirty="0" smtClean="0">
-                <a:solidFill>
-                  <a:srgbClr val="4E4E4E"/>
-                </a:solidFill>
-                <a:latin typeface="나눔고딕" panose="020D0604000000000000" pitchFamily="50" charset="-127"/>
-                <a:ea typeface="나눔고딕" panose="020D0604000000000000" pitchFamily="50" charset="-127"/>
-              </a:rPr>
-              <a:t>(</a:t>
-            </a:r>
-            <a:r>
-              <a:rPr lang="ko-KR" altLang="en-US" sz="2900" b="1" dirty="0" err="1" smtClean="0">
-                <a:solidFill>
-                  <a:srgbClr val="4E4E4E"/>
-                </a:solidFill>
-                <a:latin typeface="나눔고딕" panose="020D0604000000000000" pitchFamily="50" charset="-127"/>
-                <a:ea typeface="나눔고딕" panose="020D0604000000000000" pitchFamily="50" charset="-127"/>
-              </a:rPr>
-              <a:t>가나다라마</a:t>
-            </a:r>
-            <a:r>
-              <a:rPr lang="en-US" altLang="ko-KR" sz="2900" b="1" dirty="0" smtClean="0">
-                <a:solidFill>
-                  <a:srgbClr val="4E4E4E"/>
-                </a:solidFill>
-                <a:latin typeface="나눔고딕" panose="020D0604000000000000" pitchFamily="50" charset="-127"/>
-                <a:ea typeface="나눔고딕" panose="020D0604000000000000" pitchFamily="50" charset="-127"/>
-              </a:rPr>
-              <a:t>) – </a:t>
-            </a:r>
-            <a:r>
-              <a:rPr lang="ko-KR" altLang="en-US" sz="2900" b="1" dirty="0" smtClean="0">
-                <a:solidFill>
-                  <a:srgbClr val="4E4E4E"/>
-                </a:solidFill>
-                <a:latin typeface="나눔고딕" panose="020D0604000000000000" pitchFamily="50" charset="-127"/>
-                <a:ea typeface="나눔고딕" panose="020D0604000000000000" pitchFamily="50" charset="-127"/>
-              </a:rPr>
-              <a:t>프로그래머</a:t>
-            </a:r>
-            <a:r>
-              <a:rPr lang="en-US" altLang="ko-KR" sz="2900" dirty="0" smtClean="0">
-                <a:latin typeface="나눔고딕" panose="020D0604000000000000" pitchFamily="50" charset="-127"/>
-                <a:ea typeface="나눔고딕" panose="020D0604000000000000" pitchFamily="50" charset="-127"/>
-              </a:rPr>
-              <a:t/>
-            </a:r>
-            <a:br>
-              <a:rPr lang="en-US" altLang="ko-KR" sz="2900" dirty="0" smtClean="0">
-                <a:latin typeface="나눔고딕" panose="020D0604000000000000" pitchFamily="50" charset="-127"/>
-                <a:ea typeface="나눔고딕" panose="020D0604000000000000" pitchFamily="50" charset="-127"/>
-              </a:rPr>
-            </a:br>
-            <a:r>
-              <a:rPr lang="ko-KR" altLang="en-US" sz="2900" dirty="0" smtClean="0">
-                <a:solidFill>
-                  <a:srgbClr val="8F8F8F"/>
-                </a:solidFill>
-                <a:latin typeface="나눔고딕" panose="020D0604000000000000" pitchFamily="50" charset="-127"/>
-                <a:ea typeface="나눔고딕" panose="020D0604000000000000" pitchFamily="50" charset="-127"/>
-              </a:rPr>
-              <a:t>아</a:t>
-            </a:r>
             <a:endParaRPr lang="en-US" altLang="ko-KR" sz="2900" dirty="0" smtClean="0">
               <a:solidFill>
                 <a:srgbClr val="8F8F8F"/>
@@ -12040,6 +10853,59 @@
             </a:endParaRPr>
           </a:p>
           <a:p>
+            <a:r>
+              <a:rPr lang="ko-KR" altLang="en-US" sz="2900" b="1" dirty="0" smtClean="0">
+                <a:solidFill>
+                  <a:srgbClr val="4E4E4E"/>
+                </a:solidFill>
+                <a:latin typeface="나눔고딕" panose="020D0604000000000000" pitchFamily="50" charset="-127"/>
+                <a:ea typeface="나눔고딕" panose="020D0604000000000000" pitchFamily="50" charset="-127"/>
+              </a:rPr>
+              <a:t>이윤성</a:t>
+            </a:r>
+            <a:r>
+              <a:rPr lang="en-US" altLang="ko-KR" sz="2900" b="1" dirty="0" smtClean="0">
+                <a:solidFill>
+                  <a:srgbClr val="4E4E4E"/>
+                </a:solidFill>
+                <a:latin typeface="나눔고딕" panose="020D0604000000000000" pitchFamily="50" charset="-127"/>
+                <a:ea typeface="나눔고딕" panose="020D0604000000000000" pitchFamily="50" charset="-127"/>
+              </a:rPr>
+              <a:t>(WDP) – </a:t>
+            </a:r>
+            <a:r>
+              <a:rPr lang="ko-KR" altLang="en-US" sz="2900" b="1" dirty="0" smtClean="0">
+                <a:solidFill>
+                  <a:srgbClr val="4E4E4E"/>
+                </a:solidFill>
+                <a:latin typeface="나눔고딕" panose="020D0604000000000000" pitchFamily="50" charset="-127"/>
+                <a:ea typeface="나눔고딕" panose="020D0604000000000000" pitchFamily="50" charset="-127"/>
+              </a:rPr>
+              <a:t>기획</a:t>
+            </a:r>
+            <a:r>
+              <a:rPr lang="en-US" altLang="ko-KR" sz="2900" dirty="0" smtClean="0">
+                <a:latin typeface="나눔고딕" panose="020D0604000000000000" pitchFamily="50" charset="-127"/>
+                <a:ea typeface="나눔고딕" panose="020D0604000000000000" pitchFamily="50" charset="-127"/>
+              </a:rPr>
+              <a:t/>
+            </a:r>
+            <a:br>
+              <a:rPr lang="en-US" altLang="ko-KR" sz="2900" dirty="0" smtClean="0">
+                <a:latin typeface="나눔고딕" panose="020D0604000000000000" pitchFamily="50" charset="-127"/>
+                <a:ea typeface="나눔고딕" panose="020D0604000000000000" pitchFamily="50" charset="-127"/>
+              </a:rPr>
+            </a:br>
+            <a:r>
+              <a:rPr lang="ko-KR" altLang="en-US" sz="2900" dirty="0" smtClean="0">
+                <a:solidFill>
+                  <a:srgbClr val="8F8F8F"/>
+                </a:solidFill>
+                <a:latin typeface="나눔고딕" panose="020D0604000000000000" pitchFamily="50" charset="-127"/>
+                <a:ea typeface="나눔고딕" panose="020D0604000000000000" pitchFamily="50" charset="-127"/>
+              </a:rPr>
+              <a:t>아</a:t>
+            </a:r>
             <a:endParaRPr lang="en-US" altLang="ko-KR" sz="2900" dirty="0" smtClean="0">
               <a:solidFill>
                 <a:srgbClr val="8F8F8F"/>
@@ -12049,6 +10915,35 @@
             </a:endParaRPr>
           </a:p>
           <a:p>
+            <a:endParaRPr lang="en-US" altLang="ko-KR" sz="2900" dirty="0" smtClean="0">
+              <a:solidFill>
+                <a:srgbClr val="8F8F8F"/>
+              </a:solidFill>
+              <a:latin typeface="나눔고딕" panose="020D0604000000000000" pitchFamily="50" charset="-127"/>
+              <a:ea typeface="나눔고딕" panose="020D0604000000000000" pitchFamily="50" charset="-127"/>
+            </a:endParaRPr>
+          </a:p>
+          <a:p>
+            <a:r>
+              <a:rPr lang="ko-KR" altLang="en-US" sz="2900" b="1" dirty="0" err="1" smtClean="0">
+                <a:solidFill>
+                  <a:srgbClr val="4E4E4E"/>
+                </a:solidFill>
+                <a:latin typeface="나눔고딕" panose="020D0604000000000000" pitchFamily="50" charset="-127"/>
+                <a:ea typeface="나눔고딕" panose="020D0604000000000000" pitchFamily="50" charset="-127"/>
+              </a:rPr>
+              <a:t>최제모</a:t>
+            </a:r>
+            <a:r>
+              <a:rPr lang="en-US" altLang="ko-KR" sz="2900" b="1" dirty="0" smtClean="0">
+                <a:solidFill>
+                  <a:srgbClr val="4E4E4E"/>
+                </a:solidFill>
+                <a:latin typeface="나눔고딕" panose="020D0604000000000000" pitchFamily="50" charset="-127"/>
+                <a:ea typeface="나눔고딕" panose="020D0604000000000000" pitchFamily="50" charset="-127"/>
+              </a:rPr>
+              <a:t>(JM) – </a:t>
+            </a:r>
             <a:r>
               <a:rPr lang="ko-KR" altLang="en-US" sz="2900" b="1" dirty="0" smtClean="0">
                 <a:solidFill>
@@ -12057,27 +10952,7 @@
                 <a:latin typeface="나눔고딕" panose="020D0604000000000000" pitchFamily="50" charset="-127"/>
                 <a:ea typeface="나눔고딕" panose="020D0604000000000000" pitchFamily="50" charset="-127"/>
               </a:rPr>
-              <a:t>김희찬</a:t>
-            </a:r>
-            <a:r>
-              <a:rPr lang="en-US" altLang="ko-KR" sz="2900" b="1" dirty="0" smtClean="0">
-                <a:solidFill>
-                  <a:srgbClr val="4E4E4E"/>
-                </a:solidFill>
-                <a:latin typeface="나눔고딕" panose="020D0604000000000000" pitchFamily="50" charset="-127"/>
-                <a:ea typeface="나눔고딕" panose="020D0604000000000000" pitchFamily="50" charset="-127"/>
-              </a:rPr>
-              <a:t>(MAZEBOY) – </a:t>
-            </a:r>
-            <a:r>
-              <a:rPr lang="ko-KR" altLang="en-US" sz="2900" b="1" dirty="0" smtClean="0">
-                <a:solidFill>
-                  <a:srgbClr val="4E4E4E"/>
-                </a:solidFill>
-                <a:latin typeface="나눔고딕" panose="020D0604000000000000" pitchFamily="50" charset="-127"/>
-                <a:ea typeface="나눔고딕" panose="020D0604000000000000" pitchFamily="50" charset="-127"/>
-              </a:rPr>
-              <a:t>아트</a:t>
+              <a:t>프로그래머</a:t>
             </a:r>
             <a:r>
               <a:rPr lang="en-US" altLang="ko-KR" sz="2900" dirty="0" smtClean="0">
@@ -12088,6 +10963,87 @@
             </a:r>
             <a:br>
               <a:rPr lang="en-US" altLang="ko-KR" sz="2900" dirty="0" smtClean="0">
+                <a:latin typeface="나눔고딕" panose="020D0604000000000000" pitchFamily="50" charset="-127"/>
+                <a:ea typeface="나눔고딕" panose="020D0604000000000000" pitchFamily="50" charset="-127"/>
+              </a:rPr>
+            </a:br>
+            <a:r>
+              <a:rPr lang="ko-KR" altLang="en-US" sz="2900" dirty="0" smtClean="0">
+                <a:solidFill>
+                  <a:srgbClr val="8F8F8F"/>
+                </a:solidFill>
+                <a:latin typeface="나눔고딕" panose="020D0604000000000000" pitchFamily="50" charset="-127"/>
+                <a:ea typeface="나눔고딕" panose="020D0604000000000000" pitchFamily="50" charset="-127"/>
+              </a:rPr>
+              <a:t>아</a:t>
+            </a:r>
+            <a:endParaRPr lang="en-US" altLang="ko-KR" sz="2900" dirty="0" smtClean="0">
+              <a:solidFill>
+                <a:srgbClr val="8F8F8F"/>
+              </a:solidFill>
+              <a:latin typeface="나눔고딕" panose="020D0604000000000000" pitchFamily="50" charset="-127"/>
+              <a:ea typeface="나눔고딕" panose="020D0604000000000000" pitchFamily="50" charset="-127"/>
+            </a:endParaRPr>
+          </a:p>
+          <a:p>
+            <a:endParaRPr lang="en-US" altLang="ko-KR" sz="2900" dirty="0">
+              <a:solidFill>
+                <a:srgbClr val="8F8F8F"/>
+              </a:solidFill>
+              <a:latin typeface="나눔고딕" panose="020D0604000000000000" pitchFamily="50" charset="-127"/>
+              <a:ea typeface="나눔고딕" panose="020D0604000000000000" pitchFamily="50" charset="-127"/>
+            </a:endParaRPr>
+          </a:p>
+          <a:p>
+            <a:r>
+              <a:rPr lang="ko-KR" altLang="en-US" sz="2900" b="1" dirty="0" smtClean="0">
+                <a:solidFill>
+                  <a:srgbClr val="4E4E4E"/>
+                </a:solidFill>
+                <a:latin typeface="나눔고딕" panose="020D0604000000000000" pitchFamily="50" charset="-127"/>
+                <a:ea typeface="나눔고딕" panose="020D0604000000000000" pitchFamily="50" charset="-127"/>
+              </a:rPr>
+              <a:t>한승주</a:t>
+            </a:r>
+            <a:r>
+              <a:rPr lang="en-US" altLang="ko-KR" sz="2900" b="1" dirty="0" smtClean="0">
+                <a:solidFill>
+                  <a:srgbClr val="4E4E4E"/>
+                </a:solidFill>
+                <a:latin typeface="나눔고딕" panose="020D0604000000000000" pitchFamily="50" charset="-127"/>
+                <a:ea typeface="나눔고딕" panose="020D0604000000000000" pitchFamily="50" charset="-127"/>
+              </a:rPr>
+              <a:t>(MADA) </a:t>
+            </a:r>
+            <a:r>
+              <a:rPr lang="en-US" altLang="ko-KR" sz="2900" b="1" dirty="0">
+                <a:solidFill>
+                  <a:srgbClr val="4E4E4E"/>
+                </a:solidFill>
+                <a:latin typeface="나눔고딕" panose="020D0604000000000000" pitchFamily="50" charset="-127"/>
+                <a:ea typeface="나눔고딕" panose="020D0604000000000000" pitchFamily="50" charset="-127"/>
+              </a:rPr>
+              <a:t>– </a:t>
+            </a:r>
+            <a:r>
+              <a:rPr lang="ko-KR" altLang="en-US" sz="2900" b="1" dirty="0">
+                <a:solidFill>
+                  <a:srgbClr val="4E4E4E"/>
+                </a:solidFill>
+                <a:latin typeface="나눔고딕" panose="020D0604000000000000" pitchFamily="50" charset="-127"/>
+                <a:ea typeface="나눔고딕" panose="020D0604000000000000" pitchFamily="50" charset="-127"/>
+              </a:rPr>
+              <a:t>프로그래머</a:t>
+            </a:r>
+            <a:r>
+              <a:rPr lang="en-US" altLang="ko-KR" sz="2900" dirty="0">
+                <a:latin typeface="나눔고딕" panose="020D0604000000000000" pitchFamily="50" charset="-127"/>
+                <a:ea typeface="나눔고딕" panose="020D0604000000000000" pitchFamily="50" charset="-127"/>
+              </a:rPr>
+              <a:t/>
+            </a:r>
+            <a:br>
+              <a:rPr lang="en-US" altLang="ko-KR" sz="2900" dirty="0">
                 <a:latin typeface="나눔고딕" panose="020D0604000000000000" pitchFamily="50" charset="-127"/>
                 <a:ea typeface="나눔고딕" panose="020D0604000000000000" pitchFamily="50" charset="-127"/>
               </a:rPr>
@@ -12115,7 +11071,7 @@
     </p:spTree>
     <p:extLst>
       <p:ext uri="{BB962C8B-B14F-4D97-AF65-F5344CB8AC3E}">
-        <p14:creationId xmlns:p14="http://schemas.microsoft.com/office/powerpoint/2010/main" val="2857041562"/>
+        <p14:creationId xmlns:p14="http://schemas.microsoft.com/office/powerpoint/2010/main" val="2981757956"/>
       </p:ext>
     </p:extLst>
   </p:cSld>
@@ -12230,510 +11186,6 @@
       </p:grpSpPr>
       <p:sp>
         <p:nvSpPr>
-          <p:cNvPr id="4" name="제목 1"/>
-          <p:cNvSpPr txBox="1">
-            <a:spLocks/>
-          </p:cNvSpPr>
-          <p:nvPr/>
-        </p:nvSpPr>
-        <p:spPr>
-          <a:xfrm>
-            <a:off x="380146" y="0"/>
-            <a:ext cx="9894564" cy="1752599"/>
-          </a:xfrm>
-          <a:prstGeom prst="rect">
-            <a:avLst/>
-          </a:prstGeom>
-        </p:spPr>
-        <p:txBody>
-          <a:bodyPr vert="horz" lIns="91440" tIns="45720" rIns="91440" bIns="45720" rtlCol="0" anchor="ctr">
-            <a:normAutofit/>
-          </a:bodyPr>
-          <a:lstStyle>
-            <a:lvl1pPr algn="l" defTabSz="914400" rtl="0" eaLnBrk="1" latinLnBrk="1" hangingPunct="1">
-              <a:lnSpc>
-                <a:spcPct val="90000"/>
-              </a:lnSpc>
-              <a:spcBef>
-                <a:spcPct val="0"/>
-              </a:spcBef>
-              <a:buNone/>
-              <a:defRPr sz="4400" kern="1200">
-                <a:solidFill>
-                  <a:schemeClr val="tx1"/>
-                </a:solidFill>
-                <a:latin typeface="+mj-lt"/>
-                <a:ea typeface="+mj-ea"/>
-                <a:cs typeface="+mj-cs"/>
-              </a:defRPr>
-            </a:lvl1pPr>
-          </a:lstStyle>
-          <a:p>
-            <a:r>
-              <a:rPr lang="ko-KR" altLang="en-US" sz="8000" b="1" dirty="0" err="1" smtClean="0">
-                <a:solidFill>
-                  <a:srgbClr val="FAFAFA"/>
-                </a:solidFill>
-                <a:latin typeface="나눔고딕" panose="020D0604000000000000" pitchFamily="50" charset="-127"/>
-                <a:ea typeface="나눔고딕" panose="020D0604000000000000" pitchFamily="50" charset="-127"/>
-              </a:rPr>
-              <a:t>느낀점</a:t>
-            </a:r>
-            <a:endParaRPr lang="ko-KR" altLang="en-US" sz="8000" b="1" dirty="0">
-              <a:solidFill>
-                <a:srgbClr val="FAFAFA"/>
-              </a:solidFill>
-              <a:latin typeface="나눔고딕" panose="020D0604000000000000" pitchFamily="50" charset="-127"/>
-              <a:ea typeface="나눔고딕" panose="020D0604000000000000" pitchFamily="50" charset="-127"/>
-            </a:endParaRPr>
-          </a:p>
-        </p:txBody>
-      </p:sp>
-      <p:sp>
-        <p:nvSpPr>
-          <p:cNvPr id="5" name="제목 1"/>
-          <p:cNvSpPr txBox="1">
-            <a:spLocks/>
-          </p:cNvSpPr>
-          <p:nvPr/>
-        </p:nvSpPr>
-        <p:spPr>
-          <a:xfrm>
-            <a:off x="573932" y="1896475"/>
-            <a:ext cx="11089532" cy="4679423"/>
-          </a:xfrm>
-          <a:prstGeom prst="rect">
-            <a:avLst/>
-          </a:prstGeom>
-        </p:spPr>
-        <p:txBody>
-          <a:bodyPr vert="horz" lIns="91440" tIns="45720" rIns="91440" bIns="45720" rtlCol="0" anchor="ctr">
-            <a:noAutofit/>
-          </a:bodyPr>
-          <a:lstStyle>
-            <a:lvl1pPr algn="l" defTabSz="914400" rtl="0" eaLnBrk="1" latinLnBrk="1" hangingPunct="1">
-              <a:lnSpc>
-                <a:spcPct val="90000"/>
-              </a:lnSpc>
-              <a:spcBef>
-                <a:spcPct val="0"/>
-              </a:spcBef>
-              <a:buNone/>
-              <a:defRPr sz="4400" kern="1200">
-                <a:solidFill>
-                  <a:schemeClr val="tx1"/>
-                </a:solidFill>
-                <a:latin typeface="+mj-lt"/>
-                <a:ea typeface="+mj-ea"/>
-                <a:cs typeface="+mj-cs"/>
-              </a:defRPr>
-            </a:lvl1pPr>
-          </a:lstStyle>
-          <a:p>
-            <a:r>
-              <a:rPr lang="ko-KR" altLang="en-US" sz="2900" b="1" dirty="0" err="1" smtClean="0">
-                <a:solidFill>
-                  <a:srgbClr val="4E4E4E"/>
-                </a:solidFill>
-                <a:latin typeface="나눔고딕" panose="020D0604000000000000" pitchFamily="50" charset="-127"/>
-                <a:ea typeface="나눔고딕" panose="020D0604000000000000" pitchFamily="50" charset="-127"/>
-              </a:rPr>
-              <a:t>오경준</a:t>
-            </a:r>
-            <a:r>
-              <a:rPr lang="en-US" altLang="ko-KR" sz="2900" b="1" dirty="0" smtClean="0">
-                <a:solidFill>
-                  <a:srgbClr val="4E4E4E"/>
-                </a:solidFill>
-                <a:latin typeface="나눔고딕" panose="020D0604000000000000" pitchFamily="50" charset="-127"/>
-                <a:ea typeface="나눔고딕" panose="020D0604000000000000" pitchFamily="50" charset="-127"/>
-              </a:rPr>
-              <a:t>(RYAN) – </a:t>
-            </a:r>
-            <a:r>
-              <a:rPr lang="ko-KR" altLang="en-US" sz="2900" b="1" dirty="0" smtClean="0">
-                <a:solidFill>
-                  <a:srgbClr val="4E4E4E"/>
-                </a:solidFill>
-                <a:latin typeface="나눔고딕" panose="020D0604000000000000" pitchFamily="50" charset="-127"/>
-                <a:ea typeface="나눔고딕" panose="020D0604000000000000" pitchFamily="50" charset="-127"/>
-              </a:rPr>
-              <a:t>아트</a:t>
-            </a:r>
-            <a:r>
-              <a:rPr lang="en-US" altLang="ko-KR" sz="2900" dirty="0" smtClean="0">
-                <a:latin typeface="나눔고딕" panose="020D0604000000000000" pitchFamily="50" charset="-127"/>
-                <a:ea typeface="나눔고딕" panose="020D0604000000000000" pitchFamily="50" charset="-127"/>
-              </a:rPr>
-              <a:t/>
-            </a:r>
-            <a:br>
-              <a:rPr lang="en-US" altLang="ko-KR" sz="2900" dirty="0" smtClean="0">
-                <a:latin typeface="나눔고딕" panose="020D0604000000000000" pitchFamily="50" charset="-127"/>
-                <a:ea typeface="나눔고딕" panose="020D0604000000000000" pitchFamily="50" charset="-127"/>
-              </a:rPr>
-            </a:br>
-            <a:r>
-              <a:rPr lang="ko-KR" altLang="en-US" sz="2900" dirty="0" smtClean="0">
-                <a:solidFill>
-                  <a:srgbClr val="8F8F8F"/>
-                </a:solidFill>
-                <a:latin typeface="나눔고딕" panose="020D0604000000000000" pitchFamily="50" charset="-127"/>
-                <a:ea typeface="나눔고딕" panose="020D0604000000000000" pitchFamily="50" charset="-127"/>
-              </a:rPr>
-              <a:t>아</a:t>
-            </a:r>
-            <a:endParaRPr lang="en-US" altLang="ko-KR" sz="2900" dirty="0" smtClean="0">
-              <a:solidFill>
-                <a:srgbClr val="8F8F8F"/>
-              </a:solidFill>
-              <a:latin typeface="나눔고딕" panose="020D0604000000000000" pitchFamily="50" charset="-127"/>
-              <a:ea typeface="나눔고딕" panose="020D0604000000000000" pitchFamily="50" charset="-127"/>
-            </a:endParaRPr>
-          </a:p>
-          <a:p>
-            <a:endParaRPr lang="en-US" altLang="ko-KR" sz="2900" dirty="0" smtClean="0">
-              <a:solidFill>
-                <a:srgbClr val="8F8F8F"/>
-              </a:solidFill>
-              <a:latin typeface="나눔고딕" panose="020D0604000000000000" pitchFamily="50" charset="-127"/>
-              <a:ea typeface="나눔고딕" panose="020D0604000000000000" pitchFamily="50" charset="-127"/>
-            </a:endParaRPr>
-          </a:p>
-          <a:p>
-            <a:r>
-              <a:rPr lang="ko-KR" altLang="en-US" sz="2900" b="1" dirty="0" smtClean="0">
-                <a:solidFill>
-                  <a:srgbClr val="4E4E4E"/>
-                </a:solidFill>
-                <a:latin typeface="나눔고딕" panose="020D0604000000000000" pitchFamily="50" charset="-127"/>
-                <a:ea typeface="나눔고딕" panose="020D0604000000000000" pitchFamily="50" charset="-127"/>
-              </a:rPr>
-              <a:t>이윤성</a:t>
-            </a:r>
-            <a:r>
-              <a:rPr lang="en-US" altLang="ko-KR" sz="2900" b="1" dirty="0" smtClean="0">
-                <a:solidFill>
-                  <a:srgbClr val="4E4E4E"/>
-                </a:solidFill>
-                <a:latin typeface="나눔고딕" panose="020D0604000000000000" pitchFamily="50" charset="-127"/>
-                <a:ea typeface="나눔고딕" panose="020D0604000000000000" pitchFamily="50" charset="-127"/>
-              </a:rPr>
-              <a:t>(WDP) – </a:t>
-            </a:r>
-            <a:r>
-              <a:rPr lang="ko-KR" altLang="en-US" sz="2900" b="1" dirty="0" smtClean="0">
-                <a:solidFill>
-                  <a:srgbClr val="4E4E4E"/>
-                </a:solidFill>
-                <a:latin typeface="나눔고딕" panose="020D0604000000000000" pitchFamily="50" charset="-127"/>
-                <a:ea typeface="나눔고딕" panose="020D0604000000000000" pitchFamily="50" charset="-127"/>
-              </a:rPr>
-              <a:t>기획</a:t>
-            </a:r>
-            <a:r>
-              <a:rPr lang="en-US" altLang="ko-KR" sz="2900" dirty="0" smtClean="0">
-                <a:latin typeface="나눔고딕" panose="020D0604000000000000" pitchFamily="50" charset="-127"/>
-                <a:ea typeface="나눔고딕" panose="020D0604000000000000" pitchFamily="50" charset="-127"/>
-              </a:rPr>
-              <a:t/>
-            </a:r>
-            <a:br>
-              <a:rPr lang="en-US" altLang="ko-KR" sz="2900" dirty="0" smtClean="0">
-                <a:latin typeface="나눔고딕" panose="020D0604000000000000" pitchFamily="50" charset="-127"/>
-                <a:ea typeface="나눔고딕" panose="020D0604000000000000" pitchFamily="50" charset="-127"/>
-              </a:rPr>
-            </a:br>
-            <a:r>
-              <a:rPr lang="ko-KR" altLang="en-US" sz="2900" dirty="0" smtClean="0">
-                <a:solidFill>
-                  <a:srgbClr val="8F8F8F"/>
-                </a:solidFill>
-                <a:latin typeface="나눔고딕" panose="020D0604000000000000" pitchFamily="50" charset="-127"/>
-                <a:ea typeface="나눔고딕" panose="020D0604000000000000" pitchFamily="50" charset="-127"/>
-              </a:rPr>
-              <a:t>아</a:t>
-            </a:r>
-            <a:endParaRPr lang="en-US" altLang="ko-KR" sz="2900" dirty="0" smtClean="0">
-              <a:solidFill>
-                <a:srgbClr val="8F8F8F"/>
-              </a:solidFill>
-              <a:latin typeface="나눔고딕" panose="020D0604000000000000" pitchFamily="50" charset="-127"/>
-              <a:ea typeface="나눔고딕" panose="020D0604000000000000" pitchFamily="50" charset="-127"/>
-            </a:endParaRPr>
-          </a:p>
-          <a:p>
-            <a:endParaRPr lang="en-US" altLang="ko-KR" sz="2900" dirty="0" smtClean="0">
-              <a:solidFill>
-                <a:srgbClr val="8F8F8F"/>
-              </a:solidFill>
-              <a:latin typeface="나눔고딕" panose="020D0604000000000000" pitchFamily="50" charset="-127"/>
-              <a:ea typeface="나눔고딕" panose="020D0604000000000000" pitchFamily="50" charset="-127"/>
-            </a:endParaRPr>
-          </a:p>
-          <a:p>
-            <a:r>
-              <a:rPr lang="ko-KR" altLang="en-US" sz="2900" b="1" dirty="0" err="1" smtClean="0">
-                <a:solidFill>
-                  <a:srgbClr val="4E4E4E"/>
-                </a:solidFill>
-                <a:latin typeface="나눔고딕" panose="020D0604000000000000" pitchFamily="50" charset="-127"/>
-                <a:ea typeface="나눔고딕" panose="020D0604000000000000" pitchFamily="50" charset="-127"/>
-              </a:rPr>
-              <a:t>최제모</a:t>
-            </a:r>
-            <a:r>
-              <a:rPr lang="en-US" altLang="ko-KR" sz="2900" b="1" dirty="0" smtClean="0">
-                <a:solidFill>
-                  <a:srgbClr val="4E4E4E"/>
-                </a:solidFill>
-                <a:latin typeface="나눔고딕" panose="020D0604000000000000" pitchFamily="50" charset="-127"/>
-                <a:ea typeface="나눔고딕" panose="020D0604000000000000" pitchFamily="50" charset="-127"/>
-              </a:rPr>
-              <a:t>(JM) – </a:t>
-            </a:r>
-            <a:r>
-              <a:rPr lang="ko-KR" altLang="en-US" sz="2900" b="1" dirty="0" smtClean="0">
-                <a:solidFill>
-                  <a:srgbClr val="4E4E4E"/>
-                </a:solidFill>
-                <a:latin typeface="나눔고딕" panose="020D0604000000000000" pitchFamily="50" charset="-127"/>
-                <a:ea typeface="나눔고딕" panose="020D0604000000000000" pitchFamily="50" charset="-127"/>
-              </a:rPr>
-              <a:t>프로그래머</a:t>
-            </a:r>
-            <a:r>
-              <a:rPr lang="en-US" altLang="ko-KR" sz="2900" dirty="0" smtClean="0">
-                <a:latin typeface="나눔고딕" panose="020D0604000000000000" pitchFamily="50" charset="-127"/>
-                <a:ea typeface="나눔고딕" panose="020D0604000000000000" pitchFamily="50" charset="-127"/>
-              </a:rPr>
-              <a:t/>
-            </a:r>
-            <a:br>
-              <a:rPr lang="en-US" altLang="ko-KR" sz="2900" dirty="0" smtClean="0">
-                <a:latin typeface="나눔고딕" panose="020D0604000000000000" pitchFamily="50" charset="-127"/>
-                <a:ea typeface="나눔고딕" panose="020D0604000000000000" pitchFamily="50" charset="-127"/>
-              </a:rPr>
-            </a:br>
-            <a:r>
-              <a:rPr lang="ko-KR" altLang="en-US" sz="2900" dirty="0" smtClean="0">
-                <a:solidFill>
-                  <a:srgbClr val="8F8F8F"/>
-                </a:solidFill>
-                <a:latin typeface="나눔고딕" panose="020D0604000000000000" pitchFamily="50" charset="-127"/>
-                <a:ea typeface="나눔고딕" panose="020D0604000000000000" pitchFamily="50" charset="-127"/>
-              </a:rPr>
-              <a:t>아</a:t>
-            </a:r>
-            <a:endParaRPr lang="en-US" altLang="ko-KR" sz="2900" dirty="0" smtClean="0">
-              <a:solidFill>
-                <a:srgbClr val="8F8F8F"/>
-              </a:solidFill>
-              <a:latin typeface="나눔고딕" panose="020D0604000000000000" pitchFamily="50" charset="-127"/>
-              <a:ea typeface="나눔고딕" panose="020D0604000000000000" pitchFamily="50" charset="-127"/>
-            </a:endParaRPr>
-          </a:p>
-          <a:p>
-            <a:endParaRPr lang="en-US" altLang="ko-KR" sz="2900" dirty="0">
-              <a:solidFill>
-                <a:srgbClr val="8F8F8F"/>
-              </a:solidFill>
-              <a:latin typeface="나눔고딕" panose="020D0604000000000000" pitchFamily="50" charset="-127"/>
-              <a:ea typeface="나눔고딕" panose="020D0604000000000000" pitchFamily="50" charset="-127"/>
-            </a:endParaRPr>
-          </a:p>
-          <a:p>
-            <a:r>
-              <a:rPr lang="ko-KR" altLang="en-US" sz="2900" b="1" dirty="0" smtClean="0">
-                <a:solidFill>
-                  <a:srgbClr val="4E4E4E"/>
-                </a:solidFill>
-                <a:latin typeface="나눔고딕" panose="020D0604000000000000" pitchFamily="50" charset="-127"/>
-                <a:ea typeface="나눔고딕" panose="020D0604000000000000" pitchFamily="50" charset="-127"/>
-              </a:rPr>
-              <a:t>한승주</a:t>
-            </a:r>
-            <a:r>
-              <a:rPr lang="en-US" altLang="ko-KR" sz="2900" b="1" dirty="0" smtClean="0">
-                <a:solidFill>
-                  <a:srgbClr val="4E4E4E"/>
-                </a:solidFill>
-                <a:latin typeface="나눔고딕" panose="020D0604000000000000" pitchFamily="50" charset="-127"/>
-                <a:ea typeface="나눔고딕" panose="020D0604000000000000" pitchFamily="50" charset="-127"/>
-              </a:rPr>
-              <a:t>(MADA) </a:t>
-            </a:r>
-            <a:r>
-              <a:rPr lang="en-US" altLang="ko-KR" sz="2900" b="1" dirty="0">
-                <a:solidFill>
-                  <a:srgbClr val="4E4E4E"/>
-                </a:solidFill>
-                <a:latin typeface="나눔고딕" panose="020D0604000000000000" pitchFamily="50" charset="-127"/>
-                <a:ea typeface="나눔고딕" panose="020D0604000000000000" pitchFamily="50" charset="-127"/>
-              </a:rPr>
-              <a:t>– </a:t>
-            </a:r>
-            <a:r>
-              <a:rPr lang="ko-KR" altLang="en-US" sz="2900" b="1" dirty="0">
-                <a:solidFill>
-                  <a:srgbClr val="4E4E4E"/>
-                </a:solidFill>
-                <a:latin typeface="나눔고딕" panose="020D0604000000000000" pitchFamily="50" charset="-127"/>
-                <a:ea typeface="나눔고딕" panose="020D0604000000000000" pitchFamily="50" charset="-127"/>
-              </a:rPr>
-              <a:t>프로그래머</a:t>
-            </a:r>
-            <a:r>
-              <a:rPr lang="en-US" altLang="ko-KR" sz="2900" dirty="0">
-                <a:latin typeface="나눔고딕" panose="020D0604000000000000" pitchFamily="50" charset="-127"/>
-                <a:ea typeface="나눔고딕" panose="020D0604000000000000" pitchFamily="50" charset="-127"/>
-              </a:rPr>
-              <a:t/>
-            </a:r>
-            <a:br>
-              <a:rPr lang="en-US" altLang="ko-KR" sz="2900" dirty="0">
-                <a:latin typeface="나눔고딕" panose="020D0604000000000000" pitchFamily="50" charset="-127"/>
-                <a:ea typeface="나눔고딕" panose="020D0604000000000000" pitchFamily="50" charset="-127"/>
-              </a:rPr>
-            </a:br>
-            <a:r>
-              <a:rPr lang="ko-KR" altLang="en-US" sz="2900" dirty="0" smtClean="0">
-                <a:solidFill>
-                  <a:srgbClr val="8F8F8F"/>
-                </a:solidFill>
-                <a:latin typeface="나눔고딕" panose="020D0604000000000000" pitchFamily="50" charset="-127"/>
-                <a:ea typeface="나눔고딕" panose="020D0604000000000000" pitchFamily="50" charset="-127"/>
-              </a:rPr>
-              <a:t>아</a:t>
-            </a:r>
-            <a:endParaRPr lang="ko-KR" altLang="en-US" sz="2800" dirty="0">
-              <a:solidFill>
-                <a:srgbClr val="8F8F8F"/>
-              </a:solidFill>
-              <a:latin typeface="나눔고딕" panose="020D0604000000000000" pitchFamily="50" charset="-127"/>
-              <a:ea typeface="나눔고딕" panose="020D0604000000000000" pitchFamily="50" charset="-127"/>
-            </a:endParaRPr>
-          </a:p>
-        </p:txBody>
-      </p:sp>
-    </p:spTree>
-    <p:extLst>
-      <p:ext uri="{BB962C8B-B14F-4D97-AF65-F5344CB8AC3E}">
-        <p14:creationId xmlns:p14="http://schemas.microsoft.com/office/powerpoint/2010/main" val="2981757956"/>
-      </p:ext>
-    </p:extLst>
-  </p:cSld>
-  <p:clrMapOvr>
-    <a:masterClrMapping/>
-  </p:clrMapOvr>
-  <p:timing>
-    <p:tnLst>
-      <p:par>
-        <p:cTn id="1" dur="indefinite" restart="never" nodeType="tmRoot">
-          <p:childTnLst>
-            <p:seq concurrent="1" nextAc="seek">
-              <p:cTn id="2" dur="indefinite" nodeType="mainSeq">
-                <p:childTnLst>
-                  <p:par>
-                    <p:cTn id="3" fill="hold">
-                      <p:stCondLst>
-                        <p:cond delay="indefinite"/>
-                      </p:stCondLst>
-                      <p:childTnLst>
-                        <p:par>
-                          <p:cTn id="4" fill="hold">
-                            <p:stCondLst>
-                              <p:cond delay="0"/>
-                            </p:stCondLst>
-                            <p:childTnLst>
-                              <p:par>
-                                <p:cTn id="5" presetID="6" presetClass="entr" presetSubtype="16" fill="hold" grpId="0" nodeType="clickEffect">
-                                  <p:stCondLst>
-                                    <p:cond delay="0"/>
-                                  </p:stCondLst>
-                                  <p:childTnLst>
-                                    <p:set>
-                                      <p:cBhvr>
-                                        <p:cTn id="6" dur="1" fill="hold">
-                                          <p:stCondLst>
-                                            <p:cond delay="0"/>
-                                          </p:stCondLst>
-                                        </p:cTn>
-                                        <p:tgtEl>
-                                          <p:spTgt spid="4"/>
-                                        </p:tgtEl>
-                                        <p:attrNameLst>
-                                          <p:attrName>style.visibility</p:attrName>
-                                        </p:attrNameLst>
-                                      </p:cBhvr>
-                                      <p:to>
-                                        <p:strVal val="visible"/>
-                                      </p:to>
-                                    </p:set>
-                                    <p:animEffect transition="in" filter="circle(in)">
-                                      <p:cBhvr>
-                                        <p:cTn id="7" dur="500"/>
-                                        <p:tgtEl>
-                                          <p:spTgt spid="4"/>
-                                        </p:tgtEl>
-                                      </p:cBhvr>
-                                    </p:animEffect>
-                                  </p:childTnLst>
-                                </p:cTn>
-                              </p:par>
-                            </p:childTnLst>
-                          </p:cTn>
-                        </p:par>
-                      </p:childTnLst>
-                    </p:cTn>
-                  </p:par>
-                </p:childTnLst>
-              </p:cTn>
-              <p:prevCondLst>
-                <p:cond evt="onPrev" delay="0">
-                  <p:tgtEl>
-                    <p:sldTgt/>
-                  </p:tgtEl>
-                </p:cond>
-              </p:prevCondLst>
-              <p:nextCondLst>
-                <p:cond evt="onNext" delay="0">
-                  <p:tgtEl>
-                    <p:sldTgt/>
-                  </p:tgtEl>
-                </p:cond>
-              </p:nextCondLst>
-            </p:seq>
-          </p:childTnLst>
-        </p:cTn>
-      </p:par>
-    </p:tnLst>
-    <p:bldLst>
-      <p:bldP spid="4" grpId="0"/>
-    </p:bldLst>
-  </p:timing>
-</p:sld>
-</file>
-
-<file path=ppt/slides/slide16.xml><?xml version="1.0" encoding="utf-8"?>
-<p:sld xmlns:a="http://schemas.openxmlformats.org/drawingml/2006/main" xmlns:r="http://schemas.openxmlformats.org/officeDocument/2006/relationships" xmlns:p="http://schemas.openxmlformats.org/presentationml/2006/main">
-  <p:cSld>
-    <p:spTree>
-      <p:nvGrpSpPr>
-        <p:cNvPr id="1" name=""/>
-        <p:cNvGrpSpPr/>
-        <p:nvPr/>
-      </p:nvGrpSpPr>
-      <p:grpSpPr>
-        <a:xfrm>
-          <a:off x="0" y="0"/>
-          <a:ext cx="0" cy="0"/>
-          <a:chOff x="0" y="0"/>
-          <a:chExt cx="0" cy="0"/>
-        </a:xfrm>
-      </p:grpSpPr>
-      <p:sp>
-        <p:nvSpPr>
           <p:cNvPr id="3" name="내용 개체 틀 2"/>
           <p:cNvSpPr>
             <a:spLocks noGrp="1"/>
@@ -12996,745 +11448,6 @@
 </file>
 
 <file path=ppt/slides/slide2.xml><?xml version="1.0" encoding="utf-8"?>
-<p:sld xmlns:a="http://schemas.openxmlformats.org/drawingml/2006/main" xmlns:r="http://schemas.openxmlformats.org/officeDocument/2006/relationships" xmlns:p="http://schemas.openxmlformats.org/presentationml/2006/main">
-  <p:cSld>
-    <p:bg>
-      <p:bgPr>
-        <a:gradFill flip="none" rotWithShape="1">
-          <a:gsLst>
-            <a:gs pos="0">
-              <a:srgbClr val="673AB7"/>
-            </a:gs>
-            <a:gs pos="50000">
-              <a:srgbClr val="673AB7"/>
-            </a:gs>
-            <a:gs pos="50000">
-              <a:srgbClr val="FAFAFA"/>
-            </a:gs>
-            <a:gs pos="100000">
-              <a:srgbClr val="FAFAFA"/>
-            </a:gs>
-          </a:gsLst>
-          <a:lin ang="5400000" scaled="1"/>
-          <a:tileRect/>
-        </a:gradFill>
-        <a:effectLst/>
-      </p:bgPr>
-    </p:bg>
-    <p:spTree>
-      <p:nvGrpSpPr>
-        <p:cNvPr id="1" name=""/>
-        <p:cNvGrpSpPr/>
-        <p:nvPr/>
-      </p:nvGrpSpPr>
-      <p:grpSpPr>
-        <a:xfrm>
-          <a:off x="0" y="0"/>
-          <a:ext cx="0" cy="0"/>
-          <a:chOff x="0" y="0"/>
-          <a:chExt cx="0" cy="0"/>
-        </a:xfrm>
-      </p:grpSpPr>
-      <p:sp>
-        <p:nvSpPr>
-          <p:cNvPr id="2" name="제목 1"/>
-          <p:cNvSpPr>
-            <a:spLocks noGrp="1"/>
-          </p:cNvSpPr>
-          <p:nvPr>
-            <p:ph type="ctrTitle"/>
-          </p:nvPr>
-        </p:nvSpPr>
-        <p:spPr>
-          <a:xfrm>
-            <a:off x="5208493" y="3618271"/>
-            <a:ext cx="7386918" cy="3006647"/>
-          </a:xfrm>
-        </p:spPr>
-        <p:txBody>
-          <a:bodyPr>
-            <a:noAutofit/>
-          </a:bodyPr>
-          <a:lstStyle/>
-          <a:p>
-            <a:pPr algn="l"/>
-            <a:r>
-              <a:rPr lang="ko-KR" altLang="en-US" sz="2900" b="1" dirty="0" smtClean="0">
-                <a:solidFill>
-                  <a:srgbClr val="4E4E4E"/>
-                </a:solidFill>
-                <a:latin typeface="나눔고딕" panose="020D0604000000000000" pitchFamily="50" charset="-127"/>
-                <a:ea typeface="나눔고딕" panose="020D0604000000000000" pitchFamily="50" charset="-127"/>
-              </a:rPr>
-              <a:t>멘토</a:t>
-            </a:r>
-            <a:r>
-              <a:rPr lang="en-US" altLang="ko-KR" sz="2900" dirty="0" smtClean="0">
-                <a:latin typeface="나눔고딕" panose="020D0604000000000000" pitchFamily="50" charset="-127"/>
-                <a:ea typeface="나눔고딕" panose="020D0604000000000000" pitchFamily="50" charset="-127"/>
-              </a:rPr>
-              <a:t/>
-            </a:r>
-            <a:br>
-              <a:rPr lang="en-US" altLang="ko-KR" sz="2900" dirty="0" smtClean="0">
-                <a:latin typeface="나눔고딕" panose="020D0604000000000000" pitchFamily="50" charset="-127"/>
-                <a:ea typeface="나눔고딕" panose="020D0604000000000000" pitchFamily="50" charset="-127"/>
-              </a:rPr>
-            </a:br>
-            <a:r>
-              <a:rPr lang="ko-KR" altLang="en-US" sz="2900" dirty="0" smtClean="0">
-                <a:solidFill>
-                  <a:srgbClr val="8F8F8F"/>
-                </a:solidFill>
-                <a:latin typeface="나눔고딕" panose="020D0604000000000000" pitchFamily="50" charset="-127"/>
-                <a:ea typeface="나눔고딕" panose="020D0604000000000000" pitchFamily="50" charset="-127"/>
-              </a:rPr>
-              <a:t>이규원</a:t>
-            </a:r>
-            <a:r>
-              <a:rPr lang="en-US" altLang="ko-KR" sz="2900" dirty="0" smtClean="0">
-                <a:solidFill>
-                  <a:srgbClr val="8F8F8F"/>
-                </a:solidFill>
-                <a:latin typeface="나눔고딕" panose="020D0604000000000000" pitchFamily="50" charset="-127"/>
-                <a:ea typeface="나눔고딕" panose="020D0604000000000000" pitchFamily="50" charset="-127"/>
-              </a:rPr>
-              <a:t>(EQ1)</a:t>
-            </a:r>
-            <a:r>
-              <a:rPr lang="en-US" altLang="ko-KR" sz="2900" dirty="0" smtClean="0">
-                <a:latin typeface="나눔고딕" panose="020D0604000000000000" pitchFamily="50" charset="-127"/>
-                <a:ea typeface="나눔고딕" panose="020D0604000000000000" pitchFamily="50" charset="-127"/>
-              </a:rPr>
-              <a:t/>
-            </a:r>
-            <a:br>
-              <a:rPr lang="en-US" altLang="ko-KR" sz="2900" dirty="0" smtClean="0">
-                <a:latin typeface="나눔고딕" panose="020D0604000000000000" pitchFamily="50" charset="-127"/>
-                <a:ea typeface="나눔고딕" panose="020D0604000000000000" pitchFamily="50" charset="-127"/>
-              </a:rPr>
-            </a:br>
-            <a:r>
-              <a:rPr lang="en-US" altLang="ko-KR" sz="2900" dirty="0" smtClean="0">
-                <a:latin typeface="나눔고딕" panose="020D0604000000000000" pitchFamily="50" charset="-127"/>
-                <a:ea typeface="나눔고딕" panose="020D0604000000000000" pitchFamily="50" charset="-127"/>
-              </a:rPr>
-              <a:t/>
-            </a:r>
-            <a:br>
-              <a:rPr lang="en-US" altLang="ko-KR" sz="2900" dirty="0" smtClean="0">
-                <a:latin typeface="나눔고딕" panose="020D0604000000000000" pitchFamily="50" charset="-127"/>
-                <a:ea typeface="나눔고딕" panose="020D0604000000000000" pitchFamily="50" charset="-127"/>
-              </a:rPr>
-            </a:br>
-            <a:r>
-              <a:rPr lang="ko-KR" altLang="en-US" sz="2900" b="1" dirty="0" smtClean="0">
-                <a:solidFill>
-                  <a:srgbClr val="4E4E4E"/>
-                </a:solidFill>
-                <a:latin typeface="나눔고딕" panose="020D0604000000000000" pitchFamily="50" charset="-127"/>
-                <a:ea typeface="나눔고딕" panose="020D0604000000000000" pitchFamily="50" charset="-127"/>
-              </a:rPr>
-              <a:t>팀원</a:t>
-            </a:r>
-            <a:r>
-              <a:rPr lang="en-US" altLang="ko-KR" sz="2900" dirty="0" smtClean="0">
-                <a:latin typeface="나눔고딕" panose="020D0604000000000000" pitchFamily="50" charset="-127"/>
-                <a:ea typeface="나눔고딕" panose="020D0604000000000000" pitchFamily="50" charset="-127"/>
-              </a:rPr>
-              <a:t/>
-            </a:r>
-            <a:br>
-              <a:rPr lang="en-US" altLang="ko-KR" sz="2900" dirty="0" smtClean="0">
-                <a:latin typeface="나눔고딕" panose="020D0604000000000000" pitchFamily="50" charset="-127"/>
-                <a:ea typeface="나눔고딕" panose="020D0604000000000000" pitchFamily="50" charset="-127"/>
-              </a:rPr>
-            </a:br>
-            <a:r>
-              <a:rPr lang="ko-KR" altLang="en-US" sz="2900" dirty="0" smtClean="0">
-                <a:solidFill>
-                  <a:srgbClr val="8F8F8F"/>
-                </a:solidFill>
-                <a:latin typeface="나눔고딕" panose="020D0604000000000000" pitchFamily="50" charset="-127"/>
-                <a:ea typeface="나눔고딕" panose="020D0604000000000000" pitchFamily="50" charset="-127"/>
-              </a:rPr>
-              <a:t>김태윤</a:t>
-            </a:r>
-            <a:r>
-              <a:rPr lang="en-US" altLang="ko-KR" sz="2900" dirty="0" smtClean="0">
-                <a:solidFill>
-                  <a:srgbClr val="8F8F8F"/>
-                </a:solidFill>
-                <a:latin typeface="나눔고딕" panose="020D0604000000000000" pitchFamily="50" charset="-127"/>
-                <a:ea typeface="나눔고딕" panose="020D0604000000000000" pitchFamily="50" charset="-127"/>
-              </a:rPr>
-              <a:t>(</a:t>
-            </a:r>
-            <a:r>
-              <a:rPr lang="ko-KR" altLang="en-US" sz="2900" dirty="0" err="1" smtClean="0">
-                <a:solidFill>
-                  <a:srgbClr val="8F8F8F"/>
-                </a:solidFill>
-                <a:latin typeface="나눔고딕" panose="020D0604000000000000" pitchFamily="50" charset="-127"/>
-                <a:ea typeface="나눔고딕" panose="020D0604000000000000" pitchFamily="50" charset="-127"/>
-              </a:rPr>
-              <a:t>가나다라마</a:t>
-            </a:r>
-            <a:r>
-              <a:rPr lang="en-US" altLang="ko-KR" sz="2900" dirty="0" smtClean="0">
-                <a:solidFill>
-                  <a:srgbClr val="8F8F8F"/>
-                </a:solidFill>
-                <a:latin typeface="나눔고딕" panose="020D0604000000000000" pitchFamily="50" charset="-127"/>
-                <a:ea typeface="나눔고딕" panose="020D0604000000000000" pitchFamily="50" charset="-127"/>
-              </a:rPr>
-              <a:t>)	</a:t>
-            </a:r>
-            <a:r>
-              <a:rPr lang="ko-KR" altLang="en-US" sz="2900" dirty="0" smtClean="0">
-                <a:solidFill>
-                  <a:srgbClr val="8F8F8F"/>
-                </a:solidFill>
-                <a:latin typeface="나눔고딕" panose="020D0604000000000000" pitchFamily="50" charset="-127"/>
-                <a:ea typeface="나눔고딕" panose="020D0604000000000000" pitchFamily="50" charset="-127"/>
-              </a:rPr>
-              <a:t>김희찬</a:t>
-            </a:r>
-            <a:r>
-              <a:rPr lang="en-US" altLang="ko-KR" sz="2900" dirty="0" smtClean="0">
-                <a:solidFill>
-                  <a:srgbClr val="8F8F8F"/>
-                </a:solidFill>
-                <a:latin typeface="나눔고딕" panose="020D0604000000000000" pitchFamily="50" charset="-127"/>
-                <a:ea typeface="나눔고딕" panose="020D0604000000000000" pitchFamily="50" charset="-127"/>
-              </a:rPr>
-              <a:t>(MAZEBOY)</a:t>
-            </a:r>
-            <a:br>
-              <a:rPr lang="en-US" altLang="ko-KR" sz="2900" dirty="0" smtClean="0">
-                <a:solidFill>
-                  <a:srgbClr val="8F8F8F"/>
-                </a:solidFill>
-                <a:latin typeface="나눔고딕" panose="020D0604000000000000" pitchFamily="50" charset="-127"/>
-                <a:ea typeface="나눔고딕" panose="020D0604000000000000" pitchFamily="50" charset="-127"/>
-              </a:rPr>
-            </a:br>
-            <a:r>
-              <a:rPr lang="ko-KR" altLang="en-US" sz="2900" dirty="0" err="1" smtClean="0">
-                <a:solidFill>
-                  <a:srgbClr val="8F8F8F"/>
-                </a:solidFill>
-                <a:latin typeface="나눔고딕" panose="020D0604000000000000" pitchFamily="50" charset="-127"/>
-                <a:ea typeface="나눔고딕" panose="020D0604000000000000" pitchFamily="50" charset="-127"/>
-              </a:rPr>
-              <a:t>오경준</a:t>
-            </a:r>
-            <a:r>
-              <a:rPr lang="en-US" altLang="ko-KR" sz="2900" dirty="0" smtClean="0">
-                <a:solidFill>
-                  <a:srgbClr val="8F8F8F"/>
-                </a:solidFill>
-                <a:latin typeface="나눔고딕" panose="020D0604000000000000" pitchFamily="50" charset="-127"/>
-                <a:ea typeface="나눔고딕" panose="020D0604000000000000" pitchFamily="50" charset="-127"/>
-              </a:rPr>
-              <a:t>(RYAN)		</a:t>
-            </a:r>
-            <a:r>
-              <a:rPr lang="ko-KR" altLang="en-US" sz="2900" dirty="0" smtClean="0">
-                <a:solidFill>
-                  <a:srgbClr val="8F8F8F"/>
-                </a:solidFill>
-                <a:latin typeface="나눔고딕" panose="020D0604000000000000" pitchFamily="50" charset="-127"/>
-                <a:ea typeface="나눔고딕" panose="020D0604000000000000" pitchFamily="50" charset="-127"/>
-              </a:rPr>
-              <a:t>이윤성</a:t>
-            </a:r>
-            <a:r>
-              <a:rPr lang="en-US" altLang="ko-KR" sz="2900" dirty="0" smtClean="0">
-                <a:solidFill>
-                  <a:srgbClr val="8F8F8F"/>
-                </a:solidFill>
-                <a:latin typeface="나눔고딕" panose="020D0604000000000000" pitchFamily="50" charset="-127"/>
-                <a:ea typeface="나눔고딕" panose="020D0604000000000000" pitchFamily="50" charset="-127"/>
-              </a:rPr>
-              <a:t>(WDP)</a:t>
-            </a:r>
-            <a:br>
-              <a:rPr lang="en-US" altLang="ko-KR" sz="2900" dirty="0" smtClean="0">
-                <a:solidFill>
-                  <a:srgbClr val="8F8F8F"/>
-                </a:solidFill>
-                <a:latin typeface="나눔고딕" panose="020D0604000000000000" pitchFamily="50" charset="-127"/>
-                <a:ea typeface="나눔고딕" panose="020D0604000000000000" pitchFamily="50" charset="-127"/>
-              </a:rPr>
-            </a:br>
-            <a:r>
-              <a:rPr lang="ko-KR" altLang="en-US" sz="2900" dirty="0" err="1" smtClean="0">
-                <a:solidFill>
-                  <a:srgbClr val="8F8F8F"/>
-                </a:solidFill>
-                <a:latin typeface="나눔고딕" panose="020D0604000000000000" pitchFamily="50" charset="-127"/>
-                <a:ea typeface="나눔고딕" panose="020D0604000000000000" pitchFamily="50" charset="-127"/>
-              </a:rPr>
-              <a:t>최제모</a:t>
-            </a:r>
-            <a:r>
-              <a:rPr lang="en-US" altLang="ko-KR" sz="2900" dirty="0" smtClean="0">
-                <a:solidFill>
-                  <a:srgbClr val="8F8F8F"/>
-                </a:solidFill>
-                <a:latin typeface="나눔고딕" panose="020D0604000000000000" pitchFamily="50" charset="-127"/>
-                <a:ea typeface="나눔고딕" panose="020D0604000000000000" pitchFamily="50" charset="-127"/>
-              </a:rPr>
-              <a:t>(JM)			</a:t>
-            </a:r>
-            <a:r>
-              <a:rPr lang="ko-KR" altLang="en-US" sz="2900" dirty="0" smtClean="0">
-                <a:solidFill>
-                  <a:srgbClr val="8F8F8F"/>
-                </a:solidFill>
-                <a:latin typeface="나눔고딕" panose="020D0604000000000000" pitchFamily="50" charset="-127"/>
-                <a:ea typeface="나눔고딕" panose="020D0604000000000000" pitchFamily="50" charset="-127"/>
-              </a:rPr>
-              <a:t>한승주</a:t>
-            </a:r>
-            <a:r>
-              <a:rPr lang="en-US" altLang="ko-KR" sz="2900" dirty="0" smtClean="0">
-                <a:solidFill>
-                  <a:srgbClr val="8F8F8F"/>
-                </a:solidFill>
-                <a:latin typeface="나눔고딕" panose="020D0604000000000000" pitchFamily="50" charset="-127"/>
-                <a:ea typeface="나눔고딕" panose="020D0604000000000000" pitchFamily="50" charset="-127"/>
-              </a:rPr>
-              <a:t>(MADA)</a:t>
-            </a:r>
-            <a:endParaRPr lang="ko-KR" altLang="en-US" sz="2800" dirty="0">
-              <a:solidFill>
-                <a:srgbClr val="8F8F8F"/>
-              </a:solidFill>
-              <a:latin typeface="나눔고딕" panose="020D0604000000000000" pitchFamily="50" charset="-127"/>
-              <a:ea typeface="나눔고딕" panose="020D0604000000000000" pitchFamily="50" charset="-127"/>
-            </a:endParaRPr>
-          </a:p>
-        </p:txBody>
-      </p:sp>
-      <p:sp>
-        <p:nvSpPr>
-          <p:cNvPr id="4" name="제목 1"/>
-          <p:cNvSpPr txBox="1">
-            <a:spLocks/>
-          </p:cNvSpPr>
-          <p:nvPr/>
-        </p:nvSpPr>
-        <p:spPr>
-          <a:xfrm>
-            <a:off x="84000" y="0"/>
-            <a:ext cx="6881965" cy="2411505"/>
-          </a:xfrm>
-          <a:prstGeom prst="rect">
-            <a:avLst/>
-          </a:prstGeom>
-          <a:effectLst/>
-        </p:spPr>
-        <p:txBody>
-          <a:bodyPr vert="horz" lIns="91440" tIns="45720" rIns="91440" bIns="45720" rtlCol="0" anchor="b">
-            <a:noAutofit/>
-          </a:bodyPr>
-          <a:lstStyle>
-            <a:lvl1pPr algn="r" defTabSz="457200" rtl="0" eaLnBrk="1" latinLnBrk="1" hangingPunct="1">
-              <a:spcBef>
-                <a:spcPct val="0"/>
-              </a:spcBef>
-              <a:buNone/>
-              <a:defRPr sz="6000" kern="1200" cap="none">
-                <a:ln w="3175" cmpd="sng">
-                  <a:noFill/>
-                </a:ln>
-                <a:solidFill>
-                  <a:schemeClr val="tx1"/>
-                </a:solidFill>
-                <a:effectLst/>
-                <a:latin typeface="+mj-lt"/>
-                <a:ea typeface="+mj-ea"/>
-                <a:cs typeface="+mj-cs"/>
-              </a:defRPr>
-            </a:lvl1pPr>
-            <a:lvl2pPr eaLnBrk="1" latinLnBrk="1" hangingPunct="1">
-              <a:defRPr>
-                <a:solidFill>
-                  <a:schemeClr val="tx2"/>
-                </a:solidFill>
-              </a:defRPr>
-            </a:lvl2pPr>
-            <a:lvl3pPr eaLnBrk="1" latinLnBrk="1" hangingPunct="1">
-              <a:defRPr>
-                <a:solidFill>
-                  <a:schemeClr val="tx2"/>
-                </a:solidFill>
-              </a:defRPr>
-            </a:lvl3pPr>
-            <a:lvl4pPr eaLnBrk="1" latinLnBrk="1" hangingPunct="1">
-              <a:defRPr>
-                <a:solidFill>
-                  <a:schemeClr val="tx2"/>
-                </a:solidFill>
-              </a:defRPr>
-            </a:lvl4pPr>
-            <a:lvl5pPr eaLnBrk="1" latinLnBrk="1" hangingPunct="1">
-              <a:defRPr>
-                <a:solidFill>
-                  <a:schemeClr val="tx2"/>
-                </a:solidFill>
-              </a:defRPr>
-            </a:lvl5pPr>
-            <a:lvl6pPr eaLnBrk="1" latinLnBrk="1" hangingPunct="1">
-              <a:defRPr>
-                <a:solidFill>
-                  <a:schemeClr val="tx2"/>
-                </a:solidFill>
-              </a:defRPr>
-            </a:lvl6pPr>
-            <a:lvl7pPr eaLnBrk="1" latinLnBrk="1" hangingPunct="1">
-              <a:defRPr>
-                <a:solidFill>
-                  <a:schemeClr val="tx2"/>
-                </a:solidFill>
-              </a:defRPr>
-            </a:lvl7pPr>
-            <a:lvl8pPr eaLnBrk="1" latinLnBrk="1" hangingPunct="1">
-              <a:defRPr>
-                <a:solidFill>
-                  <a:schemeClr val="tx2"/>
-                </a:solidFill>
-              </a:defRPr>
-            </a:lvl8pPr>
-            <a:lvl9pPr eaLnBrk="1" latinLnBrk="1" hangingPunct="1">
-              <a:defRPr>
-                <a:solidFill>
-                  <a:schemeClr val="tx2"/>
-                </a:solidFill>
-              </a:defRPr>
-            </a:lvl9pPr>
-          </a:lstStyle>
-          <a:p>
-            <a:r>
-              <a:rPr lang="ko-KR" altLang="en-US" sz="12500" b="1" dirty="0" smtClean="0">
-                <a:solidFill>
-                  <a:schemeClr val="bg1"/>
-                </a:solidFill>
-                <a:latin typeface="나눔고딕" panose="020D0604000000000000" pitchFamily="50" charset="-127"/>
-                <a:ea typeface="나눔고딕" panose="020D0604000000000000" pitchFamily="50" charset="-127"/>
-              </a:rPr>
-              <a:t>장사의 길</a:t>
-            </a:r>
-            <a:endParaRPr lang="ko-KR" altLang="en-US" sz="12500" b="1" dirty="0">
-              <a:solidFill>
-                <a:schemeClr val="bg1"/>
-              </a:solidFill>
-              <a:latin typeface="나눔고딕" panose="020D0604000000000000" pitchFamily="50" charset="-127"/>
-              <a:ea typeface="나눔고딕" panose="020D0604000000000000" pitchFamily="50" charset="-127"/>
-            </a:endParaRPr>
-          </a:p>
-        </p:txBody>
-      </p:sp>
-      <p:sp>
-        <p:nvSpPr>
-          <p:cNvPr id="6" name="자유형 5"/>
-          <p:cNvSpPr/>
-          <p:nvPr/>
-        </p:nvSpPr>
-        <p:spPr>
-          <a:xfrm rot="5400000">
-            <a:off x="4643539" y="3696592"/>
-            <a:ext cx="360000" cy="576000"/>
-          </a:xfrm>
-          <a:custGeom>
-            <a:avLst/>
-            <a:gdLst>
-              <a:gd name="connsiteX0" fmla="*/ 0 w 360000"/>
-              <a:gd name="connsiteY0" fmla="*/ 576000 h 576000"/>
-              <a:gd name="connsiteX1" fmla="*/ 0 w 360000"/>
-              <a:gd name="connsiteY1" fmla="*/ 216000 h 576000"/>
-              <a:gd name="connsiteX2" fmla="*/ 180000 w 360000"/>
-              <a:gd name="connsiteY2" fmla="*/ 0 h 576000"/>
-              <a:gd name="connsiteX3" fmla="*/ 360000 w 360000"/>
-              <a:gd name="connsiteY3" fmla="*/ 216000 h 576000"/>
-              <a:gd name="connsiteX4" fmla="*/ 360000 w 360000"/>
-              <a:gd name="connsiteY4" fmla="*/ 576000 h 576000"/>
-            </a:gdLst>
-            <a:ahLst/>
-            <a:cxnLst>
-              <a:cxn ang="0">
-                <a:pos x="connsiteX0" y="connsiteY0"/>
-              </a:cxn>
-              <a:cxn ang="0">
-                <a:pos x="connsiteX1" y="connsiteY1"/>
-              </a:cxn>
-              <a:cxn ang="0">
-                <a:pos x="connsiteX2" y="connsiteY2"/>
-              </a:cxn>
-              <a:cxn ang="0">
-                <a:pos x="connsiteX3" y="connsiteY3"/>
-              </a:cxn>
-              <a:cxn ang="0">
-                <a:pos x="connsiteX4" y="connsiteY4"/>
-              </a:cxn>
-            </a:cxnLst>
-            <a:rect l="l" t="t" r="r" b="b"/>
-            <a:pathLst>
-              <a:path w="360000" h="576000">
-                <a:moveTo>
-                  <a:pt x="0" y="576000"/>
-                </a:moveTo>
-                <a:lnTo>
-                  <a:pt x="0" y="216000"/>
-                </a:lnTo>
-                <a:lnTo>
-                  <a:pt x="180000" y="0"/>
-                </a:lnTo>
-                <a:lnTo>
-                  <a:pt x="360000" y="216000"/>
-                </a:lnTo>
-                <a:lnTo>
-                  <a:pt x="360000" y="576000"/>
-                </a:lnTo>
-                <a:close/>
-              </a:path>
-            </a:pathLst>
-          </a:custGeom>
-          <a:solidFill>
-            <a:srgbClr val="727272"/>
-          </a:solidFill>
-          <a:ln w="88900" cap="rnd">
-            <a:solidFill>
-              <a:srgbClr val="727272"/>
-            </a:solidFill>
-            <a:round/>
-          </a:ln>
-        </p:spPr>
-        <p:style>
-          <a:lnRef idx="2">
-            <a:schemeClr val="accent1">
-              <a:shade val="50000"/>
-            </a:schemeClr>
-          </a:lnRef>
-          <a:fillRef idx="1">
-            <a:schemeClr val="accent1"/>
-          </a:fillRef>
-          <a:effectRef idx="0">
-            <a:schemeClr val="accent1"/>
-          </a:effectRef>
-          <a:fontRef idx="minor">
-            <a:schemeClr val="lt1"/>
-          </a:fontRef>
-        </p:style>
-        <p:txBody>
-          <a:bodyPr rtlCol="0" anchor="ctr"/>
-          <a:lstStyle/>
-          <a:p>
-            <a:pPr algn="ctr"/>
-            <a:endParaRPr lang="ko-KR" altLang="en-US"/>
-          </a:p>
-        </p:txBody>
-      </p:sp>
-      <p:sp>
-        <p:nvSpPr>
-          <p:cNvPr id="7" name="자유형 6"/>
-          <p:cNvSpPr/>
-          <p:nvPr/>
-        </p:nvSpPr>
-        <p:spPr>
-          <a:xfrm rot="5400000">
-            <a:off x="4643539" y="4895472"/>
-            <a:ext cx="360000" cy="576000"/>
-          </a:xfrm>
-          <a:custGeom>
-            <a:avLst/>
-            <a:gdLst>
-              <a:gd name="connsiteX0" fmla="*/ 0 w 360000"/>
-              <a:gd name="connsiteY0" fmla="*/ 576000 h 576000"/>
-              <a:gd name="connsiteX1" fmla="*/ 0 w 360000"/>
-              <a:gd name="connsiteY1" fmla="*/ 216000 h 576000"/>
-              <a:gd name="connsiteX2" fmla="*/ 180000 w 360000"/>
-              <a:gd name="connsiteY2" fmla="*/ 0 h 576000"/>
-              <a:gd name="connsiteX3" fmla="*/ 360000 w 360000"/>
-              <a:gd name="connsiteY3" fmla="*/ 216000 h 576000"/>
-              <a:gd name="connsiteX4" fmla="*/ 360000 w 360000"/>
-              <a:gd name="connsiteY4" fmla="*/ 576000 h 576000"/>
-            </a:gdLst>
-            <a:ahLst/>
-            <a:cxnLst>
-              <a:cxn ang="0">
-                <a:pos x="connsiteX0" y="connsiteY0"/>
-              </a:cxn>
-              <a:cxn ang="0">
-                <a:pos x="connsiteX1" y="connsiteY1"/>
-              </a:cxn>
-              <a:cxn ang="0">
-                <a:pos x="connsiteX2" y="connsiteY2"/>
-              </a:cxn>
-              <a:cxn ang="0">
-                <a:pos x="connsiteX3" y="connsiteY3"/>
-              </a:cxn>
-              <a:cxn ang="0">
-                <a:pos x="connsiteX4" y="connsiteY4"/>
-              </a:cxn>
-            </a:cxnLst>
-            <a:rect l="l" t="t" r="r" b="b"/>
-            <a:pathLst>
-              <a:path w="360000" h="576000">
-                <a:moveTo>
-                  <a:pt x="0" y="576000"/>
-                </a:moveTo>
-                <a:lnTo>
-                  <a:pt x="0" y="216000"/>
-                </a:lnTo>
-                <a:lnTo>
-                  <a:pt x="180000" y="0"/>
-                </a:lnTo>
-                <a:lnTo>
-                  <a:pt x="360000" y="216000"/>
-                </a:lnTo>
-                <a:lnTo>
-                  <a:pt x="360000" y="576000"/>
-                </a:lnTo>
-                <a:close/>
-              </a:path>
-            </a:pathLst>
-          </a:custGeom>
-          <a:solidFill>
-            <a:srgbClr val="727272"/>
-          </a:solidFill>
-          <a:ln w="88900" cap="rnd">
-            <a:solidFill>
-              <a:srgbClr val="727272"/>
-            </a:solidFill>
-            <a:round/>
-          </a:ln>
-        </p:spPr>
-        <p:style>
-          <a:lnRef idx="2">
-            <a:schemeClr val="accent1">
-              <a:shade val="50000"/>
-            </a:schemeClr>
-          </a:lnRef>
-          <a:fillRef idx="1">
-            <a:schemeClr val="accent1"/>
-          </a:fillRef>
-          <a:effectRef idx="0">
-            <a:schemeClr val="accent1"/>
-          </a:effectRef>
-          <a:fontRef idx="minor">
-            <a:schemeClr val="lt1"/>
-          </a:fontRef>
-        </p:style>
-        <p:txBody>
-          <a:bodyPr rtlCol="0" anchor="ctr"/>
-          <a:lstStyle/>
-          <a:p>
-            <a:pPr algn="ctr"/>
-            <a:endParaRPr lang="ko-KR" altLang="en-US"/>
-          </a:p>
-        </p:txBody>
-      </p:sp>
-      <p:sp>
-        <p:nvSpPr>
-          <p:cNvPr id="8" name="직사각형 7"/>
-          <p:cNvSpPr/>
-          <p:nvPr/>
-        </p:nvSpPr>
-        <p:spPr>
-          <a:xfrm>
-            <a:off x="9448800" y="2926080"/>
-            <a:ext cx="2092960" cy="878512"/>
-          </a:xfrm>
-          <a:prstGeom prst="rect">
-            <a:avLst/>
-          </a:prstGeom>
-          <a:solidFill>
-            <a:srgbClr val="FFEB3B"/>
-          </a:solidFill>
-          <a:ln>
-            <a:noFill/>
-          </a:ln>
-          <a:effectLst>
-            <a:outerShdw blurRad="50800" dist="63500" dir="2700000" algn="tl" rotWithShape="0">
-              <a:prstClr val="black">
-                <a:alpha val="40000"/>
-              </a:prstClr>
-            </a:outerShdw>
-          </a:effectLst>
-        </p:spPr>
-        <p:style>
-          <a:lnRef idx="2">
-            <a:schemeClr val="accent1">
-              <a:shade val="50000"/>
-            </a:schemeClr>
-          </a:lnRef>
-          <a:fillRef idx="1">
-            <a:schemeClr val="accent1"/>
-          </a:fillRef>
-          <a:effectRef idx="0">
-            <a:schemeClr val="accent1"/>
-          </a:effectRef>
-          <a:fontRef idx="minor">
-            <a:schemeClr val="lt1"/>
-          </a:fontRef>
-        </p:style>
-        <p:txBody>
-          <a:bodyPr rtlCol="0" anchor="ctr"/>
-          <a:lstStyle/>
-          <a:p>
-            <a:pPr algn="ctr"/>
-            <a:r>
-              <a:rPr lang="en-US" altLang="ko-KR" sz="4400" b="1" dirty="0" smtClean="0">
-                <a:latin typeface="나눔고딕" panose="020D0604000000000000" pitchFamily="50" charset="-127"/>
-                <a:ea typeface="나눔고딕" panose="020D0604000000000000" pitchFamily="50" charset="-127"/>
-              </a:rPr>
-              <a:t>1</a:t>
-            </a:r>
-            <a:r>
-              <a:rPr lang="ko-KR" altLang="en-US" sz="4400" b="1" dirty="0" smtClean="0">
-                <a:latin typeface="나눔고딕" panose="020D0604000000000000" pitchFamily="50" charset="-127"/>
-                <a:ea typeface="나눔고딕" panose="020D0604000000000000" pitchFamily="50" charset="-127"/>
-              </a:rPr>
-              <a:t>조</a:t>
-            </a:r>
-            <a:r>
-              <a:rPr lang="en-US" altLang="ko-KR" sz="4400" b="1" dirty="0" smtClean="0">
-                <a:latin typeface="나눔고딕" panose="020D0604000000000000" pitchFamily="50" charset="-127"/>
-                <a:ea typeface="나눔고딕" panose="020D0604000000000000" pitchFamily="50" charset="-127"/>
-              </a:rPr>
-              <a:t>ZS</a:t>
-            </a:r>
-            <a:endParaRPr lang="ko-KR" altLang="en-US" sz="4400" b="1" dirty="0">
-              <a:latin typeface="나눔고딕" panose="020D0604000000000000" pitchFamily="50" charset="-127"/>
-              <a:ea typeface="나눔고딕" panose="020D0604000000000000" pitchFamily="50" charset="-127"/>
-            </a:endParaRPr>
-          </a:p>
-        </p:txBody>
-      </p:sp>
-    </p:spTree>
-    <p:extLst>
-      <p:ext uri="{BB962C8B-B14F-4D97-AF65-F5344CB8AC3E}">
-        <p14:creationId xmlns:p14="http://schemas.microsoft.com/office/powerpoint/2010/main" val="2408184314"/>
-      </p:ext>
-    </p:extLst>
-  </p:cSld>
-  <p:clrMapOvr>
-    <a:masterClrMapping/>
-  </p:clrMapOvr>
-  <p:timing>
-    <p:tnLst>
-      <p:par>
-        <p:cTn id="1" dur="indefinite" restart="never" nodeType="tmRoot"/>
-      </p:par>
-    </p:tnLst>
-  </p:timing>
-</p:sld>
-</file>
-
-<file path=ppt/slides/slide3.xml><?xml version="1.0" encoding="utf-8"?>
 <p:sld xmlns:a="http://schemas.openxmlformats.org/drawingml/2006/main" xmlns:r="http://schemas.openxmlformats.org/officeDocument/2006/relationships" xmlns:p="http://schemas.openxmlformats.org/presentationml/2006/main">
   <p:cSld>
     <p:spTree>
@@ -13830,7 +11543,7 @@
 </p:sld>
 </file>
 
-<file path=ppt/slides/slide4.xml><?xml version="1.0" encoding="utf-8"?>
+<file path=ppt/slides/slide3.xml><?xml version="1.0" encoding="utf-8"?>
 <p:sld xmlns:a="http://schemas.openxmlformats.org/drawingml/2006/main" xmlns:r="http://schemas.openxmlformats.org/officeDocument/2006/relationships" xmlns:p="http://schemas.openxmlformats.org/presentationml/2006/main">
   <p:cSld>
     <p:spTree>
@@ -13975,7 +11688,7 @@
 </p:sld>
 </file>
 
-<file path=ppt/slides/slide5.xml><?xml version="1.0" encoding="utf-8"?>
+<file path=ppt/slides/slide4.xml><?xml version="1.0" encoding="utf-8"?>
 <p:sld xmlns:a="http://schemas.openxmlformats.org/drawingml/2006/main" xmlns:r="http://schemas.openxmlformats.org/officeDocument/2006/relationships" xmlns:p="http://schemas.openxmlformats.org/presentationml/2006/main">
   <p:cSld>
     <p:spTree>
@@ -15360,7 +13073,7 @@
 </p:sld>
 </file>
 
-<file path=ppt/slides/slide6.xml><?xml version="1.0" encoding="utf-8"?>
+<file path=ppt/slides/slide5.xml><?xml version="1.0" encoding="utf-8"?>
 <p:sld xmlns:a="http://schemas.openxmlformats.org/drawingml/2006/main" xmlns:r="http://schemas.openxmlformats.org/officeDocument/2006/relationships" xmlns:p="http://schemas.openxmlformats.org/presentationml/2006/main">
   <p:cSld>
     <p:spTree>
@@ -15806,7 +13519,7 @@
 </p:sld>
 </file>
 
-<file path=ppt/slides/slide7.xml><?xml version="1.0" encoding="utf-8"?>
+<file path=ppt/slides/slide6.xml><?xml version="1.0" encoding="utf-8"?>
 <p:sld xmlns:a="http://schemas.openxmlformats.org/drawingml/2006/main" xmlns:r="http://schemas.openxmlformats.org/officeDocument/2006/relationships" xmlns:p="http://schemas.openxmlformats.org/presentationml/2006/main">
   <p:cSld>
     <p:spTree>
@@ -15996,13 +13709,6 @@
               </a:rPr>
               <a:t>!</a:t>
             </a:r>
-            <a:endParaRPr lang="en-US" altLang="ko-KR" dirty="0" smtClean="0">
-              <a:solidFill>
-                <a:srgbClr val="8F8F8F"/>
-              </a:solidFill>
-              <a:latin typeface="나눔고딕" panose="020D0604000000000000" pitchFamily="50" charset="-127"/>
-              <a:ea typeface="나눔고딕" panose="020D0604000000000000" pitchFamily="50" charset="-127"/>
-            </a:endParaRPr>
           </a:p>
           <a:p>
             <a:pPr marL="0" indent="0">
@@ -17323,7 +15029,7 @@
 </p:sld>
 </file>
 
-<file path=ppt/slides/slide8.xml><?xml version="1.0" encoding="utf-8"?>
+<file path=ppt/slides/slide7.xml><?xml version="1.0" encoding="utf-8"?>
 <p:sld xmlns:a="http://schemas.openxmlformats.org/drawingml/2006/main" xmlns:r="http://schemas.openxmlformats.org/officeDocument/2006/relationships" xmlns:p="http://schemas.openxmlformats.org/presentationml/2006/main">
   <p:cSld>
     <p:spTree>
@@ -17735,13 +15441,6 @@
               </a:rPr>
               <a:t>.</a:t>
             </a:r>
-            <a:endParaRPr lang="en-US" altLang="ko-KR" dirty="0" smtClean="0">
-              <a:solidFill>
-                <a:srgbClr val="8F8F8F"/>
-              </a:solidFill>
-              <a:latin typeface="나눔고딕" panose="020D0604000000000000" pitchFamily="50" charset="-127"/>
-              <a:ea typeface="나눔고딕" panose="020D0604000000000000" pitchFamily="50" charset="-127"/>
-            </a:endParaRPr>
           </a:p>
           <a:p>
             <a:pPr marL="0" indent="0">
@@ -19309,7 +17008,7 @@
 </p:sld>
 </file>
 
-<file path=ppt/slides/slide9.xml><?xml version="1.0" encoding="utf-8"?>
+<file path=ppt/slides/slide8.xml><?xml version="1.0" encoding="utf-8"?>
 <p:sld xmlns:a="http://schemas.openxmlformats.org/drawingml/2006/main" xmlns:r="http://schemas.openxmlformats.org/officeDocument/2006/relationships" xmlns:p="http://schemas.openxmlformats.org/presentationml/2006/main">
   <p:cSld>
     <p:spTree>
@@ -19526,13 +17225,6 @@
               </a:rPr>
               <a:t>.</a:t>
             </a:r>
-            <a:endParaRPr lang="en-US" altLang="ko-KR" dirty="0" smtClean="0">
-              <a:solidFill>
-                <a:srgbClr val="8F8F8F"/>
-              </a:solidFill>
-              <a:latin typeface="나눔고딕" panose="020D0604000000000000" pitchFamily="50" charset="-127"/>
-              <a:ea typeface="나눔고딕" panose="020D0604000000000000" pitchFamily="50" charset="-127"/>
-            </a:endParaRPr>
           </a:p>
           <a:p>
             <a:pPr marL="0" indent="0">
@@ -21482,6 +19174,2196 @@
                                     <p:anim calcmode="lin" valueType="num">
                                       <p:cBhvr additive="base">
                                         <p:cTn id="72" dur="500" fill="hold"/>
+                                        <p:tgtEl>
+                                          <p:spTgt spid="7">
+                                            <p:txEl>
+                                              <p:pRg st="10" end="10"/>
+                                            </p:txEl>
+                                          </p:spTgt>
+                                        </p:tgtEl>
+                                        <p:attrNameLst>
+                                          <p:attrName>ppt_y</p:attrName>
+                                        </p:attrNameLst>
+                                      </p:cBhvr>
+                                      <p:tavLst>
+                                        <p:tav tm="0">
+                                          <p:val>
+                                            <p:strVal val="#ppt_y"/>
+                                          </p:val>
+                                        </p:tav>
+                                        <p:tav tm="100000">
+                                          <p:val>
+                                            <p:strVal val="#ppt_y"/>
+                                          </p:val>
+                                        </p:tav>
+                                      </p:tavLst>
+                                    </p:anim>
+                                  </p:childTnLst>
+                                </p:cTn>
+                              </p:par>
+                            </p:childTnLst>
+                          </p:cTn>
+                        </p:par>
+                      </p:childTnLst>
+                    </p:cTn>
+                  </p:par>
+                </p:childTnLst>
+              </p:cTn>
+              <p:prevCondLst>
+                <p:cond evt="onPrev" delay="0">
+                  <p:tgtEl>
+                    <p:sldTgt/>
+                  </p:tgtEl>
+                </p:cond>
+              </p:prevCondLst>
+              <p:nextCondLst>
+                <p:cond evt="onNext" delay="0">
+                  <p:tgtEl>
+                    <p:sldTgt/>
+                  </p:tgtEl>
+                </p:cond>
+              </p:nextCondLst>
+            </p:seq>
+          </p:childTnLst>
+        </p:cTn>
+      </p:par>
+    </p:tnLst>
+    <p:bldLst>
+      <p:bldP spid="5" grpId="0"/>
+      <p:bldP spid="11" grpId="0" animBg="1"/>
+    </p:bldLst>
+  </p:timing>
+</p:sld>
+</file>
+
+<file path=ppt/slides/slide9.xml><?xml version="1.0" encoding="utf-8"?>
+<p:sld xmlns:a="http://schemas.openxmlformats.org/drawingml/2006/main" xmlns:r="http://schemas.openxmlformats.org/officeDocument/2006/relationships" xmlns:p="http://schemas.openxmlformats.org/presentationml/2006/main">
+  <p:cSld>
+    <p:spTree>
+      <p:nvGrpSpPr>
+        <p:cNvPr id="1" name=""/>
+        <p:cNvGrpSpPr/>
+        <p:nvPr/>
+      </p:nvGrpSpPr>
+      <p:grpSpPr>
+        <a:xfrm>
+          <a:off x="0" y="0"/>
+          <a:ext cx="0" cy="0"/>
+          <a:chOff x="0" y="0"/>
+          <a:chExt cx="0" cy="0"/>
+        </a:xfrm>
+      </p:grpSpPr>
+      <p:sp>
+        <p:nvSpPr>
+          <p:cNvPr id="5" name="제목 1"/>
+          <p:cNvSpPr txBox="1">
+            <a:spLocks/>
+          </p:cNvSpPr>
+          <p:nvPr/>
+        </p:nvSpPr>
+        <p:spPr>
+          <a:xfrm>
+            <a:off x="380146" y="0"/>
+            <a:ext cx="9894564" cy="1752599"/>
+          </a:xfrm>
+          <a:prstGeom prst="rect">
+            <a:avLst/>
+          </a:prstGeom>
+        </p:spPr>
+        <p:txBody>
+          <a:bodyPr vert="horz" lIns="91440" tIns="45720" rIns="91440" bIns="45720" rtlCol="0" anchor="ctr">
+            <a:normAutofit/>
+          </a:bodyPr>
+          <a:lstStyle>
+            <a:lvl1pPr algn="l" defTabSz="914400" rtl="0" eaLnBrk="1" latinLnBrk="1" hangingPunct="1">
+              <a:lnSpc>
+                <a:spcPct val="90000"/>
+              </a:lnSpc>
+              <a:spcBef>
+                <a:spcPct val="0"/>
+              </a:spcBef>
+              <a:buNone/>
+              <a:defRPr sz="4400" kern="1200">
+                <a:solidFill>
+                  <a:schemeClr val="tx1"/>
+                </a:solidFill>
+                <a:latin typeface="+mj-lt"/>
+                <a:ea typeface="+mj-ea"/>
+                <a:cs typeface="+mj-cs"/>
+              </a:defRPr>
+            </a:lvl1pPr>
+          </a:lstStyle>
+          <a:p>
+            <a:r>
+              <a:rPr lang="ko-KR" altLang="en-US" sz="8000" b="1" dirty="0" smtClean="0">
+                <a:solidFill>
+                  <a:srgbClr val="FAFAFA"/>
+                </a:solidFill>
+                <a:latin typeface="나눔고딕" panose="020D0604000000000000" pitchFamily="50" charset="-127"/>
+                <a:ea typeface="나눔고딕" panose="020D0604000000000000" pitchFamily="50" charset="-127"/>
+              </a:rPr>
+              <a:t>플레이 방법</a:t>
+            </a:r>
+            <a:endParaRPr lang="ko-KR" altLang="en-US" sz="8000" b="1" dirty="0">
+              <a:solidFill>
+                <a:srgbClr val="FAFAFA"/>
+              </a:solidFill>
+              <a:latin typeface="나눔고딕" panose="020D0604000000000000" pitchFamily="50" charset="-127"/>
+              <a:ea typeface="나눔고딕" panose="020D0604000000000000" pitchFamily="50" charset="-127"/>
+            </a:endParaRPr>
+          </a:p>
+        </p:txBody>
+      </p:sp>
+      <p:sp>
+        <p:nvSpPr>
+          <p:cNvPr id="7" name="내용 개체 틀 2"/>
+          <p:cNvSpPr>
+            <a:spLocks noGrp="1"/>
+          </p:cNvSpPr>
+          <p:nvPr>
+            <p:ph idx="1"/>
+          </p:nvPr>
+        </p:nvSpPr>
+        <p:spPr>
+          <a:xfrm>
+            <a:off x="1304687" y="2091689"/>
+            <a:ext cx="9664063" cy="4653240"/>
+          </a:xfrm>
+        </p:spPr>
+        <p:txBody>
+          <a:bodyPr>
+            <a:normAutofit fontScale="92500" lnSpcReduction="20000"/>
+          </a:bodyPr>
+          <a:lstStyle/>
+          <a:p>
+            <a:pPr marL="0" indent="0">
+              <a:buNone/>
+            </a:pPr>
+            <a:r>
+              <a:rPr lang="ko-KR" altLang="en-US" b="1" dirty="0" smtClean="0">
+                <a:solidFill>
+                  <a:srgbClr val="4E4E4E"/>
+                </a:solidFill>
+                <a:latin typeface="나눔고딕" panose="020D0604000000000000" pitchFamily="50" charset="-127"/>
+                <a:ea typeface="나눔고딕" panose="020D0604000000000000" pitchFamily="50" charset="-127"/>
+              </a:rPr>
+              <a:t>주요 소식</a:t>
+            </a:r>
+            <a:endParaRPr lang="en-US" altLang="ko-KR" dirty="0" smtClean="0">
+              <a:solidFill>
+                <a:srgbClr val="4E4E4E"/>
+              </a:solidFill>
+              <a:latin typeface="나눔고딕" panose="020D0604000000000000" pitchFamily="50" charset="-127"/>
+              <a:ea typeface="나눔고딕" panose="020D0604000000000000" pitchFamily="50" charset="-127"/>
+            </a:endParaRPr>
+          </a:p>
+          <a:p>
+            <a:pPr marL="0" indent="0">
+              <a:buNone/>
+            </a:pPr>
+            <a:r>
+              <a:rPr lang="ko-KR" altLang="en-US" dirty="0" smtClean="0">
+                <a:solidFill>
+                  <a:srgbClr val="8F8F8F"/>
+                </a:solidFill>
+                <a:latin typeface="나눔고딕" panose="020D0604000000000000" pitchFamily="50" charset="-127"/>
+                <a:ea typeface="나눔고딕" panose="020D0604000000000000" pitchFamily="50" charset="-127"/>
+              </a:rPr>
+              <a:t>현재 발생하고 있는 </a:t>
+            </a:r>
+            <a:r>
+              <a:rPr lang="ko-KR" altLang="en-US" b="1" dirty="0" smtClean="0">
+                <a:solidFill>
+                  <a:srgbClr val="FFFF00"/>
+                </a:solidFill>
+                <a:effectLst>
+                  <a:outerShdw blurRad="38100" dist="38100" dir="2700000" algn="tl">
+                    <a:srgbClr val="000000">
+                      <a:alpha val="43137"/>
+                    </a:srgbClr>
+                  </a:outerShdw>
+                </a:effectLst>
+                <a:latin typeface="나눔고딕" panose="020D0604000000000000" pitchFamily="50" charset="-127"/>
+                <a:ea typeface="나눔고딕" panose="020D0604000000000000" pitchFamily="50" charset="-127"/>
+              </a:rPr>
+              <a:t>각종 소식</a:t>
+            </a:r>
+            <a:r>
+              <a:rPr lang="ko-KR" altLang="en-US" dirty="0" smtClean="0">
+                <a:solidFill>
+                  <a:srgbClr val="8F8F8F"/>
+                </a:solidFill>
+                <a:latin typeface="나눔고딕" panose="020D0604000000000000" pitchFamily="50" charset="-127"/>
+                <a:ea typeface="나눔고딕" panose="020D0604000000000000" pitchFamily="50" charset="-127"/>
+              </a:rPr>
+              <a:t>을 들을 수 있습니다</a:t>
+            </a:r>
+            <a:r>
+              <a:rPr lang="en-US" altLang="ko-KR" dirty="0" smtClean="0">
+                <a:solidFill>
+                  <a:srgbClr val="8F8F8F"/>
+                </a:solidFill>
+                <a:latin typeface="나눔고딕" panose="020D0604000000000000" pitchFamily="50" charset="-127"/>
+                <a:ea typeface="나눔고딕" panose="020D0604000000000000" pitchFamily="50" charset="-127"/>
+              </a:rPr>
+              <a:t>.</a:t>
+            </a:r>
+          </a:p>
+          <a:p>
+            <a:pPr marL="0" indent="0">
+              <a:buNone/>
+            </a:pPr>
+            <a:r>
+              <a:rPr lang="ko-KR" altLang="en-US" dirty="0" smtClean="0">
+                <a:solidFill>
+                  <a:srgbClr val="8F8F8F"/>
+                </a:solidFill>
+                <a:latin typeface="나눔고딕" panose="020D0604000000000000" pitchFamily="50" charset="-127"/>
+                <a:ea typeface="나눔고딕" panose="020D0604000000000000" pitchFamily="50" charset="-127"/>
+              </a:rPr>
+              <a:t>이전에 발생한 이벤트의 목록도 볼 수 있습니다</a:t>
+            </a:r>
+            <a:r>
+              <a:rPr lang="en-US" altLang="ko-KR" dirty="0" smtClean="0">
+                <a:solidFill>
+                  <a:srgbClr val="8F8F8F"/>
+                </a:solidFill>
+                <a:latin typeface="나눔고딕" panose="020D0604000000000000" pitchFamily="50" charset="-127"/>
+                <a:ea typeface="나눔고딕" panose="020D0604000000000000" pitchFamily="50" charset="-127"/>
+              </a:rPr>
+              <a:t>.</a:t>
+            </a:r>
+          </a:p>
+          <a:p>
+            <a:pPr marL="0" indent="0">
+              <a:buNone/>
+            </a:pPr>
+            <a:endParaRPr lang="en-US" altLang="ko-KR" dirty="0" smtClean="0">
+              <a:solidFill>
+                <a:srgbClr val="4E4E4E"/>
+              </a:solidFill>
+              <a:latin typeface="나눔고딕" panose="020D0604000000000000" pitchFamily="50" charset="-127"/>
+              <a:ea typeface="나눔고딕" panose="020D0604000000000000" pitchFamily="50" charset="-127"/>
+            </a:endParaRPr>
+          </a:p>
+          <a:p>
+            <a:pPr marL="0" indent="0">
+              <a:buNone/>
+            </a:pPr>
+            <a:r>
+              <a:rPr lang="ko-KR" altLang="en-US" b="1" dirty="0" smtClean="0">
+                <a:solidFill>
+                  <a:srgbClr val="4E4E4E"/>
+                </a:solidFill>
+                <a:latin typeface="나눔고딕" panose="020D0604000000000000" pitchFamily="50" charset="-127"/>
+                <a:ea typeface="나눔고딕" panose="020D0604000000000000" pitchFamily="50" charset="-127"/>
+              </a:rPr>
+              <a:t>식단표</a:t>
+            </a:r>
+            <a:endParaRPr lang="en-US" altLang="ko-KR" dirty="0">
+              <a:solidFill>
+                <a:srgbClr val="4E4E4E"/>
+              </a:solidFill>
+              <a:latin typeface="나눔고딕" panose="020D0604000000000000" pitchFamily="50" charset="-127"/>
+              <a:ea typeface="나눔고딕" panose="020D0604000000000000" pitchFamily="50" charset="-127"/>
+            </a:endParaRPr>
+          </a:p>
+          <a:p>
+            <a:pPr marL="0" indent="0">
+              <a:buNone/>
+            </a:pPr>
+            <a:r>
+              <a:rPr lang="ko-KR" altLang="en-US" dirty="0" smtClean="0">
+                <a:solidFill>
+                  <a:srgbClr val="8F8F8F"/>
+                </a:solidFill>
+                <a:latin typeface="나눔고딕" panose="020D0604000000000000" pitchFamily="50" charset="-127"/>
+                <a:ea typeface="나눔고딕" panose="020D0604000000000000" pitchFamily="50" charset="-127"/>
+              </a:rPr>
+              <a:t>회사 직원을 위해 </a:t>
+            </a:r>
+            <a:r>
+              <a:rPr lang="ko-KR" altLang="en-US" b="1" dirty="0" smtClean="0">
+                <a:solidFill>
+                  <a:srgbClr val="FFFF00"/>
+                </a:solidFill>
+                <a:effectLst>
+                  <a:outerShdw blurRad="38100" dist="38100" dir="2700000" algn="tl">
+                    <a:srgbClr val="000000">
+                      <a:alpha val="43137"/>
+                    </a:srgbClr>
+                  </a:outerShdw>
+                </a:effectLst>
+                <a:latin typeface="나눔고딕" panose="020D0604000000000000" pitchFamily="50" charset="-127"/>
+                <a:ea typeface="나눔고딕" panose="020D0604000000000000" pitchFamily="50" charset="-127"/>
+              </a:rPr>
+              <a:t>복지를 개선</a:t>
+            </a:r>
+            <a:r>
+              <a:rPr lang="ko-KR" altLang="en-US" dirty="0" smtClean="0">
+                <a:solidFill>
+                  <a:srgbClr val="8F8F8F"/>
+                </a:solidFill>
+                <a:latin typeface="나눔고딕" panose="020D0604000000000000" pitchFamily="50" charset="-127"/>
+                <a:ea typeface="나눔고딕" panose="020D0604000000000000" pitchFamily="50" charset="-127"/>
+              </a:rPr>
+              <a:t>하거나</a:t>
+            </a:r>
+            <a:endParaRPr lang="en-US" altLang="ko-KR" dirty="0" smtClean="0">
+              <a:solidFill>
+                <a:srgbClr val="8F8F8F"/>
+              </a:solidFill>
+              <a:latin typeface="나눔고딕" panose="020D0604000000000000" pitchFamily="50" charset="-127"/>
+              <a:ea typeface="나눔고딕" panose="020D0604000000000000" pitchFamily="50" charset="-127"/>
+            </a:endParaRPr>
+          </a:p>
+          <a:p>
+            <a:pPr marL="0" indent="0">
+              <a:buNone/>
+            </a:pPr>
+            <a:r>
+              <a:rPr lang="ko-KR" altLang="en-US" dirty="0" smtClean="0">
+                <a:solidFill>
+                  <a:srgbClr val="8F8F8F"/>
+                </a:solidFill>
+                <a:latin typeface="나눔고딕" panose="020D0604000000000000" pitchFamily="50" charset="-127"/>
+                <a:ea typeface="나눔고딕" panose="020D0604000000000000" pitchFamily="50" charset="-127"/>
+              </a:rPr>
+              <a:t>회사 인식 개선을 위해 기부를 할 수 있습니다</a:t>
+            </a:r>
+            <a:r>
+              <a:rPr lang="en-US" altLang="ko-KR" dirty="0" smtClean="0">
+                <a:solidFill>
+                  <a:srgbClr val="8F8F8F"/>
+                </a:solidFill>
+                <a:latin typeface="나눔고딕" panose="020D0604000000000000" pitchFamily="50" charset="-127"/>
+                <a:ea typeface="나눔고딕" panose="020D0604000000000000" pitchFamily="50" charset="-127"/>
+              </a:rPr>
+              <a:t>.</a:t>
+            </a:r>
+          </a:p>
+          <a:p>
+            <a:pPr marL="0" indent="0">
+              <a:buNone/>
+            </a:pPr>
+            <a:endParaRPr lang="en-US" altLang="ko-KR" dirty="0">
+              <a:solidFill>
+                <a:srgbClr val="4E4E4E"/>
+              </a:solidFill>
+              <a:latin typeface="나눔고딕" panose="020D0604000000000000" pitchFamily="50" charset="-127"/>
+              <a:ea typeface="나눔고딕" panose="020D0604000000000000" pitchFamily="50" charset="-127"/>
+            </a:endParaRPr>
+          </a:p>
+          <a:p>
+            <a:pPr marL="0" indent="0">
+              <a:buNone/>
+            </a:pPr>
+            <a:r>
+              <a:rPr lang="ko-KR" altLang="en-US" b="1" dirty="0" smtClean="0">
+                <a:solidFill>
+                  <a:srgbClr val="4E4E4E"/>
+                </a:solidFill>
+                <a:latin typeface="나눔고딕" panose="020D0604000000000000" pitchFamily="50" charset="-127"/>
+                <a:ea typeface="나눔고딕" panose="020D0604000000000000" pitchFamily="50" charset="-127"/>
+              </a:rPr>
+              <a:t>회사 </a:t>
+            </a:r>
+            <a:r>
+              <a:rPr lang="ko-KR" altLang="en-US" b="1" dirty="0" err="1" smtClean="0">
+                <a:solidFill>
+                  <a:srgbClr val="4E4E4E"/>
+                </a:solidFill>
+                <a:latin typeface="나눔고딕" panose="020D0604000000000000" pitchFamily="50" charset="-127"/>
+                <a:ea typeface="나눔고딕" panose="020D0604000000000000" pitchFamily="50" charset="-127"/>
+              </a:rPr>
+              <a:t>현황판</a:t>
+            </a:r>
+            <a:endParaRPr lang="en-US" altLang="ko-KR" dirty="0">
+              <a:solidFill>
+                <a:srgbClr val="4E4E4E"/>
+              </a:solidFill>
+              <a:latin typeface="나눔고딕" panose="020D0604000000000000" pitchFamily="50" charset="-127"/>
+              <a:ea typeface="나눔고딕" panose="020D0604000000000000" pitchFamily="50" charset="-127"/>
+            </a:endParaRPr>
+          </a:p>
+          <a:p>
+            <a:pPr marL="0" indent="0">
+              <a:buNone/>
+            </a:pPr>
+            <a:r>
+              <a:rPr lang="ko-KR" altLang="en-US" dirty="0" smtClean="0">
+                <a:solidFill>
+                  <a:srgbClr val="8F8F8F"/>
+                </a:solidFill>
+                <a:latin typeface="나눔고딕" panose="020D0604000000000000" pitchFamily="50" charset="-127"/>
+                <a:ea typeface="나눔고딕" panose="020D0604000000000000" pitchFamily="50" charset="-127"/>
+              </a:rPr>
+              <a:t>현재 회사 전체의 </a:t>
+            </a:r>
+            <a:r>
+              <a:rPr lang="ko-KR" altLang="en-US" b="1" dirty="0" smtClean="0">
+                <a:solidFill>
+                  <a:srgbClr val="FFFF00"/>
+                </a:solidFill>
+                <a:effectLst>
+                  <a:outerShdw blurRad="38100" dist="38100" dir="2700000" algn="tl">
+                    <a:srgbClr val="000000">
+                      <a:alpha val="43137"/>
+                    </a:srgbClr>
+                  </a:outerShdw>
+                </a:effectLst>
+                <a:latin typeface="나눔고딕" panose="020D0604000000000000" pitchFamily="50" charset="-127"/>
+                <a:ea typeface="나눔고딕" panose="020D0604000000000000" pitchFamily="50" charset="-127"/>
+              </a:rPr>
+              <a:t>현황</a:t>
+            </a:r>
+            <a:r>
+              <a:rPr lang="ko-KR" altLang="en-US" dirty="0" smtClean="0">
+                <a:solidFill>
+                  <a:srgbClr val="8F8F8F"/>
+                </a:solidFill>
+                <a:latin typeface="나눔고딕" panose="020D0604000000000000" pitchFamily="50" charset="-127"/>
+                <a:ea typeface="나눔고딕" panose="020D0604000000000000" pitchFamily="50" charset="-127"/>
+              </a:rPr>
+              <a:t>을 보여줍니다</a:t>
+            </a:r>
+            <a:r>
+              <a:rPr lang="en-US" altLang="ko-KR" dirty="0" smtClean="0">
+                <a:solidFill>
+                  <a:srgbClr val="8F8F8F"/>
+                </a:solidFill>
+                <a:latin typeface="나눔고딕" panose="020D0604000000000000" pitchFamily="50" charset="-127"/>
+                <a:ea typeface="나눔고딕" panose="020D0604000000000000" pitchFamily="50" charset="-127"/>
+              </a:rPr>
+              <a:t>.</a:t>
+            </a:r>
+          </a:p>
+          <a:p>
+            <a:pPr marL="0" indent="0">
+              <a:buNone/>
+            </a:pPr>
+            <a:r>
+              <a:rPr lang="ko-KR" altLang="en-US" dirty="0" smtClean="0">
+                <a:solidFill>
+                  <a:srgbClr val="8F8F8F"/>
+                </a:solidFill>
+                <a:latin typeface="나눔고딕" panose="020D0604000000000000" pitchFamily="50" charset="-127"/>
+                <a:ea typeface="나눔고딕" panose="020D0604000000000000" pitchFamily="50" charset="-127"/>
+              </a:rPr>
+              <a:t>총 지출</a:t>
+            </a:r>
+            <a:r>
+              <a:rPr lang="en-US" altLang="ko-KR" dirty="0" smtClean="0">
+                <a:solidFill>
+                  <a:srgbClr val="8F8F8F"/>
+                </a:solidFill>
+                <a:latin typeface="나눔고딕" panose="020D0604000000000000" pitchFamily="50" charset="-127"/>
+                <a:ea typeface="나눔고딕" panose="020D0604000000000000" pitchFamily="50" charset="-127"/>
+              </a:rPr>
+              <a:t>, </a:t>
+            </a:r>
+            <a:r>
+              <a:rPr lang="ko-KR" altLang="en-US" dirty="0" smtClean="0">
+                <a:solidFill>
+                  <a:srgbClr val="8F8F8F"/>
+                </a:solidFill>
+                <a:latin typeface="나눔고딕" panose="020D0604000000000000" pitchFamily="50" charset="-127"/>
+                <a:ea typeface="나눔고딕" panose="020D0604000000000000" pitchFamily="50" charset="-127"/>
+              </a:rPr>
+              <a:t>수익</a:t>
+            </a:r>
+            <a:r>
+              <a:rPr lang="en-US" altLang="ko-KR" dirty="0" smtClean="0">
+                <a:solidFill>
+                  <a:srgbClr val="8F8F8F"/>
+                </a:solidFill>
+                <a:latin typeface="나눔고딕" panose="020D0604000000000000" pitchFamily="50" charset="-127"/>
+                <a:ea typeface="나눔고딕" panose="020D0604000000000000" pitchFamily="50" charset="-127"/>
+              </a:rPr>
+              <a:t>, </a:t>
+            </a:r>
+            <a:r>
+              <a:rPr lang="ko-KR" altLang="en-US" dirty="0" smtClean="0">
+                <a:solidFill>
+                  <a:srgbClr val="8F8F8F"/>
+                </a:solidFill>
+                <a:latin typeface="나눔고딕" panose="020D0604000000000000" pitchFamily="50" charset="-127"/>
+                <a:ea typeface="나눔고딕" panose="020D0604000000000000" pitchFamily="50" charset="-127"/>
+              </a:rPr>
+              <a:t>직원 수 등을 볼 수 있습니다</a:t>
+            </a:r>
+            <a:r>
+              <a:rPr lang="en-US" altLang="ko-KR" dirty="0" smtClean="0">
+                <a:solidFill>
+                  <a:srgbClr val="8F8F8F"/>
+                </a:solidFill>
+                <a:latin typeface="나눔고딕" panose="020D0604000000000000" pitchFamily="50" charset="-127"/>
+                <a:ea typeface="나눔고딕" panose="020D0604000000000000" pitchFamily="50" charset="-127"/>
+              </a:rPr>
+              <a:t>.</a:t>
+            </a:r>
+            <a:endParaRPr lang="ko-KR" altLang="en-US" dirty="0">
+              <a:solidFill>
+                <a:srgbClr val="8F8F8F"/>
+              </a:solidFill>
+              <a:latin typeface="나눔고딕" panose="020D0604000000000000" pitchFamily="50" charset="-127"/>
+              <a:ea typeface="나눔고딕" panose="020D0604000000000000" pitchFamily="50" charset="-127"/>
+            </a:endParaRPr>
+          </a:p>
+        </p:txBody>
+      </p:sp>
+      <p:sp>
+        <p:nvSpPr>
+          <p:cNvPr id="8" name="자유형 7"/>
+          <p:cNvSpPr/>
+          <p:nvPr/>
+        </p:nvSpPr>
+        <p:spPr>
+          <a:xfrm rot="5400000">
+            <a:off x="791010" y="1989682"/>
+            <a:ext cx="288000" cy="460800"/>
+          </a:xfrm>
+          <a:custGeom>
+            <a:avLst/>
+            <a:gdLst>
+              <a:gd name="connsiteX0" fmla="*/ 0 w 360000"/>
+              <a:gd name="connsiteY0" fmla="*/ 576000 h 576000"/>
+              <a:gd name="connsiteX1" fmla="*/ 0 w 360000"/>
+              <a:gd name="connsiteY1" fmla="*/ 216000 h 576000"/>
+              <a:gd name="connsiteX2" fmla="*/ 180000 w 360000"/>
+              <a:gd name="connsiteY2" fmla="*/ 0 h 576000"/>
+              <a:gd name="connsiteX3" fmla="*/ 360000 w 360000"/>
+              <a:gd name="connsiteY3" fmla="*/ 216000 h 576000"/>
+              <a:gd name="connsiteX4" fmla="*/ 360000 w 360000"/>
+              <a:gd name="connsiteY4" fmla="*/ 576000 h 576000"/>
+            </a:gdLst>
+            <a:ahLst/>
+            <a:cxnLst>
+              <a:cxn ang="0">
+                <a:pos x="connsiteX0" y="connsiteY0"/>
+              </a:cxn>
+              <a:cxn ang="0">
+                <a:pos x="connsiteX1" y="connsiteY1"/>
+              </a:cxn>
+              <a:cxn ang="0">
+                <a:pos x="connsiteX2" y="connsiteY2"/>
+              </a:cxn>
+              <a:cxn ang="0">
+                <a:pos x="connsiteX3" y="connsiteY3"/>
+              </a:cxn>
+              <a:cxn ang="0">
+                <a:pos x="connsiteX4" y="connsiteY4"/>
+              </a:cxn>
+            </a:cxnLst>
+            <a:rect l="l" t="t" r="r" b="b"/>
+            <a:pathLst>
+              <a:path w="360000" h="576000">
+                <a:moveTo>
+                  <a:pt x="0" y="576000"/>
+                </a:moveTo>
+                <a:lnTo>
+                  <a:pt x="0" y="216000"/>
+                </a:lnTo>
+                <a:lnTo>
+                  <a:pt x="180000" y="0"/>
+                </a:lnTo>
+                <a:lnTo>
+                  <a:pt x="360000" y="216000"/>
+                </a:lnTo>
+                <a:lnTo>
+                  <a:pt x="360000" y="576000"/>
+                </a:lnTo>
+                <a:close/>
+              </a:path>
+            </a:pathLst>
+          </a:custGeom>
+          <a:solidFill>
+            <a:srgbClr val="727272"/>
+          </a:solidFill>
+          <a:ln w="88900" cap="rnd">
+            <a:solidFill>
+              <a:srgbClr val="727272"/>
+            </a:solidFill>
+            <a:round/>
+          </a:ln>
+        </p:spPr>
+        <p:style>
+          <a:lnRef idx="2">
+            <a:schemeClr val="accent1">
+              <a:shade val="50000"/>
+            </a:schemeClr>
+          </a:lnRef>
+          <a:fillRef idx="1">
+            <a:schemeClr val="accent1"/>
+          </a:fillRef>
+          <a:effectRef idx="0">
+            <a:schemeClr val="accent1"/>
+          </a:effectRef>
+          <a:fontRef idx="minor">
+            <a:schemeClr val="lt1"/>
+          </a:fontRef>
+        </p:style>
+        <p:txBody>
+          <a:bodyPr rtlCol="0" anchor="ctr"/>
+          <a:lstStyle/>
+          <a:p>
+            <a:pPr algn="ctr"/>
+            <a:endParaRPr lang="ko-KR" altLang="en-US"/>
+          </a:p>
+        </p:txBody>
+      </p:sp>
+      <p:sp>
+        <p:nvSpPr>
+          <p:cNvPr id="9" name="자유형 8"/>
+          <p:cNvSpPr/>
+          <p:nvPr/>
+        </p:nvSpPr>
+        <p:spPr>
+          <a:xfrm rot="5400000">
+            <a:off x="791010" y="3587423"/>
+            <a:ext cx="288000" cy="460800"/>
+          </a:xfrm>
+          <a:custGeom>
+            <a:avLst/>
+            <a:gdLst>
+              <a:gd name="connsiteX0" fmla="*/ 0 w 360000"/>
+              <a:gd name="connsiteY0" fmla="*/ 576000 h 576000"/>
+              <a:gd name="connsiteX1" fmla="*/ 0 w 360000"/>
+              <a:gd name="connsiteY1" fmla="*/ 216000 h 576000"/>
+              <a:gd name="connsiteX2" fmla="*/ 180000 w 360000"/>
+              <a:gd name="connsiteY2" fmla="*/ 0 h 576000"/>
+              <a:gd name="connsiteX3" fmla="*/ 360000 w 360000"/>
+              <a:gd name="connsiteY3" fmla="*/ 216000 h 576000"/>
+              <a:gd name="connsiteX4" fmla="*/ 360000 w 360000"/>
+              <a:gd name="connsiteY4" fmla="*/ 576000 h 576000"/>
+            </a:gdLst>
+            <a:ahLst/>
+            <a:cxnLst>
+              <a:cxn ang="0">
+                <a:pos x="connsiteX0" y="connsiteY0"/>
+              </a:cxn>
+              <a:cxn ang="0">
+                <a:pos x="connsiteX1" y="connsiteY1"/>
+              </a:cxn>
+              <a:cxn ang="0">
+                <a:pos x="connsiteX2" y="connsiteY2"/>
+              </a:cxn>
+              <a:cxn ang="0">
+                <a:pos x="connsiteX3" y="connsiteY3"/>
+              </a:cxn>
+              <a:cxn ang="0">
+                <a:pos x="connsiteX4" y="connsiteY4"/>
+              </a:cxn>
+            </a:cxnLst>
+            <a:rect l="l" t="t" r="r" b="b"/>
+            <a:pathLst>
+              <a:path w="360000" h="576000">
+                <a:moveTo>
+                  <a:pt x="0" y="576000"/>
+                </a:moveTo>
+                <a:lnTo>
+                  <a:pt x="0" y="216000"/>
+                </a:lnTo>
+                <a:lnTo>
+                  <a:pt x="180000" y="0"/>
+                </a:lnTo>
+                <a:lnTo>
+                  <a:pt x="360000" y="216000"/>
+                </a:lnTo>
+                <a:lnTo>
+                  <a:pt x="360000" y="576000"/>
+                </a:lnTo>
+                <a:close/>
+              </a:path>
+            </a:pathLst>
+          </a:custGeom>
+          <a:solidFill>
+            <a:srgbClr val="727272"/>
+          </a:solidFill>
+          <a:ln w="88900" cap="rnd">
+            <a:solidFill>
+              <a:srgbClr val="727272"/>
+            </a:solidFill>
+            <a:round/>
+          </a:ln>
+        </p:spPr>
+        <p:style>
+          <a:lnRef idx="2">
+            <a:schemeClr val="accent1">
+              <a:shade val="50000"/>
+            </a:schemeClr>
+          </a:lnRef>
+          <a:fillRef idx="1">
+            <a:schemeClr val="accent1"/>
+          </a:fillRef>
+          <a:effectRef idx="0">
+            <a:schemeClr val="accent1"/>
+          </a:effectRef>
+          <a:fontRef idx="minor">
+            <a:schemeClr val="lt1"/>
+          </a:fontRef>
+        </p:style>
+        <p:txBody>
+          <a:bodyPr rtlCol="0" anchor="ctr"/>
+          <a:lstStyle/>
+          <a:p>
+            <a:pPr algn="ctr"/>
+            <a:endParaRPr lang="ko-KR" altLang="en-US"/>
+          </a:p>
+        </p:txBody>
+      </p:sp>
+      <p:sp>
+        <p:nvSpPr>
+          <p:cNvPr id="10" name="자유형 9"/>
+          <p:cNvSpPr/>
+          <p:nvPr/>
+        </p:nvSpPr>
+        <p:spPr>
+          <a:xfrm rot="5400000">
+            <a:off x="791010" y="5204829"/>
+            <a:ext cx="288000" cy="460800"/>
+          </a:xfrm>
+          <a:custGeom>
+            <a:avLst/>
+            <a:gdLst>
+              <a:gd name="connsiteX0" fmla="*/ 0 w 360000"/>
+              <a:gd name="connsiteY0" fmla="*/ 576000 h 576000"/>
+              <a:gd name="connsiteX1" fmla="*/ 0 w 360000"/>
+              <a:gd name="connsiteY1" fmla="*/ 216000 h 576000"/>
+              <a:gd name="connsiteX2" fmla="*/ 180000 w 360000"/>
+              <a:gd name="connsiteY2" fmla="*/ 0 h 576000"/>
+              <a:gd name="connsiteX3" fmla="*/ 360000 w 360000"/>
+              <a:gd name="connsiteY3" fmla="*/ 216000 h 576000"/>
+              <a:gd name="connsiteX4" fmla="*/ 360000 w 360000"/>
+              <a:gd name="connsiteY4" fmla="*/ 576000 h 576000"/>
+            </a:gdLst>
+            <a:ahLst/>
+            <a:cxnLst>
+              <a:cxn ang="0">
+                <a:pos x="connsiteX0" y="connsiteY0"/>
+              </a:cxn>
+              <a:cxn ang="0">
+                <a:pos x="connsiteX1" y="connsiteY1"/>
+              </a:cxn>
+              <a:cxn ang="0">
+                <a:pos x="connsiteX2" y="connsiteY2"/>
+              </a:cxn>
+              <a:cxn ang="0">
+                <a:pos x="connsiteX3" y="connsiteY3"/>
+              </a:cxn>
+              <a:cxn ang="0">
+                <a:pos x="connsiteX4" y="connsiteY4"/>
+              </a:cxn>
+            </a:cxnLst>
+            <a:rect l="l" t="t" r="r" b="b"/>
+            <a:pathLst>
+              <a:path w="360000" h="576000">
+                <a:moveTo>
+                  <a:pt x="0" y="576000"/>
+                </a:moveTo>
+                <a:lnTo>
+                  <a:pt x="0" y="216000"/>
+                </a:lnTo>
+                <a:lnTo>
+                  <a:pt x="180000" y="0"/>
+                </a:lnTo>
+                <a:lnTo>
+                  <a:pt x="360000" y="216000"/>
+                </a:lnTo>
+                <a:lnTo>
+                  <a:pt x="360000" y="576000"/>
+                </a:lnTo>
+                <a:close/>
+              </a:path>
+            </a:pathLst>
+          </a:custGeom>
+          <a:solidFill>
+            <a:srgbClr val="727272"/>
+          </a:solidFill>
+          <a:ln w="88900" cap="rnd">
+            <a:solidFill>
+              <a:srgbClr val="727272"/>
+            </a:solidFill>
+            <a:round/>
+          </a:ln>
+        </p:spPr>
+        <p:style>
+          <a:lnRef idx="2">
+            <a:schemeClr val="accent1">
+              <a:shade val="50000"/>
+            </a:schemeClr>
+          </a:lnRef>
+          <a:fillRef idx="1">
+            <a:schemeClr val="accent1"/>
+          </a:fillRef>
+          <a:effectRef idx="0">
+            <a:schemeClr val="accent1"/>
+          </a:effectRef>
+          <a:fontRef idx="minor">
+            <a:schemeClr val="lt1"/>
+          </a:fontRef>
+        </p:style>
+        <p:txBody>
+          <a:bodyPr rtlCol="0" anchor="ctr"/>
+          <a:lstStyle/>
+          <a:p>
+            <a:pPr algn="ctr"/>
+            <a:endParaRPr lang="ko-KR" altLang="en-US"/>
+          </a:p>
+        </p:txBody>
+      </p:sp>
+      <p:sp>
+        <p:nvSpPr>
+          <p:cNvPr id="11" name="직사각형 10"/>
+          <p:cNvSpPr/>
+          <p:nvPr/>
+        </p:nvSpPr>
+        <p:spPr>
+          <a:xfrm>
+            <a:off x="8603226" y="1354886"/>
+            <a:ext cx="2934527" cy="721196"/>
+          </a:xfrm>
+          <a:prstGeom prst="rect">
+            <a:avLst/>
+          </a:prstGeom>
+          <a:solidFill>
+            <a:srgbClr val="FFEB3B"/>
+          </a:solidFill>
+          <a:ln>
+            <a:noFill/>
+          </a:ln>
+          <a:effectLst>
+            <a:outerShdw blurRad="50800" dist="63500" dir="2700000" algn="tl" rotWithShape="0">
+              <a:prstClr val="black">
+                <a:alpha val="40000"/>
+              </a:prstClr>
+            </a:outerShdw>
+          </a:effectLst>
+        </p:spPr>
+        <p:style>
+          <a:lnRef idx="2">
+            <a:schemeClr val="accent1">
+              <a:shade val="50000"/>
+            </a:schemeClr>
+          </a:lnRef>
+          <a:fillRef idx="1">
+            <a:schemeClr val="accent1"/>
+          </a:fillRef>
+          <a:effectRef idx="0">
+            <a:schemeClr val="accent1"/>
+          </a:effectRef>
+          <a:fontRef idx="minor">
+            <a:schemeClr val="lt1"/>
+          </a:fontRef>
+        </p:style>
+        <p:txBody>
+          <a:bodyPr rtlCol="0" anchor="ctr"/>
+          <a:lstStyle/>
+          <a:p>
+            <a:pPr algn="ctr"/>
+            <a:r>
+              <a:rPr lang="ko-KR" altLang="en-US" sz="3600" b="1" dirty="0" smtClean="0">
+                <a:latin typeface="나눔고딕" panose="020D0604000000000000" pitchFamily="50" charset="-127"/>
+                <a:ea typeface="나눔고딕" panose="020D0604000000000000" pitchFamily="50" charset="-127"/>
+              </a:rPr>
+              <a:t>편의 기능</a:t>
+            </a:r>
+            <a:endParaRPr lang="ko-KR" altLang="en-US" sz="3600" b="1" dirty="0">
+              <a:latin typeface="나눔고딕" panose="020D0604000000000000" pitchFamily="50" charset="-127"/>
+              <a:ea typeface="나눔고딕" panose="020D0604000000000000" pitchFamily="50" charset="-127"/>
+            </a:endParaRPr>
+          </a:p>
+        </p:txBody>
+      </p:sp>
+      <p:pic>
+        <p:nvPicPr>
+          <p:cNvPr id="2" name="그림 1"/>
+          <p:cNvPicPr>
+            <a:picLocks noChangeAspect="1"/>
+          </p:cNvPicPr>
+          <p:nvPr/>
+        </p:nvPicPr>
+        <p:blipFill>
+          <a:blip r:embed="rId2">
+            <a:extLst>
+              <a:ext uri="{28A0092B-C50C-407E-A947-70E740481C1C}">
+                <a14:useLocalDpi xmlns:a14="http://schemas.microsoft.com/office/drawing/2010/main" val="0"/>
+              </a:ext>
+            </a:extLst>
+          </a:blip>
+          <a:stretch>
+            <a:fillRect/>
+          </a:stretch>
+        </p:blipFill>
+        <p:spPr>
+          <a:xfrm>
+            <a:off x="8680253" y="1700980"/>
+            <a:ext cx="2857500" cy="2857500"/>
+          </a:xfrm>
+          <a:prstGeom prst="rect">
+            <a:avLst/>
+          </a:prstGeom>
+        </p:spPr>
+      </p:pic>
+      <p:pic>
+        <p:nvPicPr>
+          <p:cNvPr id="3" name="그림 2"/>
+          <p:cNvPicPr>
+            <a:picLocks noChangeAspect="1"/>
+          </p:cNvPicPr>
+          <p:nvPr/>
+        </p:nvPicPr>
+        <p:blipFill>
+          <a:blip r:embed="rId3">
+            <a:extLst>
+              <a:ext uri="{28A0092B-C50C-407E-A947-70E740481C1C}">
+                <a14:useLocalDpi xmlns:a14="http://schemas.microsoft.com/office/drawing/2010/main" val="0"/>
+              </a:ext>
+            </a:extLst>
+          </a:blip>
+          <a:stretch>
+            <a:fillRect/>
+          </a:stretch>
+        </p:blipFill>
+        <p:spPr>
+          <a:xfrm>
+            <a:off x="8680253" y="3194255"/>
+            <a:ext cx="2857500" cy="2857500"/>
+          </a:xfrm>
+          <a:prstGeom prst="rect">
+            <a:avLst/>
+          </a:prstGeom>
+        </p:spPr>
+      </p:pic>
+      <p:pic>
+        <p:nvPicPr>
+          <p:cNvPr id="4" name="그림 3"/>
+          <p:cNvPicPr>
+            <a:picLocks noChangeAspect="1"/>
+          </p:cNvPicPr>
+          <p:nvPr/>
+        </p:nvPicPr>
+        <p:blipFill>
+          <a:blip r:embed="rId4">
+            <a:extLst>
+              <a:ext uri="{28A0092B-C50C-407E-A947-70E740481C1C}">
+                <a14:useLocalDpi xmlns:a14="http://schemas.microsoft.com/office/drawing/2010/main" val="0"/>
+              </a:ext>
+            </a:extLst>
+          </a:blip>
+          <a:stretch>
+            <a:fillRect/>
+          </a:stretch>
+        </p:blipFill>
+        <p:spPr>
+          <a:xfrm>
+            <a:off x="8680253" y="4687529"/>
+            <a:ext cx="2857500" cy="2857500"/>
+          </a:xfrm>
+          <a:prstGeom prst="rect">
+            <a:avLst/>
+          </a:prstGeom>
+        </p:spPr>
+      </p:pic>
+    </p:spTree>
+    <p:extLst>
+      <p:ext uri="{BB962C8B-B14F-4D97-AF65-F5344CB8AC3E}">
+        <p14:creationId xmlns:p14="http://schemas.microsoft.com/office/powerpoint/2010/main" val="2824671968"/>
+      </p:ext>
+    </p:extLst>
+  </p:cSld>
+  <p:clrMapOvr>
+    <a:masterClrMapping/>
+  </p:clrMapOvr>
+  <p:timing>
+    <p:tnLst>
+      <p:par>
+        <p:cTn id="1" dur="indefinite" restart="never" nodeType="tmRoot">
+          <p:childTnLst>
+            <p:seq concurrent="1" nextAc="seek">
+              <p:cTn id="2" dur="indefinite" nodeType="mainSeq">
+                <p:childTnLst>
+                  <p:par>
+                    <p:cTn id="3" fill="hold">
+                      <p:stCondLst>
+                        <p:cond delay="indefinite"/>
+                      </p:stCondLst>
+                      <p:childTnLst>
+                        <p:par>
+                          <p:cTn id="4" fill="hold">
+                            <p:stCondLst>
+                              <p:cond delay="0"/>
+                            </p:stCondLst>
+                            <p:childTnLst>
+                              <p:par>
+                                <p:cTn id="5" presetID="6" presetClass="entr" presetSubtype="16" fill="hold" grpId="0" nodeType="clickEffect">
+                                  <p:stCondLst>
+                                    <p:cond delay="0"/>
+                                  </p:stCondLst>
+                                  <p:childTnLst>
+                                    <p:set>
+                                      <p:cBhvr>
+                                        <p:cTn id="6" dur="1" fill="hold">
+                                          <p:stCondLst>
+                                            <p:cond delay="0"/>
+                                          </p:stCondLst>
+                                        </p:cTn>
+                                        <p:tgtEl>
+                                          <p:spTgt spid="5"/>
+                                        </p:tgtEl>
+                                        <p:attrNameLst>
+                                          <p:attrName>style.visibility</p:attrName>
+                                        </p:attrNameLst>
+                                      </p:cBhvr>
+                                      <p:to>
+                                        <p:strVal val="visible"/>
+                                      </p:to>
+                                    </p:set>
+                                    <p:animEffect transition="in" filter="circle(in)">
+                                      <p:cBhvr>
+                                        <p:cTn id="7" dur="500"/>
+                                        <p:tgtEl>
+                                          <p:spTgt spid="5"/>
+                                        </p:tgtEl>
+                                      </p:cBhvr>
+                                    </p:animEffect>
+                                  </p:childTnLst>
+                                </p:cTn>
+                              </p:par>
+                            </p:childTnLst>
+                          </p:cTn>
+                        </p:par>
+                      </p:childTnLst>
+                    </p:cTn>
+                  </p:par>
+                  <p:par>
+                    <p:cTn id="8" fill="hold">
+                      <p:stCondLst>
+                        <p:cond delay="indefinite"/>
+                      </p:stCondLst>
+                      <p:childTnLst>
+                        <p:par>
+                          <p:cTn id="9" fill="hold">
+                            <p:stCondLst>
+                              <p:cond delay="0"/>
+                            </p:stCondLst>
+                            <p:childTnLst>
+                              <p:par>
+                                <p:cTn id="10" presetID="42" presetClass="entr" presetSubtype="0" fill="hold" grpId="0" nodeType="clickEffect">
+                                  <p:stCondLst>
+                                    <p:cond delay="0"/>
+                                  </p:stCondLst>
+                                  <p:childTnLst>
+                                    <p:set>
+                                      <p:cBhvr>
+                                        <p:cTn id="11" dur="1" fill="hold">
+                                          <p:stCondLst>
+                                            <p:cond delay="0"/>
+                                          </p:stCondLst>
+                                        </p:cTn>
+                                        <p:tgtEl>
+                                          <p:spTgt spid="11"/>
+                                        </p:tgtEl>
+                                        <p:attrNameLst>
+                                          <p:attrName>style.visibility</p:attrName>
+                                        </p:attrNameLst>
+                                      </p:cBhvr>
+                                      <p:to>
+                                        <p:strVal val="visible"/>
+                                      </p:to>
+                                    </p:set>
+                                    <p:animEffect transition="in" filter="fade">
+                                      <p:cBhvr>
+                                        <p:cTn id="12" dur="750"/>
+                                        <p:tgtEl>
+                                          <p:spTgt spid="11"/>
+                                        </p:tgtEl>
+                                      </p:cBhvr>
+                                    </p:animEffect>
+                                    <p:anim calcmode="lin" valueType="num">
+                                      <p:cBhvr>
+                                        <p:cTn id="13" dur="750" fill="hold"/>
+                                        <p:tgtEl>
+                                          <p:spTgt spid="11"/>
+                                        </p:tgtEl>
+                                        <p:attrNameLst>
+                                          <p:attrName>ppt_x</p:attrName>
+                                        </p:attrNameLst>
+                                      </p:cBhvr>
+                                      <p:tavLst>
+                                        <p:tav tm="0">
+                                          <p:val>
+                                            <p:strVal val="#ppt_x"/>
+                                          </p:val>
+                                        </p:tav>
+                                        <p:tav tm="100000">
+                                          <p:val>
+                                            <p:strVal val="#ppt_x"/>
+                                          </p:val>
+                                        </p:tav>
+                                      </p:tavLst>
+                                    </p:anim>
+                                    <p:anim calcmode="lin" valueType="num">
+                                      <p:cBhvr>
+                                        <p:cTn id="14" dur="750" fill="hold"/>
+                                        <p:tgtEl>
+                                          <p:spTgt spid="11"/>
+                                        </p:tgtEl>
+                                        <p:attrNameLst>
+                                          <p:attrName>ppt_y</p:attrName>
+                                        </p:attrNameLst>
+                                      </p:cBhvr>
+                                      <p:tavLst>
+                                        <p:tav tm="0">
+                                          <p:val>
+                                            <p:strVal val="#ppt_y+.1"/>
+                                          </p:val>
+                                        </p:tav>
+                                        <p:tav tm="100000">
+                                          <p:val>
+                                            <p:strVal val="#ppt_y"/>
+                                          </p:val>
+                                        </p:tav>
+                                      </p:tavLst>
+                                    </p:anim>
+                                  </p:childTnLst>
+                                </p:cTn>
+                              </p:par>
+                              <p:par>
+                                <p:cTn id="15" presetID="45" presetClass="entr" presetSubtype="0" fill="hold" nodeType="withEffect">
+                                  <p:stCondLst>
+                                    <p:cond delay="0"/>
+                                  </p:stCondLst>
+                                  <p:childTnLst>
+                                    <p:set>
+                                      <p:cBhvr>
+                                        <p:cTn id="16" dur="1" fill="hold">
+                                          <p:stCondLst>
+                                            <p:cond delay="0"/>
+                                          </p:stCondLst>
+                                        </p:cTn>
+                                        <p:tgtEl>
+                                          <p:spTgt spid="3"/>
+                                        </p:tgtEl>
+                                        <p:attrNameLst>
+                                          <p:attrName>style.visibility</p:attrName>
+                                        </p:attrNameLst>
+                                      </p:cBhvr>
+                                      <p:to>
+                                        <p:strVal val="visible"/>
+                                      </p:to>
+                                    </p:set>
+                                    <p:animEffect transition="in" filter="fade">
+                                      <p:cBhvr>
+                                        <p:cTn id="17" dur="750"/>
+                                        <p:tgtEl>
+                                          <p:spTgt spid="3"/>
+                                        </p:tgtEl>
+                                      </p:cBhvr>
+                                    </p:animEffect>
+                                    <p:anim calcmode="lin" valueType="num">
+                                      <p:cBhvr>
+                                        <p:cTn id="18" dur="750" fill="hold"/>
+                                        <p:tgtEl>
+                                          <p:spTgt spid="3"/>
+                                        </p:tgtEl>
+                                        <p:attrNameLst>
+                                          <p:attrName>ppt_w</p:attrName>
+                                        </p:attrNameLst>
+                                      </p:cBhvr>
+                                      <p:tavLst>
+                                        <p:tav tm="0" fmla="#ppt_w*sin(2.5*pi*$)">
+                                          <p:val>
+                                            <p:fltVal val="0"/>
+                                          </p:val>
+                                        </p:tav>
+                                        <p:tav tm="100000">
+                                          <p:val>
+                                            <p:fltVal val="1"/>
+                                          </p:val>
+                                        </p:tav>
+                                      </p:tavLst>
+                                    </p:anim>
+                                    <p:anim calcmode="lin" valueType="num">
+                                      <p:cBhvr>
+                                        <p:cTn id="19" dur="750" fill="hold"/>
+                                        <p:tgtEl>
+                                          <p:spTgt spid="3"/>
+                                        </p:tgtEl>
+                                        <p:attrNameLst>
+                                          <p:attrName>ppt_h</p:attrName>
+                                        </p:attrNameLst>
+                                      </p:cBhvr>
+                                      <p:tavLst>
+                                        <p:tav tm="0">
+                                          <p:val>
+                                            <p:strVal val="#ppt_h"/>
+                                          </p:val>
+                                        </p:tav>
+                                        <p:tav tm="100000">
+                                          <p:val>
+                                            <p:strVal val="#ppt_h"/>
+                                          </p:val>
+                                        </p:tav>
+                                      </p:tavLst>
+                                    </p:anim>
+                                  </p:childTnLst>
+                                </p:cTn>
+                              </p:par>
+                              <p:par>
+                                <p:cTn id="20" presetID="45" presetClass="entr" presetSubtype="0" fill="hold" nodeType="withEffect">
+                                  <p:stCondLst>
+                                    <p:cond delay="0"/>
+                                  </p:stCondLst>
+                                  <p:childTnLst>
+                                    <p:set>
+                                      <p:cBhvr>
+                                        <p:cTn id="21" dur="1" fill="hold">
+                                          <p:stCondLst>
+                                            <p:cond delay="0"/>
+                                          </p:stCondLst>
+                                        </p:cTn>
+                                        <p:tgtEl>
+                                          <p:spTgt spid="2"/>
+                                        </p:tgtEl>
+                                        <p:attrNameLst>
+                                          <p:attrName>style.visibility</p:attrName>
+                                        </p:attrNameLst>
+                                      </p:cBhvr>
+                                      <p:to>
+                                        <p:strVal val="visible"/>
+                                      </p:to>
+                                    </p:set>
+                                    <p:animEffect transition="in" filter="fade">
+                                      <p:cBhvr>
+                                        <p:cTn id="22" dur="750"/>
+                                        <p:tgtEl>
+                                          <p:spTgt spid="2"/>
+                                        </p:tgtEl>
+                                      </p:cBhvr>
+                                    </p:animEffect>
+                                    <p:anim calcmode="lin" valueType="num">
+                                      <p:cBhvr>
+                                        <p:cTn id="23" dur="750" fill="hold"/>
+                                        <p:tgtEl>
+                                          <p:spTgt spid="2"/>
+                                        </p:tgtEl>
+                                        <p:attrNameLst>
+                                          <p:attrName>ppt_w</p:attrName>
+                                        </p:attrNameLst>
+                                      </p:cBhvr>
+                                      <p:tavLst>
+                                        <p:tav tm="0" fmla="#ppt_w*sin(2.5*pi*$)">
+                                          <p:val>
+                                            <p:fltVal val="0"/>
+                                          </p:val>
+                                        </p:tav>
+                                        <p:tav tm="100000">
+                                          <p:val>
+                                            <p:fltVal val="1"/>
+                                          </p:val>
+                                        </p:tav>
+                                      </p:tavLst>
+                                    </p:anim>
+                                    <p:anim calcmode="lin" valueType="num">
+                                      <p:cBhvr>
+                                        <p:cTn id="24" dur="750" fill="hold"/>
+                                        <p:tgtEl>
+                                          <p:spTgt spid="2"/>
+                                        </p:tgtEl>
+                                        <p:attrNameLst>
+                                          <p:attrName>ppt_h</p:attrName>
+                                        </p:attrNameLst>
+                                      </p:cBhvr>
+                                      <p:tavLst>
+                                        <p:tav tm="0">
+                                          <p:val>
+                                            <p:strVal val="#ppt_h"/>
+                                          </p:val>
+                                        </p:tav>
+                                        <p:tav tm="100000">
+                                          <p:val>
+                                            <p:strVal val="#ppt_h"/>
+                                          </p:val>
+                                        </p:tav>
+                                      </p:tavLst>
+                                    </p:anim>
+                                  </p:childTnLst>
+                                </p:cTn>
+                              </p:par>
+                              <p:par>
+                                <p:cTn id="25" presetID="45" presetClass="entr" presetSubtype="0" fill="hold" nodeType="withEffect">
+                                  <p:stCondLst>
+                                    <p:cond delay="0"/>
+                                  </p:stCondLst>
+                                  <p:childTnLst>
+                                    <p:set>
+                                      <p:cBhvr>
+                                        <p:cTn id="26" dur="1" fill="hold">
+                                          <p:stCondLst>
+                                            <p:cond delay="0"/>
+                                          </p:stCondLst>
+                                        </p:cTn>
+                                        <p:tgtEl>
+                                          <p:spTgt spid="4"/>
+                                        </p:tgtEl>
+                                        <p:attrNameLst>
+                                          <p:attrName>style.visibility</p:attrName>
+                                        </p:attrNameLst>
+                                      </p:cBhvr>
+                                      <p:to>
+                                        <p:strVal val="visible"/>
+                                      </p:to>
+                                    </p:set>
+                                    <p:animEffect transition="in" filter="fade">
+                                      <p:cBhvr>
+                                        <p:cTn id="27" dur="750"/>
+                                        <p:tgtEl>
+                                          <p:spTgt spid="4"/>
+                                        </p:tgtEl>
+                                      </p:cBhvr>
+                                    </p:animEffect>
+                                    <p:anim calcmode="lin" valueType="num">
+                                      <p:cBhvr>
+                                        <p:cTn id="28" dur="750" fill="hold"/>
+                                        <p:tgtEl>
+                                          <p:spTgt spid="4"/>
+                                        </p:tgtEl>
+                                        <p:attrNameLst>
+                                          <p:attrName>ppt_w</p:attrName>
+                                        </p:attrNameLst>
+                                      </p:cBhvr>
+                                      <p:tavLst>
+                                        <p:tav tm="0" fmla="#ppt_w*sin(2.5*pi*$)">
+                                          <p:val>
+                                            <p:fltVal val="0"/>
+                                          </p:val>
+                                        </p:tav>
+                                        <p:tav tm="100000">
+                                          <p:val>
+                                            <p:fltVal val="1"/>
+                                          </p:val>
+                                        </p:tav>
+                                      </p:tavLst>
+                                    </p:anim>
+                                    <p:anim calcmode="lin" valueType="num">
+                                      <p:cBhvr>
+                                        <p:cTn id="29" dur="750" fill="hold"/>
+                                        <p:tgtEl>
+                                          <p:spTgt spid="4"/>
+                                        </p:tgtEl>
+                                        <p:attrNameLst>
+                                          <p:attrName>ppt_h</p:attrName>
+                                        </p:attrNameLst>
+                                      </p:cBhvr>
+                                      <p:tavLst>
+                                        <p:tav tm="0">
+                                          <p:val>
+                                            <p:strVal val="#ppt_h"/>
+                                          </p:val>
+                                        </p:tav>
+                                        <p:tav tm="100000">
+                                          <p:val>
+                                            <p:strVal val="#ppt_h"/>
+                                          </p:val>
+                                        </p:tav>
+                                      </p:tavLst>
+                                    </p:anim>
+                                  </p:childTnLst>
+                                </p:cTn>
+                              </p:par>
+                            </p:childTnLst>
+                          </p:cTn>
+                        </p:par>
+                      </p:childTnLst>
+                    </p:cTn>
+                  </p:par>
+                  <p:par>
+                    <p:cTn id="30" fill="hold">
+                      <p:stCondLst>
+                        <p:cond delay="indefinite"/>
+                      </p:stCondLst>
+                      <p:childTnLst>
+                        <p:par>
+                          <p:cTn id="31" fill="hold">
+                            <p:stCondLst>
+                              <p:cond delay="0"/>
+                            </p:stCondLst>
+                            <p:childTnLst>
+                              <p:par>
+                                <p:cTn id="32" presetID="2" presetClass="entr" presetSubtype="2" fill="hold" nodeType="clickEffect">
+                                  <p:stCondLst>
+                                    <p:cond delay="0"/>
+                                  </p:stCondLst>
+                                  <p:childTnLst>
+                                    <p:set>
+                                      <p:cBhvr>
+                                        <p:cTn id="33" dur="1" fill="hold">
+                                          <p:stCondLst>
+                                            <p:cond delay="0"/>
+                                          </p:stCondLst>
+                                        </p:cTn>
+                                        <p:tgtEl>
+                                          <p:spTgt spid="7">
+                                            <p:txEl>
+                                              <p:pRg st="0" end="0"/>
+                                            </p:txEl>
+                                          </p:spTgt>
+                                        </p:tgtEl>
+                                        <p:attrNameLst>
+                                          <p:attrName>style.visibility</p:attrName>
+                                        </p:attrNameLst>
+                                      </p:cBhvr>
+                                      <p:to>
+                                        <p:strVal val="visible"/>
+                                      </p:to>
+                                    </p:set>
+                                    <p:anim calcmode="lin" valueType="num">
+                                      <p:cBhvr additive="base">
+                                        <p:cTn id="34" dur="500" fill="hold"/>
+                                        <p:tgtEl>
+                                          <p:spTgt spid="7">
+                                            <p:txEl>
+                                              <p:pRg st="0" end="0"/>
+                                            </p:txEl>
+                                          </p:spTgt>
+                                        </p:tgtEl>
+                                        <p:attrNameLst>
+                                          <p:attrName>ppt_x</p:attrName>
+                                        </p:attrNameLst>
+                                      </p:cBhvr>
+                                      <p:tavLst>
+                                        <p:tav tm="0">
+                                          <p:val>
+                                            <p:strVal val="1+#ppt_w/2"/>
+                                          </p:val>
+                                        </p:tav>
+                                        <p:tav tm="100000">
+                                          <p:val>
+                                            <p:strVal val="#ppt_x"/>
+                                          </p:val>
+                                        </p:tav>
+                                      </p:tavLst>
+                                    </p:anim>
+                                    <p:anim calcmode="lin" valueType="num">
+                                      <p:cBhvr additive="base">
+                                        <p:cTn id="35" dur="500" fill="hold"/>
+                                        <p:tgtEl>
+                                          <p:spTgt spid="7">
+                                            <p:txEl>
+                                              <p:pRg st="0" end="0"/>
+                                            </p:txEl>
+                                          </p:spTgt>
+                                        </p:tgtEl>
+                                        <p:attrNameLst>
+                                          <p:attrName>ppt_y</p:attrName>
+                                        </p:attrNameLst>
+                                      </p:cBhvr>
+                                      <p:tavLst>
+                                        <p:tav tm="0">
+                                          <p:val>
+                                            <p:strVal val="#ppt_y"/>
+                                          </p:val>
+                                        </p:tav>
+                                        <p:tav tm="100000">
+                                          <p:val>
+                                            <p:strVal val="#ppt_y"/>
+                                          </p:val>
+                                        </p:tav>
+                                      </p:tavLst>
+                                    </p:anim>
+                                  </p:childTnLst>
+                                </p:cTn>
+                              </p:par>
+                              <p:par>
+                                <p:cTn id="36" presetID="2" presetClass="entr" presetSubtype="2" fill="hold" nodeType="withEffect">
+                                  <p:stCondLst>
+                                    <p:cond delay="0"/>
+                                  </p:stCondLst>
+                                  <p:childTnLst>
+                                    <p:set>
+                                      <p:cBhvr>
+                                        <p:cTn id="37" dur="1" fill="hold">
+                                          <p:stCondLst>
+                                            <p:cond delay="0"/>
+                                          </p:stCondLst>
+                                        </p:cTn>
+                                        <p:tgtEl>
+                                          <p:spTgt spid="7">
+                                            <p:txEl>
+                                              <p:pRg st="1" end="1"/>
+                                            </p:txEl>
+                                          </p:spTgt>
+                                        </p:tgtEl>
+                                        <p:attrNameLst>
+                                          <p:attrName>style.visibility</p:attrName>
+                                        </p:attrNameLst>
+                                      </p:cBhvr>
+                                      <p:to>
+                                        <p:strVal val="visible"/>
+                                      </p:to>
+                                    </p:set>
+                                    <p:anim calcmode="lin" valueType="num">
+                                      <p:cBhvr additive="base">
+                                        <p:cTn id="38" dur="500" fill="hold"/>
+                                        <p:tgtEl>
+                                          <p:spTgt spid="7">
+                                            <p:txEl>
+                                              <p:pRg st="1" end="1"/>
+                                            </p:txEl>
+                                          </p:spTgt>
+                                        </p:tgtEl>
+                                        <p:attrNameLst>
+                                          <p:attrName>ppt_x</p:attrName>
+                                        </p:attrNameLst>
+                                      </p:cBhvr>
+                                      <p:tavLst>
+                                        <p:tav tm="0">
+                                          <p:val>
+                                            <p:strVal val="1+#ppt_w/2"/>
+                                          </p:val>
+                                        </p:tav>
+                                        <p:tav tm="100000">
+                                          <p:val>
+                                            <p:strVal val="#ppt_x"/>
+                                          </p:val>
+                                        </p:tav>
+                                      </p:tavLst>
+                                    </p:anim>
+                                    <p:anim calcmode="lin" valueType="num">
+                                      <p:cBhvr additive="base">
+                                        <p:cTn id="39" dur="500" fill="hold"/>
+                                        <p:tgtEl>
+                                          <p:spTgt spid="7">
+                                            <p:txEl>
+                                              <p:pRg st="1" end="1"/>
+                                            </p:txEl>
+                                          </p:spTgt>
+                                        </p:tgtEl>
+                                        <p:attrNameLst>
+                                          <p:attrName>ppt_y</p:attrName>
+                                        </p:attrNameLst>
+                                      </p:cBhvr>
+                                      <p:tavLst>
+                                        <p:tav tm="0">
+                                          <p:val>
+                                            <p:strVal val="#ppt_y"/>
+                                          </p:val>
+                                        </p:tav>
+                                        <p:tav tm="100000">
+                                          <p:val>
+                                            <p:strVal val="#ppt_y"/>
+                                          </p:val>
+                                        </p:tav>
+                                      </p:tavLst>
+                                    </p:anim>
+                                  </p:childTnLst>
+                                </p:cTn>
+                              </p:par>
+                              <p:par>
+                                <p:cTn id="40" presetID="2" presetClass="entr" presetSubtype="2" fill="hold" nodeType="withEffect">
+                                  <p:stCondLst>
+                                    <p:cond delay="0"/>
+                                  </p:stCondLst>
+                                  <p:childTnLst>
+                                    <p:set>
+                                      <p:cBhvr>
+                                        <p:cTn id="41" dur="1" fill="hold">
+                                          <p:stCondLst>
+                                            <p:cond delay="0"/>
+                                          </p:stCondLst>
+                                        </p:cTn>
+                                        <p:tgtEl>
+                                          <p:spTgt spid="7">
+                                            <p:txEl>
+                                              <p:pRg st="2" end="2"/>
+                                            </p:txEl>
+                                          </p:spTgt>
+                                        </p:tgtEl>
+                                        <p:attrNameLst>
+                                          <p:attrName>style.visibility</p:attrName>
+                                        </p:attrNameLst>
+                                      </p:cBhvr>
+                                      <p:to>
+                                        <p:strVal val="visible"/>
+                                      </p:to>
+                                    </p:set>
+                                    <p:anim calcmode="lin" valueType="num">
+                                      <p:cBhvr additive="base">
+                                        <p:cTn id="42" dur="500" fill="hold"/>
+                                        <p:tgtEl>
+                                          <p:spTgt spid="7">
+                                            <p:txEl>
+                                              <p:pRg st="2" end="2"/>
+                                            </p:txEl>
+                                          </p:spTgt>
+                                        </p:tgtEl>
+                                        <p:attrNameLst>
+                                          <p:attrName>ppt_x</p:attrName>
+                                        </p:attrNameLst>
+                                      </p:cBhvr>
+                                      <p:tavLst>
+                                        <p:tav tm="0">
+                                          <p:val>
+                                            <p:strVal val="1+#ppt_w/2"/>
+                                          </p:val>
+                                        </p:tav>
+                                        <p:tav tm="100000">
+                                          <p:val>
+                                            <p:strVal val="#ppt_x"/>
+                                          </p:val>
+                                        </p:tav>
+                                      </p:tavLst>
+                                    </p:anim>
+                                    <p:anim calcmode="lin" valueType="num">
+                                      <p:cBhvr additive="base">
+                                        <p:cTn id="43" dur="500" fill="hold"/>
+                                        <p:tgtEl>
+                                          <p:spTgt spid="7">
+                                            <p:txEl>
+                                              <p:pRg st="2" end="2"/>
+                                            </p:txEl>
+                                          </p:spTgt>
+                                        </p:tgtEl>
+                                        <p:attrNameLst>
+                                          <p:attrName>ppt_y</p:attrName>
+                                        </p:attrNameLst>
+                                      </p:cBhvr>
+                                      <p:tavLst>
+                                        <p:tav tm="0">
+                                          <p:val>
+                                            <p:strVal val="#ppt_y"/>
+                                          </p:val>
+                                        </p:tav>
+                                        <p:tav tm="100000">
+                                          <p:val>
+                                            <p:strVal val="#ppt_y"/>
+                                          </p:val>
+                                        </p:tav>
+                                      </p:tavLst>
+                                    </p:anim>
+                                  </p:childTnLst>
+                                </p:cTn>
+                              </p:par>
+                            </p:childTnLst>
+                          </p:cTn>
+                        </p:par>
+                      </p:childTnLst>
+                    </p:cTn>
+                  </p:par>
+                  <p:par>
+                    <p:cTn id="44" fill="hold">
+                      <p:stCondLst>
+                        <p:cond delay="indefinite"/>
+                      </p:stCondLst>
+                      <p:childTnLst>
+                        <p:par>
+                          <p:cTn id="45" fill="hold">
+                            <p:stCondLst>
+                              <p:cond delay="0"/>
+                            </p:stCondLst>
+                            <p:childTnLst>
+                              <p:par>
+                                <p:cTn id="46" presetID="2" presetClass="entr" presetSubtype="2" fill="hold" nodeType="clickEffect">
+                                  <p:stCondLst>
+                                    <p:cond delay="0"/>
+                                  </p:stCondLst>
+                                  <p:childTnLst>
+                                    <p:set>
+                                      <p:cBhvr>
+                                        <p:cTn id="47" dur="1" fill="hold">
+                                          <p:stCondLst>
+                                            <p:cond delay="0"/>
+                                          </p:stCondLst>
+                                        </p:cTn>
+                                        <p:tgtEl>
+                                          <p:spTgt spid="7">
+                                            <p:txEl>
+                                              <p:pRg st="4" end="4"/>
+                                            </p:txEl>
+                                          </p:spTgt>
+                                        </p:tgtEl>
+                                        <p:attrNameLst>
+                                          <p:attrName>style.visibility</p:attrName>
+                                        </p:attrNameLst>
+                                      </p:cBhvr>
+                                      <p:to>
+                                        <p:strVal val="visible"/>
+                                      </p:to>
+                                    </p:set>
+                                    <p:anim calcmode="lin" valueType="num">
+                                      <p:cBhvr additive="base">
+                                        <p:cTn id="48" dur="500" fill="hold"/>
+                                        <p:tgtEl>
+                                          <p:spTgt spid="7">
+                                            <p:txEl>
+                                              <p:pRg st="4" end="4"/>
+                                            </p:txEl>
+                                          </p:spTgt>
+                                        </p:tgtEl>
+                                        <p:attrNameLst>
+                                          <p:attrName>ppt_x</p:attrName>
+                                        </p:attrNameLst>
+                                      </p:cBhvr>
+                                      <p:tavLst>
+                                        <p:tav tm="0">
+                                          <p:val>
+                                            <p:strVal val="1+#ppt_w/2"/>
+                                          </p:val>
+                                        </p:tav>
+                                        <p:tav tm="100000">
+                                          <p:val>
+                                            <p:strVal val="#ppt_x"/>
+                                          </p:val>
+                                        </p:tav>
+                                      </p:tavLst>
+                                    </p:anim>
+                                    <p:anim calcmode="lin" valueType="num">
+                                      <p:cBhvr additive="base">
+                                        <p:cTn id="49" dur="500" fill="hold"/>
+                                        <p:tgtEl>
+                                          <p:spTgt spid="7">
+                                            <p:txEl>
+                                              <p:pRg st="4" end="4"/>
+                                            </p:txEl>
+                                          </p:spTgt>
+                                        </p:tgtEl>
+                                        <p:attrNameLst>
+                                          <p:attrName>ppt_y</p:attrName>
+                                        </p:attrNameLst>
+                                      </p:cBhvr>
+                                      <p:tavLst>
+                                        <p:tav tm="0">
+                                          <p:val>
+                                            <p:strVal val="#ppt_y"/>
+                                          </p:val>
+                                        </p:tav>
+                                        <p:tav tm="100000">
+                                          <p:val>
+                                            <p:strVal val="#ppt_y"/>
+                                          </p:val>
+                                        </p:tav>
+                                      </p:tavLst>
+                                    </p:anim>
+                                  </p:childTnLst>
+                                </p:cTn>
+                              </p:par>
+                              <p:par>
+                                <p:cTn id="50" presetID="2" presetClass="entr" presetSubtype="2" fill="hold" nodeType="withEffect">
+                                  <p:stCondLst>
+                                    <p:cond delay="0"/>
+                                  </p:stCondLst>
+                                  <p:childTnLst>
+                                    <p:set>
+                                      <p:cBhvr>
+                                        <p:cTn id="51" dur="1" fill="hold">
+                                          <p:stCondLst>
+                                            <p:cond delay="0"/>
+                                          </p:stCondLst>
+                                        </p:cTn>
+                                        <p:tgtEl>
+                                          <p:spTgt spid="7">
+                                            <p:txEl>
+                                              <p:pRg st="5" end="5"/>
+                                            </p:txEl>
+                                          </p:spTgt>
+                                        </p:tgtEl>
+                                        <p:attrNameLst>
+                                          <p:attrName>style.visibility</p:attrName>
+                                        </p:attrNameLst>
+                                      </p:cBhvr>
+                                      <p:to>
+                                        <p:strVal val="visible"/>
+                                      </p:to>
+                                    </p:set>
+                                    <p:anim calcmode="lin" valueType="num">
+                                      <p:cBhvr additive="base">
+                                        <p:cTn id="52" dur="500" fill="hold"/>
+                                        <p:tgtEl>
+                                          <p:spTgt spid="7">
+                                            <p:txEl>
+                                              <p:pRg st="5" end="5"/>
+                                            </p:txEl>
+                                          </p:spTgt>
+                                        </p:tgtEl>
+                                        <p:attrNameLst>
+                                          <p:attrName>ppt_x</p:attrName>
+                                        </p:attrNameLst>
+                                      </p:cBhvr>
+                                      <p:tavLst>
+                                        <p:tav tm="0">
+                                          <p:val>
+                                            <p:strVal val="1+#ppt_w/2"/>
+                                          </p:val>
+                                        </p:tav>
+                                        <p:tav tm="100000">
+                                          <p:val>
+                                            <p:strVal val="#ppt_x"/>
+                                          </p:val>
+                                        </p:tav>
+                                      </p:tavLst>
+                                    </p:anim>
+                                    <p:anim calcmode="lin" valueType="num">
+                                      <p:cBhvr additive="base">
+                                        <p:cTn id="53" dur="500" fill="hold"/>
+                                        <p:tgtEl>
+                                          <p:spTgt spid="7">
+                                            <p:txEl>
+                                              <p:pRg st="5" end="5"/>
+                                            </p:txEl>
+                                          </p:spTgt>
+                                        </p:tgtEl>
+                                        <p:attrNameLst>
+                                          <p:attrName>ppt_y</p:attrName>
+                                        </p:attrNameLst>
+                                      </p:cBhvr>
+                                      <p:tavLst>
+                                        <p:tav tm="0">
+                                          <p:val>
+                                            <p:strVal val="#ppt_y"/>
+                                          </p:val>
+                                        </p:tav>
+                                        <p:tav tm="100000">
+                                          <p:val>
+                                            <p:strVal val="#ppt_y"/>
+                                          </p:val>
+                                        </p:tav>
+                                      </p:tavLst>
+                                    </p:anim>
+                                  </p:childTnLst>
+                                </p:cTn>
+                              </p:par>
+                              <p:par>
+                                <p:cTn id="54" presetID="2" presetClass="entr" presetSubtype="2" fill="hold" nodeType="withEffect">
+                                  <p:stCondLst>
+                                    <p:cond delay="0"/>
+                                  </p:stCondLst>
+                                  <p:childTnLst>
+                                    <p:set>
+                                      <p:cBhvr>
+                                        <p:cTn id="55" dur="1" fill="hold">
+                                          <p:stCondLst>
+                                            <p:cond delay="0"/>
+                                          </p:stCondLst>
+                                        </p:cTn>
+                                        <p:tgtEl>
+                                          <p:spTgt spid="7">
+                                            <p:txEl>
+                                              <p:pRg st="6" end="6"/>
+                                            </p:txEl>
+                                          </p:spTgt>
+                                        </p:tgtEl>
+                                        <p:attrNameLst>
+                                          <p:attrName>style.visibility</p:attrName>
+                                        </p:attrNameLst>
+                                      </p:cBhvr>
+                                      <p:to>
+                                        <p:strVal val="visible"/>
+                                      </p:to>
+                                    </p:set>
+                                    <p:anim calcmode="lin" valueType="num">
+                                      <p:cBhvr additive="base">
+                                        <p:cTn id="56" dur="500" fill="hold"/>
+                                        <p:tgtEl>
+                                          <p:spTgt spid="7">
+                                            <p:txEl>
+                                              <p:pRg st="6" end="6"/>
+                                            </p:txEl>
+                                          </p:spTgt>
+                                        </p:tgtEl>
+                                        <p:attrNameLst>
+                                          <p:attrName>ppt_x</p:attrName>
+                                        </p:attrNameLst>
+                                      </p:cBhvr>
+                                      <p:tavLst>
+                                        <p:tav tm="0">
+                                          <p:val>
+                                            <p:strVal val="1+#ppt_w/2"/>
+                                          </p:val>
+                                        </p:tav>
+                                        <p:tav tm="100000">
+                                          <p:val>
+                                            <p:strVal val="#ppt_x"/>
+                                          </p:val>
+                                        </p:tav>
+                                      </p:tavLst>
+                                    </p:anim>
+                                    <p:anim calcmode="lin" valueType="num">
+                                      <p:cBhvr additive="base">
+                                        <p:cTn id="57" dur="500" fill="hold"/>
+                                        <p:tgtEl>
+                                          <p:spTgt spid="7">
+                                            <p:txEl>
+                                              <p:pRg st="6" end="6"/>
+                                            </p:txEl>
+                                          </p:spTgt>
+                                        </p:tgtEl>
+                                        <p:attrNameLst>
+                                          <p:attrName>ppt_y</p:attrName>
+                                        </p:attrNameLst>
+                                      </p:cBhvr>
+                                      <p:tavLst>
+                                        <p:tav tm="0">
+                                          <p:val>
+                                            <p:strVal val="#ppt_y"/>
+                                          </p:val>
+                                        </p:tav>
+                                        <p:tav tm="100000">
+                                          <p:val>
+                                            <p:strVal val="#ppt_y"/>
+                                          </p:val>
+                                        </p:tav>
+                                      </p:tavLst>
+                                    </p:anim>
+                                  </p:childTnLst>
+                                </p:cTn>
+                              </p:par>
+                            </p:childTnLst>
+                          </p:cTn>
+                        </p:par>
+                      </p:childTnLst>
+                    </p:cTn>
+                  </p:par>
+                  <p:par>
+                    <p:cTn id="58" fill="hold">
+                      <p:stCondLst>
+                        <p:cond delay="indefinite"/>
+                      </p:stCondLst>
+                      <p:childTnLst>
+                        <p:par>
+                          <p:cTn id="59" fill="hold">
+                            <p:stCondLst>
+                              <p:cond delay="0"/>
+                            </p:stCondLst>
+                            <p:childTnLst>
+                              <p:par>
+                                <p:cTn id="60" presetID="2" presetClass="entr" presetSubtype="2" fill="hold" nodeType="clickEffect">
+                                  <p:stCondLst>
+                                    <p:cond delay="0"/>
+                                  </p:stCondLst>
+                                  <p:childTnLst>
+                                    <p:set>
+                                      <p:cBhvr>
+                                        <p:cTn id="61" dur="1" fill="hold">
+                                          <p:stCondLst>
+                                            <p:cond delay="0"/>
+                                          </p:stCondLst>
+                                        </p:cTn>
+                                        <p:tgtEl>
+                                          <p:spTgt spid="7">
+                                            <p:txEl>
+                                              <p:pRg st="8" end="8"/>
+                                            </p:txEl>
+                                          </p:spTgt>
+                                        </p:tgtEl>
+                                        <p:attrNameLst>
+                                          <p:attrName>style.visibility</p:attrName>
+                                        </p:attrNameLst>
+                                      </p:cBhvr>
+                                      <p:to>
+                                        <p:strVal val="visible"/>
+                                      </p:to>
+                                    </p:set>
+                                    <p:anim calcmode="lin" valueType="num">
+                                      <p:cBhvr additive="base">
+                                        <p:cTn id="62" dur="500" fill="hold"/>
+                                        <p:tgtEl>
+                                          <p:spTgt spid="7">
+                                            <p:txEl>
+                                              <p:pRg st="8" end="8"/>
+                                            </p:txEl>
+                                          </p:spTgt>
+                                        </p:tgtEl>
+                                        <p:attrNameLst>
+                                          <p:attrName>ppt_x</p:attrName>
+                                        </p:attrNameLst>
+                                      </p:cBhvr>
+                                      <p:tavLst>
+                                        <p:tav tm="0">
+                                          <p:val>
+                                            <p:strVal val="1+#ppt_w/2"/>
+                                          </p:val>
+                                        </p:tav>
+                                        <p:tav tm="100000">
+                                          <p:val>
+                                            <p:strVal val="#ppt_x"/>
+                                          </p:val>
+                                        </p:tav>
+                                      </p:tavLst>
+                                    </p:anim>
+                                    <p:anim calcmode="lin" valueType="num">
+                                      <p:cBhvr additive="base">
+                                        <p:cTn id="63" dur="500" fill="hold"/>
+                                        <p:tgtEl>
+                                          <p:spTgt spid="7">
+                                            <p:txEl>
+                                              <p:pRg st="8" end="8"/>
+                                            </p:txEl>
+                                          </p:spTgt>
+                                        </p:tgtEl>
+                                        <p:attrNameLst>
+                                          <p:attrName>ppt_y</p:attrName>
+                                        </p:attrNameLst>
+                                      </p:cBhvr>
+                                      <p:tavLst>
+                                        <p:tav tm="0">
+                                          <p:val>
+                                            <p:strVal val="#ppt_y"/>
+                                          </p:val>
+                                        </p:tav>
+                                        <p:tav tm="100000">
+                                          <p:val>
+                                            <p:strVal val="#ppt_y"/>
+                                          </p:val>
+                                        </p:tav>
+                                      </p:tavLst>
+                                    </p:anim>
+                                  </p:childTnLst>
+                                </p:cTn>
+                              </p:par>
+                              <p:par>
+                                <p:cTn id="64" presetID="2" presetClass="entr" presetSubtype="2" fill="hold" nodeType="withEffect">
+                                  <p:stCondLst>
+                                    <p:cond delay="0"/>
+                                  </p:stCondLst>
+                                  <p:childTnLst>
+                                    <p:set>
+                                      <p:cBhvr>
+                                        <p:cTn id="65" dur="1" fill="hold">
+                                          <p:stCondLst>
+                                            <p:cond delay="0"/>
+                                          </p:stCondLst>
+                                        </p:cTn>
+                                        <p:tgtEl>
+                                          <p:spTgt spid="7">
+                                            <p:txEl>
+                                              <p:pRg st="9" end="9"/>
+                                            </p:txEl>
+                                          </p:spTgt>
+                                        </p:tgtEl>
+                                        <p:attrNameLst>
+                                          <p:attrName>style.visibility</p:attrName>
+                                        </p:attrNameLst>
+                                      </p:cBhvr>
+                                      <p:to>
+                                        <p:strVal val="visible"/>
+                                      </p:to>
+                                    </p:set>
+                                    <p:anim calcmode="lin" valueType="num">
+                                      <p:cBhvr additive="base">
+                                        <p:cTn id="66" dur="500" fill="hold"/>
+                                        <p:tgtEl>
+                                          <p:spTgt spid="7">
+                                            <p:txEl>
+                                              <p:pRg st="9" end="9"/>
+                                            </p:txEl>
+                                          </p:spTgt>
+                                        </p:tgtEl>
+                                        <p:attrNameLst>
+                                          <p:attrName>ppt_x</p:attrName>
+                                        </p:attrNameLst>
+                                      </p:cBhvr>
+                                      <p:tavLst>
+                                        <p:tav tm="0">
+                                          <p:val>
+                                            <p:strVal val="1+#ppt_w/2"/>
+                                          </p:val>
+                                        </p:tav>
+                                        <p:tav tm="100000">
+                                          <p:val>
+                                            <p:strVal val="#ppt_x"/>
+                                          </p:val>
+                                        </p:tav>
+                                      </p:tavLst>
+                                    </p:anim>
+                                    <p:anim calcmode="lin" valueType="num">
+                                      <p:cBhvr additive="base">
+                                        <p:cTn id="67" dur="500" fill="hold"/>
+                                        <p:tgtEl>
+                                          <p:spTgt spid="7">
+                                            <p:txEl>
+                                              <p:pRg st="9" end="9"/>
+                                            </p:txEl>
+                                          </p:spTgt>
+                                        </p:tgtEl>
+                                        <p:attrNameLst>
+                                          <p:attrName>ppt_y</p:attrName>
+                                        </p:attrNameLst>
+                                      </p:cBhvr>
+                                      <p:tavLst>
+                                        <p:tav tm="0">
+                                          <p:val>
+                                            <p:strVal val="#ppt_y"/>
+                                          </p:val>
+                                        </p:tav>
+                                        <p:tav tm="100000">
+                                          <p:val>
+                                            <p:strVal val="#ppt_y"/>
+                                          </p:val>
+                                        </p:tav>
+                                      </p:tavLst>
+                                    </p:anim>
+                                  </p:childTnLst>
+                                </p:cTn>
+                              </p:par>
+                              <p:par>
+                                <p:cTn id="68" presetID="2" presetClass="entr" presetSubtype="2" fill="hold" nodeType="withEffect">
+                                  <p:stCondLst>
+                                    <p:cond delay="0"/>
+                                  </p:stCondLst>
+                                  <p:childTnLst>
+                                    <p:set>
+                                      <p:cBhvr>
+                                        <p:cTn id="69" dur="1" fill="hold">
+                                          <p:stCondLst>
+                                            <p:cond delay="0"/>
+                                          </p:stCondLst>
+                                        </p:cTn>
+                                        <p:tgtEl>
+                                          <p:spTgt spid="7">
+                                            <p:txEl>
+                                              <p:pRg st="10" end="10"/>
+                                            </p:txEl>
+                                          </p:spTgt>
+                                        </p:tgtEl>
+                                        <p:attrNameLst>
+                                          <p:attrName>style.visibility</p:attrName>
+                                        </p:attrNameLst>
+                                      </p:cBhvr>
+                                      <p:to>
+                                        <p:strVal val="visible"/>
+                                      </p:to>
+                                    </p:set>
+                                    <p:anim calcmode="lin" valueType="num">
+                                      <p:cBhvr additive="base">
+                                        <p:cTn id="70" dur="500" fill="hold"/>
+                                        <p:tgtEl>
+                                          <p:spTgt spid="7">
+                                            <p:txEl>
+                                              <p:pRg st="10" end="10"/>
+                                            </p:txEl>
+                                          </p:spTgt>
+                                        </p:tgtEl>
+                                        <p:attrNameLst>
+                                          <p:attrName>ppt_x</p:attrName>
+                                        </p:attrNameLst>
+                                      </p:cBhvr>
+                                      <p:tavLst>
+                                        <p:tav tm="0">
+                                          <p:val>
+                                            <p:strVal val="1+#ppt_w/2"/>
+                                          </p:val>
+                                        </p:tav>
+                                        <p:tav tm="100000">
+                                          <p:val>
+                                            <p:strVal val="#ppt_x"/>
+                                          </p:val>
+                                        </p:tav>
+                                      </p:tavLst>
+                                    </p:anim>
+                                    <p:anim calcmode="lin" valueType="num">
+                                      <p:cBhvr additive="base">
+                                        <p:cTn id="71" dur="500" fill="hold"/>
                                         <p:tgtEl>
                                           <p:spTgt spid="7">
                                             <p:txEl>

--- a/1조 ppt 발표.pptx
+++ b/1조 ppt 발표.pptx
@@ -10285,8 +10285,8 @@
         </p:nvSpPr>
         <p:spPr>
           <a:xfrm>
-            <a:off x="573932" y="1896475"/>
-            <a:ext cx="11089532" cy="4679423"/>
+            <a:off x="1046284" y="1896475"/>
+            <a:ext cx="10617179" cy="4679423"/>
           </a:xfrm>
           <a:prstGeom prst="rect">
             <a:avLst/>
@@ -10387,20 +10387,18 @@
                 <a:latin typeface="나눔고딕" panose="020D0604000000000000" pitchFamily="50" charset="-127"/>
                 <a:ea typeface="나눔고딕" panose="020D0604000000000000" pitchFamily="50" charset="-127"/>
               </a:rPr>
-              <a:t> 잘 따라와줘서 같이 개발하는 보람이 있었습니다</a:t>
-            </a:r>
-            <a:r>
-              <a:rPr lang="en-US" altLang="ko-KR" sz="2900" dirty="0" smtClean="0">
+              <a:t> 잘 따라와줘서 </a:t>
+            </a:r>
+            <a:r>
+              <a:rPr lang="ko-KR" altLang="en-US" sz="2900" dirty="0" smtClean="0">
                 <a:solidFill>
                   <a:srgbClr val="8F8F8F"/>
                 </a:solidFill>
                 <a:latin typeface="나눔고딕" panose="020D0604000000000000" pitchFamily="50" charset="-127"/>
                 <a:ea typeface="나눔고딕" panose="020D0604000000000000" pitchFamily="50" charset="-127"/>
               </a:rPr>
-              <a:t>.</a:t>
-            </a:r>
-          </a:p>
-          <a:p>
+              <a:t>같이</a:t>
+            </a:r>
             <a:endParaRPr lang="en-US" altLang="ko-KR" sz="2900" dirty="0" smtClean="0">
               <a:solidFill>
                 <a:srgbClr val="8F8F8F"/>
@@ -10411,78 +10409,37 @@
           </a:p>
           <a:p>
             <a:r>
-              <a:rPr lang="ko-KR" altLang="en-US" sz="2900" b="1" dirty="0" smtClean="0">
-                <a:solidFill>
-                  <a:srgbClr val="4E4E4E"/>
-                </a:solidFill>
-                <a:latin typeface="나눔고딕" panose="020D0604000000000000" pitchFamily="50" charset="-127"/>
-                <a:ea typeface="나눔고딕" panose="020D0604000000000000" pitchFamily="50" charset="-127"/>
-              </a:rPr>
-              <a:t>김태윤</a:t>
-            </a:r>
-            <a:r>
-              <a:rPr lang="en-US" altLang="ko-KR" sz="2900" b="1" dirty="0" smtClean="0">
-                <a:solidFill>
-                  <a:srgbClr val="4E4E4E"/>
-                </a:solidFill>
-                <a:latin typeface="나눔고딕" panose="020D0604000000000000" pitchFamily="50" charset="-127"/>
-                <a:ea typeface="나눔고딕" panose="020D0604000000000000" pitchFamily="50" charset="-127"/>
-              </a:rPr>
-              <a:t>(</a:t>
-            </a:r>
-            <a:r>
-              <a:rPr lang="ko-KR" altLang="en-US" sz="2900" b="1" dirty="0" err="1" smtClean="0">
-                <a:solidFill>
-                  <a:srgbClr val="4E4E4E"/>
-                </a:solidFill>
-                <a:latin typeface="나눔고딕" panose="020D0604000000000000" pitchFamily="50" charset="-127"/>
-                <a:ea typeface="나눔고딕" panose="020D0604000000000000" pitchFamily="50" charset="-127"/>
-              </a:rPr>
-              <a:t>가나다라마</a:t>
-            </a:r>
-            <a:r>
-              <a:rPr lang="en-US" altLang="ko-KR" sz="2900" b="1" dirty="0" smtClean="0">
-                <a:solidFill>
-                  <a:srgbClr val="4E4E4E"/>
-                </a:solidFill>
-                <a:latin typeface="나눔고딕" panose="020D0604000000000000" pitchFamily="50" charset="-127"/>
-                <a:ea typeface="나눔고딕" panose="020D0604000000000000" pitchFamily="50" charset="-127"/>
-              </a:rPr>
-              <a:t>) – </a:t>
-            </a:r>
-            <a:r>
-              <a:rPr lang="ko-KR" altLang="en-US" sz="2900" b="1" dirty="0" smtClean="0">
-                <a:solidFill>
-                  <a:srgbClr val="4E4E4E"/>
-                </a:solidFill>
-                <a:latin typeface="나눔고딕" panose="020D0604000000000000" pitchFamily="50" charset="-127"/>
-                <a:ea typeface="나눔고딕" panose="020D0604000000000000" pitchFamily="50" charset="-127"/>
-              </a:rPr>
-              <a:t>프로그래머</a:t>
+              <a:rPr lang="ko-KR" altLang="en-US" sz="2900" dirty="0" smtClean="0">
+                <a:solidFill>
+                  <a:srgbClr val="8F8F8F"/>
+                </a:solidFill>
+                <a:latin typeface="나눔고딕" panose="020D0604000000000000" pitchFamily="50" charset="-127"/>
+                <a:ea typeface="나눔고딕" panose="020D0604000000000000" pitchFamily="50" charset="-127"/>
+              </a:rPr>
+              <a:t>개발하는 </a:t>
+            </a:r>
+            <a:r>
+              <a:rPr lang="ko-KR" altLang="en-US" sz="2900" dirty="0" smtClean="0">
+                <a:solidFill>
+                  <a:srgbClr val="8F8F8F"/>
+                </a:solidFill>
+                <a:latin typeface="나눔고딕" panose="020D0604000000000000" pitchFamily="50" charset="-127"/>
+                <a:ea typeface="나눔고딕" panose="020D0604000000000000" pitchFamily="50" charset="-127"/>
+              </a:rPr>
+              <a:t>보람이 있었습니다</a:t>
             </a:r>
             <a:r>
               <a:rPr lang="en-US" altLang="ko-KR" sz="2900" dirty="0" smtClean="0">
-                <a:latin typeface="나눔고딕" panose="020D0604000000000000" pitchFamily="50" charset="-127"/>
-                <a:ea typeface="나눔고딕" panose="020D0604000000000000" pitchFamily="50" charset="-127"/>
-              </a:rPr>
-              <a:t/>
-            </a:r>
-            <a:br>
-              <a:rPr lang="en-US" altLang="ko-KR" sz="2900" dirty="0" smtClean="0">
-                <a:latin typeface="나눔고딕" panose="020D0604000000000000" pitchFamily="50" charset="-127"/>
-                <a:ea typeface="나눔고딕" panose="020D0604000000000000" pitchFamily="50" charset="-127"/>
-              </a:rPr>
-            </a:br>
-            <a:r>
-              <a:rPr lang="ko-KR" altLang="en-US" sz="2900" dirty="0" smtClean="0">
                 <a:solidFill>
                   <a:srgbClr val="8F8F8F"/>
                 </a:solidFill>
                 <a:latin typeface="나눔고딕" panose="020D0604000000000000" pitchFamily="50" charset="-127"/>
                 <a:ea typeface="나눔고딕" panose="020D0604000000000000" pitchFamily="50" charset="-127"/>
               </a:rPr>
-              <a:t>아</a:t>
-            </a:r>
+              <a:t>.</a:t>
+            </a:r>
+          </a:p>
+          <a:p>
             <a:endParaRPr lang="en-US" altLang="ko-KR" sz="2900" dirty="0" smtClean="0">
               <a:solidFill>
                 <a:srgbClr val="8F8F8F"/>
@@ -10492,6 +10449,89 @@
             </a:endParaRPr>
           </a:p>
           <a:p>
+            <a:r>
+              <a:rPr lang="ko-KR" altLang="en-US" sz="2900" b="1" dirty="0" smtClean="0">
+                <a:solidFill>
+                  <a:srgbClr val="4E4E4E"/>
+                </a:solidFill>
+                <a:latin typeface="나눔고딕" panose="020D0604000000000000" pitchFamily="50" charset="-127"/>
+                <a:ea typeface="나눔고딕" panose="020D0604000000000000" pitchFamily="50" charset="-127"/>
+              </a:rPr>
+              <a:t>김태윤</a:t>
+            </a:r>
+            <a:r>
+              <a:rPr lang="en-US" altLang="ko-KR" sz="2900" b="1" dirty="0" smtClean="0">
+                <a:solidFill>
+                  <a:srgbClr val="4E4E4E"/>
+                </a:solidFill>
+                <a:latin typeface="나눔고딕" panose="020D0604000000000000" pitchFamily="50" charset="-127"/>
+                <a:ea typeface="나눔고딕" panose="020D0604000000000000" pitchFamily="50" charset="-127"/>
+              </a:rPr>
+              <a:t>(</a:t>
+            </a:r>
+            <a:r>
+              <a:rPr lang="ko-KR" altLang="en-US" sz="2900" b="1" dirty="0" err="1" smtClean="0">
+                <a:solidFill>
+                  <a:srgbClr val="4E4E4E"/>
+                </a:solidFill>
+                <a:latin typeface="나눔고딕" panose="020D0604000000000000" pitchFamily="50" charset="-127"/>
+                <a:ea typeface="나눔고딕" panose="020D0604000000000000" pitchFamily="50" charset="-127"/>
+              </a:rPr>
+              <a:t>가나다라마</a:t>
+            </a:r>
+            <a:r>
+              <a:rPr lang="en-US" altLang="ko-KR" sz="2900" b="1" dirty="0" smtClean="0">
+                <a:solidFill>
+                  <a:srgbClr val="4E4E4E"/>
+                </a:solidFill>
+                <a:latin typeface="나눔고딕" panose="020D0604000000000000" pitchFamily="50" charset="-127"/>
+                <a:ea typeface="나눔고딕" panose="020D0604000000000000" pitchFamily="50" charset="-127"/>
+              </a:rPr>
+              <a:t>) – </a:t>
+            </a:r>
+            <a:r>
+              <a:rPr lang="ko-KR" altLang="en-US" sz="2900" b="1" dirty="0" smtClean="0">
+                <a:solidFill>
+                  <a:srgbClr val="4E4E4E"/>
+                </a:solidFill>
+                <a:latin typeface="나눔고딕" panose="020D0604000000000000" pitchFamily="50" charset="-127"/>
+                <a:ea typeface="나눔고딕" panose="020D0604000000000000" pitchFamily="50" charset="-127"/>
+              </a:rPr>
+              <a:t>프로그래머</a:t>
+            </a:r>
+            <a:r>
+              <a:rPr lang="en-US" altLang="ko-KR" sz="2900" dirty="0" smtClean="0">
+                <a:latin typeface="나눔고딕" panose="020D0604000000000000" pitchFamily="50" charset="-127"/>
+                <a:ea typeface="나눔고딕" panose="020D0604000000000000" pitchFamily="50" charset="-127"/>
+              </a:rPr>
+              <a:t/>
+            </a:r>
+            <a:br>
+              <a:rPr lang="en-US" altLang="ko-KR" sz="2900" dirty="0" smtClean="0">
+                <a:latin typeface="나눔고딕" panose="020D0604000000000000" pitchFamily="50" charset="-127"/>
+                <a:ea typeface="나눔고딕" panose="020D0604000000000000" pitchFamily="50" charset="-127"/>
+              </a:rPr>
+            </a:br>
+            <a:r>
+              <a:rPr lang="ko-KR" altLang="en-US" sz="2900" dirty="0" smtClean="0">
+                <a:solidFill>
+                  <a:srgbClr val="8F8F8F"/>
+                </a:solidFill>
+                <a:latin typeface="나눔고딕" panose="020D0604000000000000" pitchFamily="50" charset="-127"/>
+                <a:ea typeface="나눔고딕" panose="020D0604000000000000" pitchFamily="50" charset="-127"/>
+              </a:rPr>
+              <a:t>게임을 만들 때 여러가지 작업이 많고 고되다는 것을 깨달았습니다</a:t>
+            </a:r>
+            <a:r>
+              <a:rPr lang="en-US" altLang="ko-KR" sz="2900" dirty="0" smtClean="0">
+                <a:solidFill>
+                  <a:srgbClr val="8F8F8F"/>
+                </a:solidFill>
+                <a:latin typeface="나눔고딕" panose="020D0604000000000000" pitchFamily="50" charset="-127"/>
+                <a:ea typeface="나눔고딕" panose="020D0604000000000000" pitchFamily="50" charset="-127"/>
+              </a:rPr>
+              <a:t>.</a:t>
+            </a:r>
             <a:endParaRPr lang="en-US" altLang="ko-KR" sz="2900" dirty="0" smtClean="0">
               <a:solidFill>
                 <a:srgbClr val="8F8F8F"/>
@@ -10501,6 +10541,15 @@
             </a:endParaRPr>
           </a:p>
           <a:p>
+            <a:endParaRPr lang="en-US" altLang="ko-KR" sz="2900" dirty="0" smtClean="0">
+              <a:solidFill>
+                <a:srgbClr val="8F8F8F"/>
+              </a:solidFill>
+              <a:latin typeface="나눔고딕" panose="020D0604000000000000" pitchFamily="50" charset="-127"/>
+              <a:ea typeface="나눔고딕" panose="020D0604000000000000" pitchFamily="50" charset="-127"/>
+            </a:endParaRPr>
+          </a:p>
+          <a:p>
             <a:r>
               <a:rPr lang="ko-KR" altLang="en-US" sz="2900" b="1" dirty="0" smtClean="0">
                 <a:solidFill>
@@ -10552,7 +10601,37 @@
                 <a:latin typeface="나눔고딕" panose="020D0604000000000000" pitchFamily="50" charset="-127"/>
                 <a:ea typeface="나눔고딕" panose="020D0604000000000000" pitchFamily="50" charset="-127"/>
               </a:rPr>
-              <a:t>아</a:t>
+              <a:t>픽셀로 그림을 그리는 것은 </a:t>
+            </a:r>
+            <a:r>
+              <a:rPr lang="ko-KR" altLang="en-US" sz="2900" dirty="0" err="1" smtClean="0">
+                <a:solidFill>
+                  <a:srgbClr val="8F8F8F"/>
+                </a:solidFill>
+                <a:latin typeface="나눔고딕" panose="020D0604000000000000" pitchFamily="50" charset="-127"/>
+                <a:ea typeface="나눔고딕" panose="020D0604000000000000" pitchFamily="50" charset="-127"/>
+              </a:rPr>
+              <a:t>처음이였는데</a:t>
+            </a:r>
+            <a:r>
+              <a:rPr lang="ko-KR" altLang="en-US" sz="2900" dirty="0" smtClean="0">
+                <a:solidFill>
+                  <a:srgbClr val="8F8F8F"/>
+                </a:solidFill>
+                <a:latin typeface="나눔고딕" panose="020D0604000000000000" pitchFamily="50" charset="-127"/>
+                <a:ea typeface="나눔고딕" panose="020D0604000000000000" pitchFamily="50" charset="-127"/>
+              </a:rPr>
+              <a:t> 잘 그려져서 좋았습니다</a:t>
+            </a:r>
+            <a:r>
+              <a:rPr lang="en-US" altLang="ko-KR" sz="2900" dirty="0" smtClean="0">
+                <a:solidFill>
+                  <a:srgbClr val="8F8F8F"/>
+                </a:solidFill>
+                <a:latin typeface="나눔고딕" panose="020D0604000000000000" pitchFamily="50" charset="-127"/>
+                <a:ea typeface="나눔고딕" panose="020D0604000000000000" pitchFamily="50" charset="-127"/>
+              </a:rPr>
+              <a:t>.</a:t>
             </a:r>
             <a:endParaRPr lang="ko-KR" altLang="en-US" sz="2800" dirty="0">
               <a:solidFill>
@@ -10561,6 +10640,306 @@
               <a:latin typeface="나눔고딕" panose="020D0604000000000000" pitchFamily="50" charset="-127"/>
               <a:ea typeface="나눔고딕" panose="020D0604000000000000" pitchFamily="50" charset="-127"/>
             </a:endParaRPr>
+          </a:p>
+        </p:txBody>
+      </p:sp>
+      <p:sp>
+        <p:nvSpPr>
+          <p:cNvPr id="6" name="자유형 5"/>
+          <p:cNvSpPr/>
+          <p:nvPr/>
+        </p:nvSpPr>
+        <p:spPr>
+          <a:xfrm rot="5400000">
+            <a:off x="619131" y="2358959"/>
+            <a:ext cx="288000" cy="460800"/>
+          </a:xfrm>
+          <a:custGeom>
+            <a:avLst/>
+            <a:gdLst>
+              <a:gd name="connsiteX0" fmla="*/ 0 w 360000"/>
+              <a:gd name="connsiteY0" fmla="*/ 576000 h 576000"/>
+              <a:gd name="connsiteX1" fmla="*/ 0 w 360000"/>
+              <a:gd name="connsiteY1" fmla="*/ 216000 h 576000"/>
+              <a:gd name="connsiteX2" fmla="*/ 180000 w 360000"/>
+              <a:gd name="connsiteY2" fmla="*/ 0 h 576000"/>
+              <a:gd name="connsiteX3" fmla="*/ 360000 w 360000"/>
+              <a:gd name="connsiteY3" fmla="*/ 216000 h 576000"/>
+              <a:gd name="connsiteX4" fmla="*/ 360000 w 360000"/>
+              <a:gd name="connsiteY4" fmla="*/ 576000 h 576000"/>
+            </a:gdLst>
+            <a:ahLst/>
+            <a:cxnLst>
+              <a:cxn ang="0">
+                <a:pos x="connsiteX0" y="connsiteY0"/>
+              </a:cxn>
+              <a:cxn ang="0">
+                <a:pos x="connsiteX1" y="connsiteY1"/>
+              </a:cxn>
+              <a:cxn ang="0">
+                <a:pos x="connsiteX2" y="connsiteY2"/>
+              </a:cxn>
+              <a:cxn ang="0">
+                <a:pos x="connsiteX3" y="connsiteY3"/>
+              </a:cxn>
+              <a:cxn ang="0">
+                <a:pos x="connsiteX4" y="connsiteY4"/>
+              </a:cxn>
+            </a:cxnLst>
+            <a:rect l="l" t="t" r="r" b="b"/>
+            <a:pathLst>
+              <a:path w="360000" h="576000">
+                <a:moveTo>
+                  <a:pt x="0" y="576000"/>
+                </a:moveTo>
+                <a:lnTo>
+                  <a:pt x="0" y="216000"/>
+                </a:lnTo>
+                <a:lnTo>
+                  <a:pt x="180000" y="0"/>
+                </a:lnTo>
+                <a:lnTo>
+                  <a:pt x="360000" y="216000"/>
+                </a:lnTo>
+                <a:lnTo>
+                  <a:pt x="360000" y="576000"/>
+                </a:lnTo>
+                <a:close/>
+              </a:path>
+            </a:pathLst>
+          </a:custGeom>
+          <a:solidFill>
+            <a:srgbClr val="FFEB3B"/>
+          </a:solidFill>
+          <a:ln w="88900" cap="rnd">
+            <a:solidFill>
+              <a:srgbClr val="FFEB3B"/>
+            </a:solidFill>
+            <a:round/>
+          </a:ln>
+        </p:spPr>
+        <p:style>
+          <a:lnRef idx="2">
+            <a:schemeClr val="accent1">
+              <a:shade val="50000"/>
+            </a:schemeClr>
+          </a:lnRef>
+          <a:fillRef idx="1">
+            <a:schemeClr val="accent1"/>
+          </a:fillRef>
+          <a:effectRef idx="0">
+            <a:schemeClr val="accent1"/>
+          </a:effectRef>
+          <a:fontRef idx="minor">
+            <a:schemeClr val="lt1"/>
+          </a:fontRef>
+        </p:style>
+        <p:txBody>
+          <a:bodyPr rtlCol="0" anchor="ctr"/>
+          <a:lstStyle/>
+          <a:p>
+            <a:pPr algn="ctr"/>
+            <a:endParaRPr lang="ko-KR" altLang="en-US"/>
+          </a:p>
+        </p:txBody>
+      </p:sp>
+      <p:sp>
+        <p:nvSpPr>
+          <p:cNvPr id="7" name="자유형 6"/>
+          <p:cNvSpPr/>
+          <p:nvPr/>
+        </p:nvSpPr>
+        <p:spPr>
+          <a:xfrm rot="5400000">
+            <a:off x="619131" y="4005786"/>
+            <a:ext cx="288000" cy="460800"/>
+          </a:xfrm>
+          <a:custGeom>
+            <a:avLst/>
+            <a:gdLst>
+              <a:gd name="connsiteX0" fmla="*/ 0 w 360000"/>
+              <a:gd name="connsiteY0" fmla="*/ 576000 h 576000"/>
+              <a:gd name="connsiteX1" fmla="*/ 0 w 360000"/>
+              <a:gd name="connsiteY1" fmla="*/ 216000 h 576000"/>
+              <a:gd name="connsiteX2" fmla="*/ 180000 w 360000"/>
+              <a:gd name="connsiteY2" fmla="*/ 0 h 576000"/>
+              <a:gd name="connsiteX3" fmla="*/ 360000 w 360000"/>
+              <a:gd name="connsiteY3" fmla="*/ 216000 h 576000"/>
+              <a:gd name="connsiteX4" fmla="*/ 360000 w 360000"/>
+              <a:gd name="connsiteY4" fmla="*/ 576000 h 576000"/>
+            </a:gdLst>
+            <a:ahLst/>
+            <a:cxnLst>
+              <a:cxn ang="0">
+                <a:pos x="connsiteX0" y="connsiteY0"/>
+              </a:cxn>
+              <a:cxn ang="0">
+                <a:pos x="connsiteX1" y="connsiteY1"/>
+              </a:cxn>
+              <a:cxn ang="0">
+                <a:pos x="connsiteX2" y="connsiteY2"/>
+              </a:cxn>
+              <a:cxn ang="0">
+                <a:pos x="connsiteX3" y="connsiteY3"/>
+              </a:cxn>
+              <a:cxn ang="0">
+                <a:pos x="connsiteX4" y="connsiteY4"/>
+              </a:cxn>
+            </a:cxnLst>
+            <a:rect l="l" t="t" r="r" b="b"/>
+            <a:pathLst>
+              <a:path w="360000" h="576000">
+                <a:moveTo>
+                  <a:pt x="0" y="576000"/>
+                </a:moveTo>
+                <a:lnTo>
+                  <a:pt x="0" y="216000"/>
+                </a:lnTo>
+                <a:lnTo>
+                  <a:pt x="180000" y="0"/>
+                </a:lnTo>
+                <a:lnTo>
+                  <a:pt x="360000" y="216000"/>
+                </a:lnTo>
+                <a:lnTo>
+                  <a:pt x="360000" y="576000"/>
+                </a:lnTo>
+                <a:close/>
+              </a:path>
+            </a:pathLst>
+          </a:custGeom>
+          <a:solidFill>
+            <a:srgbClr val="FFEB3B"/>
+          </a:solidFill>
+          <a:ln w="88900" cap="rnd">
+            <a:solidFill>
+              <a:srgbClr val="FFEB3B"/>
+            </a:solidFill>
+            <a:round/>
+          </a:ln>
+        </p:spPr>
+        <p:style>
+          <a:lnRef idx="2">
+            <a:schemeClr val="accent1">
+              <a:shade val="50000"/>
+            </a:schemeClr>
+          </a:lnRef>
+          <a:fillRef idx="1">
+            <a:schemeClr val="accent1"/>
+          </a:fillRef>
+          <a:effectRef idx="0">
+            <a:schemeClr val="accent1"/>
+          </a:effectRef>
+          <a:fontRef idx="minor">
+            <a:schemeClr val="lt1"/>
+          </a:fontRef>
+        </p:style>
+        <p:txBody>
+          <a:bodyPr rtlCol="0" anchor="ctr"/>
+          <a:lstStyle/>
+          <a:p>
+            <a:pPr algn="ctr"/>
+            <a:endParaRPr lang="ko-KR" altLang="en-US"/>
+          </a:p>
+        </p:txBody>
+      </p:sp>
+      <p:sp>
+        <p:nvSpPr>
+          <p:cNvPr id="8" name="자유형 7"/>
+          <p:cNvSpPr/>
+          <p:nvPr/>
+        </p:nvSpPr>
+        <p:spPr>
+          <a:xfrm rot="5400000">
+            <a:off x="619131" y="5178094"/>
+            <a:ext cx="288000" cy="460800"/>
+          </a:xfrm>
+          <a:custGeom>
+            <a:avLst/>
+            <a:gdLst>
+              <a:gd name="connsiteX0" fmla="*/ 0 w 360000"/>
+              <a:gd name="connsiteY0" fmla="*/ 576000 h 576000"/>
+              <a:gd name="connsiteX1" fmla="*/ 0 w 360000"/>
+              <a:gd name="connsiteY1" fmla="*/ 216000 h 576000"/>
+              <a:gd name="connsiteX2" fmla="*/ 180000 w 360000"/>
+              <a:gd name="connsiteY2" fmla="*/ 0 h 576000"/>
+              <a:gd name="connsiteX3" fmla="*/ 360000 w 360000"/>
+              <a:gd name="connsiteY3" fmla="*/ 216000 h 576000"/>
+              <a:gd name="connsiteX4" fmla="*/ 360000 w 360000"/>
+              <a:gd name="connsiteY4" fmla="*/ 576000 h 576000"/>
+            </a:gdLst>
+            <a:ahLst/>
+            <a:cxnLst>
+              <a:cxn ang="0">
+                <a:pos x="connsiteX0" y="connsiteY0"/>
+              </a:cxn>
+              <a:cxn ang="0">
+                <a:pos x="connsiteX1" y="connsiteY1"/>
+              </a:cxn>
+              <a:cxn ang="0">
+                <a:pos x="connsiteX2" y="connsiteY2"/>
+              </a:cxn>
+              <a:cxn ang="0">
+                <a:pos x="connsiteX3" y="connsiteY3"/>
+              </a:cxn>
+              <a:cxn ang="0">
+                <a:pos x="connsiteX4" y="connsiteY4"/>
+              </a:cxn>
+            </a:cxnLst>
+            <a:rect l="l" t="t" r="r" b="b"/>
+            <a:pathLst>
+              <a:path w="360000" h="576000">
+                <a:moveTo>
+                  <a:pt x="0" y="576000"/>
+                </a:moveTo>
+                <a:lnTo>
+                  <a:pt x="0" y="216000"/>
+                </a:lnTo>
+                <a:lnTo>
+                  <a:pt x="180000" y="0"/>
+                </a:lnTo>
+                <a:lnTo>
+                  <a:pt x="360000" y="216000"/>
+                </a:lnTo>
+                <a:lnTo>
+                  <a:pt x="360000" y="576000"/>
+                </a:lnTo>
+                <a:close/>
+              </a:path>
+            </a:pathLst>
+          </a:custGeom>
+          <a:solidFill>
+            <a:srgbClr val="FFEB3B"/>
+          </a:solidFill>
+          <a:ln w="88900" cap="rnd">
+            <a:solidFill>
+              <a:srgbClr val="FFEB3B"/>
+            </a:solidFill>
+            <a:round/>
+          </a:ln>
+        </p:spPr>
+        <p:style>
+          <a:lnRef idx="2">
+            <a:schemeClr val="accent1">
+              <a:shade val="50000"/>
+            </a:schemeClr>
+          </a:lnRef>
+          <a:fillRef idx="1">
+            <a:schemeClr val="accent1"/>
+          </a:fillRef>
+          <a:effectRef idx="0">
+            <a:schemeClr val="accent1"/>
+          </a:effectRef>
+          <a:fontRef idx="minor">
+            <a:schemeClr val="lt1"/>
+          </a:fontRef>
+        </p:style>
+        <p:txBody>
+          <a:bodyPr rtlCol="0" anchor="ctr"/>
+          <a:lstStyle/>
+          <a:p>
+            <a:pPr algn="ctr"/>
+            <a:endParaRPr lang="ko-KR" altLang="en-US"/>
           </a:p>
         </p:txBody>
       </p:sp>
@@ -10635,6 +11014,105 @@
                       </p:childTnLst>
                     </p:cTn>
                   </p:par>
+                  <p:par>
+                    <p:cTn id="8" fill="hold">
+                      <p:stCondLst>
+                        <p:cond delay="indefinite"/>
+                      </p:stCondLst>
+                      <p:childTnLst>
+                        <p:par>
+                          <p:cTn id="9" fill="hold">
+                            <p:stCondLst>
+                              <p:cond delay="0"/>
+                            </p:stCondLst>
+                            <p:childTnLst>
+                              <p:par>
+                                <p:cTn id="10" presetID="42" presetClass="entr" presetSubtype="0" fill="hold" grpId="0" nodeType="clickEffect">
+                                  <p:stCondLst>
+                                    <p:cond delay="0"/>
+                                  </p:stCondLst>
+                                  <p:childTnLst>
+                                    <p:set>
+                                      <p:cBhvr>
+                                        <p:cTn id="11" dur="1" fill="hold">
+                                          <p:stCondLst>
+                                            <p:cond delay="0"/>
+                                          </p:stCondLst>
+                                        </p:cTn>
+                                        <p:tgtEl>
+                                          <p:spTgt spid="5"/>
+                                        </p:tgtEl>
+                                        <p:attrNameLst>
+                                          <p:attrName>style.visibility</p:attrName>
+                                        </p:attrNameLst>
+                                      </p:cBhvr>
+                                      <p:to>
+                                        <p:strVal val="visible"/>
+                                      </p:to>
+                                    </p:set>
+                                    <p:animEffect transition="in" filter="fade">
+                                      <p:cBhvr>
+                                        <p:cTn id="12" dur="750"/>
+                                        <p:tgtEl>
+                                          <p:spTgt spid="5"/>
+                                        </p:tgtEl>
+                                      </p:cBhvr>
+                                    </p:animEffect>
+                                    <p:anim calcmode="lin" valueType="num">
+                                      <p:cBhvr>
+                                        <p:cTn id="13" dur="750" fill="hold"/>
+                                        <p:tgtEl>
+                                          <p:spTgt spid="5"/>
+                                        </p:tgtEl>
+                                        <p:attrNameLst>
+                                          <p:attrName>ppt_x</p:attrName>
+                                        </p:attrNameLst>
+                                      </p:cBhvr>
+                                      <p:tavLst>
+                                        <p:tav tm="0">
+                                          <p:val>
+                                            <p:strVal val="#ppt_x"/>
+                                          </p:val>
+                                        </p:tav>
+                                        <p:tav tm="100000">
+                                          <p:val>
+                                            <p:strVal val="#ppt_x"/>
+                                          </p:val>
+                                        </p:tav>
+                                      </p:tavLst>
+                                    </p:anim>
+                                    <p:anim calcmode="lin" valueType="num">
+                                      <p:cBhvr>
+                                        <p:cTn id="14" dur="750" fill="hold"/>
+                                        <p:tgtEl>
+                                          <p:spTgt spid="5"/>
+                                        </p:tgtEl>
+                                        <p:attrNameLst>
+                                          <p:attrName>ppt_y</p:attrName>
+                                        </p:attrNameLst>
+                                      </p:cBhvr>
+                                      <p:tavLst>
+                                        <p:tav tm="0">
+                                          <p:val>
+                                            <p:strVal val="#ppt_y+.1"/>
+                                          </p:val>
+                                        </p:tav>
+                                        <p:tav tm="100000">
+                                          <p:val>
+                                            <p:strVal val="#ppt_y"/>
+                                          </p:val>
+                                        </p:tav>
+                                      </p:tavLst>
+                                    </p:anim>
+                                  </p:childTnLst>
+                                </p:cTn>
+                              </p:par>
+                            </p:childTnLst>
+                          </p:cTn>
+                        </p:par>
+                      </p:childTnLst>
+                    </p:cTn>
+                  </p:par>
                 </p:childTnLst>
               </p:cTn>
               <p:prevCondLst>
@@ -10658,6 +11136,7 @@
     </p:tnLst>
     <p:bldLst>
       <p:bldP spid="4" grpId="0"/>
+      <p:bldP spid="5" grpId="0"/>
     </p:bldLst>
   </p:timing>
 </p:sld>
@@ -10751,8 +11230,8 @@
         </p:nvSpPr>
         <p:spPr>
           <a:xfrm>
-            <a:off x="573932" y="1896475"/>
-            <a:ext cx="11089532" cy="4679423"/>
+            <a:off x="888022" y="1896475"/>
+            <a:ext cx="10775441" cy="4679423"/>
           </a:xfrm>
           <a:prstGeom prst="rect">
             <a:avLst/>
@@ -10783,7 +11262,7 @@
           </a:lstStyle>
           <a:p>
             <a:r>
-              <a:rPr lang="ko-KR" altLang="en-US" sz="2900" b="1" dirty="0" err="1" smtClean="0">
+              <a:rPr lang="ko-KR" altLang="en-US" sz="2700" b="1" dirty="0" err="1" smtClean="0">
                 <a:solidFill>
                   <a:srgbClr val="4E4E4E"/>
                 </a:solidFill>
@@ -10793,7 +11272,7 @@
               <a:t>오경준</a:t>
             </a:r>
             <a:r>
-              <a:rPr lang="en-US" altLang="ko-KR" sz="2900" b="1" dirty="0" smtClean="0">
+              <a:rPr lang="en-US" altLang="ko-KR" sz="2700" b="1" dirty="0" smtClean="0">
                 <a:solidFill>
                   <a:srgbClr val="4E4E4E"/>
                 </a:solidFill>
@@ -10803,7 +11282,7 @@
               <a:t>(RYAN) – </a:t>
             </a:r>
             <a:r>
-              <a:rPr lang="ko-KR" altLang="en-US" sz="2900" b="1" dirty="0" smtClean="0">
+              <a:rPr lang="ko-KR" altLang="en-US" sz="2700" b="1" dirty="0" smtClean="0">
                 <a:solidFill>
                   <a:srgbClr val="4E4E4E"/>
                 </a:solidFill>
@@ -10813,29 +11292,59 @@
               <a:t>아트</a:t>
             </a:r>
             <a:r>
-              <a:rPr lang="en-US" altLang="ko-KR" sz="2900" dirty="0" smtClean="0">
+              <a:rPr lang="en-US" altLang="ko-KR" sz="2700" dirty="0" smtClean="0">
                 <a:latin typeface="나눔고딕" panose="020D0604000000000000" pitchFamily="50" charset="-127"/>
                 <a:ea typeface="나눔고딕" panose="020D0604000000000000" pitchFamily="50" charset="-127"/>
               </a:rPr>
               <a:t/>
             </a:r>
             <a:br>
-              <a:rPr lang="en-US" altLang="ko-KR" sz="2900" dirty="0" smtClean="0">
+              <a:rPr lang="en-US" altLang="ko-KR" sz="2700" dirty="0" smtClean="0">
                 <a:latin typeface="나눔고딕" panose="020D0604000000000000" pitchFamily="50" charset="-127"/>
                 <a:ea typeface="나눔고딕" panose="020D0604000000000000" pitchFamily="50" charset="-127"/>
               </a:rPr>
             </a:br>
             <a:r>
-              <a:rPr lang="ko-KR" altLang="en-US" sz="2900" dirty="0" smtClean="0">
+              <a:rPr lang="ko-KR" altLang="en-US" sz="2700" dirty="0" smtClean="0">
                 <a:solidFill>
                   <a:srgbClr val="8F8F8F"/>
                 </a:solidFill>
                 <a:latin typeface="나눔고딕" panose="020D0604000000000000" pitchFamily="50" charset="-127"/>
                 <a:ea typeface="나눔고딕" panose="020D0604000000000000" pitchFamily="50" charset="-127"/>
               </a:rPr>
-              <a:t>아</a:t>
-            </a:r>
-            <a:endParaRPr lang="en-US" altLang="ko-KR" sz="2900" dirty="0" smtClean="0">
+              <a:t>게임을 만드는 과정을 </a:t>
+            </a:r>
+            <a:r>
+              <a:rPr lang="ko-KR" altLang="en-US" sz="2700" dirty="0" err="1" smtClean="0">
+                <a:solidFill>
+                  <a:srgbClr val="8F8F8F"/>
+                </a:solidFill>
+                <a:latin typeface="나눔고딕" panose="020D0604000000000000" pitchFamily="50" charset="-127"/>
+                <a:ea typeface="나눔고딕" panose="020D0604000000000000" pitchFamily="50" charset="-127"/>
+              </a:rPr>
+              <a:t>알게되고</a:t>
+            </a:r>
+            <a:r>
+              <a:rPr lang="ko-KR" altLang="en-US" sz="2700" dirty="0" smtClean="0">
+                <a:solidFill>
+                  <a:srgbClr val="8F8F8F"/>
+                </a:solidFill>
+                <a:latin typeface="나눔고딕" panose="020D0604000000000000" pitchFamily="50" charset="-127"/>
+                <a:ea typeface="나눔고딕" panose="020D0604000000000000" pitchFamily="50" charset="-127"/>
+              </a:rPr>
+              <a:t> 직접 게임을 만들어보니까 더 좋았습니다</a:t>
+            </a:r>
+            <a:r>
+              <a:rPr lang="en-US" altLang="ko-KR" sz="2700" dirty="0" smtClean="0">
+                <a:solidFill>
+                  <a:srgbClr val="8F8F8F"/>
+                </a:solidFill>
+                <a:latin typeface="나눔고딕" panose="020D0604000000000000" pitchFamily="50" charset="-127"/>
+                <a:ea typeface="나눔고딕" panose="020D0604000000000000" pitchFamily="50" charset="-127"/>
+              </a:rPr>
+              <a:t>.</a:t>
+            </a:r>
+            <a:endParaRPr lang="en-US" altLang="ko-KR" sz="2700" dirty="0" smtClean="0">
               <a:solidFill>
                 <a:srgbClr val="8F8F8F"/>
               </a:solidFill>
@@ -10844,7 +11353,7 @@
             </a:endParaRPr>
           </a:p>
           <a:p>
-            <a:endParaRPr lang="en-US" altLang="ko-KR" sz="2900" dirty="0" smtClean="0">
+            <a:endParaRPr lang="en-US" altLang="ko-KR" sz="2700" dirty="0" smtClean="0">
               <a:solidFill>
                 <a:srgbClr val="8F8F8F"/>
               </a:solidFill>
@@ -10854,7 +11363,7 @@
           </a:p>
           <a:p>
             <a:r>
-              <a:rPr lang="ko-KR" altLang="en-US" sz="2900" b="1" dirty="0" smtClean="0">
+              <a:rPr lang="ko-KR" altLang="en-US" sz="2700" b="1" dirty="0" smtClean="0">
                 <a:solidFill>
                   <a:srgbClr val="4E4E4E"/>
                 </a:solidFill>
@@ -10864,7 +11373,7 @@
               <a:t>이윤성</a:t>
             </a:r>
             <a:r>
-              <a:rPr lang="en-US" altLang="ko-KR" sz="2900" b="1" dirty="0" smtClean="0">
+              <a:rPr lang="en-US" altLang="ko-KR" sz="2700" b="1" dirty="0" smtClean="0">
                 <a:solidFill>
                   <a:srgbClr val="4E4E4E"/>
                 </a:solidFill>
@@ -10874,7 +11383,7 @@
               <a:t>(WDP) – </a:t>
             </a:r>
             <a:r>
-              <a:rPr lang="ko-KR" altLang="en-US" sz="2900" b="1" dirty="0" smtClean="0">
+              <a:rPr lang="ko-KR" altLang="en-US" sz="2700" b="1" dirty="0" smtClean="0">
                 <a:solidFill>
                   <a:srgbClr val="4E4E4E"/>
                 </a:solidFill>
@@ -10884,29 +11393,49 @@
               <a:t>기획</a:t>
             </a:r>
             <a:r>
-              <a:rPr lang="en-US" altLang="ko-KR" sz="2900" dirty="0" smtClean="0">
+              <a:rPr lang="en-US" altLang="ko-KR" sz="2700" dirty="0" smtClean="0">
                 <a:latin typeface="나눔고딕" panose="020D0604000000000000" pitchFamily="50" charset="-127"/>
                 <a:ea typeface="나눔고딕" panose="020D0604000000000000" pitchFamily="50" charset="-127"/>
               </a:rPr>
               <a:t/>
             </a:r>
             <a:br>
-              <a:rPr lang="en-US" altLang="ko-KR" sz="2900" dirty="0" smtClean="0">
+              <a:rPr lang="en-US" altLang="ko-KR" sz="2700" dirty="0" smtClean="0">
                 <a:latin typeface="나눔고딕" panose="020D0604000000000000" pitchFamily="50" charset="-127"/>
                 <a:ea typeface="나눔고딕" panose="020D0604000000000000" pitchFamily="50" charset="-127"/>
               </a:rPr>
             </a:br>
             <a:r>
-              <a:rPr lang="ko-KR" altLang="en-US" sz="2900" dirty="0" smtClean="0">
+              <a:rPr lang="ko-KR" altLang="en-US" sz="2700" dirty="0" smtClean="0">
                 <a:solidFill>
                   <a:srgbClr val="8F8F8F"/>
                 </a:solidFill>
                 <a:latin typeface="나눔고딕" panose="020D0604000000000000" pitchFamily="50" charset="-127"/>
                 <a:ea typeface="나눔고딕" panose="020D0604000000000000" pitchFamily="50" charset="-127"/>
               </a:rPr>
-              <a:t>아</a:t>
-            </a:r>
-            <a:endParaRPr lang="en-US" altLang="ko-KR" sz="2900" dirty="0" smtClean="0">
+              <a:t>게임을 만들면서 회사를 운영하고</a:t>
+            </a:r>
+            <a:r>
+              <a:rPr lang="en-US" altLang="ko-KR" sz="2700" dirty="0" smtClean="0">
+                <a:solidFill>
+                  <a:srgbClr val="8F8F8F"/>
+                </a:solidFill>
+                <a:latin typeface="나눔고딕" panose="020D0604000000000000" pitchFamily="50" charset="-127"/>
+                <a:ea typeface="나눔고딕" panose="020D0604000000000000" pitchFamily="50" charset="-127"/>
+              </a:rPr>
+              <a:t>, </a:t>
+            </a:r>
+            <a:r>
+              <a:rPr lang="ko-KR" altLang="en-US" sz="2700" dirty="0" smtClean="0">
+                <a:solidFill>
+                  <a:srgbClr val="8F8F8F"/>
+                </a:solidFill>
+                <a:latin typeface="나눔고딕" panose="020D0604000000000000" pitchFamily="50" charset="-127"/>
+                <a:ea typeface="나눔고딕" panose="020D0604000000000000" pitchFamily="50" charset="-127"/>
+              </a:rPr>
+              <a:t>직원을 고용하는게 얼마나 힘든지</a:t>
+            </a:r>
+            <a:endParaRPr lang="en-US" altLang="ko-KR" sz="2700" dirty="0" smtClean="0">
               <a:solidFill>
                 <a:srgbClr val="8F8F8F"/>
               </a:solidFill>
@@ -10915,7 +11444,27 @@
             </a:endParaRPr>
           </a:p>
           <a:p>
-            <a:endParaRPr lang="en-US" altLang="ko-KR" sz="2900" dirty="0" smtClean="0">
+            <a:r>
+              <a:rPr lang="ko-KR" altLang="en-US" sz="2700" dirty="0" err="1" smtClean="0">
+                <a:solidFill>
+                  <a:srgbClr val="8F8F8F"/>
+                </a:solidFill>
+                <a:latin typeface="나눔고딕" panose="020D0604000000000000" pitchFamily="50" charset="-127"/>
+                <a:ea typeface="나눔고딕" panose="020D0604000000000000" pitchFamily="50" charset="-127"/>
+              </a:rPr>
+              <a:t>알게되었습니다</a:t>
+            </a:r>
+            <a:r>
+              <a:rPr lang="en-US" altLang="ko-KR" sz="2700" dirty="0" smtClean="0">
+                <a:solidFill>
+                  <a:srgbClr val="8F8F8F"/>
+                </a:solidFill>
+                <a:latin typeface="나눔고딕" panose="020D0604000000000000" pitchFamily="50" charset="-127"/>
+                <a:ea typeface="나눔고딕" panose="020D0604000000000000" pitchFamily="50" charset="-127"/>
+              </a:rPr>
+              <a:t>.</a:t>
+            </a:r>
+            <a:endParaRPr lang="en-US" altLang="ko-KR" sz="2700" dirty="0" smtClean="0">
               <a:solidFill>
                 <a:srgbClr val="8F8F8F"/>
               </a:solidFill>
@@ -10924,60 +11473,7 @@
             </a:endParaRPr>
           </a:p>
           <a:p>
-            <a:r>
-              <a:rPr lang="ko-KR" altLang="en-US" sz="2900" b="1" dirty="0" err="1" smtClean="0">
-                <a:solidFill>
-                  <a:srgbClr val="4E4E4E"/>
-                </a:solidFill>
-                <a:latin typeface="나눔고딕" panose="020D0604000000000000" pitchFamily="50" charset="-127"/>
-                <a:ea typeface="나눔고딕" panose="020D0604000000000000" pitchFamily="50" charset="-127"/>
-              </a:rPr>
-              <a:t>최제모</a:t>
-            </a:r>
-            <a:r>
-              <a:rPr lang="en-US" altLang="ko-KR" sz="2900" b="1" dirty="0" smtClean="0">
-                <a:solidFill>
-                  <a:srgbClr val="4E4E4E"/>
-                </a:solidFill>
-                <a:latin typeface="나눔고딕" panose="020D0604000000000000" pitchFamily="50" charset="-127"/>
-                <a:ea typeface="나눔고딕" panose="020D0604000000000000" pitchFamily="50" charset="-127"/>
-              </a:rPr>
-              <a:t>(JM) – </a:t>
-            </a:r>
-            <a:r>
-              <a:rPr lang="ko-KR" altLang="en-US" sz="2900" b="1" dirty="0" smtClean="0">
-                <a:solidFill>
-                  <a:srgbClr val="4E4E4E"/>
-                </a:solidFill>
-                <a:latin typeface="나눔고딕" panose="020D0604000000000000" pitchFamily="50" charset="-127"/>
-                <a:ea typeface="나눔고딕" panose="020D0604000000000000" pitchFamily="50" charset="-127"/>
-              </a:rPr>
-              <a:t>프로그래머</a:t>
-            </a:r>
-            <a:r>
-              <a:rPr lang="en-US" altLang="ko-KR" sz="2900" dirty="0" smtClean="0">
-                <a:latin typeface="나눔고딕" panose="020D0604000000000000" pitchFamily="50" charset="-127"/>
-                <a:ea typeface="나눔고딕" panose="020D0604000000000000" pitchFamily="50" charset="-127"/>
-              </a:rPr>
-              <a:t/>
-            </a:r>
-            <a:br>
-              <a:rPr lang="en-US" altLang="ko-KR" sz="2900" dirty="0" smtClean="0">
-                <a:latin typeface="나눔고딕" panose="020D0604000000000000" pitchFamily="50" charset="-127"/>
-                <a:ea typeface="나눔고딕" panose="020D0604000000000000" pitchFamily="50" charset="-127"/>
-              </a:rPr>
-            </a:br>
-            <a:r>
-              <a:rPr lang="ko-KR" altLang="en-US" sz="2900" dirty="0" smtClean="0">
-                <a:solidFill>
-                  <a:srgbClr val="8F8F8F"/>
-                </a:solidFill>
-                <a:latin typeface="나눔고딕" panose="020D0604000000000000" pitchFamily="50" charset="-127"/>
-                <a:ea typeface="나눔고딕" panose="020D0604000000000000" pitchFamily="50" charset="-127"/>
-              </a:rPr>
-              <a:t>아</a:t>
-            </a:r>
-            <a:endParaRPr lang="en-US" altLang="ko-KR" sz="2900" dirty="0" smtClean="0">
+            <a:endParaRPr lang="en-US" altLang="ko-KR" sz="2700" dirty="0" smtClean="0">
               <a:solidFill>
                 <a:srgbClr val="8F8F8F"/>
               </a:solidFill>
@@ -10986,7 +11482,80 @@
             </a:endParaRPr>
           </a:p>
           <a:p>
-            <a:endParaRPr lang="en-US" altLang="ko-KR" sz="2900" dirty="0">
+            <a:r>
+              <a:rPr lang="ko-KR" altLang="en-US" sz="2700" b="1" dirty="0" err="1" smtClean="0">
+                <a:solidFill>
+                  <a:srgbClr val="4E4E4E"/>
+                </a:solidFill>
+                <a:latin typeface="나눔고딕" panose="020D0604000000000000" pitchFamily="50" charset="-127"/>
+                <a:ea typeface="나눔고딕" panose="020D0604000000000000" pitchFamily="50" charset="-127"/>
+              </a:rPr>
+              <a:t>최제모</a:t>
+            </a:r>
+            <a:r>
+              <a:rPr lang="en-US" altLang="ko-KR" sz="2700" b="1" dirty="0" smtClean="0">
+                <a:solidFill>
+                  <a:srgbClr val="4E4E4E"/>
+                </a:solidFill>
+                <a:latin typeface="나눔고딕" panose="020D0604000000000000" pitchFamily="50" charset="-127"/>
+                <a:ea typeface="나눔고딕" panose="020D0604000000000000" pitchFamily="50" charset="-127"/>
+              </a:rPr>
+              <a:t>(JM) – </a:t>
+            </a:r>
+            <a:r>
+              <a:rPr lang="ko-KR" altLang="en-US" sz="2700" b="1" dirty="0" smtClean="0">
+                <a:solidFill>
+                  <a:srgbClr val="4E4E4E"/>
+                </a:solidFill>
+                <a:latin typeface="나눔고딕" panose="020D0604000000000000" pitchFamily="50" charset="-127"/>
+                <a:ea typeface="나눔고딕" panose="020D0604000000000000" pitchFamily="50" charset="-127"/>
+              </a:rPr>
+              <a:t>프로그래머</a:t>
+            </a:r>
+            <a:r>
+              <a:rPr lang="en-US" altLang="ko-KR" sz="2700" dirty="0" smtClean="0">
+                <a:latin typeface="나눔고딕" panose="020D0604000000000000" pitchFamily="50" charset="-127"/>
+                <a:ea typeface="나눔고딕" panose="020D0604000000000000" pitchFamily="50" charset="-127"/>
+              </a:rPr>
+              <a:t/>
+            </a:r>
+            <a:br>
+              <a:rPr lang="en-US" altLang="ko-KR" sz="2700" dirty="0" smtClean="0">
+                <a:latin typeface="나눔고딕" panose="020D0604000000000000" pitchFamily="50" charset="-127"/>
+                <a:ea typeface="나눔고딕" panose="020D0604000000000000" pitchFamily="50" charset="-127"/>
+              </a:rPr>
+            </a:br>
+            <a:r>
+              <a:rPr lang="ko-KR" altLang="en-US" sz="2700" dirty="0" smtClean="0">
+                <a:solidFill>
+                  <a:srgbClr val="8F8F8F"/>
+                </a:solidFill>
+                <a:latin typeface="나눔고딕" panose="020D0604000000000000" pitchFamily="50" charset="-127"/>
+                <a:ea typeface="나눔고딕" panose="020D0604000000000000" pitchFamily="50" charset="-127"/>
+              </a:rPr>
+              <a:t>게임을 만드는 과정이 힘들고 고된 작업이라는 것을 </a:t>
+            </a:r>
+            <a:r>
+              <a:rPr lang="ko-KR" altLang="en-US" sz="2700" dirty="0" err="1" smtClean="0">
+                <a:solidFill>
+                  <a:srgbClr val="8F8F8F"/>
+                </a:solidFill>
+                <a:latin typeface="나눔고딕" panose="020D0604000000000000" pitchFamily="50" charset="-127"/>
+                <a:ea typeface="나눔고딕" panose="020D0604000000000000" pitchFamily="50" charset="-127"/>
+              </a:rPr>
+              <a:t>알게되었습니다</a:t>
+            </a:r>
+            <a:r>
+              <a:rPr lang="en-US" altLang="ko-KR" sz="2700" dirty="0" smtClean="0">
+                <a:solidFill>
+                  <a:srgbClr val="8F8F8F"/>
+                </a:solidFill>
+                <a:latin typeface="나눔고딕" panose="020D0604000000000000" pitchFamily="50" charset="-127"/>
+                <a:ea typeface="나눔고딕" panose="020D0604000000000000" pitchFamily="50" charset="-127"/>
+              </a:rPr>
+              <a:t>.^^</a:t>
+            </a:r>
+            <a:endParaRPr lang="en-US" altLang="ko-KR" sz="2700" dirty="0" smtClean="0">
               <a:solidFill>
                 <a:srgbClr val="8F8F8F"/>
               </a:solidFill>
@@ -10995,76 +11564,505 @@
             </a:endParaRPr>
           </a:p>
           <a:p>
-            <a:r>
-              <a:rPr lang="ko-KR" altLang="en-US" sz="2900" b="1" dirty="0" smtClean="0">
-                <a:solidFill>
-                  <a:srgbClr val="4E4E4E"/>
-                </a:solidFill>
-                <a:latin typeface="나눔고딕" panose="020D0604000000000000" pitchFamily="50" charset="-127"/>
-                <a:ea typeface="나눔고딕" panose="020D0604000000000000" pitchFamily="50" charset="-127"/>
-              </a:rPr>
-              <a:t>한승주</a:t>
-            </a:r>
-            <a:r>
-              <a:rPr lang="en-US" altLang="ko-KR" sz="2900" b="1" dirty="0" smtClean="0">
-                <a:solidFill>
-                  <a:srgbClr val="4E4E4E"/>
-                </a:solidFill>
-                <a:latin typeface="나눔고딕" panose="020D0604000000000000" pitchFamily="50" charset="-127"/>
-                <a:ea typeface="나눔고딕" panose="020D0604000000000000" pitchFamily="50" charset="-127"/>
-              </a:rPr>
-              <a:t>(MADA) </a:t>
-            </a:r>
-            <a:r>
-              <a:rPr lang="en-US" altLang="ko-KR" sz="2900" b="1" dirty="0">
-                <a:solidFill>
-                  <a:srgbClr val="4E4E4E"/>
-                </a:solidFill>
-                <a:latin typeface="나눔고딕" panose="020D0604000000000000" pitchFamily="50" charset="-127"/>
-                <a:ea typeface="나눔고딕" panose="020D0604000000000000" pitchFamily="50" charset="-127"/>
-              </a:rPr>
-              <a:t>– </a:t>
-            </a:r>
-            <a:r>
-              <a:rPr lang="ko-KR" altLang="en-US" sz="2900" b="1" dirty="0">
-                <a:solidFill>
-                  <a:srgbClr val="4E4E4E"/>
-                </a:solidFill>
-                <a:latin typeface="나눔고딕" panose="020D0604000000000000" pitchFamily="50" charset="-127"/>
-                <a:ea typeface="나눔고딕" panose="020D0604000000000000" pitchFamily="50" charset="-127"/>
-              </a:rPr>
-              <a:t>프로그래머</a:t>
-            </a:r>
-            <a:r>
-              <a:rPr lang="en-US" altLang="ko-KR" sz="2900" dirty="0">
-                <a:latin typeface="나눔고딕" panose="020D0604000000000000" pitchFamily="50" charset="-127"/>
-                <a:ea typeface="나눔고딕" panose="020D0604000000000000" pitchFamily="50" charset="-127"/>
-              </a:rPr>
-              <a:t/>
-            </a:r>
-            <a:br>
-              <a:rPr lang="en-US" altLang="ko-KR" sz="2900" dirty="0">
-                <a:latin typeface="나눔고딕" panose="020D0604000000000000" pitchFamily="50" charset="-127"/>
-                <a:ea typeface="나눔고딕" panose="020D0604000000000000" pitchFamily="50" charset="-127"/>
-              </a:rPr>
-            </a:br>
-            <a:r>
-              <a:rPr lang="ko-KR" altLang="en-US" sz="2900" dirty="0" smtClean="0">
-                <a:solidFill>
-                  <a:srgbClr val="8F8F8F"/>
-                </a:solidFill>
-                <a:latin typeface="나눔고딕" panose="020D0604000000000000" pitchFamily="50" charset="-127"/>
-                <a:ea typeface="나눔고딕" panose="020D0604000000000000" pitchFamily="50" charset="-127"/>
-              </a:rPr>
-              <a:t>아</a:t>
-            </a:r>
-            <a:endParaRPr lang="ko-KR" altLang="en-US" sz="2800" dirty="0">
+            <a:endParaRPr lang="en-US" altLang="ko-KR" sz="2700" dirty="0">
               <a:solidFill>
                 <a:srgbClr val="8F8F8F"/>
               </a:solidFill>
               <a:latin typeface="나눔고딕" panose="020D0604000000000000" pitchFamily="50" charset="-127"/>
               <a:ea typeface="나눔고딕" panose="020D0604000000000000" pitchFamily="50" charset="-127"/>
             </a:endParaRPr>
+          </a:p>
+          <a:p>
+            <a:r>
+              <a:rPr lang="ko-KR" altLang="en-US" sz="2700" b="1" dirty="0" smtClean="0">
+                <a:solidFill>
+                  <a:srgbClr val="4E4E4E"/>
+                </a:solidFill>
+                <a:latin typeface="나눔고딕" panose="020D0604000000000000" pitchFamily="50" charset="-127"/>
+                <a:ea typeface="나눔고딕" panose="020D0604000000000000" pitchFamily="50" charset="-127"/>
+              </a:rPr>
+              <a:t>한승주</a:t>
+            </a:r>
+            <a:r>
+              <a:rPr lang="en-US" altLang="ko-KR" sz="2700" b="1" dirty="0" smtClean="0">
+                <a:solidFill>
+                  <a:srgbClr val="4E4E4E"/>
+                </a:solidFill>
+                <a:latin typeface="나눔고딕" panose="020D0604000000000000" pitchFamily="50" charset="-127"/>
+                <a:ea typeface="나눔고딕" panose="020D0604000000000000" pitchFamily="50" charset="-127"/>
+              </a:rPr>
+              <a:t>(MADA) </a:t>
+            </a:r>
+            <a:r>
+              <a:rPr lang="en-US" altLang="ko-KR" sz="2700" b="1" dirty="0">
+                <a:solidFill>
+                  <a:srgbClr val="4E4E4E"/>
+                </a:solidFill>
+                <a:latin typeface="나눔고딕" panose="020D0604000000000000" pitchFamily="50" charset="-127"/>
+                <a:ea typeface="나눔고딕" panose="020D0604000000000000" pitchFamily="50" charset="-127"/>
+              </a:rPr>
+              <a:t>– </a:t>
+            </a:r>
+            <a:r>
+              <a:rPr lang="ko-KR" altLang="en-US" sz="2700" b="1" dirty="0">
+                <a:solidFill>
+                  <a:srgbClr val="4E4E4E"/>
+                </a:solidFill>
+                <a:latin typeface="나눔고딕" panose="020D0604000000000000" pitchFamily="50" charset="-127"/>
+                <a:ea typeface="나눔고딕" panose="020D0604000000000000" pitchFamily="50" charset="-127"/>
+              </a:rPr>
+              <a:t>프로그래머</a:t>
+            </a:r>
+            <a:r>
+              <a:rPr lang="en-US" altLang="ko-KR" sz="2700" dirty="0">
+                <a:latin typeface="나눔고딕" panose="020D0604000000000000" pitchFamily="50" charset="-127"/>
+                <a:ea typeface="나눔고딕" panose="020D0604000000000000" pitchFamily="50" charset="-127"/>
+              </a:rPr>
+              <a:t/>
+            </a:r>
+            <a:br>
+              <a:rPr lang="en-US" altLang="ko-KR" sz="2700" dirty="0">
+                <a:latin typeface="나눔고딕" panose="020D0604000000000000" pitchFamily="50" charset="-127"/>
+                <a:ea typeface="나눔고딕" panose="020D0604000000000000" pitchFamily="50" charset="-127"/>
+              </a:rPr>
+            </a:br>
+            <a:r>
+              <a:rPr lang="ko-KR" altLang="en-US" sz="2700" dirty="0" smtClean="0">
+                <a:solidFill>
+                  <a:srgbClr val="8F8F8F"/>
+                </a:solidFill>
+                <a:latin typeface="나눔고딕" panose="020D0604000000000000" pitchFamily="50" charset="-127"/>
+                <a:ea typeface="나눔고딕" panose="020D0604000000000000" pitchFamily="50" charset="-127"/>
+              </a:rPr>
+              <a:t>프로그래밍이 쉽지 않다는 것을 </a:t>
+            </a:r>
+            <a:r>
+              <a:rPr lang="ko-KR" altLang="en-US" sz="2700" dirty="0" err="1" smtClean="0">
+                <a:solidFill>
+                  <a:srgbClr val="8F8F8F"/>
+                </a:solidFill>
+                <a:latin typeface="나눔고딕" panose="020D0604000000000000" pitchFamily="50" charset="-127"/>
+                <a:ea typeface="나눔고딕" panose="020D0604000000000000" pitchFamily="50" charset="-127"/>
+              </a:rPr>
+              <a:t>알게되었습니다</a:t>
+            </a:r>
+            <a:r>
+              <a:rPr lang="en-US" altLang="ko-KR" sz="2700" dirty="0" smtClean="0">
+                <a:solidFill>
+                  <a:srgbClr val="8F8F8F"/>
+                </a:solidFill>
+                <a:latin typeface="나눔고딕" panose="020D0604000000000000" pitchFamily="50" charset="-127"/>
+                <a:ea typeface="나눔고딕" panose="020D0604000000000000" pitchFamily="50" charset="-127"/>
+              </a:rPr>
+              <a:t>.</a:t>
+            </a:r>
+            <a:endParaRPr lang="ko-KR" altLang="en-US" sz="2700" dirty="0">
+              <a:solidFill>
+                <a:srgbClr val="8F8F8F"/>
+              </a:solidFill>
+              <a:latin typeface="나눔고딕" panose="020D0604000000000000" pitchFamily="50" charset="-127"/>
+              <a:ea typeface="나눔고딕" panose="020D0604000000000000" pitchFamily="50" charset="-127"/>
+            </a:endParaRPr>
+          </a:p>
+        </p:txBody>
+      </p:sp>
+      <p:sp>
+        <p:nvSpPr>
+          <p:cNvPr id="6" name="자유형 5"/>
+          <p:cNvSpPr/>
+          <p:nvPr/>
+        </p:nvSpPr>
+        <p:spPr>
+          <a:xfrm rot="5400000">
+            <a:off x="478455" y="1954508"/>
+            <a:ext cx="288000" cy="460800"/>
+          </a:xfrm>
+          <a:custGeom>
+            <a:avLst/>
+            <a:gdLst>
+              <a:gd name="connsiteX0" fmla="*/ 0 w 360000"/>
+              <a:gd name="connsiteY0" fmla="*/ 576000 h 576000"/>
+              <a:gd name="connsiteX1" fmla="*/ 0 w 360000"/>
+              <a:gd name="connsiteY1" fmla="*/ 216000 h 576000"/>
+              <a:gd name="connsiteX2" fmla="*/ 180000 w 360000"/>
+              <a:gd name="connsiteY2" fmla="*/ 0 h 576000"/>
+              <a:gd name="connsiteX3" fmla="*/ 360000 w 360000"/>
+              <a:gd name="connsiteY3" fmla="*/ 216000 h 576000"/>
+              <a:gd name="connsiteX4" fmla="*/ 360000 w 360000"/>
+              <a:gd name="connsiteY4" fmla="*/ 576000 h 576000"/>
+            </a:gdLst>
+            <a:ahLst/>
+            <a:cxnLst>
+              <a:cxn ang="0">
+                <a:pos x="connsiteX0" y="connsiteY0"/>
+              </a:cxn>
+              <a:cxn ang="0">
+                <a:pos x="connsiteX1" y="connsiteY1"/>
+              </a:cxn>
+              <a:cxn ang="0">
+                <a:pos x="connsiteX2" y="connsiteY2"/>
+              </a:cxn>
+              <a:cxn ang="0">
+                <a:pos x="connsiteX3" y="connsiteY3"/>
+              </a:cxn>
+              <a:cxn ang="0">
+                <a:pos x="connsiteX4" y="connsiteY4"/>
+              </a:cxn>
+            </a:cxnLst>
+            <a:rect l="l" t="t" r="r" b="b"/>
+            <a:pathLst>
+              <a:path w="360000" h="576000">
+                <a:moveTo>
+                  <a:pt x="0" y="576000"/>
+                </a:moveTo>
+                <a:lnTo>
+                  <a:pt x="0" y="216000"/>
+                </a:lnTo>
+                <a:lnTo>
+                  <a:pt x="180000" y="0"/>
+                </a:lnTo>
+                <a:lnTo>
+                  <a:pt x="360000" y="216000"/>
+                </a:lnTo>
+                <a:lnTo>
+                  <a:pt x="360000" y="576000"/>
+                </a:lnTo>
+                <a:close/>
+              </a:path>
+            </a:pathLst>
+          </a:custGeom>
+          <a:solidFill>
+            <a:srgbClr val="FFEB3B"/>
+          </a:solidFill>
+          <a:ln w="88900" cap="rnd">
+            <a:solidFill>
+              <a:srgbClr val="FFEB3B"/>
+            </a:solidFill>
+            <a:round/>
+          </a:ln>
+        </p:spPr>
+        <p:style>
+          <a:lnRef idx="2">
+            <a:schemeClr val="accent1">
+              <a:shade val="50000"/>
+            </a:schemeClr>
+          </a:lnRef>
+          <a:fillRef idx="1">
+            <a:schemeClr val="accent1"/>
+          </a:fillRef>
+          <a:effectRef idx="0">
+            <a:schemeClr val="accent1"/>
+          </a:effectRef>
+          <a:fontRef idx="minor">
+            <a:schemeClr val="lt1"/>
+          </a:fontRef>
+        </p:style>
+        <p:txBody>
+          <a:bodyPr rtlCol="0" anchor="ctr"/>
+          <a:lstStyle/>
+          <a:p>
+            <a:pPr algn="ctr"/>
+            <a:endParaRPr lang="ko-KR" altLang="en-US"/>
+          </a:p>
+        </p:txBody>
+      </p:sp>
+      <p:sp>
+        <p:nvSpPr>
+          <p:cNvPr id="7" name="자유형 6"/>
+          <p:cNvSpPr/>
+          <p:nvPr/>
+        </p:nvSpPr>
+        <p:spPr>
+          <a:xfrm rot="5400000">
+            <a:off x="478455" y="3091380"/>
+            <a:ext cx="288000" cy="460800"/>
+          </a:xfrm>
+          <a:custGeom>
+            <a:avLst/>
+            <a:gdLst>
+              <a:gd name="connsiteX0" fmla="*/ 0 w 360000"/>
+              <a:gd name="connsiteY0" fmla="*/ 576000 h 576000"/>
+              <a:gd name="connsiteX1" fmla="*/ 0 w 360000"/>
+              <a:gd name="connsiteY1" fmla="*/ 216000 h 576000"/>
+              <a:gd name="connsiteX2" fmla="*/ 180000 w 360000"/>
+              <a:gd name="connsiteY2" fmla="*/ 0 h 576000"/>
+              <a:gd name="connsiteX3" fmla="*/ 360000 w 360000"/>
+              <a:gd name="connsiteY3" fmla="*/ 216000 h 576000"/>
+              <a:gd name="connsiteX4" fmla="*/ 360000 w 360000"/>
+              <a:gd name="connsiteY4" fmla="*/ 576000 h 576000"/>
+            </a:gdLst>
+            <a:ahLst/>
+            <a:cxnLst>
+              <a:cxn ang="0">
+                <a:pos x="connsiteX0" y="connsiteY0"/>
+              </a:cxn>
+              <a:cxn ang="0">
+                <a:pos x="connsiteX1" y="connsiteY1"/>
+              </a:cxn>
+              <a:cxn ang="0">
+                <a:pos x="connsiteX2" y="connsiteY2"/>
+              </a:cxn>
+              <a:cxn ang="0">
+                <a:pos x="connsiteX3" y="connsiteY3"/>
+              </a:cxn>
+              <a:cxn ang="0">
+                <a:pos x="connsiteX4" y="connsiteY4"/>
+              </a:cxn>
+            </a:cxnLst>
+            <a:rect l="l" t="t" r="r" b="b"/>
+            <a:pathLst>
+              <a:path w="360000" h="576000">
+                <a:moveTo>
+                  <a:pt x="0" y="576000"/>
+                </a:moveTo>
+                <a:lnTo>
+                  <a:pt x="0" y="216000"/>
+                </a:lnTo>
+                <a:lnTo>
+                  <a:pt x="180000" y="0"/>
+                </a:lnTo>
+                <a:lnTo>
+                  <a:pt x="360000" y="216000"/>
+                </a:lnTo>
+                <a:lnTo>
+                  <a:pt x="360000" y="576000"/>
+                </a:lnTo>
+                <a:close/>
+              </a:path>
+            </a:pathLst>
+          </a:custGeom>
+          <a:solidFill>
+            <a:srgbClr val="FFEB3B"/>
+          </a:solidFill>
+          <a:ln w="88900" cap="rnd">
+            <a:solidFill>
+              <a:srgbClr val="FFEB3B"/>
+            </a:solidFill>
+            <a:round/>
+          </a:ln>
+        </p:spPr>
+        <p:style>
+          <a:lnRef idx="2">
+            <a:schemeClr val="accent1">
+              <a:shade val="50000"/>
+            </a:schemeClr>
+          </a:lnRef>
+          <a:fillRef idx="1">
+            <a:schemeClr val="accent1"/>
+          </a:fillRef>
+          <a:effectRef idx="0">
+            <a:schemeClr val="accent1"/>
+          </a:effectRef>
+          <a:fontRef idx="minor">
+            <a:schemeClr val="lt1"/>
+          </a:fontRef>
+        </p:style>
+        <p:txBody>
+          <a:bodyPr rtlCol="0" anchor="ctr"/>
+          <a:lstStyle/>
+          <a:p>
+            <a:pPr algn="ctr"/>
+            <a:endParaRPr lang="ko-KR" altLang="en-US"/>
+          </a:p>
+        </p:txBody>
+      </p:sp>
+      <p:sp>
+        <p:nvSpPr>
+          <p:cNvPr id="8" name="자유형 7"/>
+          <p:cNvSpPr/>
+          <p:nvPr/>
+        </p:nvSpPr>
+        <p:spPr>
+          <a:xfrm rot="5400000">
+            <a:off x="478455" y="4562626"/>
+            <a:ext cx="288000" cy="460800"/>
+          </a:xfrm>
+          <a:custGeom>
+            <a:avLst/>
+            <a:gdLst>
+              <a:gd name="connsiteX0" fmla="*/ 0 w 360000"/>
+              <a:gd name="connsiteY0" fmla="*/ 576000 h 576000"/>
+              <a:gd name="connsiteX1" fmla="*/ 0 w 360000"/>
+              <a:gd name="connsiteY1" fmla="*/ 216000 h 576000"/>
+              <a:gd name="connsiteX2" fmla="*/ 180000 w 360000"/>
+              <a:gd name="connsiteY2" fmla="*/ 0 h 576000"/>
+              <a:gd name="connsiteX3" fmla="*/ 360000 w 360000"/>
+              <a:gd name="connsiteY3" fmla="*/ 216000 h 576000"/>
+              <a:gd name="connsiteX4" fmla="*/ 360000 w 360000"/>
+              <a:gd name="connsiteY4" fmla="*/ 576000 h 576000"/>
+            </a:gdLst>
+            <a:ahLst/>
+            <a:cxnLst>
+              <a:cxn ang="0">
+                <a:pos x="connsiteX0" y="connsiteY0"/>
+              </a:cxn>
+              <a:cxn ang="0">
+                <a:pos x="connsiteX1" y="connsiteY1"/>
+              </a:cxn>
+              <a:cxn ang="0">
+                <a:pos x="connsiteX2" y="connsiteY2"/>
+              </a:cxn>
+              <a:cxn ang="0">
+                <a:pos x="connsiteX3" y="connsiteY3"/>
+              </a:cxn>
+              <a:cxn ang="0">
+                <a:pos x="connsiteX4" y="connsiteY4"/>
+              </a:cxn>
+            </a:cxnLst>
+            <a:rect l="l" t="t" r="r" b="b"/>
+            <a:pathLst>
+              <a:path w="360000" h="576000">
+                <a:moveTo>
+                  <a:pt x="0" y="576000"/>
+                </a:moveTo>
+                <a:lnTo>
+                  <a:pt x="0" y="216000"/>
+                </a:lnTo>
+                <a:lnTo>
+                  <a:pt x="180000" y="0"/>
+                </a:lnTo>
+                <a:lnTo>
+                  <a:pt x="360000" y="216000"/>
+                </a:lnTo>
+                <a:lnTo>
+                  <a:pt x="360000" y="576000"/>
+                </a:lnTo>
+                <a:close/>
+              </a:path>
+            </a:pathLst>
+          </a:custGeom>
+          <a:solidFill>
+            <a:srgbClr val="FFEB3B"/>
+          </a:solidFill>
+          <a:ln w="88900" cap="rnd">
+            <a:solidFill>
+              <a:srgbClr val="FFEB3B"/>
+            </a:solidFill>
+            <a:round/>
+          </a:ln>
+        </p:spPr>
+        <p:style>
+          <a:lnRef idx="2">
+            <a:schemeClr val="accent1">
+              <a:shade val="50000"/>
+            </a:schemeClr>
+          </a:lnRef>
+          <a:fillRef idx="1">
+            <a:schemeClr val="accent1"/>
+          </a:fillRef>
+          <a:effectRef idx="0">
+            <a:schemeClr val="accent1"/>
+          </a:effectRef>
+          <a:fontRef idx="minor">
+            <a:schemeClr val="lt1"/>
+          </a:fontRef>
+        </p:style>
+        <p:txBody>
+          <a:bodyPr rtlCol="0" anchor="ctr"/>
+          <a:lstStyle/>
+          <a:p>
+            <a:pPr algn="ctr"/>
+            <a:endParaRPr lang="ko-KR" altLang="en-US"/>
+          </a:p>
+        </p:txBody>
+      </p:sp>
+      <p:sp>
+        <p:nvSpPr>
+          <p:cNvPr id="9" name="자유형 8"/>
+          <p:cNvSpPr/>
+          <p:nvPr/>
+        </p:nvSpPr>
+        <p:spPr>
+          <a:xfrm rot="5400000">
+            <a:off x="478455" y="5655802"/>
+            <a:ext cx="288000" cy="460800"/>
+          </a:xfrm>
+          <a:custGeom>
+            <a:avLst/>
+            <a:gdLst>
+              <a:gd name="connsiteX0" fmla="*/ 0 w 360000"/>
+              <a:gd name="connsiteY0" fmla="*/ 576000 h 576000"/>
+              <a:gd name="connsiteX1" fmla="*/ 0 w 360000"/>
+              <a:gd name="connsiteY1" fmla="*/ 216000 h 576000"/>
+              <a:gd name="connsiteX2" fmla="*/ 180000 w 360000"/>
+              <a:gd name="connsiteY2" fmla="*/ 0 h 576000"/>
+              <a:gd name="connsiteX3" fmla="*/ 360000 w 360000"/>
+              <a:gd name="connsiteY3" fmla="*/ 216000 h 576000"/>
+              <a:gd name="connsiteX4" fmla="*/ 360000 w 360000"/>
+              <a:gd name="connsiteY4" fmla="*/ 576000 h 576000"/>
+            </a:gdLst>
+            <a:ahLst/>
+            <a:cxnLst>
+              <a:cxn ang="0">
+                <a:pos x="connsiteX0" y="connsiteY0"/>
+              </a:cxn>
+              <a:cxn ang="0">
+                <a:pos x="connsiteX1" y="connsiteY1"/>
+              </a:cxn>
+              <a:cxn ang="0">
+                <a:pos x="connsiteX2" y="connsiteY2"/>
+              </a:cxn>
+              <a:cxn ang="0">
+                <a:pos x="connsiteX3" y="connsiteY3"/>
+              </a:cxn>
+              <a:cxn ang="0">
+                <a:pos x="connsiteX4" y="connsiteY4"/>
+              </a:cxn>
+            </a:cxnLst>
+            <a:rect l="l" t="t" r="r" b="b"/>
+            <a:pathLst>
+              <a:path w="360000" h="576000">
+                <a:moveTo>
+                  <a:pt x="0" y="576000"/>
+                </a:moveTo>
+                <a:lnTo>
+                  <a:pt x="0" y="216000"/>
+                </a:lnTo>
+                <a:lnTo>
+                  <a:pt x="180000" y="0"/>
+                </a:lnTo>
+                <a:lnTo>
+                  <a:pt x="360000" y="216000"/>
+                </a:lnTo>
+                <a:lnTo>
+                  <a:pt x="360000" y="576000"/>
+                </a:lnTo>
+                <a:close/>
+              </a:path>
+            </a:pathLst>
+          </a:custGeom>
+          <a:solidFill>
+            <a:srgbClr val="FFEB3B"/>
+          </a:solidFill>
+          <a:ln w="88900" cap="rnd">
+            <a:solidFill>
+              <a:srgbClr val="FFEB3B"/>
+            </a:solidFill>
+            <a:round/>
+          </a:ln>
+        </p:spPr>
+        <p:style>
+          <a:lnRef idx="2">
+            <a:schemeClr val="accent1">
+              <a:shade val="50000"/>
+            </a:schemeClr>
+          </a:lnRef>
+          <a:fillRef idx="1">
+            <a:schemeClr val="accent1"/>
+          </a:fillRef>
+          <a:effectRef idx="0">
+            <a:schemeClr val="accent1"/>
+          </a:effectRef>
+          <a:fontRef idx="minor">
+            <a:schemeClr val="lt1"/>
+          </a:fontRef>
+        </p:style>
+        <p:txBody>
+          <a:bodyPr rtlCol="0" anchor="ctr"/>
+          <a:lstStyle/>
+          <a:p>
+            <a:pPr algn="ctr"/>
+            <a:endParaRPr lang="ko-KR" altLang="en-US"/>
           </a:p>
         </p:txBody>
       </p:sp>
@@ -11139,6 +12137,105 @@
                       </p:childTnLst>
                     </p:cTn>
                   </p:par>
+                  <p:par>
+                    <p:cTn id="8" fill="hold">
+                      <p:stCondLst>
+                        <p:cond delay="indefinite"/>
+                      </p:stCondLst>
+                      <p:childTnLst>
+                        <p:par>
+                          <p:cTn id="9" fill="hold">
+                            <p:stCondLst>
+                              <p:cond delay="0"/>
+                            </p:stCondLst>
+                            <p:childTnLst>
+                              <p:par>
+                                <p:cTn id="10" presetID="47" presetClass="entr" presetSubtype="0" fill="hold" grpId="0" nodeType="clickEffect">
+                                  <p:stCondLst>
+                                    <p:cond delay="0"/>
+                                  </p:stCondLst>
+                                  <p:childTnLst>
+                                    <p:set>
+                                      <p:cBhvr>
+                                        <p:cTn id="11" dur="1" fill="hold">
+                                          <p:stCondLst>
+                                            <p:cond delay="0"/>
+                                          </p:stCondLst>
+                                        </p:cTn>
+                                        <p:tgtEl>
+                                          <p:spTgt spid="5"/>
+                                        </p:tgtEl>
+                                        <p:attrNameLst>
+                                          <p:attrName>style.visibility</p:attrName>
+                                        </p:attrNameLst>
+                                      </p:cBhvr>
+                                      <p:to>
+                                        <p:strVal val="visible"/>
+                                      </p:to>
+                                    </p:set>
+                                    <p:animEffect transition="in" filter="fade">
+                                      <p:cBhvr>
+                                        <p:cTn id="12" dur="750"/>
+                                        <p:tgtEl>
+                                          <p:spTgt spid="5"/>
+                                        </p:tgtEl>
+                                      </p:cBhvr>
+                                    </p:animEffect>
+                                    <p:anim calcmode="lin" valueType="num">
+                                      <p:cBhvr>
+                                        <p:cTn id="13" dur="750" fill="hold"/>
+                                        <p:tgtEl>
+                                          <p:spTgt spid="5"/>
+                                        </p:tgtEl>
+                                        <p:attrNameLst>
+                                          <p:attrName>ppt_x</p:attrName>
+                                        </p:attrNameLst>
+                                      </p:cBhvr>
+                                      <p:tavLst>
+                                        <p:tav tm="0">
+                                          <p:val>
+                                            <p:strVal val="#ppt_x"/>
+                                          </p:val>
+                                        </p:tav>
+                                        <p:tav tm="100000">
+                                          <p:val>
+                                            <p:strVal val="#ppt_x"/>
+                                          </p:val>
+                                        </p:tav>
+                                      </p:tavLst>
+                                    </p:anim>
+                                    <p:anim calcmode="lin" valueType="num">
+                                      <p:cBhvr>
+                                        <p:cTn id="14" dur="750" fill="hold"/>
+                                        <p:tgtEl>
+                                          <p:spTgt spid="5"/>
+                                        </p:tgtEl>
+                                        <p:attrNameLst>
+                                          <p:attrName>ppt_y</p:attrName>
+                                        </p:attrNameLst>
+                                      </p:cBhvr>
+                                      <p:tavLst>
+                                        <p:tav tm="0">
+                                          <p:val>
+                                            <p:strVal val="#ppt_y-.1"/>
+                                          </p:val>
+                                        </p:tav>
+                                        <p:tav tm="100000">
+                                          <p:val>
+                                            <p:strVal val="#ppt_y"/>
+                                          </p:val>
+                                        </p:tav>
+                                      </p:tavLst>
+                                    </p:anim>
+                                  </p:childTnLst>
+                                </p:cTn>
+                              </p:par>
+                            </p:childTnLst>
+                          </p:cTn>
+                        </p:par>
+                      </p:childTnLst>
+                    </p:cTn>
+                  </p:par>
                 </p:childTnLst>
               </p:cTn>
               <p:prevCondLst>
@@ -11162,6 +12259,7 @@
     </p:tnLst>
     <p:bldLst>
       <p:bldP spid="4" grpId="0"/>
+      <p:bldP spid="5" grpId="0"/>
     </p:bldLst>
   </p:timing>
 </p:sld>

--- a/1조 ppt 발표.pptx
+++ b/1조 ppt 발표.pptx
@@ -3020,7 +3020,7 @@
           <a:p>
             <a:fld id="{854B8C7C-6E31-426F-8F34-C8F8AB49591C}" type="datetimeFigureOut">
               <a:rPr lang="ko-KR" altLang="en-US" smtClean="0"/>
-              <a:t>2019-08-27</a:t>
+              <a:t>2019-08-28</a:t>
             </a:fld>
             <a:endParaRPr lang="ko-KR" altLang="en-US"/>
           </a:p>
@@ -3190,7 +3190,7 @@
           <a:p>
             <a:fld id="{854B8C7C-6E31-426F-8F34-C8F8AB49591C}" type="datetimeFigureOut">
               <a:rPr lang="ko-KR" altLang="en-US" smtClean="0"/>
-              <a:t>2019-08-27</a:t>
+              <a:t>2019-08-28</a:t>
             </a:fld>
             <a:endParaRPr lang="ko-KR" altLang="en-US"/>
           </a:p>
@@ -3370,7 +3370,7 @@
           <a:p>
             <a:fld id="{854B8C7C-6E31-426F-8F34-C8F8AB49591C}" type="datetimeFigureOut">
               <a:rPr lang="ko-KR" altLang="en-US" smtClean="0"/>
-              <a:t>2019-08-27</a:t>
+              <a:t>2019-08-28</a:t>
             </a:fld>
             <a:endParaRPr lang="ko-KR" altLang="en-US"/>
           </a:p>
@@ -3540,7 +3540,7 @@
           <a:p>
             <a:fld id="{854B8C7C-6E31-426F-8F34-C8F8AB49591C}" type="datetimeFigureOut">
               <a:rPr lang="ko-KR" altLang="en-US" smtClean="0"/>
-              <a:t>2019-08-27</a:t>
+              <a:t>2019-08-28</a:t>
             </a:fld>
             <a:endParaRPr lang="ko-KR" altLang="en-US"/>
           </a:p>
@@ -3786,7 +3786,7 @@
           <a:p>
             <a:fld id="{854B8C7C-6E31-426F-8F34-C8F8AB49591C}" type="datetimeFigureOut">
               <a:rPr lang="ko-KR" altLang="en-US" smtClean="0"/>
-              <a:t>2019-08-27</a:t>
+              <a:t>2019-08-28</a:t>
             </a:fld>
             <a:endParaRPr lang="ko-KR" altLang="en-US"/>
           </a:p>
@@ -4018,7 +4018,7 @@
           <a:p>
             <a:fld id="{854B8C7C-6E31-426F-8F34-C8F8AB49591C}" type="datetimeFigureOut">
               <a:rPr lang="ko-KR" altLang="en-US" smtClean="0"/>
-              <a:t>2019-08-27</a:t>
+              <a:t>2019-08-28</a:t>
             </a:fld>
             <a:endParaRPr lang="ko-KR" altLang="en-US"/>
           </a:p>
@@ -4385,7 +4385,7 @@
           <a:p>
             <a:fld id="{854B8C7C-6E31-426F-8F34-C8F8AB49591C}" type="datetimeFigureOut">
               <a:rPr lang="ko-KR" altLang="en-US" smtClean="0"/>
-              <a:t>2019-08-27</a:t>
+              <a:t>2019-08-28</a:t>
             </a:fld>
             <a:endParaRPr lang="ko-KR" altLang="en-US"/>
           </a:p>
@@ -4503,7 +4503,7 @@
           <a:p>
             <a:fld id="{854B8C7C-6E31-426F-8F34-C8F8AB49591C}" type="datetimeFigureOut">
               <a:rPr lang="ko-KR" altLang="en-US" smtClean="0"/>
-              <a:t>2019-08-27</a:t>
+              <a:t>2019-08-28</a:t>
             </a:fld>
             <a:endParaRPr lang="ko-KR" altLang="en-US"/>
           </a:p>
@@ -4598,7 +4598,7 @@
           <a:p>
             <a:fld id="{854B8C7C-6E31-426F-8F34-C8F8AB49591C}" type="datetimeFigureOut">
               <a:rPr lang="ko-KR" altLang="en-US" smtClean="0"/>
-              <a:t>2019-08-27</a:t>
+              <a:t>2019-08-28</a:t>
             </a:fld>
             <a:endParaRPr lang="ko-KR" altLang="en-US"/>
           </a:p>
@@ -4875,7 +4875,7 @@
           <a:p>
             <a:fld id="{854B8C7C-6E31-426F-8F34-C8F8AB49591C}" type="datetimeFigureOut">
               <a:rPr lang="ko-KR" altLang="en-US" smtClean="0"/>
-              <a:t>2019-08-27</a:t>
+              <a:t>2019-08-28</a:t>
             </a:fld>
             <a:endParaRPr lang="ko-KR" altLang="en-US"/>
           </a:p>
@@ -5128,7 +5128,7 @@
           <a:p>
             <a:fld id="{854B8C7C-6E31-426F-8F34-C8F8AB49591C}" type="datetimeFigureOut">
               <a:rPr lang="ko-KR" altLang="en-US" smtClean="0"/>
-              <a:t>2019-08-27</a:t>
+              <a:t>2019-08-28</a:t>
             </a:fld>
             <a:endParaRPr lang="ko-KR" altLang="en-US"/>
           </a:p>
@@ -5359,7 +5359,7 @@
           <a:p>
             <a:fld id="{854B8C7C-6E31-426F-8F34-C8F8AB49591C}" type="datetimeFigureOut">
               <a:rPr lang="ko-KR" altLang="en-US" smtClean="0"/>
-              <a:t>2019-08-27</a:t>
+              <a:t>2019-08-28</a:t>
             </a:fld>
             <a:endParaRPr lang="ko-KR" altLang="en-US"/>
           </a:p>
@@ -10387,17 +10387,7 @@
                 <a:latin typeface="나눔고딕" panose="020D0604000000000000" pitchFamily="50" charset="-127"/>
                 <a:ea typeface="나눔고딕" panose="020D0604000000000000" pitchFamily="50" charset="-127"/>
               </a:rPr>
-              <a:t> 잘 따라와줘서 </a:t>
-            </a:r>
-            <a:r>
-              <a:rPr lang="ko-KR" altLang="en-US" sz="2900" dirty="0" smtClean="0">
-                <a:solidFill>
-                  <a:srgbClr val="8F8F8F"/>
-                </a:solidFill>
-                <a:latin typeface="나눔고딕" panose="020D0604000000000000" pitchFamily="50" charset="-127"/>
-                <a:ea typeface="나눔고딕" panose="020D0604000000000000" pitchFamily="50" charset="-127"/>
-              </a:rPr>
-              <a:t>같이</a:t>
+              <a:t> 잘 따라와줘서 같이</a:t>
             </a:r>
             <a:endParaRPr lang="en-US" altLang="ko-KR" sz="2900" dirty="0" smtClean="0">
               <a:solidFill>
@@ -10416,17 +10406,7 @@
                 <a:latin typeface="나눔고딕" panose="020D0604000000000000" pitchFamily="50" charset="-127"/>
                 <a:ea typeface="나눔고딕" panose="020D0604000000000000" pitchFamily="50" charset="-127"/>
               </a:rPr>
-              <a:t>개발하는 </a:t>
-            </a:r>
-            <a:r>
-              <a:rPr lang="ko-KR" altLang="en-US" sz="2900" dirty="0" smtClean="0">
-                <a:solidFill>
-                  <a:srgbClr val="8F8F8F"/>
-                </a:solidFill>
-                <a:latin typeface="나눔고딕" panose="020D0604000000000000" pitchFamily="50" charset="-127"/>
-                <a:ea typeface="나눔고딕" panose="020D0604000000000000" pitchFamily="50" charset="-127"/>
-              </a:rPr>
-              <a:t>보람이 있었습니다</a:t>
+              <a:t>개발하는 보람이 있었습니다</a:t>
             </a:r>
             <a:r>
               <a:rPr lang="en-US" altLang="ko-KR" sz="2900" dirty="0" smtClean="0">
@@ -10532,13 +10512,6 @@
               </a:rPr>
               <a:t>.</a:t>
             </a:r>
-            <a:endParaRPr lang="en-US" altLang="ko-KR" sz="2900" dirty="0" smtClean="0">
-              <a:solidFill>
-                <a:srgbClr val="8F8F8F"/>
-              </a:solidFill>
-              <a:latin typeface="나눔고딕" panose="020D0604000000000000" pitchFamily="50" charset="-127"/>
-              <a:ea typeface="나눔고딕" panose="020D0604000000000000" pitchFamily="50" charset="-127"/>
-            </a:endParaRPr>
           </a:p>
           <a:p>
             <a:endParaRPr lang="en-US" altLang="ko-KR" sz="2900" dirty="0" smtClean="0">
@@ -11344,6 +11317,8 @@
               </a:rPr>
               <a:t>.</a:t>
             </a:r>
+          </a:p>
+          <a:p>
             <a:endParaRPr lang="en-US" altLang="ko-KR" sz="2700" dirty="0" smtClean="0">
               <a:solidFill>
                 <a:srgbClr val="8F8F8F"/>
@@ -11353,6 +11328,79 @@
             </a:endParaRPr>
           </a:p>
           <a:p>
+            <a:r>
+              <a:rPr lang="ko-KR" altLang="en-US" sz="2700" b="1" dirty="0" smtClean="0">
+                <a:solidFill>
+                  <a:srgbClr val="4E4E4E"/>
+                </a:solidFill>
+                <a:latin typeface="나눔고딕" panose="020D0604000000000000" pitchFamily="50" charset="-127"/>
+                <a:ea typeface="나눔고딕" panose="020D0604000000000000" pitchFamily="50" charset="-127"/>
+              </a:rPr>
+              <a:t>이윤성</a:t>
+            </a:r>
+            <a:r>
+              <a:rPr lang="en-US" altLang="ko-KR" sz="2700" b="1" dirty="0" smtClean="0">
+                <a:solidFill>
+                  <a:srgbClr val="4E4E4E"/>
+                </a:solidFill>
+                <a:latin typeface="나눔고딕" panose="020D0604000000000000" pitchFamily="50" charset="-127"/>
+                <a:ea typeface="나눔고딕" panose="020D0604000000000000" pitchFamily="50" charset="-127"/>
+              </a:rPr>
+              <a:t>(WDP) – </a:t>
+            </a:r>
+            <a:r>
+              <a:rPr lang="ko-KR" altLang="en-US" sz="2700" b="1" dirty="0" smtClean="0">
+                <a:solidFill>
+                  <a:srgbClr val="4E4E4E"/>
+                </a:solidFill>
+                <a:latin typeface="나눔고딕" panose="020D0604000000000000" pitchFamily="50" charset="-127"/>
+                <a:ea typeface="나눔고딕" panose="020D0604000000000000" pitchFamily="50" charset="-127"/>
+              </a:rPr>
+              <a:t>기획</a:t>
+            </a:r>
+            <a:r>
+              <a:rPr lang="en-US" altLang="ko-KR" sz="2700" dirty="0" smtClean="0">
+                <a:latin typeface="나눔고딕" panose="020D0604000000000000" pitchFamily="50" charset="-127"/>
+                <a:ea typeface="나눔고딕" panose="020D0604000000000000" pitchFamily="50" charset="-127"/>
+              </a:rPr>
+              <a:t/>
+            </a:r>
+            <a:br>
+              <a:rPr lang="en-US" altLang="ko-KR" sz="2700" dirty="0" smtClean="0">
+                <a:latin typeface="나눔고딕" panose="020D0604000000000000" pitchFamily="50" charset="-127"/>
+                <a:ea typeface="나눔고딕" panose="020D0604000000000000" pitchFamily="50" charset="-127"/>
+              </a:rPr>
+            </a:br>
+            <a:r>
+              <a:rPr lang="ko-KR" altLang="en-US" sz="2700" dirty="0" smtClean="0">
+                <a:solidFill>
+                  <a:srgbClr val="8F8F8F"/>
+                </a:solidFill>
+                <a:latin typeface="나눔고딕" panose="020D0604000000000000" pitchFamily="50" charset="-127"/>
+                <a:ea typeface="나눔고딕" panose="020D0604000000000000" pitchFamily="50" charset="-127"/>
+              </a:rPr>
+              <a:t>게임을 만들면서 회사를 운영하고</a:t>
+            </a:r>
+            <a:r>
+              <a:rPr lang="en-US" altLang="ko-KR" sz="2700" dirty="0" smtClean="0">
+                <a:solidFill>
+                  <a:srgbClr val="8F8F8F"/>
+                </a:solidFill>
+                <a:latin typeface="나눔고딕" panose="020D0604000000000000" pitchFamily="50" charset="-127"/>
+                <a:ea typeface="나눔고딕" panose="020D0604000000000000" pitchFamily="50" charset="-127"/>
+              </a:rPr>
+              <a:t>, </a:t>
+            </a:r>
+            <a:r>
+              <a:rPr lang="ko-KR" altLang="en-US" sz="2700" dirty="0" smtClean="0">
+                <a:solidFill>
+                  <a:srgbClr val="8F8F8F"/>
+                </a:solidFill>
+                <a:latin typeface="나눔고딕" panose="020D0604000000000000" pitchFamily="50" charset="-127"/>
+                <a:ea typeface="나눔고딕" panose="020D0604000000000000" pitchFamily="50" charset="-127"/>
+              </a:rPr>
+              <a:t>직원을 고용하는게 얼마나 힘든지</a:t>
+            </a:r>
             <a:endParaRPr lang="en-US" altLang="ko-KR" sz="2700" dirty="0" smtClean="0">
               <a:solidFill>
                 <a:srgbClr val="8F8F8F"/>
@@ -11363,78 +11411,27 @@
           </a:p>
           <a:p>
             <a:r>
-              <a:rPr lang="ko-KR" altLang="en-US" sz="2700" b="1" dirty="0" smtClean="0">
-                <a:solidFill>
-                  <a:srgbClr val="4E4E4E"/>
-                </a:solidFill>
-                <a:latin typeface="나눔고딕" panose="020D0604000000000000" pitchFamily="50" charset="-127"/>
-                <a:ea typeface="나눔고딕" panose="020D0604000000000000" pitchFamily="50" charset="-127"/>
-              </a:rPr>
-              <a:t>이윤성</a:t>
-            </a:r>
-            <a:r>
-              <a:rPr lang="en-US" altLang="ko-KR" sz="2700" b="1" dirty="0" smtClean="0">
-                <a:solidFill>
-                  <a:srgbClr val="4E4E4E"/>
-                </a:solidFill>
-                <a:latin typeface="나눔고딕" panose="020D0604000000000000" pitchFamily="50" charset="-127"/>
-                <a:ea typeface="나눔고딕" panose="020D0604000000000000" pitchFamily="50" charset="-127"/>
-              </a:rPr>
-              <a:t>(WDP) – </a:t>
-            </a:r>
-            <a:r>
-              <a:rPr lang="ko-KR" altLang="en-US" sz="2700" b="1" dirty="0" smtClean="0">
-                <a:solidFill>
-                  <a:srgbClr val="4E4E4E"/>
-                </a:solidFill>
-                <a:latin typeface="나눔고딕" panose="020D0604000000000000" pitchFamily="50" charset="-127"/>
-                <a:ea typeface="나눔고딕" panose="020D0604000000000000" pitchFamily="50" charset="-127"/>
-              </a:rPr>
-              <a:t>기획</a:t>
+              <a:rPr lang="ko-KR" altLang="en-US" sz="2700" dirty="0" err="1" smtClean="0">
+                <a:solidFill>
+                  <a:srgbClr val="8F8F8F"/>
+                </a:solidFill>
+                <a:latin typeface="나눔고딕" panose="020D0604000000000000" pitchFamily="50" charset="-127"/>
+                <a:ea typeface="나눔고딕" panose="020D0604000000000000" pitchFamily="50" charset="-127"/>
+              </a:rPr>
+              <a:t>알게되었습니다</a:t>
             </a:r>
             <a:r>
               <a:rPr lang="en-US" altLang="ko-KR" sz="2700" dirty="0" smtClean="0">
-                <a:latin typeface="나눔고딕" panose="020D0604000000000000" pitchFamily="50" charset="-127"/>
-                <a:ea typeface="나눔고딕" panose="020D0604000000000000" pitchFamily="50" charset="-127"/>
-              </a:rPr>
-              <a:t/>
-            </a:r>
-            <a:br>
-              <a:rPr lang="en-US" altLang="ko-KR" sz="2700" dirty="0" smtClean="0">
-                <a:latin typeface="나눔고딕" panose="020D0604000000000000" pitchFamily="50" charset="-127"/>
-                <a:ea typeface="나눔고딕" panose="020D0604000000000000" pitchFamily="50" charset="-127"/>
-              </a:rPr>
-            </a:br>
-            <a:r>
-              <a:rPr lang="ko-KR" altLang="en-US" sz="2700" dirty="0" smtClean="0">
                 <a:solidFill>
                   <a:srgbClr val="8F8F8F"/>
                 </a:solidFill>
                 <a:latin typeface="나눔고딕" panose="020D0604000000000000" pitchFamily="50" charset="-127"/>
                 <a:ea typeface="나눔고딕" panose="020D0604000000000000" pitchFamily="50" charset="-127"/>
               </a:rPr>
-              <a:t>게임을 만들면서 회사를 운영하고</a:t>
-            </a:r>
-            <a:r>
-              <a:rPr lang="en-US" altLang="ko-KR" sz="2700" dirty="0" smtClean="0">
-                <a:solidFill>
-                  <a:srgbClr val="8F8F8F"/>
-                </a:solidFill>
-                <a:latin typeface="나눔고딕" panose="020D0604000000000000" pitchFamily="50" charset="-127"/>
-                <a:ea typeface="나눔고딕" panose="020D0604000000000000" pitchFamily="50" charset="-127"/>
-              </a:rPr>
-              <a:t>, </a:t>
-            </a:r>
-            <a:r>
-              <a:rPr lang="ko-KR" altLang="en-US" sz="2700" dirty="0" smtClean="0">
-                <a:solidFill>
-                  <a:srgbClr val="8F8F8F"/>
-                </a:solidFill>
-                <a:latin typeface="나눔고딕" panose="020D0604000000000000" pitchFamily="50" charset="-127"/>
-                <a:ea typeface="나눔고딕" panose="020D0604000000000000" pitchFamily="50" charset="-127"/>
-              </a:rPr>
-              <a:t>직원을 고용하는게 얼마나 힘든지</a:t>
-            </a:r>
+              <a:t>.</a:t>
+            </a:r>
+          </a:p>
+          <a:p>
             <a:endParaRPr lang="en-US" altLang="ko-KR" sz="2700" dirty="0" smtClean="0">
               <a:solidFill>
                 <a:srgbClr val="8F8F8F"/>
@@ -11445,44 +11442,6 @@
           </a:p>
           <a:p>
             <a:r>
-              <a:rPr lang="ko-KR" altLang="en-US" sz="2700" dirty="0" err="1" smtClean="0">
-                <a:solidFill>
-                  <a:srgbClr val="8F8F8F"/>
-                </a:solidFill>
-                <a:latin typeface="나눔고딕" panose="020D0604000000000000" pitchFamily="50" charset="-127"/>
-                <a:ea typeface="나눔고딕" panose="020D0604000000000000" pitchFamily="50" charset="-127"/>
-              </a:rPr>
-              <a:t>알게되었습니다</a:t>
-            </a:r>
-            <a:r>
-              <a:rPr lang="en-US" altLang="ko-KR" sz="2700" dirty="0" smtClean="0">
-                <a:solidFill>
-                  <a:srgbClr val="8F8F8F"/>
-                </a:solidFill>
-                <a:latin typeface="나눔고딕" panose="020D0604000000000000" pitchFamily="50" charset="-127"/>
-                <a:ea typeface="나눔고딕" panose="020D0604000000000000" pitchFamily="50" charset="-127"/>
-              </a:rPr>
-              <a:t>.</a:t>
-            </a:r>
-            <a:endParaRPr lang="en-US" altLang="ko-KR" sz="2700" dirty="0" smtClean="0">
-              <a:solidFill>
-                <a:srgbClr val="8F8F8F"/>
-              </a:solidFill>
-              <a:latin typeface="나눔고딕" panose="020D0604000000000000" pitchFamily="50" charset="-127"/>
-              <a:ea typeface="나눔고딕" panose="020D0604000000000000" pitchFamily="50" charset="-127"/>
-            </a:endParaRPr>
-          </a:p>
-          <a:p>
-            <a:endParaRPr lang="en-US" altLang="ko-KR" sz="2700" dirty="0" smtClean="0">
-              <a:solidFill>
-                <a:srgbClr val="8F8F8F"/>
-              </a:solidFill>
-              <a:latin typeface="나눔고딕" panose="020D0604000000000000" pitchFamily="50" charset="-127"/>
-              <a:ea typeface="나눔고딕" panose="020D0604000000000000" pitchFamily="50" charset="-127"/>
-            </a:endParaRPr>
-          </a:p>
-          <a:p>
-            <a:r>
               <a:rPr lang="ko-KR" altLang="en-US" sz="2700" b="1" dirty="0" err="1" smtClean="0">
                 <a:solidFill>
                   <a:srgbClr val="4E4E4E"/>
@@ -11555,13 +11514,6 @@
               </a:rPr>
               <a:t>.^^</a:t>
             </a:r>
-            <a:endParaRPr lang="en-US" altLang="ko-KR" sz="2700" dirty="0" smtClean="0">
-              <a:solidFill>
-                <a:srgbClr val="8F8F8F"/>
-              </a:solidFill>
-              <a:latin typeface="나눔고딕" panose="020D0604000000000000" pitchFamily="50" charset="-127"/>
-              <a:ea typeface="나눔고딕" panose="020D0604000000000000" pitchFamily="50" charset="-127"/>
-            </a:endParaRPr>
           </a:p>
           <a:p>
             <a:endParaRPr lang="en-US" altLang="ko-KR" sz="2700" dirty="0">
@@ -12688,25 +12640,6 @@
           </a:prstGeom>
         </p:spPr>
       </p:pic>
-      <p:sp>
-        <p:nvSpPr>
-          <p:cNvPr id="2" name="제목 1"/>
-          <p:cNvSpPr>
-            <a:spLocks noGrp="1"/>
-          </p:cNvSpPr>
-          <p:nvPr>
-            <p:ph type="title"/>
-          </p:nvPr>
-        </p:nvSpPr>
-        <p:spPr/>
-        <p:txBody>
-          <a:bodyPr/>
-          <a:lstStyle/>
-          <a:p>
-            <a:endParaRPr lang="ko-KR" altLang="en-US"/>
-          </a:p>
-        </p:txBody>
-      </p:sp>
       <p:pic>
         <p:nvPicPr>
           <p:cNvPr id="6" name="내용 개체 틀 5"/>
